--- a/Cockpit compact.pptx
+++ b/Cockpit compact.pptx
@@ -8,7 +8,8 @@
     <p:sldId id="256" r:id="rId2"/>
     <p:sldId id="259" r:id="rId3"/>
     <p:sldId id="258" r:id="rId4"/>
-    <p:sldId id="257" r:id="rId5"/>
+    <p:sldId id="260" r:id="rId5"/>
+    <p:sldId id="257" r:id="rId6"/>
   </p:sldIdLst>
   <p:sldSz cx="18961100" cy="16402050"/>
   <p:notesSz cx="6858000" cy="9144000"/>
@@ -118,7 +119,7 @@
 <file path=ppt/revisionInfo.xml><?xml version="1.0" encoding="utf-8"?>
 <p1510:revInfo xmlns:a="http://schemas.openxmlformats.org/drawingml/2006/main" xmlns:r="http://schemas.openxmlformats.org/officeDocument/2006/relationships" xmlns:p1510="http://schemas.microsoft.com/office/powerpoint/2015/10/main">
   <p1510:revLst>
-    <p1510:client id="{4C97109B-4EA2-44DC-A7F9-24131C0C41D0}" v="70" dt="2024-10-15T07:34:21.822"/>
+    <p1510:client id="{4C97109B-4EA2-44DC-A7F9-24131C0C41D0}" v="102" dt="2024-10-15T12:56:57.052"/>
   </p1510:revLst>
 </p1510:revInfo>
 </file>
@@ -128,7 +129,7 @@
   <pc:docChgLst>
     <pc:chgData name="Laurent VROMMAN" userId="a0d1f88c-10b2-4f3c-9228-f32aeaf99027" providerId="ADAL" clId="{4C97109B-4EA2-44DC-A7F9-24131C0C41D0}"/>
     <pc:docChg chg="undo custSel addSld modSld">
-      <pc:chgData name="Laurent VROMMAN" userId="a0d1f88c-10b2-4f3c-9228-f32aeaf99027" providerId="ADAL" clId="{4C97109B-4EA2-44DC-A7F9-24131C0C41D0}" dt="2024-10-15T07:49:49.723" v="526" actId="478"/>
+      <pc:chgData name="Laurent VROMMAN" userId="a0d1f88c-10b2-4f3c-9228-f32aeaf99027" providerId="ADAL" clId="{4C97109B-4EA2-44DC-A7F9-24131C0C41D0}" dt="2024-10-15T12:57:08.548" v="1016" actId="14100"/>
       <pc:docMkLst>
         <pc:docMk/>
       </pc:docMkLst>
@@ -1194,7 +1195,7 @@
         </pc:picChg>
       </pc:sldChg>
       <pc:sldChg chg="addSp delSp modSp new mod">
-        <pc:chgData name="Laurent VROMMAN" userId="a0d1f88c-10b2-4f3c-9228-f32aeaf99027" providerId="ADAL" clId="{4C97109B-4EA2-44DC-A7F9-24131C0C41D0}" dt="2024-10-15T07:49:29.795" v="524" actId="478"/>
+        <pc:chgData name="Laurent VROMMAN" userId="a0d1f88c-10b2-4f3c-9228-f32aeaf99027" providerId="ADAL" clId="{4C97109B-4EA2-44DC-A7F9-24131C0C41D0}" dt="2024-10-15T12:42:27.989" v="754" actId="5793"/>
         <pc:sldMkLst>
           <pc:docMk/>
           <pc:sldMk cId="4257809185" sldId="259"/>
@@ -1359,6 +1360,14 @@
             <ac:spMk id="28" creationId="{546D1A66-DB02-4BBF-238D-173975F42AEA}"/>
           </ac:spMkLst>
         </pc:spChg>
+        <pc:spChg chg="add mod">
+          <ac:chgData name="Laurent VROMMAN" userId="a0d1f88c-10b2-4f3c-9228-f32aeaf99027" providerId="ADAL" clId="{4C97109B-4EA2-44DC-A7F9-24131C0C41D0}" dt="2024-10-15T12:42:27.989" v="754" actId="5793"/>
+          <ac:spMkLst>
+            <pc:docMk/>
+            <pc:sldMk cId="4257809185" sldId="259"/>
+            <ac:spMk id="29" creationId="{37740FD5-2B2C-D544-B29D-F531503ECCFA}"/>
+          </ac:spMkLst>
+        </pc:spChg>
         <pc:spChg chg="add del mod">
           <ac:chgData name="Laurent VROMMAN" userId="a0d1f88c-10b2-4f3c-9228-f32aeaf99027" providerId="ADAL" clId="{4C97109B-4EA2-44DC-A7F9-24131C0C41D0}" dt="2024-10-15T07:14:20.031" v="360" actId="478"/>
           <ac:spMkLst>
@@ -1632,7 +1641,7 @@
           </ac:spMkLst>
         </pc:spChg>
         <pc:spChg chg="add mod">
-          <ac:chgData name="Laurent VROMMAN" userId="a0d1f88c-10b2-4f3c-9228-f32aeaf99027" providerId="ADAL" clId="{4C97109B-4EA2-44DC-A7F9-24131C0C41D0}" dt="2024-10-15T07:13:55.266" v="358" actId="164"/>
+          <ac:chgData name="Laurent VROMMAN" userId="a0d1f88c-10b2-4f3c-9228-f32aeaf99027" providerId="ADAL" clId="{4C97109B-4EA2-44DC-A7F9-24131C0C41D0}" dt="2024-10-15T12:42:04.034" v="732" actId="20577"/>
           <ac:spMkLst>
             <pc:docMk/>
             <pc:sldMk cId="4257809185" sldId="259"/>
@@ -1648,7 +1657,7 @@
           </ac:spMkLst>
         </pc:spChg>
         <pc:spChg chg="add mod">
-          <ac:chgData name="Laurent VROMMAN" userId="a0d1f88c-10b2-4f3c-9228-f32aeaf99027" providerId="ADAL" clId="{4C97109B-4EA2-44DC-A7F9-24131C0C41D0}" dt="2024-10-15T07:13:55.266" v="358" actId="164"/>
+          <ac:chgData name="Laurent VROMMAN" userId="a0d1f88c-10b2-4f3c-9228-f32aeaf99027" providerId="ADAL" clId="{4C97109B-4EA2-44DC-A7F9-24131C0C41D0}" dt="2024-10-15T12:42:01.563" v="728" actId="20577"/>
           <ac:spMkLst>
             <pc:docMk/>
             <pc:sldMk cId="4257809185" sldId="259"/>
@@ -2087,6 +2096,14 @@
             <ac:grpSpMk id="44" creationId="{FC6E2ADC-C0C7-7A1D-3888-8B7962294437}"/>
           </ac:grpSpMkLst>
         </pc:grpChg>
+        <pc:cxnChg chg="add del mod">
+          <ac:chgData name="Laurent VROMMAN" userId="a0d1f88c-10b2-4f3c-9228-f32aeaf99027" providerId="ADAL" clId="{4C97109B-4EA2-44DC-A7F9-24131C0C41D0}" dt="2024-10-15T12:42:12.531" v="734" actId="11529"/>
+          <ac:cxnSpMkLst>
+            <pc:docMk/>
+            <pc:sldMk cId="4257809185" sldId="259"/>
+            <ac:cxnSpMk id="3" creationId="{0032588D-45B9-8627-C219-A3BA3B8614BF}"/>
+          </ac:cxnSpMkLst>
+        </pc:cxnChg>
         <pc:cxnChg chg="add mod">
           <ac:chgData name="Laurent VROMMAN" userId="a0d1f88c-10b2-4f3c-9228-f32aeaf99027" providerId="ADAL" clId="{4C97109B-4EA2-44DC-A7F9-24131C0C41D0}" dt="2024-10-15T07:14:04.564" v="359" actId="164"/>
           <ac:cxnSpMkLst>
@@ -2349,6 +2366,541 @@
             <pc:docMk/>
             <pc:sldMk cId="4257809185" sldId="259"/>
             <ac:cxnSpMk id="134" creationId="{0C3006A0-51D2-CF7B-7D44-9FFBF5717C05}"/>
+          </ac:cxnSpMkLst>
+        </pc:cxnChg>
+      </pc:sldChg>
+      <pc:sldChg chg="addSp delSp modSp new mod">
+        <pc:chgData name="Laurent VROMMAN" userId="a0d1f88c-10b2-4f3c-9228-f32aeaf99027" providerId="ADAL" clId="{4C97109B-4EA2-44DC-A7F9-24131C0C41D0}" dt="2024-10-15T12:57:08.548" v="1016" actId="14100"/>
+        <pc:sldMkLst>
+          <pc:docMk/>
+          <pc:sldMk cId="4200484817" sldId="260"/>
+        </pc:sldMkLst>
+        <pc:spChg chg="del">
+          <ac:chgData name="Laurent VROMMAN" userId="a0d1f88c-10b2-4f3c-9228-f32aeaf99027" providerId="ADAL" clId="{4C97109B-4EA2-44DC-A7F9-24131C0C41D0}" dt="2024-10-15T12:29:28.837" v="528" actId="478"/>
+          <ac:spMkLst>
+            <pc:docMk/>
+            <pc:sldMk cId="4200484817" sldId="260"/>
+            <ac:spMk id="2" creationId="{C774E2DE-D3CC-1599-FE38-88463402DB70}"/>
+          </ac:spMkLst>
+        </pc:spChg>
+        <pc:spChg chg="del">
+          <ac:chgData name="Laurent VROMMAN" userId="a0d1f88c-10b2-4f3c-9228-f32aeaf99027" providerId="ADAL" clId="{4C97109B-4EA2-44DC-A7F9-24131C0C41D0}" dt="2024-10-15T12:29:28.837" v="528" actId="478"/>
+          <ac:spMkLst>
+            <pc:docMk/>
+            <pc:sldMk cId="4200484817" sldId="260"/>
+            <ac:spMk id="3" creationId="{B07A2D11-0823-6A90-C02B-7FC2F32DCAB6}"/>
+          </ac:spMkLst>
+        </pc:spChg>
+        <pc:spChg chg="add mod">
+          <ac:chgData name="Laurent VROMMAN" userId="a0d1f88c-10b2-4f3c-9228-f32aeaf99027" providerId="ADAL" clId="{4C97109B-4EA2-44DC-A7F9-24131C0C41D0}" dt="2024-10-15T12:29:57.561" v="549" actId="20577"/>
+          <ac:spMkLst>
+            <pc:docMk/>
+            <pc:sldMk cId="4200484817" sldId="260"/>
+            <ac:spMk id="4" creationId="{E35EF995-6186-E269-8008-995597A3393F}"/>
+          </ac:spMkLst>
+        </pc:spChg>
+        <pc:spChg chg="add mod">
+          <ac:chgData name="Laurent VROMMAN" userId="a0d1f88c-10b2-4f3c-9228-f32aeaf99027" providerId="ADAL" clId="{4C97109B-4EA2-44DC-A7F9-24131C0C41D0}" dt="2024-10-15T12:30:22.819" v="560" actId="1076"/>
+          <ac:spMkLst>
+            <pc:docMk/>
+            <pc:sldMk cId="4200484817" sldId="260"/>
+            <ac:spMk id="5" creationId="{650A9E15-4778-302B-B615-0ECCBAD6B416}"/>
+          </ac:spMkLst>
+        </pc:spChg>
+        <pc:spChg chg="add mod">
+          <ac:chgData name="Laurent VROMMAN" userId="a0d1f88c-10b2-4f3c-9228-f32aeaf99027" providerId="ADAL" clId="{4C97109B-4EA2-44DC-A7F9-24131C0C41D0}" dt="2024-10-15T12:31:09.492" v="566" actId="1076"/>
+          <ac:spMkLst>
+            <pc:docMk/>
+            <pc:sldMk cId="4200484817" sldId="260"/>
+            <ac:spMk id="6" creationId="{B521F5AA-3FC8-A15A-8900-DF9685BD08C0}"/>
+          </ac:spMkLst>
+        </pc:spChg>
+        <pc:spChg chg="add mod">
+          <ac:chgData name="Laurent VROMMAN" userId="a0d1f88c-10b2-4f3c-9228-f32aeaf99027" providerId="ADAL" clId="{4C97109B-4EA2-44DC-A7F9-24131C0C41D0}" dt="2024-10-15T12:34:34.985" v="582" actId="1076"/>
+          <ac:spMkLst>
+            <pc:docMk/>
+            <pc:sldMk cId="4200484817" sldId="260"/>
+            <ac:spMk id="7" creationId="{39F1DB51-7807-A7A2-E946-F05377F61D3B}"/>
+          </ac:spMkLst>
+        </pc:spChg>
+        <pc:spChg chg="add mod">
+          <ac:chgData name="Laurent VROMMAN" userId="a0d1f88c-10b2-4f3c-9228-f32aeaf99027" providerId="ADAL" clId="{4C97109B-4EA2-44DC-A7F9-24131C0C41D0}" dt="2024-10-15T12:39:05.318" v="686" actId="1036"/>
+          <ac:spMkLst>
+            <pc:docMk/>
+            <pc:sldMk cId="4200484817" sldId="260"/>
+            <ac:spMk id="8" creationId="{DF5136C2-7FF3-5EFB-23F1-95EC4B7CF5FF}"/>
+          </ac:spMkLst>
+        </pc:spChg>
+        <pc:spChg chg="add mod">
+          <ac:chgData name="Laurent VROMMAN" userId="a0d1f88c-10b2-4f3c-9228-f32aeaf99027" providerId="ADAL" clId="{4C97109B-4EA2-44DC-A7F9-24131C0C41D0}" dt="2024-10-15T12:39:05.318" v="686" actId="1036"/>
+          <ac:spMkLst>
+            <pc:docMk/>
+            <pc:sldMk cId="4200484817" sldId="260"/>
+            <ac:spMk id="9" creationId="{5567B78D-A7C5-9D2B-BBDC-A10D9C1F904D}"/>
+          </ac:spMkLst>
+        </pc:spChg>
+        <pc:spChg chg="add mod">
+          <ac:chgData name="Laurent VROMMAN" userId="a0d1f88c-10b2-4f3c-9228-f32aeaf99027" providerId="ADAL" clId="{4C97109B-4EA2-44DC-A7F9-24131C0C41D0}" dt="2024-10-15T12:30:58.453" v="563"/>
+          <ac:spMkLst>
+            <pc:docMk/>
+            <pc:sldMk cId="4200484817" sldId="260"/>
+            <ac:spMk id="10" creationId="{81E1C9F9-054C-2ADC-57EB-CDEF1EC0B02A}"/>
+          </ac:spMkLst>
+        </pc:spChg>
+        <pc:spChg chg="add mod">
+          <ac:chgData name="Laurent VROMMAN" userId="a0d1f88c-10b2-4f3c-9228-f32aeaf99027" providerId="ADAL" clId="{4C97109B-4EA2-44DC-A7F9-24131C0C41D0}" dt="2024-10-15T12:39:16.055" v="694" actId="20577"/>
+          <ac:spMkLst>
+            <pc:docMk/>
+            <pc:sldMk cId="4200484817" sldId="260"/>
+            <ac:spMk id="11" creationId="{24A72213-6876-5DE6-D9B3-2189514F1A17}"/>
+          </ac:spMkLst>
+        </pc:spChg>
+        <pc:spChg chg="add mod">
+          <ac:chgData name="Laurent VROMMAN" userId="a0d1f88c-10b2-4f3c-9228-f32aeaf99027" providerId="ADAL" clId="{4C97109B-4EA2-44DC-A7F9-24131C0C41D0}" dt="2024-10-15T12:39:05.318" v="686" actId="1036"/>
+          <ac:spMkLst>
+            <pc:docMk/>
+            <pc:sldMk cId="4200484817" sldId="260"/>
+            <ac:spMk id="12" creationId="{CE5D2692-8A38-D062-FED1-3F72BE79E7E1}"/>
+          </ac:spMkLst>
+        </pc:spChg>
+        <pc:spChg chg="add mod">
+          <ac:chgData name="Laurent VROMMAN" userId="a0d1f88c-10b2-4f3c-9228-f32aeaf99027" providerId="ADAL" clId="{4C97109B-4EA2-44DC-A7F9-24131C0C41D0}" dt="2024-10-15T12:33:37.817" v="580" actId="20577"/>
+          <ac:spMkLst>
+            <pc:docMk/>
+            <pc:sldMk cId="4200484817" sldId="260"/>
+            <ac:spMk id="13" creationId="{0FF64DEF-339C-73D2-8134-DE7D25CA607A}"/>
+          </ac:spMkLst>
+        </pc:spChg>
+        <pc:spChg chg="add mod">
+          <ac:chgData name="Laurent VROMMAN" userId="a0d1f88c-10b2-4f3c-9228-f32aeaf99027" providerId="ADAL" clId="{4C97109B-4EA2-44DC-A7F9-24131C0C41D0}" dt="2024-10-15T12:34:46.633" v="594" actId="20577"/>
+          <ac:spMkLst>
+            <pc:docMk/>
+            <pc:sldMk cId="4200484817" sldId="260"/>
+            <ac:spMk id="14" creationId="{8DACD869-2199-64E1-5220-7C389C17EA3E}"/>
+          </ac:spMkLst>
+        </pc:spChg>
+        <pc:spChg chg="add mod">
+          <ac:chgData name="Laurent VROMMAN" userId="a0d1f88c-10b2-4f3c-9228-f32aeaf99027" providerId="ADAL" clId="{4C97109B-4EA2-44DC-A7F9-24131C0C41D0}" dt="2024-10-15T12:41:22.622" v="722"/>
+          <ac:spMkLst>
+            <pc:docMk/>
+            <pc:sldMk cId="4200484817" sldId="260"/>
+            <ac:spMk id="15" creationId="{E904075C-FB13-FE3D-0C50-830A09AECE96}"/>
+          </ac:spMkLst>
+        </pc:spChg>
+        <pc:spChg chg="add mod">
+          <ac:chgData name="Laurent VROMMAN" userId="a0d1f88c-10b2-4f3c-9228-f32aeaf99027" providerId="ADAL" clId="{4C97109B-4EA2-44DC-A7F9-24131C0C41D0}" dt="2024-10-15T12:32:30.344" v="572" actId="1582"/>
+          <ac:spMkLst>
+            <pc:docMk/>
+            <pc:sldMk cId="4200484817" sldId="260"/>
+            <ac:spMk id="16" creationId="{A4E9A137-7AB3-20E6-C7F2-C1458FF0B540}"/>
+          </ac:spMkLst>
+        </pc:spChg>
+        <pc:spChg chg="add mod">
+          <ac:chgData name="Laurent VROMMAN" userId="a0d1f88c-10b2-4f3c-9228-f32aeaf99027" providerId="ADAL" clId="{4C97109B-4EA2-44DC-A7F9-24131C0C41D0}" dt="2024-10-15T12:39:08.886" v="687" actId="1076"/>
+          <ac:spMkLst>
+            <pc:docMk/>
+            <pc:sldMk cId="4200484817" sldId="260"/>
+            <ac:spMk id="17" creationId="{CF0045EA-0106-509A-E91F-8F229C8853F7}"/>
+          </ac:spMkLst>
+        </pc:spChg>
+        <pc:spChg chg="add mod">
+          <ac:chgData name="Laurent VROMMAN" userId="a0d1f88c-10b2-4f3c-9228-f32aeaf99027" providerId="ADAL" clId="{4C97109B-4EA2-44DC-A7F9-24131C0C41D0}" dt="2024-10-15T12:35:00.472" v="599" actId="20577"/>
+          <ac:spMkLst>
+            <pc:docMk/>
+            <pc:sldMk cId="4200484817" sldId="260"/>
+            <ac:spMk id="18" creationId="{F94A429C-8706-E6E5-92A2-7E85CA929B66}"/>
+          </ac:spMkLst>
+        </pc:spChg>
+        <pc:spChg chg="add mod">
+          <ac:chgData name="Laurent VROMMAN" userId="a0d1f88c-10b2-4f3c-9228-f32aeaf99027" providerId="ADAL" clId="{4C97109B-4EA2-44DC-A7F9-24131C0C41D0}" dt="2024-10-15T12:39:05.318" v="686" actId="1036"/>
+          <ac:spMkLst>
+            <pc:docMk/>
+            <pc:sldMk cId="4200484817" sldId="260"/>
+            <ac:spMk id="19" creationId="{94546D7A-AD18-5049-0023-94E7E2665552}"/>
+          </ac:spMkLst>
+        </pc:spChg>
+        <pc:spChg chg="add mod">
+          <ac:chgData name="Laurent VROMMAN" userId="a0d1f88c-10b2-4f3c-9228-f32aeaf99027" providerId="ADAL" clId="{4C97109B-4EA2-44DC-A7F9-24131C0C41D0}" dt="2024-10-15T12:39:05.318" v="686" actId="1036"/>
+          <ac:spMkLst>
+            <pc:docMk/>
+            <pc:sldMk cId="4200484817" sldId="260"/>
+            <ac:spMk id="20" creationId="{0DA4F365-C0D7-1E13-4A9B-854F50C438A0}"/>
+          </ac:spMkLst>
+        </pc:spChg>
+        <pc:spChg chg="add mod">
+          <ac:chgData name="Laurent VROMMAN" userId="a0d1f88c-10b2-4f3c-9228-f32aeaf99027" providerId="ADAL" clId="{4C97109B-4EA2-44DC-A7F9-24131C0C41D0}" dt="2024-10-15T12:36:43.277" v="607" actId="1076"/>
+          <ac:spMkLst>
+            <pc:docMk/>
+            <pc:sldMk cId="4200484817" sldId="260"/>
+            <ac:spMk id="21" creationId="{A9A53BAA-6F57-6D8E-B19F-AD0620AB34AC}"/>
+          </ac:spMkLst>
+        </pc:spChg>
+        <pc:spChg chg="add mod">
+          <ac:chgData name="Laurent VROMMAN" userId="a0d1f88c-10b2-4f3c-9228-f32aeaf99027" providerId="ADAL" clId="{4C97109B-4EA2-44DC-A7F9-24131C0C41D0}" dt="2024-10-15T12:36:47.119" v="609" actId="1076"/>
+          <ac:spMkLst>
+            <pc:docMk/>
+            <pc:sldMk cId="4200484817" sldId="260"/>
+            <ac:spMk id="22" creationId="{C55904DC-035D-AD07-8D53-5992B7E7A229}"/>
+          </ac:spMkLst>
+        </pc:spChg>
+        <pc:spChg chg="add mod">
+          <ac:chgData name="Laurent VROMMAN" userId="a0d1f88c-10b2-4f3c-9228-f32aeaf99027" providerId="ADAL" clId="{4C97109B-4EA2-44DC-A7F9-24131C0C41D0}" dt="2024-10-15T12:37:12.894" v="618" actId="1076"/>
+          <ac:spMkLst>
+            <pc:docMk/>
+            <pc:sldMk cId="4200484817" sldId="260"/>
+            <ac:spMk id="23" creationId="{FF1AA791-7F77-C538-40F0-3C5BCA93BCCE}"/>
+          </ac:spMkLst>
+        </pc:spChg>
+        <pc:spChg chg="add del mod">
+          <ac:chgData name="Laurent VROMMAN" userId="a0d1f88c-10b2-4f3c-9228-f32aeaf99027" providerId="ADAL" clId="{4C97109B-4EA2-44DC-A7F9-24131C0C41D0}" dt="2024-10-15T12:53:52.414" v="958" actId="478"/>
+          <ac:spMkLst>
+            <pc:docMk/>
+            <pc:sldMk cId="4200484817" sldId="260"/>
+            <ac:spMk id="24" creationId="{3042AB6D-9DFF-8C10-81CD-8B601AF9FFD5}"/>
+          </ac:spMkLst>
+        </pc:spChg>
+        <pc:spChg chg="add mod">
+          <ac:chgData name="Laurent VROMMAN" userId="a0d1f88c-10b2-4f3c-9228-f32aeaf99027" providerId="ADAL" clId="{4C97109B-4EA2-44DC-A7F9-24131C0C41D0}" dt="2024-10-15T12:56:28.184" v="1007" actId="1076"/>
+          <ac:spMkLst>
+            <pc:docMk/>
+            <pc:sldMk cId="4200484817" sldId="260"/>
+            <ac:spMk id="25" creationId="{8CF75716-0AB9-8C66-275B-1964333D17AA}"/>
+          </ac:spMkLst>
+        </pc:spChg>
+        <pc:spChg chg="add mod">
+          <ac:chgData name="Laurent VROMMAN" userId="a0d1f88c-10b2-4f3c-9228-f32aeaf99027" providerId="ADAL" clId="{4C97109B-4EA2-44DC-A7F9-24131C0C41D0}" dt="2024-10-15T12:38:29.142" v="638" actId="1038"/>
+          <ac:spMkLst>
+            <pc:docMk/>
+            <pc:sldMk cId="4200484817" sldId="260"/>
+            <ac:spMk id="26" creationId="{767BB498-ABF4-0562-BC0B-341ABD582CD3}"/>
+          </ac:spMkLst>
+        </pc:spChg>
+        <pc:spChg chg="add mod">
+          <ac:chgData name="Laurent VROMMAN" userId="a0d1f88c-10b2-4f3c-9228-f32aeaf99027" providerId="ADAL" clId="{4C97109B-4EA2-44DC-A7F9-24131C0C41D0}" dt="2024-10-15T12:38:42.255" v="663" actId="1035"/>
+          <ac:spMkLst>
+            <pc:docMk/>
+            <pc:sldMk cId="4200484817" sldId="260"/>
+            <ac:spMk id="27" creationId="{2A059AF5-CAB9-B755-A69F-312CA88D5356}"/>
+          </ac:spMkLst>
+        </pc:spChg>
+        <pc:spChg chg="add mod">
+          <ac:chgData name="Laurent VROMMAN" userId="a0d1f88c-10b2-4f3c-9228-f32aeaf99027" providerId="ADAL" clId="{4C97109B-4EA2-44DC-A7F9-24131C0C41D0}" dt="2024-10-15T12:38:42.255" v="663" actId="1035"/>
+          <ac:spMkLst>
+            <pc:docMk/>
+            <pc:sldMk cId="4200484817" sldId="260"/>
+            <ac:spMk id="28" creationId="{B33A5ED2-4F95-6CF6-DD8F-88953F1AFB6B}"/>
+          </ac:spMkLst>
+        </pc:spChg>
+        <pc:spChg chg="add mod">
+          <ac:chgData name="Laurent VROMMAN" userId="a0d1f88c-10b2-4f3c-9228-f32aeaf99027" providerId="ADAL" clId="{4C97109B-4EA2-44DC-A7F9-24131C0C41D0}" dt="2024-10-15T12:43:22.283" v="763" actId="1076"/>
+          <ac:spMkLst>
+            <pc:docMk/>
+            <pc:sldMk cId="4200484817" sldId="260"/>
+            <ac:spMk id="29" creationId="{F1B0CC37-90CB-0CE1-987D-D7551E924CA2}"/>
+          </ac:spMkLst>
+        </pc:spChg>
+        <pc:spChg chg="add mod">
+          <ac:chgData name="Laurent VROMMAN" userId="a0d1f88c-10b2-4f3c-9228-f32aeaf99027" providerId="ADAL" clId="{4C97109B-4EA2-44DC-A7F9-24131C0C41D0}" dt="2024-10-15T12:54:21.203" v="964" actId="1076"/>
+          <ac:spMkLst>
+            <pc:docMk/>
+            <pc:sldMk cId="4200484817" sldId="260"/>
+            <ac:spMk id="31" creationId="{FD77275B-682B-0DD3-2328-1A6238305DBC}"/>
+          </ac:spMkLst>
+        </pc:spChg>
+        <pc:spChg chg="add mod">
+          <ac:chgData name="Laurent VROMMAN" userId="a0d1f88c-10b2-4f3c-9228-f32aeaf99027" providerId="ADAL" clId="{4C97109B-4EA2-44DC-A7F9-24131C0C41D0}" dt="2024-10-15T12:43:09.242" v="761" actId="1076"/>
+          <ac:spMkLst>
+            <pc:docMk/>
+            <pc:sldMk cId="4200484817" sldId="260"/>
+            <ac:spMk id="33" creationId="{EEBBAB54-9B00-05C5-0282-8BB4BCF88A9C}"/>
+          </ac:spMkLst>
+        </pc:spChg>
+        <pc:spChg chg="add mod">
+          <ac:chgData name="Laurent VROMMAN" userId="a0d1f88c-10b2-4f3c-9228-f32aeaf99027" providerId="ADAL" clId="{4C97109B-4EA2-44DC-A7F9-24131C0C41D0}" dt="2024-10-15T12:53:55.816" v="959" actId="1076"/>
+          <ac:spMkLst>
+            <pc:docMk/>
+            <pc:sldMk cId="4200484817" sldId="260"/>
+            <ac:spMk id="36" creationId="{F5797453-977E-ED16-50FC-9EAEE3EEE4DC}"/>
+          </ac:spMkLst>
+        </pc:spChg>
+        <pc:spChg chg="add mod">
+          <ac:chgData name="Laurent VROMMAN" userId="a0d1f88c-10b2-4f3c-9228-f32aeaf99027" providerId="ADAL" clId="{4C97109B-4EA2-44DC-A7F9-24131C0C41D0}" dt="2024-10-15T12:44:22.539" v="794" actId="207"/>
+          <ac:spMkLst>
+            <pc:docMk/>
+            <pc:sldMk cId="4200484817" sldId="260"/>
+            <ac:spMk id="38" creationId="{6D1157A6-EAF4-C12C-C2C9-EBFAACF97F3D}"/>
+          </ac:spMkLst>
+        </pc:spChg>
+        <pc:spChg chg="add mod">
+          <ac:chgData name="Laurent VROMMAN" userId="a0d1f88c-10b2-4f3c-9228-f32aeaf99027" providerId="ADAL" clId="{4C97109B-4EA2-44DC-A7F9-24131C0C41D0}" dt="2024-10-15T12:44:57.817" v="802" actId="207"/>
+          <ac:spMkLst>
+            <pc:docMk/>
+            <pc:sldMk cId="4200484817" sldId="260"/>
+            <ac:spMk id="42" creationId="{C3E811BB-DEAD-163A-2871-88816D8179E7}"/>
+          </ac:spMkLst>
+        </pc:spChg>
+        <pc:spChg chg="add mod">
+          <ac:chgData name="Laurent VROMMAN" userId="a0d1f88c-10b2-4f3c-9228-f32aeaf99027" providerId="ADAL" clId="{4C97109B-4EA2-44DC-A7F9-24131C0C41D0}" dt="2024-10-15T12:54:27.360" v="965" actId="1076"/>
+          <ac:spMkLst>
+            <pc:docMk/>
+            <pc:sldMk cId="4200484817" sldId="260"/>
+            <ac:spMk id="48" creationId="{6253C88C-42FC-27AC-7BD4-EC23D9590DFB}"/>
+          </ac:spMkLst>
+        </pc:spChg>
+        <pc:spChg chg="add mod">
+          <ac:chgData name="Laurent VROMMAN" userId="a0d1f88c-10b2-4f3c-9228-f32aeaf99027" providerId="ADAL" clId="{4C97109B-4EA2-44DC-A7F9-24131C0C41D0}" dt="2024-10-15T12:47:15.239" v="864" actId="20577"/>
+          <ac:spMkLst>
+            <pc:docMk/>
+            <pc:sldMk cId="4200484817" sldId="260"/>
+            <ac:spMk id="50" creationId="{ECC586CB-E4E9-CBE1-9945-23C98322B986}"/>
+          </ac:spMkLst>
+        </pc:spChg>
+        <pc:spChg chg="add mod">
+          <ac:chgData name="Laurent VROMMAN" userId="a0d1f88c-10b2-4f3c-9228-f32aeaf99027" providerId="ADAL" clId="{4C97109B-4EA2-44DC-A7F9-24131C0C41D0}" dt="2024-10-15T12:48:14.107" v="868" actId="207"/>
+          <ac:spMkLst>
+            <pc:docMk/>
+            <pc:sldMk cId="4200484817" sldId="260"/>
+            <ac:spMk id="53" creationId="{AE8E463B-A06E-7A46-E0D0-4349CD4C24DA}"/>
+          </ac:spMkLst>
+        </pc:spChg>
+        <pc:spChg chg="add del mod">
+          <ac:chgData name="Laurent VROMMAN" userId="a0d1f88c-10b2-4f3c-9228-f32aeaf99027" providerId="ADAL" clId="{4C97109B-4EA2-44DC-A7F9-24131C0C41D0}" dt="2024-10-15T12:49:41.948" v="876" actId="478"/>
+          <ac:spMkLst>
+            <pc:docMk/>
+            <pc:sldMk cId="4200484817" sldId="260"/>
+            <ac:spMk id="56" creationId="{1A02F81D-D371-3BED-F8F5-D8A2DDAE49A6}"/>
+          </ac:spMkLst>
+        </pc:spChg>
+        <pc:spChg chg="add mod">
+          <ac:chgData name="Laurent VROMMAN" userId="a0d1f88c-10b2-4f3c-9228-f32aeaf99027" providerId="ADAL" clId="{4C97109B-4EA2-44DC-A7F9-24131C0C41D0}" dt="2024-10-15T12:49:44.281" v="879" actId="20577"/>
+          <ac:spMkLst>
+            <pc:docMk/>
+            <pc:sldMk cId="4200484817" sldId="260"/>
+            <ac:spMk id="57" creationId="{C8AE8355-BCF5-AB12-0619-774CB6E4C4D8}"/>
+          </ac:spMkLst>
+        </pc:spChg>
+        <pc:spChg chg="add mod">
+          <ac:chgData name="Laurent VROMMAN" userId="a0d1f88c-10b2-4f3c-9228-f32aeaf99027" providerId="ADAL" clId="{4C97109B-4EA2-44DC-A7F9-24131C0C41D0}" dt="2024-10-15T12:49:37.339" v="875" actId="20577"/>
+          <ac:spMkLst>
+            <pc:docMk/>
+            <pc:sldMk cId="4200484817" sldId="260"/>
+            <ac:spMk id="58" creationId="{D06B6CF3-493A-CE2C-0018-151CEBF1E9CC}"/>
+          </ac:spMkLst>
+        </pc:spChg>
+        <pc:spChg chg="add mod">
+          <ac:chgData name="Laurent VROMMAN" userId="a0d1f88c-10b2-4f3c-9228-f32aeaf99027" providerId="ADAL" clId="{4C97109B-4EA2-44DC-A7F9-24131C0C41D0}" dt="2024-10-15T12:52:12.845" v="917"/>
+          <ac:spMkLst>
+            <pc:docMk/>
+            <pc:sldMk cId="4200484817" sldId="260"/>
+            <ac:spMk id="59" creationId="{2B8A77DE-DFCF-0AE8-A9F9-C330C804BC49}"/>
+          </ac:spMkLst>
+        </pc:spChg>
+        <pc:spChg chg="add mod">
+          <ac:chgData name="Laurent VROMMAN" userId="a0d1f88c-10b2-4f3c-9228-f32aeaf99027" providerId="ADAL" clId="{4C97109B-4EA2-44DC-A7F9-24131C0C41D0}" dt="2024-10-15T12:55:21.515" v="997" actId="1076"/>
+          <ac:spMkLst>
+            <pc:docMk/>
+            <pc:sldMk cId="4200484817" sldId="260"/>
+            <ac:spMk id="60" creationId="{85C8B1FA-794A-31B4-54AC-20A704139745}"/>
+          </ac:spMkLst>
+        </pc:spChg>
+        <pc:spChg chg="add mod">
+          <ac:chgData name="Laurent VROMMAN" userId="a0d1f88c-10b2-4f3c-9228-f32aeaf99027" providerId="ADAL" clId="{4C97109B-4EA2-44DC-A7F9-24131C0C41D0}" dt="2024-10-15T12:53:18.247" v="957" actId="20577"/>
+          <ac:spMkLst>
+            <pc:docMk/>
+            <pc:sldMk cId="4200484817" sldId="260"/>
+            <ac:spMk id="61" creationId="{FD8F9536-BC83-8F0E-CDE7-544307D37B5E}"/>
+          </ac:spMkLst>
+        </pc:spChg>
+        <pc:spChg chg="add mod">
+          <ac:chgData name="Laurent VROMMAN" userId="a0d1f88c-10b2-4f3c-9228-f32aeaf99027" providerId="ADAL" clId="{4C97109B-4EA2-44DC-A7F9-24131C0C41D0}" dt="2024-10-15T12:54:03.276" v="961" actId="1076"/>
+          <ac:spMkLst>
+            <pc:docMk/>
+            <pc:sldMk cId="4200484817" sldId="260"/>
+            <ac:spMk id="63" creationId="{D27BD1ED-6854-AF42-D96A-4F83C1BCDBBF}"/>
+          </ac:spMkLst>
+        </pc:spChg>
+        <pc:spChg chg="add mod">
+          <ac:chgData name="Laurent VROMMAN" userId="a0d1f88c-10b2-4f3c-9228-f32aeaf99027" providerId="ADAL" clId="{4C97109B-4EA2-44DC-A7F9-24131C0C41D0}" dt="2024-10-15T12:54:29.617" v="968" actId="20577"/>
+          <ac:spMkLst>
+            <pc:docMk/>
+            <pc:sldMk cId="4200484817" sldId="260"/>
+            <ac:spMk id="64" creationId="{A820A5CA-BBDA-AFC8-7795-615B8DD65487}"/>
+          </ac:spMkLst>
+        </pc:spChg>
+        <pc:spChg chg="add mod">
+          <ac:chgData name="Laurent VROMMAN" userId="a0d1f88c-10b2-4f3c-9228-f32aeaf99027" providerId="ADAL" clId="{4C97109B-4EA2-44DC-A7F9-24131C0C41D0}" dt="2024-10-15T12:54:17.391" v="963" actId="1076"/>
+          <ac:spMkLst>
+            <pc:docMk/>
+            <pc:sldMk cId="4200484817" sldId="260"/>
+            <ac:spMk id="65" creationId="{FDAE7AFB-7FBA-7F73-7DEA-AEC37B47F41F}"/>
+          </ac:spMkLst>
+        </pc:spChg>
+        <pc:spChg chg="add mod">
+          <ac:chgData name="Laurent VROMMAN" userId="a0d1f88c-10b2-4f3c-9228-f32aeaf99027" providerId="ADAL" clId="{4C97109B-4EA2-44DC-A7F9-24131C0C41D0}" dt="2024-10-15T12:54:17.391" v="963" actId="1076"/>
+          <ac:spMkLst>
+            <pc:docMk/>
+            <pc:sldMk cId="4200484817" sldId="260"/>
+            <ac:spMk id="66" creationId="{8C5FFD6C-0494-C264-F398-30E966937575}"/>
+          </ac:spMkLst>
+        </pc:spChg>
+        <pc:spChg chg="add mod">
+          <ac:chgData name="Laurent VROMMAN" userId="a0d1f88c-10b2-4f3c-9228-f32aeaf99027" providerId="ADAL" clId="{4C97109B-4EA2-44DC-A7F9-24131C0C41D0}" dt="2024-10-15T12:54:17.391" v="963" actId="1076"/>
+          <ac:spMkLst>
+            <pc:docMk/>
+            <pc:sldMk cId="4200484817" sldId="260"/>
+            <ac:spMk id="67" creationId="{4EF6EF9F-C66E-FFAA-234F-60EE6C31F94E}"/>
+          </ac:spMkLst>
+        </pc:spChg>
+        <pc:spChg chg="add mod">
+          <ac:chgData name="Laurent VROMMAN" userId="a0d1f88c-10b2-4f3c-9228-f32aeaf99027" providerId="ADAL" clId="{4C97109B-4EA2-44DC-A7F9-24131C0C41D0}" dt="2024-10-15T12:54:17.391" v="963" actId="1076"/>
+          <ac:spMkLst>
+            <pc:docMk/>
+            <pc:sldMk cId="4200484817" sldId="260"/>
+            <ac:spMk id="68" creationId="{663E34BC-42D6-5885-E6F0-93E611A32A3C}"/>
+          </ac:spMkLst>
+        </pc:spChg>
+        <pc:spChg chg="add mod">
+          <ac:chgData name="Laurent VROMMAN" userId="a0d1f88c-10b2-4f3c-9228-f32aeaf99027" providerId="ADAL" clId="{4C97109B-4EA2-44DC-A7F9-24131C0C41D0}" dt="2024-10-15T12:54:17.391" v="963" actId="1076"/>
+          <ac:spMkLst>
+            <pc:docMk/>
+            <pc:sldMk cId="4200484817" sldId="260"/>
+            <ac:spMk id="69" creationId="{A86B3130-BA1B-49A0-FEDD-84121363A03C}"/>
+          </ac:spMkLst>
+        </pc:spChg>
+        <pc:spChg chg="add mod">
+          <ac:chgData name="Laurent VROMMAN" userId="a0d1f88c-10b2-4f3c-9228-f32aeaf99027" providerId="ADAL" clId="{4C97109B-4EA2-44DC-A7F9-24131C0C41D0}" dt="2024-10-15T12:54:56.426" v="983" actId="20577"/>
+          <ac:spMkLst>
+            <pc:docMk/>
+            <pc:sldMk cId="4200484817" sldId="260"/>
+            <ac:spMk id="70" creationId="{673C79B0-C0EE-176D-28CC-91AD2A8F7545}"/>
+          </ac:spMkLst>
+        </pc:spChg>
+        <pc:spChg chg="add mod">
+          <ac:chgData name="Laurent VROMMAN" userId="a0d1f88c-10b2-4f3c-9228-f32aeaf99027" providerId="ADAL" clId="{4C97109B-4EA2-44DC-A7F9-24131C0C41D0}" dt="2024-10-15T12:57:01.738" v="1014" actId="1076"/>
+          <ac:spMkLst>
+            <pc:docMk/>
+            <pc:sldMk cId="4200484817" sldId="260"/>
+            <ac:spMk id="84" creationId="{C44BE95B-B459-F499-A98F-A5881B0B71FE}"/>
+          </ac:spMkLst>
+        </pc:spChg>
+        <pc:spChg chg="add mod">
+          <ac:chgData name="Laurent VROMMAN" userId="a0d1f88c-10b2-4f3c-9228-f32aeaf99027" providerId="ADAL" clId="{4C97109B-4EA2-44DC-A7F9-24131C0C41D0}" dt="2024-10-15T12:57:05.923" v="1015" actId="1076"/>
+          <ac:spMkLst>
+            <pc:docMk/>
+            <pc:sldMk cId="4200484817" sldId="260"/>
+            <ac:spMk id="85" creationId="{D5AC778C-14BB-EEF6-2860-FAEB9B9A89A9}"/>
+          </ac:spMkLst>
+        </pc:spChg>
+        <pc:spChg chg="add mod">
+          <ac:chgData name="Laurent VROMMAN" userId="a0d1f88c-10b2-4f3c-9228-f32aeaf99027" providerId="ADAL" clId="{4C97109B-4EA2-44DC-A7F9-24131C0C41D0}" dt="2024-10-15T12:57:01.738" v="1014" actId="1076"/>
+          <ac:spMkLst>
+            <pc:docMk/>
+            <pc:sldMk cId="4200484817" sldId="260"/>
+            <ac:spMk id="86" creationId="{53AC5BC8-D0B7-6253-7DAB-5834A4B9289E}"/>
+          </ac:spMkLst>
+        </pc:spChg>
+        <pc:spChg chg="add mod">
+          <ac:chgData name="Laurent VROMMAN" userId="a0d1f88c-10b2-4f3c-9228-f32aeaf99027" providerId="ADAL" clId="{4C97109B-4EA2-44DC-A7F9-24131C0C41D0}" dt="2024-10-15T12:57:01.738" v="1014" actId="1076"/>
+          <ac:spMkLst>
+            <pc:docMk/>
+            <pc:sldMk cId="4200484817" sldId="260"/>
+            <ac:spMk id="87" creationId="{8543E992-FCF6-080F-1CBF-D8C4D761EE50}"/>
+          </ac:spMkLst>
+        </pc:spChg>
+        <pc:cxnChg chg="add mod">
+          <ac:chgData name="Laurent VROMMAN" userId="a0d1f88c-10b2-4f3c-9228-f32aeaf99027" providerId="ADAL" clId="{4C97109B-4EA2-44DC-A7F9-24131C0C41D0}" dt="2024-10-15T12:47:00.852" v="857" actId="14100"/>
+          <ac:cxnSpMkLst>
+            <pc:docMk/>
+            <pc:sldMk cId="4200484817" sldId="260"/>
+            <ac:cxnSpMk id="35" creationId="{8F281ACA-33F0-E836-203F-7E9A0A982772}"/>
+          </ac:cxnSpMkLst>
+        </pc:cxnChg>
+        <pc:cxnChg chg="add mod">
+          <ac:chgData name="Laurent VROMMAN" userId="a0d1f88c-10b2-4f3c-9228-f32aeaf99027" providerId="ADAL" clId="{4C97109B-4EA2-44DC-A7F9-24131C0C41D0}" dt="2024-10-15T12:53:55.816" v="959" actId="1076"/>
+          <ac:cxnSpMkLst>
+            <pc:docMk/>
+            <pc:sldMk cId="4200484817" sldId="260"/>
+            <ac:cxnSpMk id="40" creationId="{92B629C5-6D0D-C247-9267-C5F5903D1B85}"/>
+          </ac:cxnSpMkLst>
+        </pc:cxnChg>
+        <pc:cxnChg chg="add mod">
+          <ac:chgData name="Laurent VROMMAN" userId="a0d1f88c-10b2-4f3c-9228-f32aeaf99027" providerId="ADAL" clId="{4C97109B-4EA2-44DC-A7F9-24131C0C41D0}" dt="2024-10-15T12:45:22.129" v="807" actId="14100"/>
+          <ac:cxnSpMkLst>
+            <pc:docMk/>
+            <pc:sldMk cId="4200484817" sldId="260"/>
+            <ac:cxnSpMk id="44" creationId="{56D9D109-68E2-6759-C24E-92CD16F442A0}"/>
+          </ac:cxnSpMkLst>
+        </pc:cxnChg>
+        <pc:cxnChg chg="add">
+          <ac:chgData name="Laurent VROMMAN" userId="a0d1f88c-10b2-4f3c-9228-f32aeaf99027" providerId="ADAL" clId="{4C97109B-4EA2-44DC-A7F9-24131C0C41D0}" dt="2024-10-15T12:48:19.777" v="869" actId="11529"/>
+          <ac:cxnSpMkLst>
+            <pc:docMk/>
+            <pc:sldMk cId="4200484817" sldId="260"/>
+            <ac:cxnSpMk id="55" creationId="{F71F6ACA-DC33-B93A-60C4-DB68AE657C00}"/>
+          </ac:cxnSpMkLst>
+        </pc:cxnChg>
+        <pc:cxnChg chg="add mod">
+          <ac:chgData name="Laurent VROMMAN" userId="a0d1f88c-10b2-4f3c-9228-f32aeaf99027" providerId="ADAL" clId="{4C97109B-4EA2-44DC-A7F9-24131C0C41D0}" dt="2024-10-15T12:56:18.586" v="1001" actId="14100"/>
+          <ac:cxnSpMkLst>
+            <pc:docMk/>
+            <pc:sldMk cId="4200484817" sldId="260"/>
+            <ac:cxnSpMk id="71" creationId="{273B4F37-6784-9C20-67DD-6E27B68E66A5}"/>
+          </ac:cxnSpMkLst>
+        </pc:cxnChg>
+        <pc:cxnChg chg="add mod">
+          <ac:chgData name="Laurent VROMMAN" userId="a0d1f88c-10b2-4f3c-9228-f32aeaf99027" providerId="ADAL" clId="{4C97109B-4EA2-44DC-A7F9-24131C0C41D0}" dt="2024-10-15T12:56:22.694" v="1004" actId="14100"/>
+          <ac:cxnSpMkLst>
+            <pc:docMk/>
+            <pc:sldMk cId="4200484817" sldId="260"/>
+            <ac:cxnSpMk id="75" creationId="{0207E523-7B0E-9852-FF02-FC80EC2C9CC0}"/>
+          </ac:cxnSpMkLst>
+        </pc:cxnChg>
+        <pc:cxnChg chg="add mod">
+          <ac:chgData name="Laurent VROMMAN" userId="a0d1f88c-10b2-4f3c-9228-f32aeaf99027" providerId="ADAL" clId="{4C97109B-4EA2-44DC-A7F9-24131C0C41D0}" dt="2024-10-15T12:56:33.880" v="1009" actId="14100"/>
+          <ac:cxnSpMkLst>
+            <pc:docMk/>
+            <pc:sldMk cId="4200484817" sldId="260"/>
+            <ac:cxnSpMk id="78" creationId="{F4EAB9D4-DC37-447A-98B7-2CC29C40E274}"/>
+          </ac:cxnSpMkLst>
+        </pc:cxnChg>
+        <pc:cxnChg chg="add mod">
+          <ac:chgData name="Laurent VROMMAN" userId="a0d1f88c-10b2-4f3c-9228-f32aeaf99027" providerId="ADAL" clId="{4C97109B-4EA2-44DC-A7F9-24131C0C41D0}" dt="2024-10-15T12:56:40.709" v="1012" actId="14100"/>
+          <ac:cxnSpMkLst>
+            <pc:docMk/>
+            <pc:sldMk cId="4200484817" sldId="260"/>
+            <ac:cxnSpMk id="81" creationId="{5ED4B26F-1BD1-D469-386A-40ADD7161EA8}"/>
+          </ac:cxnSpMkLst>
+        </pc:cxnChg>
+        <pc:cxnChg chg="add mod">
+          <ac:chgData name="Laurent VROMMAN" userId="a0d1f88c-10b2-4f3c-9228-f32aeaf99027" providerId="ADAL" clId="{4C97109B-4EA2-44DC-A7F9-24131C0C41D0}" dt="2024-10-15T12:57:08.548" v="1016" actId="14100"/>
+          <ac:cxnSpMkLst>
+            <pc:docMk/>
+            <pc:sldMk cId="4200484817" sldId="260"/>
+            <ac:cxnSpMk id="88" creationId="{00BB5EAA-C4C7-28CE-6C1B-C79D8AD62CC9}"/>
+          </ac:cxnSpMkLst>
+        </pc:cxnChg>
+        <pc:cxnChg chg="add mod">
+          <ac:chgData name="Laurent VROMMAN" userId="a0d1f88c-10b2-4f3c-9228-f32aeaf99027" providerId="ADAL" clId="{4C97109B-4EA2-44DC-A7F9-24131C0C41D0}" dt="2024-10-15T12:57:01.738" v="1014" actId="1076"/>
+          <ac:cxnSpMkLst>
+            <pc:docMk/>
+            <pc:sldMk cId="4200484817" sldId="260"/>
+            <ac:cxnSpMk id="89" creationId="{98F1F22E-2D35-5F39-3EF3-A2F0FB09A2E7}"/>
+          </ac:cxnSpMkLst>
+        </pc:cxnChg>
+        <pc:cxnChg chg="add mod">
+          <ac:chgData name="Laurent VROMMAN" userId="a0d1f88c-10b2-4f3c-9228-f32aeaf99027" providerId="ADAL" clId="{4C97109B-4EA2-44DC-A7F9-24131C0C41D0}" dt="2024-10-15T12:57:01.738" v="1014" actId="1076"/>
+          <ac:cxnSpMkLst>
+            <pc:docMk/>
+            <pc:sldMk cId="4200484817" sldId="260"/>
+            <ac:cxnSpMk id="90" creationId="{5F88B0EE-0DA2-91B9-2DF7-F9840F0647CF}"/>
+          </ac:cxnSpMkLst>
+        </pc:cxnChg>
+        <pc:cxnChg chg="add mod">
+          <ac:chgData name="Laurent VROMMAN" userId="a0d1f88c-10b2-4f3c-9228-f32aeaf99027" providerId="ADAL" clId="{4C97109B-4EA2-44DC-A7F9-24131C0C41D0}" dt="2024-10-15T12:57:01.738" v="1014" actId="1076"/>
+          <ac:cxnSpMkLst>
+            <pc:docMk/>
+            <pc:sldMk cId="4200484817" sldId="260"/>
+            <ac:cxnSpMk id="91" creationId="{E2B86CD9-4F12-A527-A224-17DA806919D4}"/>
           </ac:cxnSpMkLst>
         </pc:cxnChg>
       </pc:sldChg>
@@ -9146,7 +9698,10 @@
             <a:lstStyle/>
             <a:p>
               <a:pPr algn="ctr"/>
-              <a:endParaRPr lang="fr-FR" sz="600"/>
+              <a:r>
+                <a:rPr lang="fr-FR" sz="600" dirty="0"/>
+                <a:t>MODE</a:t>
+              </a:r>
             </a:p>
           </p:txBody>
         </p:sp>
@@ -9241,7 +9796,10 @@
             <a:lstStyle/>
             <a:p>
               <a:pPr algn="ctr"/>
-              <a:endParaRPr lang="fr-FR" sz="600"/>
+              <a:r>
+                <a:rPr lang="fr-FR" sz="600" dirty="0"/>
+                <a:t>MODE</a:t>
+              </a:r>
             </a:p>
           </p:txBody>
         </p:sp>
@@ -11633,6 +12191,60 @@
           </a:fontRef>
         </p:style>
       </p:cxnSp>
+      <p:sp>
+        <p:nvSpPr>
+          <p:cNvPr id="29" name="Légende : encadrée 28">
+            <a:extLst>
+              <a:ext uri="{FF2B5EF4-FFF2-40B4-BE49-F238E27FC236}">
+                <a16:creationId xmlns:a16="http://schemas.microsoft.com/office/drawing/2014/main" id="{37740FD5-2B2C-D544-B29D-F531503ECCFA}"/>
+              </a:ext>
+            </a:extLst>
+          </p:cNvPr>
+          <p:cNvSpPr/>
+          <p:nvPr/>
+        </p:nvSpPr>
+        <p:spPr>
+          <a:xfrm>
+            <a:off x="16650929" y="5832987"/>
+            <a:ext cx="1582582" cy="899652"/>
+          </a:xfrm>
+          <a:prstGeom prst="borderCallout1">
+            <a:avLst>
+              <a:gd name="adj1" fmla="val 18750"/>
+              <a:gd name="adj2" fmla="val -8333"/>
+              <a:gd name="adj3" fmla="val 2664"/>
+              <a:gd name="adj4" fmla="val -179519"/>
+            </a:avLst>
+          </a:prstGeom>
+        </p:spPr>
+        <p:style>
+          <a:lnRef idx="2">
+            <a:schemeClr val="accent1">
+              <a:shade val="15000"/>
+            </a:schemeClr>
+          </a:lnRef>
+          <a:fillRef idx="1">
+            <a:schemeClr val="accent1"/>
+          </a:fillRef>
+          <a:effectRef idx="0">
+            <a:schemeClr val="accent1"/>
+          </a:effectRef>
+          <a:fontRef idx="minor">
+            <a:schemeClr val="lt1"/>
+          </a:fontRef>
+        </p:style>
+        <p:txBody>
+          <a:bodyPr rtlCol="0" anchor="ctr"/>
+          <a:lstStyle/>
+          <a:p>
+            <a:pPr algn="ctr"/>
+            <a:r>
+              <a:rPr lang="en-US" dirty="0"/>
+              <a:t>COM3, ADF, DME…</a:t>
+            </a:r>
+          </a:p>
+        </p:txBody>
+      </p:sp>
     </p:spTree>
     <p:extLst>
       <p:ext uri="{BB962C8B-B14F-4D97-AF65-F5344CB8AC3E}">
@@ -11964,6 +12576,2869 @@
 </file>
 
 <file path=ppt/slides/slide4.xml><?xml version="1.0" encoding="utf-8"?>
+<p:sld xmlns:a="http://schemas.openxmlformats.org/drawingml/2006/main" xmlns:r="http://schemas.openxmlformats.org/officeDocument/2006/relationships" xmlns:p="http://schemas.openxmlformats.org/presentationml/2006/main">
+  <p:cSld>
+    <p:spTree>
+      <p:nvGrpSpPr>
+        <p:cNvPr id="1" name=""/>
+        <p:cNvGrpSpPr/>
+        <p:nvPr/>
+      </p:nvGrpSpPr>
+      <p:grpSpPr>
+        <a:xfrm>
+          <a:off x="0" y="0"/>
+          <a:ext cx="0" cy="0"/>
+          <a:chOff x="0" y="0"/>
+          <a:chExt cx="0" cy="0"/>
+        </a:xfrm>
+      </p:grpSpPr>
+      <p:sp>
+        <p:nvSpPr>
+          <p:cNvPr id="4" name="ZoneTexte 3">
+            <a:extLst>
+              <a:ext uri="{FF2B5EF4-FFF2-40B4-BE49-F238E27FC236}">
+                <a16:creationId xmlns:a16="http://schemas.microsoft.com/office/drawing/2014/main" id="{E35EF995-6186-E269-8008-995597A3393F}"/>
+              </a:ext>
+            </a:extLst>
+          </p:cNvPr>
+          <p:cNvSpPr txBox="1"/>
+          <p:nvPr/>
+        </p:nvSpPr>
+        <p:spPr>
+          <a:xfrm>
+            <a:off x="4490113" y="3357349"/>
+            <a:ext cx="733855" cy="369332"/>
+          </a:xfrm>
+          <a:prstGeom prst="rect">
+            <a:avLst/>
+          </a:prstGeom>
+          <a:noFill/>
+        </p:spPr>
+        <p:txBody>
+          <a:bodyPr wrap="none" rtlCol="0">
+            <a:spAutoFit/>
+          </a:bodyPr>
+          <a:lstStyle/>
+          <a:p>
+            <a:r>
+              <a:rPr lang="en-US" dirty="0"/>
+              <a:t>NAV1</a:t>
+            </a:r>
+          </a:p>
+        </p:txBody>
+      </p:sp>
+      <p:sp>
+        <p:nvSpPr>
+          <p:cNvPr id="5" name="ZoneTexte 4">
+            <a:extLst>
+              <a:ext uri="{FF2B5EF4-FFF2-40B4-BE49-F238E27FC236}">
+                <a16:creationId xmlns:a16="http://schemas.microsoft.com/office/drawing/2014/main" id="{650A9E15-4778-302B-B615-0ECCBAD6B416}"/>
+              </a:ext>
+            </a:extLst>
+          </p:cNvPr>
+          <p:cNvSpPr txBox="1"/>
+          <p:nvPr/>
+        </p:nvSpPr>
+        <p:spPr>
+          <a:xfrm>
+            <a:off x="4490113" y="4915468"/>
+            <a:ext cx="733855" cy="369332"/>
+          </a:xfrm>
+          <a:prstGeom prst="rect">
+            <a:avLst/>
+          </a:prstGeom>
+          <a:noFill/>
+        </p:spPr>
+        <p:txBody>
+          <a:bodyPr wrap="square" rtlCol="0">
+            <a:spAutoFit/>
+          </a:bodyPr>
+          <a:lstStyle/>
+          <a:p>
+            <a:r>
+              <a:rPr lang="en-US" dirty="0"/>
+              <a:t>NAV2</a:t>
+            </a:r>
+          </a:p>
+        </p:txBody>
+      </p:sp>
+      <p:sp>
+        <p:nvSpPr>
+          <p:cNvPr id="6" name="ZoneTexte 5">
+            <a:extLst>
+              <a:ext uri="{FF2B5EF4-FFF2-40B4-BE49-F238E27FC236}">
+                <a16:creationId xmlns:a16="http://schemas.microsoft.com/office/drawing/2014/main" id="{B521F5AA-3FC8-A15A-8900-DF9685BD08C0}"/>
+              </a:ext>
+            </a:extLst>
+          </p:cNvPr>
+          <p:cNvSpPr txBox="1"/>
+          <p:nvPr/>
+        </p:nvSpPr>
+        <p:spPr>
+          <a:xfrm>
+            <a:off x="9242751" y="3333907"/>
+            <a:ext cx="818301" cy="369332"/>
+          </a:xfrm>
+          <a:prstGeom prst="rect">
+            <a:avLst/>
+          </a:prstGeom>
+          <a:noFill/>
+        </p:spPr>
+        <p:txBody>
+          <a:bodyPr wrap="none" rtlCol="0">
+            <a:spAutoFit/>
+          </a:bodyPr>
+          <a:lstStyle/>
+          <a:p>
+            <a:r>
+              <a:rPr lang="en-US" dirty="0"/>
+              <a:t>COM1</a:t>
+            </a:r>
+          </a:p>
+        </p:txBody>
+      </p:sp>
+      <p:sp>
+        <p:nvSpPr>
+          <p:cNvPr id="7" name="ZoneTexte 6">
+            <a:extLst>
+              <a:ext uri="{FF2B5EF4-FFF2-40B4-BE49-F238E27FC236}">
+                <a16:creationId xmlns:a16="http://schemas.microsoft.com/office/drawing/2014/main" id="{39F1DB51-7807-A7A2-E946-F05377F61D3B}"/>
+              </a:ext>
+            </a:extLst>
+          </p:cNvPr>
+          <p:cNvSpPr txBox="1"/>
+          <p:nvPr/>
+        </p:nvSpPr>
+        <p:spPr>
+          <a:xfrm>
+            <a:off x="9242751" y="4915468"/>
+            <a:ext cx="939421" cy="369332"/>
+          </a:xfrm>
+          <a:prstGeom prst="rect">
+            <a:avLst/>
+          </a:prstGeom>
+          <a:noFill/>
+        </p:spPr>
+        <p:txBody>
+          <a:bodyPr wrap="square" rtlCol="0">
+            <a:spAutoFit/>
+          </a:bodyPr>
+          <a:lstStyle/>
+          <a:p>
+            <a:r>
+              <a:rPr lang="en-US" dirty="0"/>
+              <a:t>COM2</a:t>
+            </a:r>
+          </a:p>
+        </p:txBody>
+      </p:sp>
+      <p:sp>
+        <p:nvSpPr>
+          <p:cNvPr id="8" name="ZoneTexte 7">
+            <a:extLst>
+              <a:ext uri="{FF2B5EF4-FFF2-40B4-BE49-F238E27FC236}">
+                <a16:creationId xmlns:a16="http://schemas.microsoft.com/office/drawing/2014/main" id="{DF5136C2-7FF3-5EFB-23F1-95EC4B7CF5FF}"/>
+              </a:ext>
+            </a:extLst>
+          </p:cNvPr>
+          <p:cNvSpPr txBox="1"/>
+          <p:nvPr/>
+        </p:nvSpPr>
+        <p:spPr>
+          <a:xfrm>
+            <a:off x="4490113" y="3808768"/>
+            <a:ext cx="1098378" cy="461665"/>
+          </a:xfrm>
+          <a:prstGeom prst="rect">
+            <a:avLst/>
+          </a:prstGeom>
+          <a:ln w="38100"/>
+        </p:spPr>
+        <p:style>
+          <a:lnRef idx="2">
+            <a:schemeClr val="accent6"/>
+          </a:lnRef>
+          <a:fillRef idx="1">
+            <a:schemeClr val="lt1"/>
+          </a:fillRef>
+          <a:effectRef idx="0">
+            <a:schemeClr val="accent6"/>
+          </a:effectRef>
+          <a:fontRef idx="minor">
+            <a:schemeClr val="dk1"/>
+          </a:fontRef>
+        </p:style>
+        <p:txBody>
+          <a:bodyPr wrap="none" rtlCol="0">
+            <a:spAutoFit/>
+          </a:bodyPr>
+          <a:lstStyle/>
+          <a:p>
+            <a:r>
+              <a:rPr lang="en-US" sz="2400" dirty="0"/>
+              <a:t>121.40</a:t>
+            </a:r>
+          </a:p>
+        </p:txBody>
+      </p:sp>
+      <p:sp>
+        <p:nvSpPr>
+          <p:cNvPr id="9" name="ZoneTexte 8">
+            <a:extLst>
+              <a:ext uri="{FF2B5EF4-FFF2-40B4-BE49-F238E27FC236}">
+                <a16:creationId xmlns:a16="http://schemas.microsoft.com/office/drawing/2014/main" id="{5567B78D-A7C5-9D2B-BBDC-A10D9C1F904D}"/>
+              </a:ext>
+            </a:extLst>
+          </p:cNvPr>
+          <p:cNvSpPr txBox="1"/>
+          <p:nvPr/>
+        </p:nvSpPr>
+        <p:spPr>
+          <a:xfrm>
+            <a:off x="6028475" y="3799099"/>
+            <a:ext cx="1098378" cy="461665"/>
+          </a:xfrm>
+          <a:prstGeom prst="rect">
+            <a:avLst/>
+          </a:prstGeom>
+          <a:noFill/>
+        </p:spPr>
+        <p:txBody>
+          <a:bodyPr wrap="none" rtlCol="0">
+            <a:spAutoFit/>
+          </a:bodyPr>
+          <a:lstStyle/>
+          <a:p>
+            <a:r>
+              <a:rPr lang="en-US" sz="2400" dirty="0">
+                <a:solidFill>
+                  <a:schemeClr val="accent3">
+                    <a:lumMod val="60000"/>
+                    <a:lumOff val="40000"/>
+                  </a:schemeClr>
+                </a:solidFill>
+              </a:rPr>
+              <a:t>114.70</a:t>
+            </a:r>
+          </a:p>
+        </p:txBody>
+      </p:sp>
+      <p:sp>
+        <p:nvSpPr>
+          <p:cNvPr id="11" name="ZoneTexte 10">
+            <a:extLst>
+              <a:ext uri="{FF2B5EF4-FFF2-40B4-BE49-F238E27FC236}">
+                <a16:creationId xmlns:a16="http://schemas.microsoft.com/office/drawing/2014/main" id="{24A72213-6876-5DE6-D9B3-2189514F1A17}"/>
+              </a:ext>
+            </a:extLst>
+          </p:cNvPr>
+          <p:cNvSpPr txBox="1"/>
+          <p:nvPr/>
+        </p:nvSpPr>
+        <p:spPr>
+          <a:xfrm>
+            <a:off x="7241750" y="3808767"/>
+            <a:ext cx="1263487" cy="461665"/>
+          </a:xfrm>
+          <a:prstGeom prst="rect">
+            <a:avLst/>
+          </a:prstGeom>
+          <a:noFill/>
+        </p:spPr>
+        <p:txBody>
+          <a:bodyPr wrap="none" rtlCol="0">
+            <a:spAutoFit/>
+          </a:bodyPr>
+          <a:lstStyle/>
+          <a:p>
+            <a:r>
+              <a:rPr lang="en-US" sz="2400" dirty="0">
+                <a:solidFill>
+                  <a:schemeClr val="accent3">
+                    <a:lumMod val="60000"/>
+                    <a:lumOff val="40000"/>
+                  </a:schemeClr>
+                </a:solidFill>
+              </a:rPr>
+              <a:t>120.750</a:t>
+            </a:r>
+          </a:p>
+        </p:txBody>
+      </p:sp>
+      <p:sp>
+        <p:nvSpPr>
+          <p:cNvPr id="12" name="ZoneTexte 11">
+            <a:extLst>
+              <a:ext uri="{FF2B5EF4-FFF2-40B4-BE49-F238E27FC236}">
+                <a16:creationId xmlns:a16="http://schemas.microsoft.com/office/drawing/2014/main" id="{CE5D2692-8A38-D062-FED1-3F72BE79E7E1}"/>
+              </a:ext>
+            </a:extLst>
+          </p:cNvPr>
+          <p:cNvSpPr txBox="1"/>
+          <p:nvPr/>
+        </p:nvSpPr>
+        <p:spPr>
+          <a:xfrm>
+            <a:off x="8797565" y="3799101"/>
+            <a:ext cx="1263487" cy="461665"/>
+          </a:xfrm>
+          <a:prstGeom prst="rect">
+            <a:avLst/>
+          </a:prstGeom>
+          <a:noFill/>
+        </p:spPr>
+        <p:txBody>
+          <a:bodyPr wrap="none" rtlCol="0">
+            <a:spAutoFit/>
+          </a:bodyPr>
+          <a:lstStyle/>
+          <a:p>
+            <a:r>
+              <a:rPr lang="en-US" sz="2400" dirty="0"/>
+              <a:t>121.408</a:t>
+            </a:r>
+          </a:p>
+        </p:txBody>
+      </p:sp>
+      <p:sp>
+        <p:nvSpPr>
+          <p:cNvPr id="13" name="ZoneTexte 12">
+            <a:extLst>
+              <a:ext uri="{FF2B5EF4-FFF2-40B4-BE49-F238E27FC236}">
+                <a16:creationId xmlns:a16="http://schemas.microsoft.com/office/drawing/2014/main" id="{0FF64DEF-339C-73D2-8134-DE7D25CA607A}"/>
+              </a:ext>
+            </a:extLst>
+          </p:cNvPr>
+          <p:cNvSpPr txBox="1"/>
+          <p:nvPr/>
+        </p:nvSpPr>
+        <p:spPr>
+          <a:xfrm>
+            <a:off x="4490113" y="5294467"/>
+            <a:ext cx="1098378" cy="461665"/>
+          </a:xfrm>
+          <a:prstGeom prst="rect">
+            <a:avLst/>
+          </a:prstGeom>
+          <a:noFill/>
+        </p:spPr>
+        <p:txBody>
+          <a:bodyPr wrap="none" rtlCol="0">
+            <a:spAutoFit/>
+          </a:bodyPr>
+          <a:lstStyle/>
+          <a:p>
+            <a:r>
+              <a:rPr lang="en-US" sz="2400" dirty="0"/>
+              <a:t>121.40</a:t>
+            </a:r>
+          </a:p>
+        </p:txBody>
+      </p:sp>
+      <p:sp>
+        <p:nvSpPr>
+          <p:cNvPr id="14" name="ZoneTexte 13">
+            <a:extLst>
+              <a:ext uri="{FF2B5EF4-FFF2-40B4-BE49-F238E27FC236}">
+                <a16:creationId xmlns:a16="http://schemas.microsoft.com/office/drawing/2014/main" id="{8DACD869-2199-64E1-5220-7C389C17EA3E}"/>
+              </a:ext>
+            </a:extLst>
+          </p:cNvPr>
+          <p:cNvSpPr txBox="1"/>
+          <p:nvPr/>
+        </p:nvSpPr>
+        <p:spPr>
+          <a:xfrm>
+            <a:off x="5829731" y="5294467"/>
+            <a:ext cx="1098378" cy="461665"/>
+          </a:xfrm>
+          <a:prstGeom prst="rect">
+            <a:avLst/>
+          </a:prstGeom>
+          <a:noFill/>
+        </p:spPr>
+        <p:txBody>
+          <a:bodyPr wrap="none" rtlCol="0">
+            <a:spAutoFit/>
+          </a:bodyPr>
+          <a:lstStyle/>
+          <a:p>
+            <a:r>
+              <a:rPr lang="en-US" sz="2400" dirty="0">
+                <a:solidFill>
+                  <a:schemeClr val="accent3">
+                    <a:lumMod val="60000"/>
+                    <a:lumOff val="40000"/>
+                  </a:schemeClr>
+                </a:solidFill>
+              </a:rPr>
+              <a:t>115.65</a:t>
+            </a:r>
+          </a:p>
+        </p:txBody>
+      </p:sp>
+      <p:sp>
+        <p:nvSpPr>
+          <p:cNvPr id="15" name="ZoneTexte 14">
+            <a:extLst>
+              <a:ext uri="{FF2B5EF4-FFF2-40B4-BE49-F238E27FC236}">
+                <a16:creationId xmlns:a16="http://schemas.microsoft.com/office/drawing/2014/main" id="{E904075C-FB13-FE3D-0C50-830A09AECE96}"/>
+              </a:ext>
+            </a:extLst>
+          </p:cNvPr>
+          <p:cNvSpPr txBox="1"/>
+          <p:nvPr/>
+        </p:nvSpPr>
+        <p:spPr>
+          <a:xfrm>
+            <a:off x="7303090" y="5284800"/>
+            <a:ext cx="1263487" cy="461665"/>
+          </a:xfrm>
+          <a:prstGeom prst="rect">
+            <a:avLst/>
+          </a:prstGeom>
+          <a:noFill/>
+        </p:spPr>
+        <p:txBody>
+          <a:bodyPr wrap="none" rtlCol="0">
+            <a:spAutoFit/>
+          </a:bodyPr>
+          <a:lstStyle/>
+          <a:p>
+            <a:r>
+              <a:rPr lang="en-US" sz="2400">
+                <a:solidFill>
+                  <a:schemeClr val="accent3">
+                    <a:lumMod val="60000"/>
+                    <a:lumOff val="40000"/>
+                  </a:schemeClr>
+                </a:solidFill>
+              </a:rPr>
+              <a:t>121.408</a:t>
+            </a:r>
+            <a:endParaRPr lang="en-US" sz="2400" dirty="0">
+              <a:solidFill>
+                <a:schemeClr val="accent3">
+                  <a:lumMod val="60000"/>
+                  <a:lumOff val="40000"/>
+                </a:schemeClr>
+              </a:solidFill>
+            </a:endParaRPr>
+          </a:p>
+        </p:txBody>
+      </p:sp>
+      <p:sp>
+        <p:nvSpPr>
+          <p:cNvPr id="16" name="ZoneTexte 15">
+            <a:extLst>
+              <a:ext uri="{FF2B5EF4-FFF2-40B4-BE49-F238E27FC236}">
+                <a16:creationId xmlns:a16="http://schemas.microsoft.com/office/drawing/2014/main" id="{A4E9A137-7AB3-20E6-C7F2-C1458FF0B540}"/>
+              </a:ext>
+            </a:extLst>
+          </p:cNvPr>
+          <p:cNvSpPr txBox="1"/>
+          <p:nvPr/>
+        </p:nvSpPr>
+        <p:spPr>
+          <a:xfrm>
+            <a:off x="8797565" y="5284800"/>
+            <a:ext cx="1263487" cy="461665"/>
+          </a:xfrm>
+          <a:prstGeom prst="rect">
+            <a:avLst/>
+          </a:prstGeom>
+          <a:ln w="38100"/>
+        </p:spPr>
+        <p:style>
+          <a:lnRef idx="2">
+            <a:schemeClr val="accent6"/>
+          </a:lnRef>
+          <a:fillRef idx="1">
+            <a:schemeClr val="lt1"/>
+          </a:fillRef>
+          <a:effectRef idx="0">
+            <a:schemeClr val="accent6"/>
+          </a:effectRef>
+          <a:fontRef idx="minor">
+            <a:schemeClr val="dk1"/>
+          </a:fontRef>
+        </p:style>
+        <p:txBody>
+          <a:bodyPr wrap="none" rtlCol="0">
+            <a:spAutoFit/>
+          </a:bodyPr>
+          <a:lstStyle/>
+          <a:p>
+            <a:r>
+              <a:rPr lang="en-US" sz="2400" dirty="0"/>
+              <a:t>121.408</a:t>
+            </a:r>
+          </a:p>
+        </p:txBody>
+      </p:sp>
+      <p:sp>
+        <p:nvSpPr>
+          <p:cNvPr id="17" name="ZoneTexte 16">
+            <a:extLst>
+              <a:ext uri="{FF2B5EF4-FFF2-40B4-BE49-F238E27FC236}">
+                <a16:creationId xmlns:a16="http://schemas.microsoft.com/office/drawing/2014/main" id="{CF0045EA-0106-509A-E91F-8F229C8853F7}"/>
+              </a:ext>
+            </a:extLst>
+          </p:cNvPr>
+          <p:cNvSpPr txBox="1"/>
+          <p:nvPr/>
+        </p:nvSpPr>
+        <p:spPr>
+          <a:xfrm>
+            <a:off x="6375359" y="4337237"/>
+            <a:ext cx="565155" cy="369332"/>
+          </a:xfrm>
+          <a:prstGeom prst="rect">
+            <a:avLst/>
+          </a:prstGeom>
+          <a:noFill/>
+        </p:spPr>
+        <p:txBody>
+          <a:bodyPr wrap="none" rtlCol="0">
+            <a:spAutoFit/>
+          </a:bodyPr>
+          <a:lstStyle/>
+          <a:p>
+            <a:r>
+              <a:rPr lang="en-US" dirty="0"/>
+              <a:t>RBT</a:t>
+            </a:r>
+          </a:p>
+        </p:txBody>
+      </p:sp>
+      <p:sp>
+        <p:nvSpPr>
+          <p:cNvPr id="18" name="ZoneTexte 17">
+            <a:extLst>
+              <a:ext uri="{FF2B5EF4-FFF2-40B4-BE49-F238E27FC236}">
+                <a16:creationId xmlns:a16="http://schemas.microsoft.com/office/drawing/2014/main" id="{F94A429C-8706-E6E5-92A2-7E85CA929B66}"/>
+              </a:ext>
+            </a:extLst>
+          </p:cNvPr>
+          <p:cNvSpPr txBox="1"/>
+          <p:nvPr/>
+        </p:nvSpPr>
+        <p:spPr>
+          <a:xfrm>
+            <a:off x="6375359" y="5740272"/>
+            <a:ext cx="585417" cy="369332"/>
+          </a:xfrm>
+          <a:prstGeom prst="rect">
+            <a:avLst/>
+          </a:prstGeom>
+          <a:noFill/>
+        </p:spPr>
+        <p:txBody>
+          <a:bodyPr wrap="none" rtlCol="0">
+            <a:spAutoFit/>
+          </a:bodyPr>
+          <a:lstStyle/>
+          <a:p>
+            <a:r>
+              <a:rPr lang="en-US" dirty="0"/>
+              <a:t>EPR</a:t>
+            </a:r>
+          </a:p>
+        </p:txBody>
+      </p:sp>
+      <p:sp>
+        <p:nvSpPr>
+          <p:cNvPr id="19" name="Flèche : double flèche horizontale 18">
+            <a:extLst>
+              <a:ext uri="{FF2B5EF4-FFF2-40B4-BE49-F238E27FC236}">
+                <a16:creationId xmlns:a16="http://schemas.microsoft.com/office/drawing/2014/main" id="{94546D7A-AD18-5049-0023-94E7E2665552}"/>
+              </a:ext>
+            </a:extLst>
+          </p:cNvPr>
+          <p:cNvSpPr/>
+          <p:nvPr/>
+        </p:nvSpPr>
+        <p:spPr>
+          <a:xfrm>
+            <a:off x="5597052" y="3927574"/>
+            <a:ext cx="389228" cy="204717"/>
+          </a:xfrm>
+          <a:prstGeom prst="leftRightArrow">
+            <a:avLst/>
+          </a:prstGeom>
+        </p:spPr>
+        <p:style>
+          <a:lnRef idx="2">
+            <a:schemeClr val="accent1">
+              <a:shade val="15000"/>
+            </a:schemeClr>
+          </a:lnRef>
+          <a:fillRef idx="1">
+            <a:schemeClr val="accent1"/>
+          </a:fillRef>
+          <a:effectRef idx="0">
+            <a:schemeClr val="accent1"/>
+          </a:effectRef>
+          <a:fontRef idx="minor">
+            <a:schemeClr val="lt1"/>
+          </a:fontRef>
+        </p:style>
+        <p:txBody>
+          <a:bodyPr rtlCol="0" anchor="ctr"/>
+          <a:lstStyle/>
+          <a:p>
+            <a:pPr algn="ctr"/>
+            <a:endParaRPr lang="en-US"/>
+          </a:p>
+        </p:txBody>
+      </p:sp>
+      <p:sp>
+        <p:nvSpPr>
+          <p:cNvPr id="20" name="Flèche : double flèche horizontale 19">
+            <a:extLst>
+              <a:ext uri="{FF2B5EF4-FFF2-40B4-BE49-F238E27FC236}">
+                <a16:creationId xmlns:a16="http://schemas.microsoft.com/office/drawing/2014/main" id="{0DA4F365-C0D7-1E13-4A9B-854F50C438A0}"/>
+              </a:ext>
+            </a:extLst>
+          </p:cNvPr>
+          <p:cNvSpPr/>
+          <p:nvPr/>
+        </p:nvSpPr>
+        <p:spPr>
+          <a:xfrm>
+            <a:off x="8475202" y="3937971"/>
+            <a:ext cx="389228" cy="204717"/>
+          </a:xfrm>
+          <a:prstGeom prst="leftRightArrow">
+            <a:avLst/>
+          </a:prstGeom>
+        </p:spPr>
+        <p:style>
+          <a:lnRef idx="2">
+            <a:schemeClr val="accent1">
+              <a:shade val="15000"/>
+            </a:schemeClr>
+          </a:lnRef>
+          <a:fillRef idx="1">
+            <a:schemeClr val="accent1"/>
+          </a:fillRef>
+          <a:effectRef idx="0">
+            <a:schemeClr val="accent1"/>
+          </a:effectRef>
+          <a:fontRef idx="minor">
+            <a:schemeClr val="lt1"/>
+          </a:fontRef>
+        </p:style>
+        <p:txBody>
+          <a:bodyPr rtlCol="0" anchor="ctr"/>
+          <a:lstStyle/>
+          <a:p>
+            <a:pPr algn="ctr"/>
+            <a:endParaRPr lang="en-US"/>
+          </a:p>
+        </p:txBody>
+      </p:sp>
+      <p:sp>
+        <p:nvSpPr>
+          <p:cNvPr id="21" name="Flèche : double flèche horizontale 20">
+            <a:extLst>
+              <a:ext uri="{FF2B5EF4-FFF2-40B4-BE49-F238E27FC236}">
+                <a16:creationId xmlns:a16="http://schemas.microsoft.com/office/drawing/2014/main" id="{A9A53BAA-6F57-6D8E-B19F-AD0620AB34AC}"/>
+              </a:ext>
+            </a:extLst>
+          </p:cNvPr>
+          <p:cNvSpPr/>
+          <p:nvPr/>
+        </p:nvSpPr>
+        <p:spPr>
+          <a:xfrm>
+            <a:off x="5558986" y="5422940"/>
+            <a:ext cx="389228" cy="204717"/>
+          </a:xfrm>
+          <a:prstGeom prst="leftRightArrow">
+            <a:avLst/>
+          </a:prstGeom>
+        </p:spPr>
+        <p:style>
+          <a:lnRef idx="2">
+            <a:schemeClr val="accent1">
+              <a:shade val="15000"/>
+            </a:schemeClr>
+          </a:lnRef>
+          <a:fillRef idx="1">
+            <a:schemeClr val="accent1"/>
+          </a:fillRef>
+          <a:effectRef idx="0">
+            <a:schemeClr val="accent1"/>
+          </a:effectRef>
+          <a:fontRef idx="minor">
+            <a:schemeClr val="lt1"/>
+          </a:fontRef>
+        </p:style>
+        <p:txBody>
+          <a:bodyPr rtlCol="0" anchor="ctr"/>
+          <a:lstStyle/>
+          <a:p>
+            <a:pPr algn="ctr"/>
+            <a:endParaRPr lang="en-US"/>
+          </a:p>
+        </p:txBody>
+      </p:sp>
+      <p:sp>
+        <p:nvSpPr>
+          <p:cNvPr id="22" name="Flèche : double flèche horizontale 21">
+            <a:extLst>
+              <a:ext uri="{FF2B5EF4-FFF2-40B4-BE49-F238E27FC236}">
+                <a16:creationId xmlns:a16="http://schemas.microsoft.com/office/drawing/2014/main" id="{C55904DC-035D-AD07-8D53-5992B7E7A229}"/>
+              </a:ext>
+            </a:extLst>
+          </p:cNvPr>
+          <p:cNvSpPr/>
+          <p:nvPr/>
+        </p:nvSpPr>
+        <p:spPr>
+          <a:xfrm>
+            <a:off x="8481831" y="5422939"/>
+            <a:ext cx="389228" cy="204717"/>
+          </a:xfrm>
+          <a:prstGeom prst="leftRightArrow">
+            <a:avLst/>
+          </a:prstGeom>
+        </p:spPr>
+        <p:style>
+          <a:lnRef idx="2">
+            <a:schemeClr val="accent1">
+              <a:shade val="15000"/>
+            </a:schemeClr>
+          </a:lnRef>
+          <a:fillRef idx="1">
+            <a:schemeClr val="accent1"/>
+          </a:fillRef>
+          <a:effectRef idx="0">
+            <a:schemeClr val="accent1"/>
+          </a:effectRef>
+          <a:fontRef idx="minor">
+            <a:schemeClr val="lt1"/>
+          </a:fontRef>
+        </p:style>
+        <p:txBody>
+          <a:bodyPr rtlCol="0" anchor="ctr"/>
+          <a:lstStyle/>
+          <a:p>
+            <a:pPr algn="ctr"/>
+            <a:endParaRPr lang="en-US"/>
+          </a:p>
+        </p:txBody>
+      </p:sp>
+      <p:sp>
+        <p:nvSpPr>
+          <p:cNvPr id="23" name="ZoneTexte 22">
+            <a:extLst>
+              <a:ext uri="{FF2B5EF4-FFF2-40B4-BE49-F238E27FC236}">
+                <a16:creationId xmlns:a16="http://schemas.microsoft.com/office/drawing/2014/main" id="{FF1AA791-7F77-C538-40F0-3C5BCA93BCCE}"/>
+              </a:ext>
+            </a:extLst>
+          </p:cNvPr>
+          <p:cNvSpPr txBox="1"/>
+          <p:nvPr/>
+        </p:nvSpPr>
+        <p:spPr>
+          <a:xfrm>
+            <a:off x="9584166" y="5815448"/>
+            <a:ext cx="423514" cy="369332"/>
+          </a:xfrm>
+          <a:prstGeom prst="rect">
+            <a:avLst/>
+          </a:prstGeom>
+          <a:noFill/>
+        </p:spPr>
+        <p:txBody>
+          <a:bodyPr wrap="none" rtlCol="0">
+            <a:spAutoFit/>
+          </a:bodyPr>
+          <a:lstStyle/>
+          <a:p>
+            <a:r>
+              <a:rPr lang="en-US" dirty="0"/>
+              <a:t>TX</a:t>
+            </a:r>
+          </a:p>
+        </p:txBody>
+      </p:sp>
+      <p:sp>
+        <p:nvSpPr>
+          <p:cNvPr id="25" name="Rectangle : coins arrondis 24">
+            <a:extLst>
+              <a:ext uri="{FF2B5EF4-FFF2-40B4-BE49-F238E27FC236}">
+                <a16:creationId xmlns:a16="http://schemas.microsoft.com/office/drawing/2014/main" id="{8CF75716-0AB9-8C66-275B-1964333D17AA}"/>
+              </a:ext>
+            </a:extLst>
+          </p:cNvPr>
+          <p:cNvSpPr/>
+          <p:nvPr/>
+        </p:nvSpPr>
+        <p:spPr>
+          <a:xfrm>
+            <a:off x="4336026" y="3357349"/>
+            <a:ext cx="2883309" cy="1512000"/>
+          </a:xfrm>
+          <a:prstGeom prst="roundRect">
+            <a:avLst>
+              <a:gd name="adj" fmla="val 5835"/>
+            </a:avLst>
+          </a:prstGeom>
+          <a:noFill/>
+        </p:spPr>
+        <p:style>
+          <a:lnRef idx="2">
+            <a:schemeClr val="accent6"/>
+          </a:lnRef>
+          <a:fillRef idx="1">
+            <a:schemeClr val="lt1"/>
+          </a:fillRef>
+          <a:effectRef idx="0">
+            <a:schemeClr val="accent6"/>
+          </a:effectRef>
+          <a:fontRef idx="minor">
+            <a:schemeClr val="dk1"/>
+          </a:fontRef>
+        </p:style>
+        <p:txBody>
+          <a:bodyPr rtlCol="0" anchor="ctr"/>
+          <a:lstStyle/>
+          <a:p>
+            <a:pPr algn="ctr"/>
+            <a:endParaRPr lang="en-US"/>
+          </a:p>
+        </p:txBody>
+      </p:sp>
+      <p:sp>
+        <p:nvSpPr>
+          <p:cNvPr id="26" name="Rectangle : coins arrondis 25">
+            <a:extLst>
+              <a:ext uri="{FF2B5EF4-FFF2-40B4-BE49-F238E27FC236}">
+                <a16:creationId xmlns:a16="http://schemas.microsoft.com/office/drawing/2014/main" id="{767BB498-ABF4-0562-BC0B-341ABD582CD3}"/>
+              </a:ext>
+            </a:extLst>
+          </p:cNvPr>
+          <p:cNvSpPr/>
+          <p:nvPr/>
+        </p:nvSpPr>
+        <p:spPr>
+          <a:xfrm>
+            <a:off x="7257657" y="3355661"/>
+            <a:ext cx="2883309" cy="1512000"/>
+          </a:xfrm>
+          <a:prstGeom prst="roundRect">
+            <a:avLst>
+              <a:gd name="adj" fmla="val 5835"/>
+            </a:avLst>
+          </a:prstGeom>
+          <a:noFill/>
+        </p:spPr>
+        <p:style>
+          <a:lnRef idx="2">
+            <a:schemeClr val="accent6"/>
+          </a:lnRef>
+          <a:fillRef idx="1">
+            <a:schemeClr val="lt1"/>
+          </a:fillRef>
+          <a:effectRef idx="0">
+            <a:schemeClr val="accent6"/>
+          </a:effectRef>
+          <a:fontRef idx="minor">
+            <a:schemeClr val="dk1"/>
+          </a:fontRef>
+        </p:style>
+        <p:txBody>
+          <a:bodyPr rtlCol="0" anchor="ctr"/>
+          <a:lstStyle/>
+          <a:p>
+            <a:pPr algn="ctr"/>
+            <a:endParaRPr lang="en-US"/>
+          </a:p>
+        </p:txBody>
+      </p:sp>
+      <p:sp>
+        <p:nvSpPr>
+          <p:cNvPr id="27" name="Rectangle : coins arrondis 26">
+            <a:extLst>
+              <a:ext uri="{FF2B5EF4-FFF2-40B4-BE49-F238E27FC236}">
+                <a16:creationId xmlns:a16="http://schemas.microsoft.com/office/drawing/2014/main" id="{2A059AF5-CAB9-B755-A69F-312CA88D5356}"/>
+              </a:ext>
+            </a:extLst>
+          </p:cNvPr>
+          <p:cNvSpPr/>
+          <p:nvPr/>
+        </p:nvSpPr>
+        <p:spPr>
+          <a:xfrm>
+            <a:off x="4334083" y="4899048"/>
+            <a:ext cx="2883309" cy="1512000"/>
+          </a:xfrm>
+          <a:prstGeom prst="roundRect">
+            <a:avLst>
+              <a:gd name="adj" fmla="val 5835"/>
+            </a:avLst>
+          </a:prstGeom>
+          <a:noFill/>
+        </p:spPr>
+        <p:style>
+          <a:lnRef idx="2">
+            <a:schemeClr val="accent6"/>
+          </a:lnRef>
+          <a:fillRef idx="1">
+            <a:schemeClr val="lt1"/>
+          </a:fillRef>
+          <a:effectRef idx="0">
+            <a:schemeClr val="accent6"/>
+          </a:effectRef>
+          <a:fontRef idx="minor">
+            <a:schemeClr val="dk1"/>
+          </a:fontRef>
+        </p:style>
+        <p:txBody>
+          <a:bodyPr rtlCol="0" anchor="ctr"/>
+          <a:lstStyle/>
+          <a:p>
+            <a:pPr algn="ctr"/>
+            <a:endParaRPr lang="en-US"/>
+          </a:p>
+        </p:txBody>
+      </p:sp>
+      <p:sp>
+        <p:nvSpPr>
+          <p:cNvPr id="28" name="Rectangle : coins arrondis 27">
+            <a:extLst>
+              <a:ext uri="{FF2B5EF4-FFF2-40B4-BE49-F238E27FC236}">
+                <a16:creationId xmlns:a16="http://schemas.microsoft.com/office/drawing/2014/main" id="{B33A5ED2-4F95-6CF6-DD8F-88953F1AFB6B}"/>
+              </a:ext>
+            </a:extLst>
+          </p:cNvPr>
+          <p:cNvSpPr/>
+          <p:nvPr/>
+        </p:nvSpPr>
+        <p:spPr>
+          <a:xfrm>
+            <a:off x="7255714" y="4897360"/>
+            <a:ext cx="2883309" cy="1512000"/>
+          </a:xfrm>
+          <a:prstGeom prst="roundRect">
+            <a:avLst>
+              <a:gd name="adj" fmla="val 5835"/>
+            </a:avLst>
+          </a:prstGeom>
+          <a:noFill/>
+        </p:spPr>
+        <p:style>
+          <a:lnRef idx="2">
+            <a:schemeClr val="accent6"/>
+          </a:lnRef>
+          <a:fillRef idx="1">
+            <a:schemeClr val="lt1"/>
+          </a:fillRef>
+          <a:effectRef idx="0">
+            <a:schemeClr val="accent6"/>
+          </a:effectRef>
+          <a:fontRef idx="minor">
+            <a:schemeClr val="dk1"/>
+          </a:fontRef>
+        </p:style>
+        <p:txBody>
+          <a:bodyPr rtlCol="0" anchor="ctr"/>
+          <a:lstStyle/>
+          <a:p>
+            <a:pPr algn="ctr"/>
+            <a:endParaRPr lang="en-US"/>
+          </a:p>
+        </p:txBody>
+      </p:sp>
+      <p:sp>
+        <p:nvSpPr>
+          <p:cNvPr id="29" name="ZoneTexte 28">
+            <a:extLst>
+              <a:ext uri="{FF2B5EF4-FFF2-40B4-BE49-F238E27FC236}">
+                <a16:creationId xmlns:a16="http://schemas.microsoft.com/office/drawing/2014/main" id="{F1B0CC37-90CB-0CE1-987D-D7551E924CA2}"/>
+              </a:ext>
+            </a:extLst>
+          </p:cNvPr>
+          <p:cNvSpPr txBox="1"/>
+          <p:nvPr/>
+        </p:nvSpPr>
+        <p:spPr>
+          <a:xfrm>
+            <a:off x="7310455" y="4199714"/>
+            <a:ext cx="1223668" cy="369332"/>
+          </a:xfrm>
+          <a:prstGeom prst="rect">
+            <a:avLst/>
+          </a:prstGeom>
+          <a:noFill/>
+        </p:spPr>
+        <p:txBody>
+          <a:bodyPr wrap="none" rtlCol="0">
+            <a:spAutoFit/>
+          </a:bodyPr>
+          <a:lstStyle/>
+          <a:p>
+            <a:r>
+              <a:rPr lang="en-US" dirty="0"/>
+              <a:t>LFPN TWR</a:t>
+            </a:r>
+          </a:p>
+        </p:txBody>
+      </p:sp>
+      <p:sp>
+        <p:nvSpPr>
+          <p:cNvPr id="31" name="ZoneTexte 30">
+            <a:extLst>
+              <a:ext uri="{FF2B5EF4-FFF2-40B4-BE49-F238E27FC236}">
+                <a16:creationId xmlns:a16="http://schemas.microsoft.com/office/drawing/2014/main" id="{FD77275B-682B-0DD3-2328-1A6238305DBC}"/>
+              </a:ext>
+            </a:extLst>
+          </p:cNvPr>
+          <p:cNvSpPr txBox="1"/>
+          <p:nvPr/>
+        </p:nvSpPr>
+        <p:spPr>
+          <a:xfrm>
+            <a:off x="3901440" y="11336482"/>
+            <a:ext cx="9479526" cy="646331"/>
+          </a:xfrm>
+          <a:prstGeom prst="rect">
+            <a:avLst/>
+          </a:prstGeom>
+          <a:noFill/>
+        </p:spPr>
+        <p:txBody>
+          <a:bodyPr wrap="square">
+            <a:spAutoFit/>
+          </a:bodyPr>
+          <a:lstStyle/>
+          <a:p>
+            <a:r>
+              <a:rPr lang="en-US" dirty="0"/>
+              <a:t>https://docs.flightsimulator.com/html/Programming_Tools/SimVars/Aircraft_SimVars/Aircraft_RadioNavigation_Variables.htm</a:t>
+            </a:r>
+          </a:p>
+        </p:txBody>
+      </p:sp>
+      <p:sp>
+        <p:nvSpPr>
+          <p:cNvPr id="33" name="ZoneTexte 32">
+            <a:extLst>
+              <a:ext uri="{FF2B5EF4-FFF2-40B4-BE49-F238E27FC236}">
+                <a16:creationId xmlns:a16="http://schemas.microsoft.com/office/drawing/2014/main" id="{EEBBAB54-9B00-05C5-0282-8BB4BCF88A9C}"/>
+              </a:ext>
+            </a:extLst>
+          </p:cNvPr>
+          <p:cNvSpPr txBox="1"/>
+          <p:nvPr/>
+        </p:nvSpPr>
+        <p:spPr>
+          <a:xfrm>
+            <a:off x="7185334" y="2285071"/>
+            <a:ext cx="2762486" cy="369332"/>
+          </a:xfrm>
+          <a:prstGeom prst="rect">
+            <a:avLst/>
+          </a:prstGeom>
+          <a:noFill/>
+        </p:spPr>
+        <p:txBody>
+          <a:bodyPr wrap="square">
+            <a:spAutoFit/>
+          </a:bodyPr>
+          <a:lstStyle/>
+          <a:p>
+            <a:r>
+              <a:rPr lang="fr-FR" b="0" i="0" dirty="0">
+                <a:solidFill>
+                  <a:schemeClr val="tx1">
+                    <a:lumMod val="75000"/>
+                    <a:lumOff val="25000"/>
+                  </a:schemeClr>
+                </a:solidFill>
+                <a:effectLst/>
+                <a:latin typeface="SF Mono"/>
+              </a:rPr>
+              <a:t>COM1 STORED FREQUENCY</a:t>
+            </a:r>
+            <a:endParaRPr lang="en-US" dirty="0">
+              <a:solidFill>
+                <a:schemeClr val="tx1">
+                  <a:lumMod val="75000"/>
+                  <a:lumOff val="25000"/>
+                </a:schemeClr>
+              </a:solidFill>
+            </a:endParaRPr>
+          </a:p>
+        </p:txBody>
+      </p:sp>
+      <p:cxnSp>
+        <p:nvCxnSpPr>
+          <p:cNvPr id="35" name="Connecteur droit avec flèche 34">
+            <a:extLst>
+              <a:ext uri="{FF2B5EF4-FFF2-40B4-BE49-F238E27FC236}">
+                <a16:creationId xmlns:a16="http://schemas.microsoft.com/office/drawing/2014/main" id="{8F281ACA-33F0-E836-203F-7E9A0A982772}"/>
+              </a:ext>
+            </a:extLst>
+          </p:cNvPr>
+          <p:cNvCxnSpPr>
+            <a:cxnSpLocks/>
+          </p:cNvCxnSpPr>
+          <p:nvPr/>
+        </p:nvCxnSpPr>
+        <p:spPr>
+          <a:xfrm flipH="1">
+            <a:off x="9142228" y="3132230"/>
+            <a:ext cx="110796" cy="790891"/>
+          </a:xfrm>
+          <a:prstGeom prst="straightConnector1">
+            <a:avLst/>
+          </a:prstGeom>
+          <a:ln>
+            <a:tailEnd type="triangle"/>
+          </a:ln>
+        </p:spPr>
+        <p:style>
+          <a:lnRef idx="2">
+            <a:schemeClr val="accent1"/>
+          </a:lnRef>
+          <a:fillRef idx="0">
+            <a:schemeClr val="accent1"/>
+          </a:fillRef>
+          <a:effectRef idx="1">
+            <a:schemeClr val="accent1"/>
+          </a:effectRef>
+          <a:fontRef idx="minor">
+            <a:schemeClr val="tx1"/>
+          </a:fontRef>
+        </p:style>
+      </p:cxnSp>
+      <p:sp>
+        <p:nvSpPr>
+          <p:cNvPr id="36" name="ZoneTexte 35">
+            <a:extLst>
+              <a:ext uri="{FF2B5EF4-FFF2-40B4-BE49-F238E27FC236}">
+                <a16:creationId xmlns:a16="http://schemas.microsoft.com/office/drawing/2014/main" id="{F5797453-977E-ED16-50FC-9EAEE3EEE4DC}"/>
+              </a:ext>
+            </a:extLst>
+          </p:cNvPr>
+          <p:cNvSpPr txBox="1"/>
+          <p:nvPr/>
+        </p:nvSpPr>
+        <p:spPr>
+          <a:xfrm>
+            <a:off x="8790628" y="4229413"/>
+            <a:ext cx="1279517" cy="369332"/>
+          </a:xfrm>
+          <a:prstGeom prst="rect">
+            <a:avLst/>
+          </a:prstGeom>
+          <a:noFill/>
+        </p:spPr>
+        <p:txBody>
+          <a:bodyPr wrap="none" rtlCol="0">
+            <a:spAutoFit/>
+          </a:bodyPr>
+          <a:lstStyle/>
+          <a:p>
+            <a:r>
+              <a:rPr lang="en-US" dirty="0">
+                <a:solidFill>
+                  <a:schemeClr val="accent5">
+                    <a:lumMod val="75000"/>
+                  </a:schemeClr>
+                </a:solidFill>
+              </a:rPr>
+              <a:t>183° 83NM</a:t>
+            </a:r>
+          </a:p>
+        </p:txBody>
+      </p:sp>
+      <p:sp>
+        <p:nvSpPr>
+          <p:cNvPr id="38" name="ZoneTexte 37">
+            <a:extLst>
+              <a:ext uri="{FF2B5EF4-FFF2-40B4-BE49-F238E27FC236}">
+                <a16:creationId xmlns:a16="http://schemas.microsoft.com/office/drawing/2014/main" id="{6D1157A6-EAF4-C12C-C2C9-EBFAACF97F3D}"/>
+              </a:ext>
+            </a:extLst>
+          </p:cNvPr>
+          <p:cNvSpPr txBox="1"/>
+          <p:nvPr/>
+        </p:nvSpPr>
+        <p:spPr>
+          <a:xfrm>
+            <a:off x="11791406" y="4268379"/>
+            <a:ext cx="6766498" cy="369332"/>
+          </a:xfrm>
+          <a:prstGeom prst="rect">
+            <a:avLst/>
+          </a:prstGeom>
+          <a:noFill/>
+        </p:spPr>
+        <p:txBody>
+          <a:bodyPr wrap="square">
+            <a:spAutoFit/>
+          </a:bodyPr>
+          <a:lstStyle/>
+          <a:p>
+            <a:r>
+              <a:rPr lang="fr-FR" b="0" i="0" dirty="0">
+                <a:solidFill>
+                  <a:schemeClr val="tx1">
+                    <a:lumMod val="75000"/>
+                    <a:lumOff val="25000"/>
+                  </a:schemeClr>
+                </a:solidFill>
+                <a:effectLst/>
+                <a:latin typeface="SF Mono"/>
+              </a:rPr>
+              <a:t>COM ACTIVE </a:t>
+            </a:r>
+            <a:r>
+              <a:rPr lang="fr-FR" b="0" i="0" dirty="0" err="1">
+                <a:solidFill>
+                  <a:schemeClr val="tx1">
+                    <a:lumMod val="75000"/>
+                    <a:lumOff val="25000"/>
+                  </a:schemeClr>
+                </a:solidFill>
+                <a:effectLst/>
+                <a:latin typeface="SF Mono"/>
+              </a:rPr>
+              <a:t>BEARING:index</a:t>
+            </a:r>
+            <a:r>
+              <a:rPr lang="fr-FR" b="0" i="0" dirty="0">
+                <a:solidFill>
+                  <a:schemeClr val="tx1">
+                    <a:lumMod val="75000"/>
+                    <a:lumOff val="25000"/>
+                  </a:schemeClr>
+                </a:solidFill>
+                <a:effectLst/>
+                <a:latin typeface="SF Mono"/>
+              </a:rPr>
+              <a:t>/COM ACTIVE </a:t>
+            </a:r>
+            <a:r>
+              <a:rPr lang="fr-FR" b="0" i="0" dirty="0" err="1">
+                <a:solidFill>
+                  <a:schemeClr val="tx1">
+                    <a:lumMod val="75000"/>
+                    <a:lumOff val="25000"/>
+                  </a:schemeClr>
+                </a:solidFill>
+                <a:effectLst/>
+                <a:latin typeface="SF Mono"/>
+              </a:rPr>
+              <a:t>DISTANCE:index</a:t>
+            </a:r>
+            <a:endParaRPr lang="en-US" dirty="0">
+              <a:solidFill>
+                <a:schemeClr val="tx1">
+                  <a:lumMod val="75000"/>
+                  <a:lumOff val="25000"/>
+                </a:schemeClr>
+              </a:solidFill>
+            </a:endParaRPr>
+          </a:p>
+        </p:txBody>
+      </p:sp>
+      <p:cxnSp>
+        <p:nvCxnSpPr>
+          <p:cNvPr id="40" name="Connecteur droit avec flèche 39">
+            <a:extLst>
+              <a:ext uri="{FF2B5EF4-FFF2-40B4-BE49-F238E27FC236}">
+                <a16:creationId xmlns:a16="http://schemas.microsoft.com/office/drawing/2014/main" id="{92B629C5-6D0D-C247-9267-C5F5903D1B85}"/>
+              </a:ext>
+            </a:extLst>
+          </p:cNvPr>
+          <p:cNvCxnSpPr>
+            <a:stCxn id="38" idx="1"/>
+            <a:endCxn id="36" idx="3"/>
+          </p:cNvCxnSpPr>
+          <p:nvPr/>
+        </p:nvCxnSpPr>
+        <p:spPr>
+          <a:xfrm flipH="1" flipV="1">
+            <a:off x="10070145" y="4414079"/>
+            <a:ext cx="1721261" cy="38966"/>
+          </a:xfrm>
+          <a:prstGeom prst="straightConnector1">
+            <a:avLst/>
+          </a:prstGeom>
+          <a:ln>
+            <a:tailEnd type="triangle"/>
+          </a:ln>
+        </p:spPr>
+        <p:style>
+          <a:lnRef idx="2">
+            <a:schemeClr val="accent1"/>
+          </a:lnRef>
+          <a:fillRef idx="0">
+            <a:schemeClr val="accent1"/>
+          </a:fillRef>
+          <a:effectRef idx="1">
+            <a:schemeClr val="accent1"/>
+          </a:effectRef>
+          <a:fontRef idx="minor">
+            <a:schemeClr val="tx1"/>
+          </a:fontRef>
+        </p:style>
+      </p:cxnSp>
+      <p:sp>
+        <p:nvSpPr>
+          <p:cNvPr id="42" name="ZoneTexte 41">
+            <a:extLst>
+              <a:ext uri="{FF2B5EF4-FFF2-40B4-BE49-F238E27FC236}">
+                <a16:creationId xmlns:a16="http://schemas.microsoft.com/office/drawing/2014/main" id="{C3E811BB-DEAD-163A-2871-88816D8179E7}"/>
+              </a:ext>
+            </a:extLst>
+          </p:cNvPr>
+          <p:cNvSpPr txBox="1"/>
+          <p:nvPr/>
+        </p:nvSpPr>
+        <p:spPr>
+          <a:xfrm>
+            <a:off x="10710133" y="3753305"/>
+            <a:ext cx="7225937" cy="369332"/>
+          </a:xfrm>
+          <a:prstGeom prst="rect">
+            <a:avLst/>
+          </a:prstGeom>
+          <a:noFill/>
+        </p:spPr>
+        <p:txBody>
+          <a:bodyPr wrap="square">
+            <a:spAutoFit/>
+          </a:bodyPr>
+          <a:lstStyle/>
+          <a:p>
+            <a:r>
+              <a:rPr lang="pt-BR" b="0" i="0" dirty="0">
+                <a:solidFill>
+                  <a:schemeClr val="tx1">
+                    <a:lumMod val="75000"/>
+                    <a:lumOff val="25000"/>
+                  </a:schemeClr>
+                </a:solidFill>
+                <a:effectLst/>
+                <a:latin typeface="SF Mono"/>
+              </a:rPr>
+              <a:t>COM ACTIVE FREQ </a:t>
+            </a:r>
+            <a:r>
+              <a:rPr lang="pt-BR" b="0" i="0" dirty="0" err="1">
+                <a:solidFill>
+                  <a:schemeClr val="tx1">
+                    <a:lumMod val="75000"/>
+                    <a:lumOff val="25000"/>
+                  </a:schemeClr>
+                </a:solidFill>
+                <a:effectLst/>
+                <a:latin typeface="SF Mono"/>
+              </a:rPr>
+              <a:t>IDENT:index</a:t>
+            </a:r>
+            <a:r>
+              <a:rPr lang="pt-BR" b="0" i="0" dirty="0">
+                <a:solidFill>
+                  <a:schemeClr val="tx1">
+                    <a:lumMod val="75000"/>
+                    <a:lumOff val="25000"/>
+                  </a:schemeClr>
+                </a:solidFill>
+                <a:effectLst/>
+                <a:latin typeface="SF Mono"/>
+              </a:rPr>
+              <a:t>/COM ACTIVE FREQ </a:t>
+            </a:r>
+            <a:r>
+              <a:rPr lang="pt-BR" b="0" i="0" dirty="0" err="1">
+                <a:solidFill>
+                  <a:schemeClr val="tx1">
+                    <a:lumMod val="75000"/>
+                    <a:lumOff val="25000"/>
+                  </a:schemeClr>
+                </a:solidFill>
+                <a:effectLst/>
+                <a:latin typeface="SF Mono"/>
+              </a:rPr>
+              <a:t>TYPE:index</a:t>
+            </a:r>
+            <a:endParaRPr lang="en-US" dirty="0">
+              <a:solidFill>
+                <a:schemeClr val="tx1">
+                  <a:lumMod val="75000"/>
+                  <a:lumOff val="25000"/>
+                </a:schemeClr>
+              </a:solidFill>
+            </a:endParaRPr>
+          </a:p>
+        </p:txBody>
+      </p:sp>
+      <p:cxnSp>
+        <p:nvCxnSpPr>
+          <p:cNvPr id="44" name="Connecteur droit avec flèche 43">
+            <a:extLst>
+              <a:ext uri="{FF2B5EF4-FFF2-40B4-BE49-F238E27FC236}">
+                <a16:creationId xmlns:a16="http://schemas.microsoft.com/office/drawing/2014/main" id="{56D9D109-68E2-6759-C24E-92CD16F442A0}"/>
+              </a:ext>
+            </a:extLst>
+          </p:cNvPr>
+          <p:cNvCxnSpPr>
+            <a:cxnSpLocks/>
+            <a:stCxn id="42" idx="1"/>
+            <a:endCxn id="29" idx="3"/>
+          </p:cNvCxnSpPr>
+          <p:nvPr/>
+        </p:nvCxnSpPr>
+        <p:spPr>
+          <a:xfrm flipH="1">
+            <a:off x="8534123" y="3937971"/>
+            <a:ext cx="2176010" cy="446409"/>
+          </a:xfrm>
+          <a:prstGeom prst="straightConnector1">
+            <a:avLst/>
+          </a:prstGeom>
+          <a:ln>
+            <a:tailEnd type="triangle"/>
+          </a:ln>
+        </p:spPr>
+        <p:style>
+          <a:lnRef idx="2">
+            <a:schemeClr val="accent1"/>
+          </a:lnRef>
+          <a:fillRef idx="0">
+            <a:schemeClr val="accent1"/>
+          </a:fillRef>
+          <a:effectRef idx="1">
+            <a:schemeClr val="accent1"/>
+          </a:effectRef>
+          <a:fontRef idx="minor">
+            <a:schemeClr val="tx1"/>
+          </a:fontRef>
+        </p:style>
+      </p:cxnSp>
+      <p:sp>
+        <p:nvSpPr>
+          <p:cNvPr id="48" name="ZoneTexte 47">
+            <a:extLst>
+              <a:ext uri="{FF2B5EF4-FFF2-40B4-BE49-F238E27FC236}">
+                <a16:creationId xmlns:a16="http://schemas.microsoft.com/office/drawing/2014/main" id="{6253C88C-42FC-27AC-7BD4-EC23D9590DFB}"/>
+              </a:ext>
+            </a:extLst>
+          </p:cNvPr>
+          <p:cNvSpPr txBox="1"/>
+          <p:nvPr/>
+        </p:nvSpPr>
+        <p:spPr>
+          <a:xfrm>
+            <a:off x="4141606" y="10614245"/>
+            <a:ext cx="9479280" cy="646331"/>
+          </a:xfrm>
+          <a:prstGeom prst="rect">
+            <a:avLst/>
+          </a:prstGeom>
+          <a:noFill/>
+        </p:spPr>
+        <p:txBody>
+          <a:bodyPr wrap="square">
+            <a:spAutoFit/>
+          </a:bodyPr>
+          <a:lstStyle/>
+          <a:p>
+            <a:r>
+              <a:rPr lang="fr-FR" b="0" i="0" dirty="0">
+                <a:solidFill>
+                  <a:schemeClr val="bg2">
+                    <a:lumMod val="25000"/>
+                  </a:schemeClr>
+                </a:solidFill>
+                <a:effectLst/>
+                <a:latin typeface="SF Mono"/>
+              </a:rPr>
+              <a:t>COM </a:t>
+            </a:r>
+            <a:r>
+              <a:rPr lang="fr-FR" b="0" i="0" dirty="0" err="1">
+                <a:solidFill>
+                  <a:schemeClr val="bg2">
+                    <a:lumMod val="25000"/>
+                  </a:schemeClr>
+                </a:solidFill>
+                <a:effectLst/>
+                <a:latin typeface="SF Mono"/>
+              </a:rPr>
+              <a:t>AVAILABLE:index</a:t>
+            </a:r>
+            <a:r>
+              <a:rPr lang="fr-FR" b="0" i="0" dirty="0">
+                <a:solidFill>
+                  <a:schemeClr val="bg2">
+                    <a:lumMod val="25000"/>
+                  </a:schemeClr>
+                </a:solidFill>
+                <a:effectLst/>
+                <a:latin typeface="SF Mono"/>
+              </a:rPr>
+              <a:t> : pour paramétrer système</a:t>
+            </a:r>
+          </a:p>
+          <a:p>
+            <a:r>
+              <a:rPr lang="fr-FR" b="0" i="0" dirty="0">
+                <a:solidFill>
+                  <a:srgbClr val="E8E8E8"/>
+                </a:solidFill>
+                <a:effectLst/>
+                <a:latin typeface="SF Mono"/>
+              </a:rPr>
+              <a:t>COM SPACING </a:t>
+            </a:r>
+            <a:r>
+              <a:rPr lang="fr-FR" b="0" i="0" dirty="0" err="1">
+                <a:solidFill>
+                  <a:srgbClr val="E8E8E8"/>
+                </a:solidFill>
+                <a:effectLst/>
+                <a:latin typeface="SF Mono"/>
+              </a:rPr>
+              <a:t>MODE:index</a:t>
+            </a:r>
+            <a:endParaRPr lang="en-US" dirty="0">
+              <a:solidFill>
+                <a:schemeClr val="bg2">
+                  <a:lumMod val="25000"/>
+                </a:schemeClr>
+              </a:solidFill>
+            </a:endParaRPr>
+          </a:p>
+        </p:txBody>
+      </p:sp>
+      <p:sp>
+        <p:nvSpPr>
+          <p:cNvPr id="50" name="ZoneTexte 49">
+            <a:extLst>
+              <a:ext uri="{FF2B5EF4-FFF2-40B4-BE49-F238E27FC236}">
+                <a16:creationId xmlns:a16="http://schemas.microsoft.com/office/drawing/2014/main" id="{ECC586CB-E4E9-CBE1-9945-23C98322B986}"/>
+              </a:ext>
+            </a:extLst>
+          </p:cNvPr>
+          <p:cNvSpPr txBox="1"/>
+          <p:nvPr/>
+        </p:nvSpPr>
+        <p:spPr>
+          <a:xfrm>
+            <a:off x="8335816" y="2768587"/>
+            <a:ext cx="3606413" cy="369332"/>
+          </a:xfrm>
+          <a:prstGeom prst="rect">
+            <a:avLst/>
+          </a:prstGeom>
+          <a:noFill/>
+        </p:spPr>
+        <p:txBody>
+          <a:bodyPr wrap="square">
+            <a:spAutoFit/>
+          </a:bodyPr>
+          <a:lstStyle/>
+          <a:p>
+            <a:r>
+              <a:rPr lang="fr-FR" b="0" i="0" dirty="0">
+                <a:solidFill>
+                  <a:schemeClr val="bg2">
+                    <a:lumMod val="25000"/>
+                  </a:schemeClr>
+                </a:solidFill>
+                <a:effectLst/>
+                <a:latin typeface="SF Mono"/>
+              </a:rPr>
+              <a:t>COM STANDBY </a:t>
+            </a:r>
+            <a:r>
+              <a:rPr lang="fr-FR" b="0" i="0" dirty="0" err="1">
+                <a:solidFill>
+                  <a:schemeClr val="bg2">
+                    <a:lumMod val="25000"/>
+                  </a:schemeClr>
+                </a:solidFill>
+                <a:effectLst/>
+                <a:latin typeface="SF Mono"/>
+              </a:rPr>
+              <a:t>FREQUENCY:index</a:t>
+            </a:r>
+            <a:endParaRPr lang="en-US" dirty="0">
+              <a:solidFill>
+                <a:schemeClr val="bg2">
+                  <a:lumMod val="25000"/>
+                </a:schemeClr>
+              </a:solidFill>
+            </a:endParaRPr>
+          </a:p>
+        </p:txBody>
+      </p:sp>
+      <p:sp>
+        <p:nvSpPr>
+          <p:cNvPr id="53" name="ZoneTexte 52">
+            <a:extLst>
+              <a:ext uri="{FF2B5EF4-FFF2-40B4-BE49-F238E27FC236}">
+                <a16:creationId xmlns:a16="http://schemas.microsoft.com/office/drawing/2014/main" id="{AE8E463B-A06E-7A46-E0D0-4349CD4C24DA}"/>
+              </a:ext>
+            </a:extLst>
+          </p:cNvPr>
+          <p:cNvSpPr txBox="1"/>
+          <p:nvPr/>
+        </p:nvSpPr>
+        <p:spPr>
+          <a:xfrm>
+            <a:off x="7126853" y="1839266"/>
+            <a:ext cx="3508787" cy="369332"/>
+          </a:xfrm>
+          <a:prstGeom prst="rect">
+            <a:avLst/>
+          </a:prstGeom>
+          <a:noFill/>
+        </p:spPr>
+        <p:txBody>
+          <a:bodyPr wrap="square">
+            <a:spAutoFit/>
+          </a:bodyPr>
+          <a:lstStyle/>
+          <a:p>
+            <a:r>
+              <a:rPr lang="fr-FR" b="0" i="0" dirty="0">
+                <a:solidFill>
+                  <a:schemeClr val="bg2">
+                    <a:lumMod val="25000"/>
+                  </a:schemeClr>
+                </a:solidFill>
+                <a:effectLst/>
+                <a:latin typeface="SF Mono"/>
+              </a:rPr>
+              <a:t>COM ACTIVE </a:t>
+            </a:r>
+            <a:r>
+              <a:rPr lang="fr-FR" b="0" i="0" dirty="0" err="1">
+                <a:solidFill>
+                  <a:schemeClr val="bg2">
+                    <a:lumMod val="25000"/>
+                  </a:schemeClr>
+                </a:solidFill>
+                <a:effectLst/>
+                <a:latin typeface="SF Mono"/>
+              </a:rPr>
+              <a:t>FREQUENCY:index</a:t>
+            </a:r>
+            <a:endParaRPr lang="en-US" dirty="0">
+              <a:solidFill>
+                <a:schemeClr val="bg2">
+                  <a:lumMod val="25000"/>
+                </a:schemeClr>
+              </a:solidFill>
+            </a:endParaRPr>
+          </a:p>
+        </p:txBody>
+      </p:sp>
+      <p:cxnSp>
+        <p:nvCxnSpPr>
+          <p:cNvPr id="55" name="Connecteur droit avec flèche 54">
+            <a:extLst>
+              <a:ext uri="{FF2B5EF4-FFF2-40B4-BE49-F238E27FC236}">
+                <a16:creationId xmlns:a16="http://schemas.microsoft.com/office/drawing/2014/main" id="{F71F6ACA-DC33-B93A-60C4-DB68AE657C00}"/>
+              </a:ext>
+            </a:extLst>
+          </p:cNvPr>
+          <p:cNvCxnSpPr/>
+          <p:nvPr/>
+        </p:nvCxnSpPr>
+        <p:spPr>
+          <a:xfrm flipH="1">
+            <a:off x="8020594" y="2270221"/>
+            <a:ext cx="484643" cy="1613796"/>
+          </a:xfrm>
+          <a:prstGeom prst="straightConnector1">
+            <a:avLst/>
+          </a:prstGeom>
+          <a:ln>
+            <a:tailEnd type="triangle"/>
+          </a:ln>
+        </p:spPr>
+        <p:style>
+          <a:lnRef idx="2">
+            <a:schemeClr val="accent1"/>
+          </a:lnRef>
+          <a:fillRef idx="0">
+            <a:schemeClr val="accent1"/>
+          </a:fillRef>
+          <a:effectRef idx="1">
+            <a:schemeClr val="accent1"/>
+          </a:effectRef>
+          <a:fontRef idx="minor">
+            <a:schemeClr val="tx1"/>
+          </a:fontRef>
+        </p:style>
+      </p:cxnSp>
+      <p:sp>
+        <p:nvSpPr>
+          <p:cNvPr id="57" name="ZoneTexte 56">
+            <a:extLst>
+              <a:ext uri="{FF2B5EF4-FFF2-40B4-BE49-F238E27FC236}">
+                <a16:creationId xmlns:a16="http://schemas.microsoft.com/office/drawing/2014/main" id="{C8AE8355-BCF5-AB12-0619-774CB6E4C4D8}"/>
+              </a:ext>
+            </a:extLst>
+          </p:cNvPr>
+          <p:cNvSpPr txBox="1"/>
+          <p:nvPr/>
+        </p:nvSpPr>
+        <p:spPr>
+          <a:xfrm>
+            <a:off x="2271397" y="2739323"/>
+            <a:ext cx="3606413" cy="369332"/>
+          </a:xfrm>
+          <a:prstGeom prst="rect">
+            <a:avLst/>
+          </a:prstGeom>
+          <a:noFill/>
+        </p:spPr>
+        <p:txBody>
+          <a:bodyPr wrap="square">
+            <a:spAutoFit/>
+          </a:bodyPr>
+          <a:lstStyle/>
+          <a:p>
+            <a:r>
+              <a:rPr lang="fr-FR" b="0" i="0" dirty="0">
+                <a:solidFill>
+                  <a:schemeClr val="bg2">
+                    <a:lumMod val="25000"/>
+                  </a:schemeClr>
+                </a:solidFill>
+                <a:effectLst/>
+                <a:latin typeface="SF Mono"/>
+              </a:rPr>
+              <a:t>NAV STANDBY </a:t>
+            </a:r>
+            <a:r>
+              <a:rPr lang="fr-FR" b="0" i="0" dirty="0" err="1">
+                <a:solidFill>
+                  <a:schemeClr val="bg2">
+                    <a:lumMod val="25000"/>
+                  </a:schemeClr>
+                </a:solidFill>
+                <a:effectLst/>
+                <a:latin typeface="SF Mono"/>
+              </a:rPr>
+              <a:t>FREQUENCY:index</a:t>
+            </a:r>
+            <a:endParaRPr lang="en-US" dirty="0">
+              <a:solidFill>
+                <a:schemeClr val="bg2">
+                  <a:lumMod val="25000"/>
+                </a:schemeClr>
+              </a:solidFill>
+            </a:endParaRPr>
+          </a:p>
+        </p:txBody>
+      </p:sp>
+      <p:sp>
+        <p:nvSpPr>
+          <p:cNvPr id="58" name="ZoneTexte 57">
+            <a:extLst>
+              <a:ext uri="{FF2B5EF4-FFF2-40B4-BE49-F238E27FC236}">
+                <a16:creationId xmlns:a16="http://schemas.microsoft.com/office/drawing/2014/main" id="{D06B6CF3-493A-CE2C-0018-151CEBF1E9CC}"/>
+              </a:ext>
+            </a:extLst>
+          </p:cNvPr>
+          <p:cNvSpPr txBox="1"/>
+          <p:nvPr/>
+        </p:nvSpPr>
+        <p:spPr>
+          <a:xfrm>
+            <a:off x="4016123" y="1843771"/>
+            <a:ext cx="3508787" cy="369332"/>
+          </a:xfrm>
+          <a:prstGeom prst="rect">
+            <a:avLst/>
+          </a:prstGeom>
+          <a:noFill/>
+        </p:spPr>
+        <p:txBody>
+          <a:bodyPr wrap="square">
+            <a:spAutoFit/>
+          </a:bodyPr>
+          <a:lstStyle/>
+          <a:p>
+            <a:r>
+              <a:rPr lang="fr-FR" b="0" i="0" dirty="0">
+                <a:solidFill>
+                  <a:schemeClr val="bg2">
+                    <a:lumMod val="25000"/>
+                  </a:schemeClr>
+                </a:solidFill>
+                <a:effectLst/>
+                <a:latin typeface="SF Mono"/>
+              </a:rPr>
+              <a:t>NAV ACTIVE </a:t>
+            </a:r>
+            <a:r>
+              <a:rPr lang="fr-FR" b="0" i="0" dirty="0" err="1">
+                <a:solidFill>
+                  <a:schemeClr val="bg2">
+                    <a:lumMod val="25000"/>
+                  </a:schemeClr>
+                </a:solidFill>
+                <a:effectLst/>
+                <a:latin typeface="SF Mono"/>
+              </a:rPr>
+              <a:t>FREQUENCY:index</a:t>
+            </a:r>
+            <a:endParaRPr lang="en-US" dirty="0">
+              <a:solidFill>
+                <a:schemeClr val="bg2">
+                  <a:lumMod val="25000"/>
+                </a:schemeClr>
+              </a:solidFill>
+            </a:endParaRPr>
+          </a:p>
+        </p:txBody>
+      </p:sp>
+      <p:sp>
+        <p:nvSpPr>
+          <p:cNvPr id="59" name="ZoneTexte 58">
+            <a:extLst>
+              <a:ext uri="{FF2B5EF4-FFF2-40B4-BE49-F238E27FC236}">
+                <a16:creationId xmlns:a16="http://schemas.microsoft.com/office/drawing/2014/main" id="{2B8A77DE-DFCF-0AE8-A9F9-C330C804BC49}"/>
+              </a:ext>
+            </a:extLst>
+          </p:cNvPr>
+          <p:cNvSpPr txBox="1"/>
+          <p:nvPr/>
+        </p:nvSpPr>
+        <p:spPr>
+          <a:xfrm>
+            <a:off x="627431" y="4507860"/>
+            <a:ext cx="3274009" cy="646331"/>
+          </a:xfrm>
+          <a:prstGeom prst="rect">
+            <a:avLst/>
+          </a:prstGeom>
+          <a:noFill/>
+        </p:spPr>
+        <p:txBody>
+          <a:bodyPr wrap="square">
+            <a:spAutoFit/>
+          </a:bodyPr>
+          <a:lstStyle/>
+          <a:p>
+            <a:r>
+              <a:rPr lang="fr-FR" b="0" i="0" dirty="0">
+                <a:solidFill>
+                  <a:schemeClr val="bg2">
+                    <a:lumMod val="25000"/>
+                  </a:schemeClr>
+                </a:solidFill>
+                <a:effectLst/>
+                <a:latin typeface="SF Mono"/>
+              </a:rPr>
+              <a:t>NAV RADIAL/NAV VOR DISTANCE</a:t>
+            </a:r>
+          </a:p>
+          <a:p>
+            <a:endParaRPr lang="en-US" dirty="0">
+              <a:solidFill>
+                <a:schemeClr val="bg2">
+                  <a:lumMod val="25000"/>
+                </a:schemeClr>
+              </a:solidFill>
+            </a:endParaRPr>
+          </a:p>
+        </p:txBody>
+      </p:sp>
+      <p:sp>
+        <p:nvSpPr>
+          <p:cNvPr id="60" name="ZoneTexte 59">
+            <a:extLst>
+              <a:ext uri="{FF2B5EF4-FFF2-40B4-BE49-F238E27FC236}">
+                <a16:creationId xmlns:a16="http://schemas.microsoft.com/office/drawing/2014/main" id="{85C8B1FA-794A-31B4-54AC-20A704139745}"/>
+              </a:ext>
+            </a:extLst>
+          </p:cNvPr>
+          <p:cNvSpPr txBox="1"/>
+          <p:nvPr/>
+        </p:nvSpPr>
+        <p:spPr>
+          <a:xfrm>
+            <a:off x="1180556" y="3985776"/>
+            <a:ext cx="2883308" cy="369332"/>
+          </a:xfrm>
+          <a:prstGeom prst="rect">
+            <a:avLst/>
+          </a:prstGeom>
+          <a:noFill/>
+        </p:spPr>
+        <p:txBody>
+          <a:bodyPr wrap="square">
+            <a:spAutoFit/>
+          </a:bodyPr>
+          <a:lstStyle/>
+          <a:p>
+            <a:r>
+              <a:rPr lang="pt-BR" b="0" i="0" dirty="0">
+                <a:solidFill>
+                  <a:schemeClr val="tx1">
+                    <a:lumMod val="75000"/>
+                    <a:lumOff val="25000"/>
+                  </a:schemeClr>
+                </a:solidFill>
+                <a:effectLst/>
+                <a:latin typeface="SF Mono"/>
+              </a:rPr>
+              <a:t>NAV IDENT, NAV NAME</a:t>
+            </a:r>
+            <a:endParaRPr lang="en-US" dirty="0">
+              <a:solidFill>
+                <a:schemeClr val="tx1">
+                  <a:lumMod val="75000"/>
+                  <a:lumOff val="25000"/>
+                </a:schemeClr>
+              </a:solidFill>
+            </a:endParaRPr>
+          </a:p>
+        </p:txBody>
+      </p:sp>
+      <p:sp>
+        <p:nvSpPr>
+          <p:cNvPr id="61" name="ZoneTexte 60">
+            <a:extLst>
+              <a:ext uri="{FF2B5EF4-FFF2-40B4-BE49-F238E27FC236}">
+                <a16:creationId xmlns:a16="http://schemas.microsoft.com/office/drawing/2014/main" id="{FD8F9536-BC83-8F0E-CDE7-544307D37B5E}"/>
+              </a:ext>
+            </a:extLst>
+          </p:cNvPr>
+          <p:cNvSpPr txBox="1"/>
+          <p:nvPr/>
+        </p:nvSpPr>
+        <p:spPr>
+          <a:xfrm>
+            <a:off x="1025030" y="5154191"/>
+            <a:ext cx="2711127" cy="369332"/>
+          </a:xfrm>
+          <a:prstGeom prst="rect">
+            <a:avLst/>
+          </a:prstGeom>
+          <a:noFill/>
+        </p:spPr>
+        <p:txBody>
+          <a:bodyPr wrap="none" rtlCol="0">
+            <a:spAutoFit/>
+          </a:bodyPr>
+          <a:lstStyle/>
+          <a:p>
+            <a:r>
+              <a:rPr lang="en-US" dirty="0"/>
+              <a:t>TYPE : ILS, VOR, VORDME</a:t>
+            </a:r>
+          </a:p>
+        </p:txBody>
+      </p:sp>
+      <p:sp>
+        <p:nvSpPr>
+          <p:cNvPr id="63" name="ZoneTexte 62">
+            <a:extLst>
+              <a:ext uri="{FF2B5EF4-FFF2-40B4-BE49-F238E27FC236}">
+                <a16:creationId xmlns:a16="http://schemas.microsoft.com/office/drawing/2014/main" id="{D27BD1ED-6854-AF42-D96A-4F83C1BCDBBF}"/>
+              </a:ext>
+            </a:extLst>
+          </p:cNvPr>
+          <p:cNvSpPr txBox="1"/>
+          <p:nvPr/>
+        </p:nvSpPr>
+        <p:spPr>
+          <a:xfrm>
+            <a:off x="4448130" y="4354222"/>
+            <a:ext cx="1279517" cy="369332"/>
+          </a:xfrm>
+          <a:prstGeom prst="rect">
+            <a:avLst/>
+          </a:prstGeom>
+          <a:noFill/>
+        </p:spPr>
+        <p:txBody>
+          <a:bodyPr wrap="none" rtlCol="0">
+            <a:spAutoFit/>
+          </a:bodyPr>
+          <a:lstStyle/>
+          <a:p>
+            <a:r>
+              <a:rPr lang="en-US" dirty="0">
+                <a:solidFill>
+                  <a:schemeClr val="accent5">
+                    <a:lumMod val="75000"/>
+                  </a:schemeClr>
+                </a:solidFill>
+              </a:rPr>
+              <a:t>183° 83NM</a:t>
+            </a:r>
+          </a:p>
+        </p:txBody>
+      </p:sp>
+      <p:sp>
+        <p:nvSpPr>
+          <p:cNvPr id="64" name="ZoneTexte 63">
+            <a:extLst>
+              <a:ext uri="{FF2B5EF4-FFF2-40B4-BE49-F238E27FC236}">
+                <a16:creationId xmlns:a16="http://schemas.microsoft.com/office/drawing/2014/main" id="{A820A5CA-BBDA-AFC8-7795-615B8DD65487}"/>
+              </a:ext>
+            </a:extLst>
+          </p:cNvPr>
+          <p:cNvSpPr txBox="1"/>
+          <p:nvPr/>
+        </p:nvSpPr>
+        <p:spPr>
+          <a:xfrm>
+            <a:off x="4609834" y="7778390"/>
+            <a:ext cx="733855" cy="369332"/>
+          </a:xfrm>
+          <a:prstGeom prst="rect">
+            <a:avLst/>
+          </a:prstGeom>
+          <a:noFill/>
+        </p:spPr>
+        <p:txBody>
+          <a:bodyPr wrap="square" rtlCol="0">
+            <a:spAutoFit/>
+          </a:bodyPr>
+          <a:lstStyle/>
+          <a:p>
+            <a:r>
+              <a:rPr lang="en-US" dirty="0"/>
+              <a:t>ADF</a:t>
+            </a:r>
+          </a:p>
+        </p:txBody>
+      </p:sp>
+      <p:sp>
+        <p:nvSpPr>
+          <p:cNvPr id="65" name="ZoneTexte 64">
+            <a:extLst>
+              <a:ext uri="{FF2B5EF4-FFF2-40B4-BE49-F238E27FC236}">
+                <a16:creationId xmlns:a16="http://schemas.microsoft.com/office/drawing/2014/main" id="{FDAE7AFB-7FBA-7F73-7DEA-AEC37B47F41F}"/>
+              </a:ext>
+            </a:extLst>
+          </p:cNvPr>
+          <p:cNvSpPr txBox="1"/>
+          <p:nvPr/>
+        </p:nvSpPr>
+        <p:spPr>
+          <a:xfrm>
+            <a:off x="4609834" y="8157389"/>
+            <a:ext cx="1098378" cy="461665"/>
+          </a:xfrm>
+          <a:prstGeom prst="rect">
+            <a:avLst/>
+          </a:prstGeom>
+          <a:noFill/>
+        </p:spPr>
+        <p:txBody>
+          <a:bodyPr wrap="none" rtlCol="0">
+            <a:spAutoFit/>
+          </a:bodyPr>
+          <a:lstStyle/>
+          <a:p>
+            <a:r>
+              <a:rPr lang="en-US" sz="2400" dirty="0"/>
+              <a:t>121.40</a:t>
+            </a:r>
+          </a:p>
+        </p:txBody>
+      </p:sp>
+      <p:sp>
+        <p:nvSpPr>
+          <p:cNvPr id="66" name="ZoneTexte 65">
+            <a:extLst>
+              <a:ext uri="{FF2B5EF4-FFF2-40B4-BE49-F238E27FC236}">
+                <a16:creationId xmlns:a16="http://schemas.microsoft.com/office/drawing/2014/main" id="{8C5FFD6C-0494-C264-F398-30E966937575}"/>
+              </a:ext>
+            </a:extLst>
+          </p:cNvPr>
+          <p:cNvSpPr txBox="1"/>
+          <p:nvPr/>
+        </p:nvSpPr>
+        <p:spPr>
+          <a:xfrm>
+            <a:off x="5949452" y="8157389"/>
+            <a:ext cx="1098378" cy="461665"/>
+          </a:xfrm>
+          <a:prstGeom prst="rect">
+            <a:avLst/>
+          </a:prstGeom>
+          <a:noFill/>
+        </p:spPr>
+        <p:txBody>
+          <a:bodyPr wrap="none" rtlCol="0">
+            <a:spAutoFit/>
+          </a:bodyPr>
+          <a:lstStyle/>
+          <a:p>
+            <a:r>
+              <a:rPr lang="en-US" sz="2400" dirty="0">
+                <a:solidFill>
+                  <a:schemeClr val="accent3">
+                    <a:lumMod val="60000"/>
+                    <a:lumOff val="40000"/>
+                  </a:schemeClr>
+                </a:solidFill>
+              </a:rPr>
+              <a:t>115.65</a:t>
+            </a:r>
+          </a:p>
+        </p:txBody>
+      </p:sp>
+      <p:sp>
+        <p:nvSpPr>
+          <p:cNvPr id="67" name="ZoneTexte 66">
+            <a:extLst>
+              <a:ext uri="{FF2B5EF4-FFF2-40B4-BE49-F238E27FC236}">
+                <a16:creationId xmlns:a16="http://schemas.microsoft.com/office/drawing/2014/main" id="{4EF6EF9F-C66E-FFAA-234F-60EE6C31F94E}"/>
+              </a:ext>
+            </a:extLst>
+          </p:cNvPr>
+          <p:cNvSpPr txBox="1"/>
+          <p:nvPr/>
+        </p:nvSpPr>
+        <p:spPr>
+          <a:xfrm>
+            <a:off x="6495080" y="8603194"/>
+            <a:ext cx="585417" cy="369332"/>
+          </a:xfrm>
+          <a:prstGeom prst="rect">
+            <a:avLst/>
+          </a:prstGeom>
+          <a:noFill/>
+        </p:spPr>
+        <p:txBody>
+          <a:bodyPr wrap="none" rtlCol="0">
+            <a:spAutoFit/>
+          </a:bodyPr>
+          <a:lstStyle/>
+          <a:p>
+            <a:r>
+              <a:rPr lang="en-US" dirty="0"/>
+              <a:t>EPR</a:t>
+            </a:r>
+          </a:p>
+        </p:txBody>
+      </p:sp>
+      <p:sp>
+        <p:nvSpPr>
+          <p:cNvPr id="68" name="Flèche : double flèche horizontale 67">
+            <a:extLst>
+              <a:ext uri="{FF2B5EF4-FFF2-40B4-BE49-F238E27FC236}">
+                <a16:creationId xmlns:a16="http://schemas.microsoft.com/office/drawing/2014/main" id="{663E34BC-42D6-5885-E6F0-93E611A32A3C}"/>
+              </a:ext>
+            </a:extLst>
+          </p:cNvPr>
+          <p:cNvSpPr/>
+          <p:nvPr/>
+        </p:nvSpPr>
+        <p:spPr>
+          <a:xfrm>
+            <a:off x="5678707" y="8285862"/>
+            <a:ext cx="389228" cy="204717"/>
+          </a:xfrm>
+          <a:prstGeom prst="leftRightArrow">
+            <a:avLst/>
+          </a:prstGeom>
+        </p:spPr>
+        <p:style>
+          <a:lnRef idx="2">
+            <a:schemeClr val="accent1">
+              <a:shade val="15000"/>
+            </a:schemeClr>
+          </a:lnRef>
+          <a:fillRef idx="1">
+            <a:schemeClr val="accent1"/>
+          </a:fillRef>
+          <a:effectRef idx="0">
+            <a:schemeClr val="accent1"/>
+          </a:effectRef>
+          <a:fontRef idx="minor">
+            <a:schemeClr val="lt1"/>
+          </a:fontRef>
+        </p:style>
+        <p:txBody>
+          <a:bodyPr rtlCol="0" anchor="ctr"/>
+          <a:lstStyle/>
+          <a:p>
+            <a:pPr algn="ctr"/>
+            <a:endParaRPr lang="en-US"/>
+          </a:p>
+        </p:txBody>
+      </p:sp>
+      <p:sp>
+        <p:nvSpPr>
+          <p:cNvPr id="69" name="Rectangle : coins arrondis 68">
+            <a:extLst>
+              <a:ext uri="{FF2B5EF4-FFF2-40B4-BE49-F238E27FC236}">
+                <a16:creationId xmlns:a16="http://schemas.microsoft.com/office/drawing/2014/main" id="{A86B3130-BA1B-49A0-FEDD-84121363A03C}"/>
+              </a:ext>
+            </a:extLst>
+          </p:cNvPr>
+          <p:cNvSpPr/>
+          <p:nvPr/>
+        </p:nvSpPr>
+        <p:spPr>
+          <a:xfrm>
+            <a:off x="4453804" y="7761970"/>
+            <a:ext cx="2883309" cy="1512000"/>
+          </a:xfrm>
+          <a:prstGeom prst="roundRect">
+            <a:avLst>
+              <a:gd name="adj" fmla="val 5835"/>
+            </a:avLst>
+          </a:prstGeom>
+          <a:noFill/>
+        </p:spPr>
+        <p:style>
+          <a:lnRef idx="2">
+            <a:schemeClr val="accent6"/>
+          </a:lnRef>
+          <a:fillRef idx="1">
+            <a:schemeClr val="lt1"/>
+          </a:fillRef>
+          <a:effectRef idx="0">
+            <a:schemeClr val="accent6"/>
+          </a:effectRef>
+          <a:fontRef idx="minor">
+            <a:schemeClr val="dk1"/>
+          </a:fontRef>
+        </p:style>
+        <p:txBody>
+          <a:bodyPr rtlCol="0" anchor="ctr"/>
+          <a:lstStyle/>
+          <a:p>
+            <a:pPr algn="ctr"/>
+            <a:endParaRPr lang="en-US"/>
+          </a:p>
+        </p:txBody>
+      </p:sp>
+      <p:sp>
+        <p:nvSpPr>
+          <p:cNvPr id="70" name="ZoneTexte 69">
+            <a:extLst>
+              <a:ext uri="{FF2B5EF4-FFF2-40B4-BE49-F238E27FC236}">
+                <a16:creationId xmlns:a16="http://schemas.microsoft.com/office/drawing/2014/main" id="{673C79B0-C0EE-176D-28CC-91AD2A8F7545}"/>
+              </a:ext>
+            </a:extLst>
+          </p:cNvPr>
+          <p:cNvSpPr txBox="1"/>
+          <p:nvPr/>
+        </p:nvSpPr>
+        <p:spPr>
+          <a:xfrm>
+            <a:off x="2683200" y="7504521"/>
+            <a:ext cx="1380664" cy="369332"/>
+          </a:xfrm>
+          <a:prstGeom prst="rect">
+            <a:avLst/>
+          </a:prstGeom>
+          <a:noFill/>
+        </p:spPr>
+        <p:txBody>
+          <a:bodyPr wrap="square">
+            <a:spAutoFit/>
+          </a:bodyPr>
+          <a:lstStyle/>
+          <a:p>
+            <a:r>
+              <a:rPr lang="pt-BR" b="0" i="0" dirty="0">
+                <a:solidFill>
+                  <a:schemeClr val="tx1">
+                    <a:lumMod val="75000"/>
+                    <a:lumOff val="25000"/>
+                  </a:schemeClr>
+                </a:solidFill>
+                <a:effectLst/>
+                <a:latin typeface="SF Mono"/>
+              </a:rPr>
+              <a:t>ADF IDENT</a:t>
+            </a:r>
+            <a:endParaRPr lang="en-US" dirty="0">
+              <a:solidFill>
+                <a:schemeClr val="tx1">
+                  <a:lumMod val="75000"/>
+                  <a:lumOff val="25000"/>
+                </a:schemeClr>
+              </a:solidFill>
+            </a:endParaRPr>
+          </a:p>
+        </p:txBody>
+      </p:sp>
+      <p:cxnSp>
+        <p:nvCxnSpPr>
+          <p:cNvPr id="71" name="Connecteur droit avec flèche 70">
+            <a:extLst>
+              <a:ext uri="{FF2B5EF4-FFF2-40B4-BE49-F238E27FC236}">
+                <a16:creationId xmlns:a16="http://schemas.microsoft.com/office/drawing/2014/main" id="{273B4F37-6784-9C20-67DD-6E27B68E66A5}"/>
+              </a:ext>
+            </a:extLst>
+          </p:cNvPr>
+          <p:cNvCxnSpPr>
+            <a:cxnSpLocks/>
+          </p:cNvCxnSpPr>
+          <p:nvPr/>
+        </p:nvCxnSpPr>
+        <p:spPr>
+          <a:xfrm>
+            <a:off x="6377306" y="2331732"/>
+            <a:ext cx="349820" cy="1371507"/>
+          </a:xfrm>
+          <a:prstGeom prst="straightConnector1">
+            <a:avLst/>
+          </a:prstGeom>
+          <a:ln>
+            <a:tailEnd type="triangle"/>
+          </a:ln>
+        </p:spPr>
+        <p:style>
+          <a:lnRef idx="2">
+            <a:schemeClr val="accent1"/>
+          </a:lnRef>
+          <a:fillRef idx="0">
+            <a:schemeClr val="accent1"/>
+          </a:fillRef>
+          <a:effectRef idx="1">
+            <a:schemeClr val="accent1"/>
+          </a:effectRef>
+          <a:fontRef idx="minor">
+            <a:schemeClr val="tx1"/>
+          </a:fontRef>
+        </p:style>
+      </p:cxnSp>
+      <p:cxnSp>
+        <p:nvCxnSpPr>
+          <p:cNvPr id="75" name="Connecteur droit avec flèche 74">
+            <a:extLst>
+              <a:ext uri="{FF2B5EF4-FFF2-40B4-BE49-F238E27FC236}">
+                <a16:creationId xmlns:a16="http://schemas.microsoft.com/office/drawing/2014/main" id="{0207E523-7B0E-9852-FF02-FC80EC2C9CC0}"/>
+              </a:ext>
+            </a:extLst>
+          </p:cNvPr>
+          <p:cNvCxnSpPr>
+            <a:cxnSpLocks/>
+          </p:cNvCxnSpPr>
+          <p:nvPr/>
+        </p:nvCxnSpPr>
+        <p:spPr>
+          <a:xfrm>
+            <a:off x="5095299" y="3190514"/>
+            <a:ext cx="296185" cy="562791"/>
+          </a:xfrm>
+          <a:prstGeom prst="straightConnector1">
+            <a:avLst/>
+          </a:prstGeom>
+          <a:ln>
+            <a:tailEnd type="triangle"/>
+          </a:ln>
+        </p:spPr>
+        <p:style>
+          <a:lnRef idx="2">
+            <a:schemeClr val="accent1"/>
+          </a:lnRef>
+          <a:fillRef idx="0">
+            <a:schemeClr val="accent1"/>
+          </a:fillRef>
+          <a:effectRef idx="1">
+            <a:schemeClr val="accent1"/>
+          </a:effectRef>
+          <a:fontRef idx="minor">
+            <a:schemeClr val="tx1"/>
+          </a:fontRef>
+        </p:style>
+      </p:cxnSp>
+      <p:cxnSp>
+        <p:nvCxnSpPr>
+          <p:cNvPr id="78" name="Connecteur droit avec flèche 77">
+            <a:extLst>
+              <a:ext uri="{FF2B5EF4-FFF2-40B4-BE49-F238E27FC236}">
+                <a16:creationId xmlns:a16="http://schemas.microsoft.com/office/drawing/2014/main" id="{F4EAB9D4-DC37-447A-98B7-2CC29C40E274}"/>
+              </a:ext>
+            </a:extLst>
+          </p:cNvPr>
+          <p:cNvCxnSpPr>
+            <a:cxnSpLocks/>
+            <a:endCxn id="17" idx="1"/>
+          </p:cNvCxnSpPr>
+          <p:nvPr/>
+        </p:nvCxnSpPr>
+        <p:spPr>
+          <a:xfrm>
+            <a:off x="3652716" y="4197552"/>
+            <a:ext cx="2722643" cy="324351"/>
+          </a:xfrm>
+          <a:prstGeom prst="straightConnector1">
+            <a:avLst/>
+          </a:prstGeom>
+          <a:ln>
+            <a:tailEnd type="triangle"/>
+          </a:ln>
+        </p:spPr>
+        <p:style>
+          <a:lnRef idx="2">
+            <a:schemeClr val="accent1"/>
+          </a:lnRef>
+          <a:fillRef idx="0">
+            <a:schemeClr val="accent1"/>
+          </a:fillRef>
+          <a:effectRef idx="1">
+            <a:schemeClr val="accent1"/>
+          </a:effectRef>
+          <a:fontRef idx="minor">
+            <a:schemeClr val="tx1"/>
+          </a:fontRef>
+        </p:style>
+      </p:cxnSp>
+      <p:cxnSp>
+        <p:nvCxnSpPr>
+          <p:cNvPr id="81" name="Connecteur droit avec flèche 80">
+            <a:extLst>
+              <a:ext uri="{FF2B5EF4-FFF2-40B4-BE49-F238E27FC236}">
+                <a16:creationId xmlns:a16="http://schemas.microsoft.com/office/drawing/2014/main" id="{5ED4B26F-1BD1-D469-386A-40ADD7161EA8}"/>
+              </a:ext>
+            </a:extLst>
+          </p:cNvPr>
+          <p:cNvCxnSpPr>
+            <a:cxnSpLocks/>
+          </p:cNvCxnSpPr>
+          <p:nvPr/>
+        </p:nvCxnSpPr>
+        <p:spPr>
+          <a:xfrm flipV="1">
+            <a:off x="3779648" y="4614024"/>
+            <a:ext cx="570636" cy="76929"/>
+          </a:xfrm>
+          <a:prstGeom prst="straightConnector1">
+            <a:avLst/>
+          </a:prstGeom>
+          <a:ln>
+            <a:tailEnd type="triangle"/>
+          </a:ln>
+        </p:spPr>
+        <p:style>
+          <a:lnRef idx="2">
+            <a:schemeClr val="accent1"/>
+          </a:lnRef>
+          <a:fillRef idx="0">
+            <a:schemeClr val="accent1"/>
+          </a:fillRef>
+          <a:effectRef idx="1">
+            <a:schemeClr val="accent1"/>
+          </a:effectRef>
+          <a:fontRef idx="minor">
+            <a:schemeClr val="tx1"/>
+          </a:fontRef>
+        </p:style>
+      </p:cxnSp>
+      <p:sp>
+        <p:nvSpPr>
+          <p:cNvPr id="84" name="ZoneTexte 83">
+            <a:extLst>
+              <a:ext uri="{FF2B5EF4-FFF2-40B4-BE49-F238E27FC236}">
+                <a16:creationId xmlns:a16="http://schemas.microsoft.com/office/drawing/2014/main" id="{C44BE95B-B459-F499-A98F-A5881B0B71FE}"/>
+              </a:ext>
+            </a:extLst>
+          </p:cNvPr>
+          <p:cNvSpPr txBox="1"/>
+          <p:nvPr/>
+        </p:nvSpPr>
+        <p:spPr>
+          <a:xfrm>
+            <a:off x="2378690" y="6969014"/>
+            <a:ext cx="3606413" cy="369332"/>
+          </a:xfrm>
+          <a:prstGeom prst="rect">
+            <a:avLst/>
+          </a:prstGeom>
+          <a:noFill/>
+        </p:spPr>
+        <p:txBody>
+          <a:bodyPr wrap="square">
+            <a:spAutoFit/>
+          </a:bodyPr>
+          <a:lstStyle/>
+          <a:p>
+            <a:r>
+              <a:rPr lang="fr-FR" b="0" i="0" dirty="0">
+                <a:solidFill>
+                  <a:schemeClr val="bg2">
+                    <a:lumMod val="25000"/>
+                  </a:schemeClr>
+                </a:solidFill>
+                <a:effectLst/>
+                <a:latin typeface="SF Mono"/>
+              </a:rPr>
+              <a:t>NAV STANDBY </a:t>
+            </a:r>
+            <a:r>
+              <a:rPr lang="fr-FR" b="0" i="0" dirty="0" err="1">
+                <a:solidFill>
+                  <a:schemeClr val="bg2">
+                    <a:lumMod val="25000"/>
+                  </a:schemeClr>
+                </a:solidFill>
+                <a:effectLst/>
+                <a:latin typeface="SF Mono"/>
+              </a:rPr>
+              <a:t>FREQUENCY:index</a:t>
+            </a:r>
+            <a:endParaRPr lang="en-US" dirty="0">
+              <a:solidFill>
+                <a:schemeClr val="bg2">
+                  <a:lumMod val="25000"/>
+                </a:schemeClr>
+              </a:solidFill>
+            </a:endParaRPr>
+          </a:p>
+        </p:txBody>
+      </p:sp>
+      <p:sp>
+        <p:nvSpPr>
+          <p:cNvPr id="85" name="ZoneTexte 84">
+            <a:extLst>
+              <a:ext uri="{FF2B5EF4-FFF2-40B4-BE49-F238E27FC236}">
+                <a16:creationId xmlns:a16="http://schemas.microsoft.com/office/drawing/2014/main" id="{D5AC778C-14BB-EEF6-2860-FAEB9B9A89A9}"/>
+              </a:ext>
+            </a:extLst>
+          </p:cNvPr>
+          <p:cNvSpPr txBox="1"/>
+          <p:nvPr/>
+        </p:nvSpPr>
+        <p:spPr>
+          <a:xfrm>
+            <a:off x="3973253" y="6607567"/>
+            <a:ext cx="3508787" cy="369332"/>
+          </a:xfrm>
+          <a:prstGeom prst="rect">
+            <a:avLst/>
+          </a:prstGeom>
+          <a:noFill/>
+        </p:spPr>
+        <p:txBody>
+          <a:bodyPr wrap="square">
+            <a:spAutoFit/>
+          </a:bodyPr>
+          <a:lstStyle/>
+          <a:p>
+            <a:r>
+              <a:rPr lang="fr-FR" b="0" i="0" dirty="0">
+                <a:solidFill>
+                  <a:schemeClr val="bg2">
+                    <a:lumMod val="25000"/>
+                  </a:schemeClr>
+                </a:solidFill>
+                <a:effectLst/>
+                <a:latin typeface="SF Mono"/>
+              </a:rPr>
+              <a:t>NAV ACTIVE </a:t>
+            </a:r>
+            <a:r>
+              <a:rPr lang="fr-FR" b="0" i="0" dirty="0" err="1">
+                <a:solidFill>
+                  <a:schemeClr val="bg2">
+                    <a:lumMod val="25000"/>
+                  </a:schemeClr>
+                </a:solidFill>
+                <a:effectLst/>
+                <a:latin typeface="SF Mono"/>
+              </a:rPr>
+              <a:t>FREQUENCY:index</a:t>
+            </a:r>
+            <a:endParaRPr lang="en-US" dirty="0">
+              <a:solidFill>
+                <a:schemeClr val="bg2">
+                  <a:lumMod val="25000"/>
+                </a:schemeClr>
+              </a:solidFill>
+            </a:endParaRPr>
+          </a:p>
+        </p:txBody>
+      </p:sp>
+      <p:sp>
+        <p:nvSpPr>
+          <p:cNvPr id="86" name="ZoneTexte 85">
+            <a:extLst>
+              <a:ext uri="{FF2B5EF4-FFF2-40B4-BE49-F238E27FC236}">
+                <a16:creationId xmlns:a16="http://schemas.microsoft.com/office/drawing/2014/main" id="{53AC5BC8-D0B7-6253-7DAB-5834A4B9289E}"/>
+              </a:ext>
+            </a:extLst>
+          </p:cNvPr>
+          <p:cNvSpPr txBox="1"/>
+          <p:nvPr/>
+        </p:nvSpPr>
+        <p:spPr>
+          <a:xfrm>
+            <a:off x="734724" y="8737551"/>
+            <a:ext cx="3274009" cy="646331"/>
+          </a:xfrm>
+          <a:prstGeom prst="rect">
+            <a:avLst/>
+          </a:prstGeom>
+          <a:noFill/>
+        </p:spPr>
+        <p:txBody>
+          <a:bodyPr wrap="square">
+            <a:spAutoFit/>
+          </a:bodyPr>
+          <a:lstStyle/>
+          <a:p>
+            <a:r>
+              <a:rPr lang="fr-FR" b="0" i="0" dirty="0">
+                <a:solidFill>
+                  <a:schemeClr val="bg2">
+                    <a:lumMod val="25000"/>
+                  </a:schemeClr>
+                </a:solidFill>
+                <a:effectLst/>
+                <a:latin typeface="SF Mono"/>
+              </a:rPr>
+              <a:t>NAV RADIAL/NAV VOR DISTANCE</a:t>
+            </a:r>
+          </a:p>
+          <a:p>
+            <a:endParaRPr lang="en-US" dirty="0">
+              <a:solidFill>
+                <a:schemeClr val="bg2">
+                  <a:lumMod val="25000"/>
+                </a:schemeClr>
+              </a:solidFill>
+            </a:endParaRPr>
+          </a:p>
+        </p:txBody>
+      </p:sp>
+      <p:sp>
+        <p:nvSpPr>
+          <p:cNvPr id="87" name="ZoneTexte 86">
+            <a:extLst>
+              <a:ext uri="{FF2B5EF4-FFF2-40B4-BE49-F238E27FC236}">
+                <a16:creationId xmlns:a16="http://schemas.microsoft.com/office/drawing/2014/main" id="{8543E992-FCF6-080F-1CBF-D8C4D761EE50}"/>
+              </a:ext>
+            </a:extLst>
+          </p:cNvPr>
+          <p:cNvSpPr txBox="1"/>
+          <p:nvPr/>
+        </p:nvSpPr>
+        <p:spPr>
+          <a:xfrm>
+            <a:off x="4555423" y="8583913"/>
+            <a:ext cx="1279517" cy="369332"/>
+          </a:xfrm>
+          <a:prstGeom prst="rect">
+            <a:avLst/>
+          </a:prstGeom>
+          <a:noFill/>
+        </p:spPr>
+        <p:txBody>
+          <a:bodyPr wrap="none" rtlCol="0">
+            <a:spAutoFit/>
+          </a:bodyPr>
+          <a:lstStyle/>
+          <a:p>
+            <a:r>
+              <a:rPr lang="en-US" dirty="0">
+                <a:solidFill>
+                  <a:schemeClr val="accent5">
+                    <a:lumMod val="75000"/>
+                  </a:schemeClr>
+                </a:solidFill>
+              </a:rPr>
+              <a:t>183° 83NM</a:t>
+            </a:r>
+          </a:p>
+        </p:txBody>
+      </p:sp>
+      <p:cxnSp>
+        <p:nvCxnSpPr>
+          <p:cNvPr id="88" name="Connecteur droit avec flèche 87">
+            <a:extLst>
+              <a:ext uri="{FF2B5EF4-FFF2-40B4-BE49-F238E27FC236}">
+                <a16:creationId xmlns:a16="http://schemas.microsoft.com/office/drawing/2014/main" id="{00BB5EAA-C4C7-28CE-6C1B-C79D8AD62CC9}"/>
+              </a:ext>
+            </a:extLst>
+          </p:cNvPr>
+          <p:cNvCxnSpPr>
+            <a:cxnSpLocks/>
+          </p:cNvCxnSpPr>
+          <p:nvPr/>
+        </p:nvCxnSpPr>
+        <p:spPr>
+          <a:xfrm>
+            <a:off x="6375043" y="7038264"/>
+            <a:ext cx="459376" cy="894666"/>
+          </a:xfrm>
+          <a:prstGeom prst="straightConnector1">
+            <a:avLst/>
+          </a:prstGeom>
+          <a:ln>
+            <a:tailEnd type="triangle"/>
+          </a:ln>
+        </p:spPr>
+        <p:style>
+          <a:lnRef idx="2">
+            <a:schemeClr val="accent1"/>
+          </a:lnRef>
+          <a:fillRef idx="0">
+            <a:schemeClr val="accent1"/>
+          </a:fillRef>
+          <a:effectRef idx="1">
+            <a:schemeClr val="accent1"/>
+          </a:effectRef>
+          <a:fontRef idx="minor">
+            <a:schemeClr val="tx1"/>
+          </a:fontRef>
+        </p:style>
+      </p:cxnSp>
+      <p:cxnSp>
+        <p:nvCxnSpPr>
+          <p:cNvPr id="89" name="Connecteur droit avec flèche 88">
+            <a:extLst>
+              <a:ext uri="{FF2B5EF4-FFF2-40B4-BE49-F238E27FC236}">
+                <a16:creationId xmlns:a16="http://schemas.microsoft.com/office/drawing/2014/main" id="{98F1F22E-2D35-5F39-3EF3-A2F0FB09A2E7}"/>
+              </a:ext>
+            </a:extLst>
+          </p:cNvPr>
+          <p:cNvCxnSpPr>
+            <a:cxnSpLocks/>
+          </p:cNvCxnSpPr>
+          <p:nvPr/>
+        </p:nvCxnSpPr>
+        <p:spPr>
+          <a:xfrm>
+            <a:off x="5202592" y="7420205"/>
+            <a:ext cx="296185" cy="562791"/>
+          </a:xfrm>
+          <a:prstGeom prst="straightConnector1">
+            <a:avLst/>
+          </a:prstGeom>
+          <a:ln>
+            <a:tailEnd type="triangle"/>
+          </a:ln>
+        </p:spPr>
+        <p:style>
+          <a:lnRef idx="2">
+            <a:schemeClr val="accent1"/>
+          </a:lnRef>
+          <a:fillRef idx="0">
+            <a:schemeClr val="accent1"/>
+          </a:fillRef>
+          <a:effectRef idx="1">
+            <a:schemeClr val="accent1"/>
+          </a:effectRef>
+          <a:fontRef idx="minor">
+            <a:schemeClr val="tx1"/>
+          </a:fontRef>
+        </p:style>
+      </p:cxnSp>
+      <p:cxnSp>
+        <p:nvCxnSpPr>
+          <p:cNvPr id="90" name="Connecteur droit avec flèche 89">
+            <a:extLst>
+              <a:ext uri="{FF2B5EF4-FFF2-40B4-BE49-F238E27FC236}">
+                <a16:creationId xmlns:a16="http://schemas.microsoft.com/office/drawing/2014/main" id="{5F88B0EE-0DA2-91B9-2DF7-F9840F0647CF}"/>
+              </a:ext>
+            </a:extLst>
+          </p:cNvPr>
+          <p:cNvCxnSpPr>
+            <a:cxnSpLocks/>
+          </p:cNvCxnSpPr>
+          <p:nvPr/>
+        </p:nvCxnSpPr>
+        <p:spPr>
+          <a:xfrm>
+            <a:off x="3760009" y="8427243"/>
+            <a:ext cx="2722643" cy="324351"/>
+          </a:xfrm>
+          <a:prstGeom prst="straightConnector1">
+            <a:avLst/>
+          </a:prstGeom>
+          <a:ln>
+            <a:tailEnd type="triangle"/>
+          </a:ln>
+        </p:spPr>
+        <p:style>
+          <a:lnRef idx="2">
+            <a:schemeClr val="accent1"/>
+          </a:lnRef>
+          <a:fillRef idx="0">
+            <a:schemeClr val="accent1"/>
+          </a:fillRef>
+          <a:effectRef idx="1">
+            <a:schemeClr val="accent1"/>
+          </a:effectRef>
+          <a:fontRef idx="minor">
+            <a:schemeClr val="tx1"/>
+          </a:fontRef>
+        </p:style>
+      </p:cxnSp>
+      <p:cxnSp>
+        <p:nvCxnSpPr>
+          <p:cNvPr id="91" name="Connecteur droit avec flèche 90">
+            <a:extLst>
+              <a:ext uri="{FF2B5EF4-FFF2-40B4-BE49-F238E27FC236}">
+                <a16:creationId xmlns:a16="http://schemas.microsoft.com/office/drawing/2014/main" id="{E2B86CD9-4F12-A527-A224-17DA806919D4}"/>
+              </a:ext>
+            </a:extLst>
+          </p:cNvPr>
+          <p:cNvCxnSpPr>
+            <a:cxnSpLocks/>
+          </p:cNvCxnSpPr>
+          <p:nvPr/>
+        </p:nvCxnSpPr>
+        <p:spPr>
+          <a:xfrm flipV="1">
+            <a:off x="3886941" y="8843715"/>
+            <a:ext cx="570636" cy="76929"/>
+          </a:xfrm>
+          <a:prstGeom prst="straightConnector1">
+            <a:avLst/>
+          </a:prstGeom>
+          <a:ln>
+            <a:tailEnd type="triangle"/>
+          </a:ln>
+        </p:spPr>
+        <p:style>
+          <a:lnRef idx="2">
+            <a:schemeClr val="accent1"/>
+          </a:lnRef>
+          <a:fillRef idx="0">
+            <a:schemeClr val="accent1"/>
+          </a:fillRef>
+          <a:effectRef idx="1">
+            <a:schemeClr val="accent1"/>
+          </a:effectRef>
+          <a:fontRef idx="minor">
+            <a:schemeClr val="tx1"/>
+          </a:fontRef>
+        </p:style>
+      </p:cxnSp>
+    </p:spTree>
+    <p:extLst>
+      <p:ext uri="{BB962C8B-B14F-4D97-AF65-F5344CB8AC3E}">
+        <p14:creationId xmlns:p14="http://schemas.microsoft.com/office/powerpoint/2010/main" val="4200484817"/>
+      </p:ext>
+    </p:extLst>
+  </p:cSld>
+  <p:clrMapOvr>
+    <a:masterClrMapping/>
+  </p:clrMapOvr>
+</p:sld>
+</file>
+
+<file path=ppt/slides/slide5.xml><?xml version="1.0" encoding="utf-8"?>
 <p:sld xmlns:a="http://schemas.openxmlformats.org/drawingml/2006/main" xmlns:r="http://schemas.openxmlformats.org/officeDocument/2006/relationships" xmlns:p="http://schemas.openxmlformats.org/presentationml/2006/main">
   <p:cSld>
     <p:spTree>

--- a/Cockpit compact.pptx
+++ b/Cockpit compact.pptx
@@ -119,7 +119,7 @@
 <file path=ppt/revisionInfo.xml><?xml version="1.0" encoding="utf-8"?>
 <p1510:revInfo xmlns:a="http://schemas.openxmlformats.org/drawingml/2006/main" xmlns:r="http://schemas.openxmlformats.org/officeDocument/2006/relationships" xmlns:p1510="http://schemas.microsoft.com/office/powerpoint/2015/10/main">
   <p1510:revLst>
-    <p1510:client id="{4C97109B-4EA2-44DC-A7F9-24131C0C41D0}" v="102" dt="2024-10-15T12:56:57.052"/>
+    <p1510:client id="{4C97109B-4EA2-44DC-A7F9-24131C0C41D0}" v="108" dt="2024-10-23T10:26:15.246"/>
   </p1510:revLst>
 </p1510:revInfo>
 </file>
@@ -129,7 +129,7 @@
   <pc:docChgLst>
     <pc:chgData name="Laurent VROMMAN" userId="a0d1f88c-10b2-4f3c-9228-f32aeaf99027" providerId="ADAL" clId="{4C97109B-4EA2-44DC-A7F9-24131C0C41D0}"/>
     <pc:docChg chg="undo custSel addSld modSld">
-      <pc:chgData name="Laurent VROMMAN" userId="a0d1f88c-10b2-4f3c-9228-f32aeaf99027" providerId="ADAL" clId="{4C97109B-4EA2-44DC-A7F9-24131C0C41D0}" dt="2024-10-15T12:57:08.548" v="1016" actId="14100"/>
+      <pc:chgData name="Laurent VROMMAN" userId="a0d1f88c-10b2-4f3c-9228-f32aeaf99027" providerId="ADAL" clId="{4C97109B-4EA2-44DC-A7F9-24131C0C41D0}" dt="2024-10-23T10:26:29.953" v="1298" actId="1076"/>
       <pc:docMkLst>
         <pc:docMk/>
       </pc:docMkLst>
@@ -1195,7 +1195,7 @@
         </pc:picChg>
       </pc:sldChg>
       <pc:sldChg chg="addSp delSp modSp new mod">
-        <pc:chgData name="Laurent VROMMAN" userId="a0d1f88c-10b2-4f3c-9228-f32aeaf99027" providerId="ADAL" clId="{4C97109B-4EA2-44DC-A7F9-24131C0C41D0}" dt="2024-10-15T12:42:27.989" v="754" actId="5793"/>
+        <pc:chgData name="Laurent VROMMAN" userId="a0d1f88c-10b2-4f3c-9228-f32aeaf99027" providerId="ADAL" clId="{4C97109B-4EA2-44DC-A7F9-24131C0C41D0}" dt="2024-10-23T10:26:29.953" v="1298" actId="1076"/>
         <pc:sldMkLst>
           <pc:docMk/>
           <pc:sldMk cId="4257809185" sldId="259"/>
@@ -1464,6 +1464,14 @@
             <ac:spMk id="60" creationId="{E9CC72B3-761A-9DD2-D657-939F143B6874}"/>
           </ac:spMkLst>
         </pc:spChg>
+        <pc:spChg chg="mod topLvl">
+          <ac:chgData name="Laurent VROMMAN" userId="a0d1f88c-10b2-4f3c-9228-f32aeaf99027" providerId="ADAL" clId="{4C97109B-4EA2-44DC-A7F9-24131C0C41D0}" dt="2024-10-23T09:34:54.756" v="1197" actId="1076"/>
+          <ac:spMkLst>
+            <pc:docMk/>
+            <pc:sldMk cId="4257809185" sldId="259"/>
+            <ac:spMk id="60" creationId="{FF1DC7E9-D532-5FBA-94F4-5A0BF794A6DA}"/>
+          </ac:spMkLst>
+        </pc:spChg>
         <pc:spChg chg="add del mod">
           <ac:chgData name="Laurent VROMMAN" userId="a0d1f88c-10b2-4f3c-9228-f32aeaf99027" providerId="ADAL" clId="{4C97109B-4EA2-44DC-A7F9-24131C0C41D0}" dt="2024-10-15T07:49:29.067" v="523" actId="478"/>
           <ac:spMkLst>
@@ -1472,6 +1480,22 @@
             <ac:spMk id="61" creationId="{15384DE7-0057-9CBD-5742-4E7CFDF805FE}"/>
           </ac:spMkLst>
         </pc:spChg>
+        <pc:spChg chg="mod topLvl">
+          <ac:chgData name="Laurent VROMMAN" userId="a0d1f88c-10b2-4f3c-9228-f32aeaf99027" providerId="ADAL" clId="{4C97109B-4EA2-44DC-A7F9-24131C0C41D0}" dt="2024-10-23T09:34:47.157" v="1193" actId="164"/>
+          <ac:spMkLst>
+            <pc:docMk/>
+            <pc:sldMk cId="4257809185" sldId="259"/>
+            <ac:spMk id="61" creationId="{4E82E41B-DADC-364D-860A-C69ADAEA136F}"/>
+          </ac:spMkLst>
+        </pc:spChg>
+        <pc:spChg chg="mod topLvl">
+          <ac:chgData name="Laurent VROMMAN" userId="a0d1f88c-10b2-4f3c-9228-f32aeaf99027" providerId="ADAL" clId="{4C97109B-4EA2-44DC-A7F9-24131C0C41D0}" dt="2024-10-23T09:34:47.157" v="1193" actId="164"/>
+          <ac:spMkLst>
+            <pc:docMk/>
+            <pc:sldMk cId="4257809185" sldId="259"/>
+            <ac:spMk id="62" creationId="{B11B11E8-5849-61C2-6037-27E2F9C966A2}"/>
+          </ac:spMkLst>
+        </pc:spChg>
         <pc:spChg chg="add del mod">
           <ac:chgData name="Laurent VROMMAN" userId="a0d1f88c-10b2-4f3c-9228-f32aeaf99027" providerId="ADAL" clId="{4C97109B-4EA2-44DC-A7F9-24131C0C41D0}" dt="2024-10-15T07:49:26.932" v="519" actId="478"/>
           <ac:spMkLst>
@@ -1488,6 +1512,22 @@
             <ac:spMk id="65" creationId="{2502B3CF-9AFE-6932-A540-285D512B86C6}"/>
           </ac:spMkLst>
         </pc:spChg>
+        <pc:spChg chg="mod topLvl">
+          <ac:chgData name="Laurent VROMMAN" userId="a0d1f88c-10b2-4f3c-9228-f32aeaf99027" providerId="ADAL" clId="{4C97109B-4EA2-44DC-A7F9-24131C0C41D0}" dt="2024-10-23T09:34:47.157" v="1193" actId="164"/>
+          <ac:spMkLst>
+            <pc:docMk/>
+            <pc:sldMk cId="4257809185" sldId="259"/>
+            <ac:spMk id="65" creationId="{F5210337-6EF7-E408-DBBB-7F15DC06EB01}"/>
+          </ac:spMkLst>
+        </pc:spChg>
+        <pc:spChg chg="mod topLvl">
+          <ac:chgData name="Laurent VROMMAN" userId="a0d1f88c-10b2-4f3c-9228-f32aeaf99027" providerId="ADAL" clId="{4C97109B-4EA2-44DC-A7F9-24131C0C41D0}" dt="2024-10-23T09:34:47.157" v="1193" actId="164"/>
+          <ac:spMkLst>
+            <pc:docMk/>
+            <pc:sldMk cId="4257809185" sldId="259"/>
+            <ac:spMk id="66" creationId="{4750888D-C430-2F8D-CBF3-D4E6877D0AA1}"/>
+          </ac:spMkLst>
+        </pc:spChg>
         <pc:spChg chg="add del mod">
           <ac:chgData name="Laurent VROMMAN" userId="a0d1f88c-10b2-4f3c-9228-f32aeaf99027" providerId="ADAL" clId="{4C97109B-4EA2-44DC-A7F9-24131C0C41D0}" dt="2024-10-15T07:49:27.653" v="520" actId="478"/>
           <ac:spMkLst>
@@ -1632,6 +1672,22 @@
             <ac:spMk id="86" creationId="{2568688D-3C8A-8B04-55D0-074DADABAC1D}"/>
           </ac:spMkLst>
         </pc:spChg>
+        <pc:spChg chg="mod topLvl">
+          <ac:chgData name="Laurent VROMMAN" userId="a0d1f88c-10b2-4f3c-9228-f32aeaf99027" providerId="ADAL" clId="{4C97109B-4EA2-44DC-A7F9-24131C0C41D0}" dt="2024-10-23T09:34:47.157" v="1193" actId="164"/>
+          <ac:spMkLst>
+            <pc:docMk/>
+            <pc:sldMk cId="4257809185" sldId="259"/>
+            <ac:spMk id="89" creationId="{0127C309-9F0D-065C-4FC5-1330310EB77D}"/>
+          </ac:spMkLst>
+        </pc:spChg>
+        <pc:spChg chg="mod topLvl">
+          <ac:chgData name="Laurent VROMMAN" userId="a0d1f88c-10b2-4f3c-9228-f32aeaf99027" providerId="ADAL" clId="{4C97109B-4EA2-44DC-A7F9-24131C0C41D0}" dt="2024-10-23T09:34:47.157" v="1193" actId="164"/>
+          <ac:spMkLst>
+            <pc:docMk/>
+            <pc:sldMk cId="4257809185" sldId="259"/>
+            <ac:spMk id="90" creationId="{A7367640-1CEC-D729-DE9B-972A3A59B916}"/>
+          </ac:spMkLst>
+        </pc:spChg>
         <pc:spChg chg="add mod">
           <ac:chgData name="Laurent VROMMAN" userId="a0d1f88c-10b2-4f3c-9228-f32aeaf99027" providerId="ADAL" clId="{4C97109B-4EA2-44DC-A7F9-24131C0C41D0}" dt="2024-10-15T07:13:55.266" v="358" actId="164"/>
           <ac:spMkLst>
@@ -1792,6 +1848,22 @@
             <ac:spMk id="110" creationId="{C40189DE-9756-A41A-A6C0-404FFD61FF87}"/>
           </ac:spMkLst>
         </pc:spChg>
+        <pc:spChg chg="mod topLvl">
+          <ac:chgData name="Laurent VROMMAN" userId="a0d1f88c-10b2-4f3c-9228-f32aeaf99027" providerId="ADAL" clId="{4C97109B-4EA2-44DC-A7F9-24131C0C41D0}" dt="2024-10-23T09:34:47.157" v="1193" actId="164"/>
+          <ac:spMkLst>
+            <pc:docMk/>
+            <pc:sldMk cId="4257809185" sldId="259"/>
+            <ac:spMk id="111" creationId="{B1538142-CE81-0DB2-CCFB-A8E837EA6E90}"/>
+          </ac:spMkLst>
+        </pc:spChg>
+        <pc:spChg chg="mod topLvl">
+          <ac:chgData name="Laurent VROMMAN" userId="a0d1f88c-10b2-4f3c-9228-f32aeaf99027" providerId="ADAL" clId="{4C97109B-4EA2-44DC-A7F9-24131C0C41D0}" dt="2024-10-23T09:34:47.157" v="1193" actId="164"/>
+          <ac:spMkLst>
+            <pc:docMk/>
+            <pc:sldMk cId="4257809185" sldId="259"/>
+            <ac:spMk id="115" creationId="{404D8712-9DBE-0CE8-F11C-E76F25410EFF}"/>
+          </ac:spMkLst>
+        </pc:spChg>
         <pc:spChg chg="add del mod">
           <ac:chgData name="Laurent VROMMAN" userId="a0d1f88c-10b2-4f3c-9228-f32aeaf99027" providerId="ADAL" clId="{4C97109B-4EA2-44DC-A7F9-24131C0C41D0}" dt="2024-10-15T07:14:20.031" v="360" actId="478"/>
           <ac:spMkLst>
@@ -1816,6 +1888,14 @@
             <ac:spMk id="117" creationId="{2D3E6D44-98BB-6778-9121-264C4DA0C8B6}"/>
           </ac:spMkLst>
         </pc:spChg>
+        <pc:spChg chg="mod topLvl">
+          <ac:chgData name="Laurent VROMMAN" userId="a0d1f88c-10b2-4f3c-9228-f32aeaf99027" providerId="ADAL" clId="{4C97109B-4EA2-44DC-A7F9-24131C0C41D0}" dt="2024-10-23T09:34:47.157" v="1193" actId="164"/>
+          <ac:spMkLst>
+            <pc:docMk/>
+            <pc:sldMk cId="4257809185" sldId="259"/>
+            <ac:spMk id="117" creationId="{3BD345E9-0F74-F03C-9F66-E46F3CA141FD}"/>
+          </ac:spMkLst>
+        </pc:spChg>
         <pc:spChg chg="add del mod">
           <ac:chgData name="Laurent VROMMAN" userId="a0d1f88c-10b2-4f3c-9228-f32aeaf99027" providerId="ADAL" clId="{4C97109B-4EA2-44DC-A7F9-24131C0C41D0}" dt="2024-10-15T07:14:20.031" v="360" actId="478"/>
           <ac:spMkLst>
@@ -1838,6 +1918,14 @@
             <pc:docMk/>
             <pc:sldMk cId="4257809185" sldId="259"/>
             <ac:spMk id="120" creationId="{9A5FEB89-1B47-5B14-33C8-7BDE3A679585}"/>
+          </ac:spMkLst>
+        </pc:spChg>
+        <pc:spChg chg="mod topLvl">
+          <ac:chgData name="Laurent VROMMAN" userId="a0d1f88c-10b2-4f3c-9228-f32aeaf99027" providerId="ADAL" clId="{4C97109B-4EA2-44DC-A7F9-24131C0C41D0}" dt="2024-10-23T09:34:47.157" v="1193" actId="164"/>
+          <ac:spMkLst>
+            <pc:docMk/>
+            <pc:sldMk cId="4257809185" sldId="259"/>
+            <ac:spMk id="120" creationId="{D29D70A0-6C7C-E501-168D-098ED84B52E0}"/>
           </ac:spMkLst>
         </pc:spChg>
         <pc:spChg chg="add del mod">
@@ -2073,6 +2161,14 @@
           </ac:grpSpMkLst>
         </pc:grpChg>
         <pc:grpChg chg="add del mod">
+          <ac:chgData name="Laurent VROMMAN" userId="a0d1f88c-10b2-4f3c-9228-f32aeaf99027" providerId="ADAL" clId="{4C97109B-4EA2-44DC-A7F9-24131C0C41D0}" dt="2024-10-23T08:33:13.137" v="1036" actId="165"/>
+          <ac:grpSpMkLst>
+            <pc:docMk/>
+            <pc:sldMk cId="4257809185" sldId="259"/>
+            <ac:grpSpMk id="42" creationId="{25603486-EC52-8907-AB50-3612B7620218}"/>
+          </ac:grpSpMkLst>
+        </pc:grpChg>
+        <pc:grpChg chg="add del mod">
           <ac:chgData name="Laurent VROMMAN" userId="a0d1f88c-10b2-4f3c-9228-f32aeaf99027" providerId="ADAL" clId="{4C97109B-4EA2-44DC-A7F9-24131C0C41D0}" dt="2024-10-15T07:31:08.753" v="480" actId="165"/>
           <ac:grpSpMkLst>
             <pc:docMk/>
@@ -2088,14 +2184,54 @@
             <ac:grpSpMk id="43" creationId="{9317F384-2053-7D68-8AEC-6718CF06E16B}"/>
           </ac:grpSpMkLst>
         </pc:grpChg>
-        <pc:grpChg chg="add mod">
-          <ac:chgData name="Laurent VROMMAN" userId="a0d1f88c-10b2-4f3c-9228-f32aeaf99027" providerId="ADAL" clId="{4C97109B-4EA2-44DC-A7F9-24131C0C41D0}" dt="2024-10-15T07:14:04.564" v="359" actId="164"/>
+        <pc:grpChg chg="add del mod">
+          <ac:chgData name="Laurent VROMMAN" userId="a0d1f88c-10b2-4f3c-9228-f32aeaf99027" providerId="ADAL" clId="{4C97109B-4EA2-44DC-A7F9-24131C0C41D0}" dt="2024-10-23T09:35:03.793" v="1199" actId="478"/>
           <ac:grpSpMkLst>
             <pc:docMk/>
             <pc:sldMk cId="4257809185" sldId="259"/>
             <ac:grpSpMk id="44" creationId="{FC6E2ADC-C0C7-7A1D-3888-8B7962294437}"/>
           </ac:grpSpMkLst>
         </pc:grpChg>
+        <pc:grpChg chg="add mod">
+          <ac:chgData name="Laurent VROMMAN" userId="a0d1f88c-10b2-4f3c-9228-f32aeaf99027" providerId="ADAL" clId="{4C97109B-4EA2-44DC-A7F9-24131C0C41D0}" dt="2024-10-23T09:35:10.550" v="1280" actId="1038"/>
+          <ac:grpSpMkLst>
+            <pc:docMk/>
+            <pc:sldMk cId="4257809185" sldId="259"/>
+            <ac:grpSpMk id="122" creationId="{C5889FC5-0FC8-AECC-7AB2-27EC56709A88}"/>
+          </ac:grpSpMkLst>
+        </pc:grpChg>
+        <pc:picChg chg="add del mod">
+          <ac:chgData name="Laurent VROMMAN" userId="a0d1f88c-10b2-4f3c-9228-f32aeaf99027" providerId="ADAL" clId="{4C97109B-4EA2-44DC-A7F9-24131C0C41D0}" dt="2024-10-23T09:34:32.343" v="1191" actId="478"/>
+          <ac:picMkLst>
+            <pc:docMk/>
+            <pc:sldMk cId="4257809185" sldId="259"/>
+            <ac:picMk id="3" creationId="{0328694B-1B42-B48D-1D75-AFC6C4F53DA1}"/>
+          </ac:picMkLst>
+        </pc:picChg>
+        <pc:picChg chg="add del mod">
+          <ac:chgData name="Laurent VROMMAN" userId="a0d1f88c-10b2-4f3c-9228-f32aeaf99027" providerId="ADAL" clId="{4C97109B-4EA2-44DC-A7F9-24131C0C41D0}" dt="2024-10-23T09:34:35.588" v="1192" actId="478"/>
+          <ac:picMkLst>
+            <pc:docMk/>
+            <pc:sldMk cId="4257809185" sldId="259"/>
+            <ac:picMk id="121" creationId="{BB077DC6-EA09-099B-6371-1A56E713AD50}"/>
+          </ac:picMkLst>
+        </pc:picChg>
+        <pc:picChg chg="add del mod">
+          <ac:chgData name="Laurent VROMMAN" userId="a0d1f88c-10b2-4f3c-9228-f32aeaf99027" providerId="ADAL" clId="{4C97109B-4EA2-44DC-A7F9-24131C0C41D0}" dt="2024-10-23T10:24:50.929" v="1289" actId="478"/>
+          <ac:picMkLst>
+            <pc:docMk/>
+            <pc:sldMk cId="4257809185" sldId="259"/>
+            <ac:picMk id="124" creationId="{8DA7853B-D824-6647-D0B5-13D651436059}"/>
+          </ac:picMkLst>
+        </pc:picChg>
+        <pc:picChg chg="add mod">
+          <ac:chgData name="Laurent VROMMAN" userId="a0d1f88c-10b2-4f3c-9228-f32aeaf99027" providerId="ADAL" clId="{4C97109B-4EA2-44DC-A7F9-24131C0C41D0}" dt="2024-10-23T10:26:29.953" v="1298" actId="1076"/>
+          <ac:picMkLst>
+            <pc:docMk/>
+            <pc:sldMk cId="4257809185" sldId="259"/>
+            <ac:picMk id="126" creationId="{127D42B6-8F10-7F75-F6AB-E5090E3DCB81}"/>
+          </ac:picMkLst>
+        </pc:picChg>
         <pc:cxnChg chg="add del mod">
           <ac:chgData name="Laurent VROMMAN" userId="a0d1f88c-10b2-4f3c-9228-f32aeaf99027" providerId="ADAL" clId="{4C97109B-4EA2-44DC-A7F9-24131C0C41D0}" dt="2024-10-15T12:42:12.531" v="734" actId="11529"/>
           <ac:cxnSpMkLst>
@@ -2358,6 +2494,22 @@
             <pc:docMk/>
             <pc:sldMk cId="4257809185" sldId="259"/>
             <ac:cxnSpMk id="114" creationId="{2AB2AD09-2534-D47F-B0B7-2C9C52CE1E2D}"/>
+          </ac:cxnSpMkLst>
+        </pc:cxnChg>
+        <pc:cxnChg chg="mod topLvl">
+          <ac:chgData name="Laurent VROMMAN" userId="a0d1f88c-10b2-4f3c-9228-f32aeaf99027" providerId="ADAL" clId="{4C97109B-4EA2-44DC-A7F9-24131C0C41D0}" dt="2024-10-23T09:34:47.157" v="1193" actId="164"/>
+          <ac:cxnSpMkLst>
+            <pc:docMk/>
+            <pc:sldMk cId="4257809185" sldId="259"/>
+            <ac:cxnSpMk id="118" creationId="{4B5DCBFE-87F6-B358-DEF6-C5A1E05AB762}"/>
+          </ac:cxnSpMkLst>
+        </pc:cxnChg>
+        <pc:cxnChg chg="mod topLvl">
+          <ac:chgData name="Laurent VROMMAN" userId="a0d1f88c-10b2-4f3c-9228-f32aeaf99027" providerId="ADAL" clId="{4C97109B-4EA2-44DC-A7F9-24131C0C41D0}" dt="2024-10-23T09:34:47.157" v="1193" actId="164"/>
+          <ac:cxnSpMkLst>
+            <pc:docMk/>
+            <pc:sldMk cId="4257809185" sldId="259"/>
+            <ac:cxnSpMk id="119" creationId="{63885AB2-115B-B71B-1685-1779BB47604B}"/>
           </ac:cxnSpMkLst>
         </pc:cxnChg>
         <pc:cxnChg chg="add mod">
@@ -3040,7 +3192,7 @@
           <a:p>
             <a:fld id="{318ABD3C-8DDC-4AEA-8392-893C5346DA59}" type="datetimeFigureOut">
               <a:rPr lang="fr-FR" smtClean="0"/>
-              <a:t>15/10/2024</a:t>
+              <a:t>22/10/2024</a:t>
             </a:fld>
             <a:endParaRPr lang="fr-FR"/>
           </a:p>
@@ -3210,7 +3362,7 @@
           <a:p>
             <a:fld id="{318ABD3C-8DDC-4AEA-8392-893C5346DA59}" type="datetimeFigureOut">
               <a:rPr lang="fr-FR" smtClean="0"/>
-              <a:t>15/10/2024</a:t>
+              <a:t>22/10/2024</a:t>
             </a:fld>
             <a:endParaRPr lang="fr-FR"/>
           </a:p>
@@ -3390,7 +3542,7 @@
           <a:p>
             <a:fld id="{318ABD3C-8DDC-4AEA-8392-893C5346DA59}" type="datetimeFigureOut">
               <a:rPr lang="fr-FR" smtClean="0"/>
-              <a:t>15/10/2024</a:t>
+              <a:t>22/10/2024</a:t>
             </a:fld>
             <a:endParaRPr lang="fr-FR"/>
           </a:p>
@@ -3560,7 +3712,7 @@
           <a:p>
             <a:fld id="{318ABD3C-8DDC-4AEA-8392-893C5346DA59}" type="datetimeFigureOut">
               <a:rPr lang="fr-FR" smtClean="0"/>
-              <a:t>15/10/2024</a:t>
+              <a:t>22/10/2024</a:t>
             </a:fld>
             <a:endParaRPr lang="fr-FR"/>
           </a:p>
@@ -3806,7 +3958,7 @@
           <a:p>
             <a:fld id="{318ABD3C-8DDC-4AEA-8392-893C5346DA59}" type="datetimeFigureOut">
               <a:rPr lang="fr-FR" smtClean="0"/>
-              <a:t>15/10/2024</a:t>
+              <a:t>22/10/2024</a:t>
             </a:fld>
             <a:endParaRPr lang="fr-FR"/>
           </a:p>
@@ -4038,7 +4190,7 @@
           <a:p>
             <a:fld id="{318ABD3C-8DDC-4AEA-8392-893C5346DA59}" type="datetimeFigureOut">
               <a:rPr lang="fr-FR" smtClean="0"/>
-              <a:t>15/10/2024</a:t>
+              <a:t>22/10/2024</a:t>
             </a:fld>
             <a:endParaRPr lang="fr-FR"/>
           </a:p>
@@ -4405,7 +4557,7 @@
           <a:p>
             <a:fld id="{318ABD3C-8DDC-4AEA-8392-893C5346DA59}" type="datetimeFigureOut">
               <a:rPr lang="fr-FR" smtClean="0"/>
-              <a:t>15/10/2024</a:t>
+              <a:t>22/10/2024</a:t>
             </a:fld>
             <a:endParaRPr lang="fr-FR"/>
           </a:p>
@@ -4523,7 +4675,7 @@
           <a:p>
             <a:fld id="{318ABD3C-8DDC-4AEA-8392-893C5346DA59}" type="datetimeFigureOut">
               <a:rPr lang="fr-FR" smtClean="0"/>
-              <a:t>15/10/2024</a:t>
+              <a:t>22/10/2024</a:t>
             </a:fld>
             <a:endParaRPr lang="fr-FR"/>
           </a:p>
@@ -4618,7 +4770,7 @@
           <a:p>
             <a:fld id="{318ABD3C-8DDC-4AEA-8392-893C5346DA59}" type="datetimeFigureOut">
               <a:rPr lang="fr-FR" smtClean="0"/>
-              <a:t>15/10/2024</a:t>
+              <a:t>22/10/2024</a:t>
             </a:fld>
             <a:endParaRPr lang="fr-FR"/>
           </a:p>
@@ -4895,7 +5047,7 @@
           <a:p>
             <a:fld id="{318ABD3C-8DDC-4AEA-8392-893C5346DA59}" type="datetimeFigureOut">
               <a:rPr lang="fr-FR" smtClean="0"/>
-              <a:t>15/10/2024</a:t>
+              <a:t>22/10/2024</a:t>
             </a:fld>
             <a:endParaRPr lang="fr-FR"/>
           </a:p>
@@ -5152,7 +5304,7 @@
           <a:p>
             <a:fld id="{318ABD3C-8DDC-4AEA-8392-893C5346DA59}" type="datetimeFigureOut">
               <a:rPr lang="fr-FR" smtClean="0"/>
-              <a:t>15/10/2024</a:t>
+              <a:t>22/10/2024</a:t>
             </a:fld>
             <a:endParaRPr lang="fr-FR"/>
           </a:p>
@@ -5365,7 +5517,7 @@
           <a:p>
             <a:fld id="{318ABD3C-8DDC-4AEA-8392-893C5346DA59}" type="datetimeFigureOut">
               <a:rPr lang="fr-FR" smtClean="0"/>
-              <a:t>15/10/2024</a:t>
+              <a:t>22/10/2024</a:t>
             </a:fld>
             <a:endParaRPr lang="fr-FR"/>
           </a:p>
@@ -8802,640 +8954,6 @@
             <a:p>
               <a:pPr algn="ctr"/>
               <a:endParaRPr lang="fr-FR" sz="600"/>
-            </a:p>
-          </p:txBody>
-        </p:sp>
-      </p:grpSp>
-      <p:grpSp>
-        <p:nvGrpSpPr>
-          <p:cNvPr id="44" name="Groupe 43">
-            <a:extLst>
-              <a:ext uri="{FF2B5EF4-FFF2-40B4-BE49-F238E27FC236}">
-                <a16:creationId xmlns:a16="http://schemas.microsoft.com/office/drawing/2014/main" id="{FC6E2ADC-C0C7-7A1D-3888-8B7962294437}"/>
-              </a:ext>
-            </a:extLst>
-          </p:cNvPr>
-          <p:cNvGrpSpPr/>
-          <p:nvPr/>
-        </p:nvGrpSpPr>
-        <p:grpSpPr>
-          <a:xfrm>
-            <a:off x="9384132" y="3743420"/>
-            <a:ext cx="5724000" cy="1188000"/>
-            <a:chOff x="9384132" y="3743420"/>
-            <a:chExt cx="5724000" cy="1188000"/>
-          </a:xfrm>
-        </p:grpSpPr>
-        <p:sp>
-          <p:nvSpPr>
-            <p:cNvPr id="26" name="Rectangle 25">
-              <a:extLst>
-                <a:ext uri="{FF2B5EF4-FFF2-40B4-BE49-F238E27FC236}">
-                  <a16:creationId xmlns:a16="http://schemas.microsoft.com/office/drawing/2014/main" id="{E595A8DD-5261-78F5-ED84-2439E36D68DC}"/>
-                </a:ext>
-              </a:extLst>
-            </p:cNvPr>
-            <p:cNvSpPr/>
-            <p:nvPr/>
-          </p:nvSpPr>
-          <p:spPr>
-            <a:xfrm>
-              <a:off x="9384132" y="3743420"/>
-              <a:ext cx="5724000" cy="1188000"/>
-            </a:xfrm>
-            <a:prstGeom prst="rect">
-              <a:avLst/>
-            </a:prstGeom>
-          </p:spPr>
-          <p:style>
-            <a:lnRef idx="2">
-              <a:schemeClr val="accent1">
-                <a:shade val="15000"/>
-              </a:schemeClr>
-            </a:lnRef>
-            <a:fillRef idx="1">
-              <a:schemeClr val="accent1"/>
-            </a:fillRef>
-            <a:effectRef idx="0">
-              <a:schemeClr val="accent1"/>
-            </a:effectRef>
-            <a:fontRef idx="minor">
-              <a:schemeClr val="lt1"/>
-            </a:fontRef>
-          </p:style>
-          <p:txBody>
-            <a:bodyPr rtlCol="0" anchor="ctr"/>
-            <a:lstStyle/>
-            <a:p>
-              <a:pPr algn="ctr"/>
-              <a:r>
-                <a:rPr lang="fr-FR" dirty="0"/>
-                <a:t>PDF/MFD multi</a:t>
-              </a:r>
-            </a:p>
-          </p:txBody>
-        </p:sp>
-        <p:sp>
-          <p:nvSpPr>
-            <p:cNvPr id="75" name="Rectangle 74">
-              <a:extLst>
-                <a:ext uri="{FF2B5EF4-FFF2-40B4-BE49-F238E27FC236}">
-                  <a16:creationId xmlns:a16="http://schemas.microsoft.com/office/drawing/2014/main" id="{AEC5E5BB-3E7A-E63D-6EFF-21CAEE8E7490}"/>
-                </a:ext>
-              </a:extLst>
-            </p:cNvPr>
-            <p:cNvSpPr/>
-            <p:nvPr/>
-          </p:nvSpPr>
-          <p:spPr>
-            <a:xfrm>
-              <a:off x="9785376" y="4003278"/>
-              <a:ext cx="360000" cy="252000"/>
-            </a:xfrm>
-            <a:prstGeom prst="rect">
-              <a:avLst/>
-            </a:prstGeom>
-          </p:spPr>
-          <p:style>
-            <a:lnRef idx="2">
-              <a:schemeClr val="accent5">
-                <a:shade val="15000"/>
-              </a:schemeClr>
-            </a:lnRef>
-            <a:fillRef idx="1">
-              <a:schemeClr val="accent5"/>
-            </a:fillRef>
-            <a:effectRef idx="0">
-              <a:schemeClr val="accent5"/>
-            </a:effectRef>
-            <a:fontRef idx="minor">
-              <a:schemeClr val="lt1"/>
-            </a:fontRef>
-          </p:style>
-          <p:txBody>
-            <a:bodyPr rtlCol="0" anchor="ctr"/>
-            <a:lstStyle/>
-            <a:p>
-              <a:pPr algn="ctr"/>
-              <a:r>
-                <a:rPr lang="fr-FR" sz="600" dirty="0"/>
-                <a:t>PFD</a:t>
-              </a:r>
-            </a:p>
-          </p:txBody>
-        </p:sp>
-        <p:sp>
-          <p:nvSpPr>
-            <p:cNvPr id="76" name="Rectangle 75">
-              <a:extLst>
-                <a:ext uri="{FF2B5EF4-FFF2-40B4-BE49-F238E27FC236}">
-                  <a16:creationId xmlns:a16="http://schemas.microsoft.com/office/drawing/2014/main" id="{886EE04A-AC65-C326-8675-5A7A812FA387}"/>
-                </a:ext>
-              </a:extLst>
-            </p:cNvPr>
-            <p:cNvSpPr/>
-            <p:nvPr/>
-          </p:nvSpPr>
-          <p:spPr>
-            <a:xfrm>
-              <a:off x="9785376" y="4463709"/>
-              <a:ext cx="360000" cy="252000"/>
-            </a:xfrm>
-            <a:prstGeom prst="rect">
-              <a:avLst/>
-            </a:prstGeom>
-          </p:spPr>
-          <p:style>
-            <a:lnRef idx="2">
-              <a:schemeClr val="accent5">
-                <a:shade val="15000"/>
-              </a:schemeClr>
-            </a:lnRef>
-            <a:fillRef idx="1">
-              <a:schemeClr val="accent5"/>
-            </a:fillRef>
-            <a:effectRef idx="0">
-              <a:schemeClr val="accent5"/>
-            </a:effectRef>
-            <a:fontRef idx="minor">
-              <a:schemeClr val="lt1"/>
-            </a:fontRef>
-          </p:style>
-          <p:txBody>
-            <a:bodyPr rtlCol="0" anchor="ctr"/>
-            <a:lstStyle/>
-            <a:p>
-              <a:pPr algn="ctr"/>
-              <a:r>
-                <a:rPr lang="fr-FR" sz="600" dirty="0"/>
-                <a:t>MFD</a:t>
-              </a:r>
-            </a:p>
-          </p:txBody>
-        </p:sp>
-        <p:sp>
-          <p:nvSpPr>
-            <p:cNvPr id="77" name="Rectangle 76">
-              <a:extLst>
-                <a:ext uri="{FF2B5EF4-FFF2-40B4-BE49-F238E27FC236}">
-                  <a16:creationId xmlns:a16="http://schemas.microsoft.com/office/drawing/2014/main" id="{C8B9E6F5-1B5C-09BB-7CB6-F9112C53786D}"/>
-                </a:ext>
-              </a:extLst>
-            </p:cNvPr>
-            <p:cNvSpPr/>
-            <p:nvPr/>
-          </p:nvSpPr>
-          <p:spPr>
-            <a:xfrm>
-              <a:off x="13297549" y="3964099"/>
-              <a:ext cx="360000" cy="252000"/>
-            </a:xfrm>
-            <a:prstGeom prst="rect">
-              <a:avLst/>
-            </a:prstGeom>
-          </p:spPr>
-          <p:style>
-            <a:lnRef idx="2">
-              <a:schemeClr val="accent5">
-                <a:shade val="15000"/>
-              </a:schemeClr>
-            </a:lnRef>
-            <a:fillRef idx="1">
-              <a:schemeClr val="accent5"/>
-            </a:fillRef>
-            <a:effectRef idx="0">
-              <a:schemeClr val="accent5"/>
-            </a:effectRef>
-            <a:fontRef idx="minor">
-              <a:schemeClr val="lt1"/>
-            </a:fontRef>
-          </p:style>
-          <p:txBody>
-            <a:bodyPr rtlCol="0" anchor="ctr"/>
-            <a:lstStyle/>
-            <a:p>
-              <a:pPr algn="ctr"/>
-              <a:r>
-                <a:rPr lang="fr-FR" sz="600" dirty="0"/>
-                <a:t>CLR</a:t>
-              </a:r>
-            </a:p>
-          </p:txBody>
-        </p:sp>
-        <p:sp>
-          <p:nvSpPr>
-            <p:cNvPr id="78" name="Rectangle 77">
-              <a:extLst>
-                <a:ext uri="{FF2B5EF4-FFF2-40B4-BE49-F238E27FC236}">
-                  <a16:creationId xmlns:a16="http://schemas.microsoft.com/office/drawing/2014/main" id="{BDD7BDCE-5CF5-8E71-FDDE-135969EE858B}"/>
-                </a:ext>
-              </a:extLst>
-            </p:cNvPr>
-            <p:cNvSpPr/>
-            <p:nvPr/>
-          </p:nvSpPr>
-          <p:spPr>
-            <a:xfrm>
-              <a:off x="13297549" y="4424530"/>
-              <a:ext cx="360000" cy="252000"/>
-            </a:xfrm>
-            <a:prstGeom prst="rect">
-              <a:avLst/>
-            </a:prstGeom>
-          </p:spPr>
-          <p:style>
-            <a:lnRef idx="2">
-              <a:schemeClr val="accent5">
-                <a:shade val="15000"/>
-              </a:schemeClr>
-            </a:lnRef>
-            <a:fillRef idx="1">
-              <a:schemeClr val="accent5"/>
-            </a:fillRef>
-            <a:effectRef idx="0">
-              <a:schemeClr val="accent5"/>
-            </a:effectRef>
-            <a:fontRef idx="minor">
-              <a:schemeClr val="lt1"/>
-            </a:fontRef>
-          </p:style>
-          <p:txBody>
-            <a:bodyPr rtlCol="0" anchor="ctr"/>
-            <a:lstStyle/>
-            <a:p>
-              <a:pPr algn="ctr"/>
-              <a:r>
-                <a:rPr lang="fr-FR" sz="600" dirty="0"/>
-                <a:t>ENTER</a:t>
-              </a:r>
-            </a:p>
-          </p:txBody>
-        </p:sp>
-        <p:sp>
-          <p:nvSpPr>
-            <p:cNvPr id="79" name="Rectangle 78">
-              <a:extLst>
-                <a:ext uri="{FF2B5EF4-FFF2-40B4-BE49-F238E27FC236}">
-                  <a16:creationId xmlns:a16="http://schemas.microsoft.com/office/drawing/2014/main" id="{FEEA820C-57C1-5106-61F2-061146620BC0}"/>
-                </a:ext>
-              </a:extLst>
-            </p:cNvPr>
-            <p:cNvSpPr/>
-            <p:nvPr/>
-          </p:nvSpPr>
-          <p:spPr>
-            <a:xfrm>
-              <a:off x="12511114" y="3961792"/>
-              <a:ext cx="360000" cy="252000"/>
-            </a:xfrm>
-            <a:prstGeom prst="rect">
-              <a:avLst/>
-            </a:prstGeom>
-          </p:spPr>
-          <p:style>
-            <a:lnRef idx="2">
-              <a:schemeClr val="accent5">
-                <a:shade val="15000"/>
-              </a:schemeClr>
-            </a:lnRef>
-            <a:fillRef idx="1">
-              <a:schemeClr val="accent5"/>
-            </a:fillRef>
-            <a:effectRef idx="0">
-              <a:schemeClr val="accent5"/>
-            </a:effectRef>
-            <a:fontRef idx="minor">
-              <a:schemeClr val="lt1"/>
-            </a:fontRef>
-          </p:style>
-          <p:txBody>
-            <a:bodyPr rtlCol="0" anchor="ctr"/>
-            <a:lstStyle/>
-            <a:p>
-              <a:pPr algn="ctr"/>
-              <a:r>
-                <a:rPr lang="fr-FR" sz="600" dirty="0"/>
-                <a:t>FPL</a:t>
-              </a:r>
-            </a:p>
-          </p:txBody>
-        </p:sp>
-        <p:sp>
-          <p:nvSpPr>
-            <p:cNvPr id="80" name="Rectangle 79">
-              <a:extLst>
-                <a:ext uri="{FF2B5EF4-FFF2-40B4-BE49-F238E27FC236}">
-                  <a16:creationId xmlns:a16="http://schemas.microsoft.com/office/drawing/2014/main" id="{68EBE6CA-F387-1187-E038-C482197C2FA0}"/>
-                </a:ext>
-              </a:extLst>
-            </p:cNvPr>
-            <p:cNvSpPr/>
-            <p:nvPr/>
-          </p:nvSpPr>
-          <p:spPr>
-            <a:xfrm>
-              <a:off x="12511114" y="4422223"/>
-              <a:ext cx="360000" cy="252000"/>
-            </a:xfrm>
-            <a:prstGeom prst="rect">
-              <a:avLst/>
-            </a:prstGeom>
-          </p:spPr>
-          <p:style>
-            <a:lnRef idx="2">
-              <a:schemeClr val="accent5">
-                <a:shade val="15000"/>
-              </a:schemeClr>
-            </a:lnRef>
-            <a:fillRef idx="1">
-              <a:schemeClr val="accent5"/>
-            </a:fillRef>
-            <a:effectRef idx="0">
-              <a:schemeClr val="accent5"/>
-            </a:effectRef>
-            <a:fontRef idx="minor">
-              <a:schemeClr val="lt1"/>
-            </a:fontRef>
-          </p:style>
-          <p:txBody>
-            <a:bodyPr rtlCol="0" anchor="ctr"/>
-            <a:lstStyle/>
-            <a:p>
-              <a:pPr algn="ctr"/>
-              <a:r>
-                <a:rPr lang="fr-FR" sz="600" dirty="0"/>
-                <a:t>PROC</a:t>
-              </a:r>
-            </a:p>
-          </p:txBody>
-        </p:sp>
-        <p:sp>
-          <p:nvSpPr>
-            <p:cNvPr id="81" name="Rectangle 80">
-              <a:extLst>
-                <a:ext uri="{FF2B5EF4-FFF2-40B4-BE49-F238E27FC236}">
-                  <a16:creationId xmlns:a16="http://schemas.microsoft.com/office/drawing/2014/main" id="{4028261F-73D0-BAF5-56FC-3633BA762D00}"/>
-                </a:ext>
-              </a:extLst>
-            </p:cNvPr>
-            <p:cNvSpPr/>
-            <p:nvPr/>
-          </p:nvSpPr>
-          <p:spPr>
-            <a:xfrm>
-              <a:off x="11741436" y="3961792"/>
-              <a:ext cx="360000" cy="252000"/>
-            </a:xfrm>
-            <a:prstGeom prst="rect">
-              <a:avLst/>
-            </a:prstGeom>
-          </p:spPr>
-          <p:style>
-            <a:lnRef idx="2">
-              <a:schemeClr val="accent5">
-                <a:shade val="15000"/>
-              </a:schemeClr>
-            </a:lnRef>
-            <a:fillRef idx="1">
-              <a:schemeClr val="accent5"/>
-            </a:fillRef>
-            <a:effectRef idx="0">
-              <a:schemeClr val="accent5"/>
-            </a:effectRef>
-            <a:fontRef idx="minor">
-              <a:schemeClr val="lt1"/>
-            </a:fontRef>
-          </p:style>
-          <p:txBody>
-            <a:bodyPr rtlCol="0" anchor="ctr"/>
-            <a:lstStyle/>
-            <a:p>
-              <a:pPr algn="ctr"/>
-              <a:r>
-                <a:rPr lang="fr-FR" sz="600" dirty="0"/>
-                <a:t>GOTO</a:t>
-              </a:r>
-            </a:p>
-          </p:txBody>
-        </p:sp>
-        <p:sp>
-          <p:nvSpPr>
-            <p:cNvPr id="82" name="Rectangle 81">
-              <a:extLst>
-                <a:ext uri="{FF2B5EF4-FFF2-40B4-BE49-F238E27FC236}">
-                  <a16:creationId xmlns:a16="http://schemas.microsoft.com/office/drawing/2014/main" id="{67D738CA-F5B3-E4E2-D87F-46EBDAF0880B}"/>
-                </a:ext>
-              </a:extLst>
-            </p:cNvPr>
-            <p:cNvSpPr/>
-            <p:nvPr/>
-          </p:nvSpPr>
-          <p:spPr>
-            <a:xfrm>
-              <a:off x="11741436" y="4422223"/>
-              <a:ext cx="360000" cy="252000"/>
-            </a:xfrm>
-            <a:prstGeom prst="rect">
-              <a:avLst/>
-            </a:prstGeom>
-          </p:spPr>
-          <p:style>
-            <a:lnRef idx="2">
-              <a:schemeClr val="accent5">
-                <a:shade val="15000"/>
-              </a:schemeClr>
-            </a:lnRef>
-            <a:fillRef idx="1">
-              <a:schemeClr val="accent5"/>
-            </a:fillRef>
-            <a:effectRef idx="0">
-              <a:schemeClr val="accent5"/>
-            </a:effectRef>
-            <a:fontRef idx="minor">
-              <a:schemeClr val="lt1"/>
-            </a:fontRef>
-          </p:style>
-          <p:txBody>
-            <a:bodyPr rtlCol="0" anchor="ctr"/>
-            <a:lstStyle/>
-            <a:p>
-              <a:pPr algn="ctr"/>
-              <a:r>
-                <a:rPr lang="fr-FR" sz="600" dirty="0"/>
-                <a:t>MENU</a:t>
-              </a:r>
-            </a:p>
-          </p:txBody>
-        </p:sp>
-        <p:sp>
-          <p:nvSpPr>
-            <p:cNvPr id="4" name="Ellipse 3">
-              <a:extLst>
-                <a:ext uri="{FF2B5EF4-FFF2-40B4-BE49-F238E27FC236}">
-                  <a16:creationId xmlns:a16="http://schemas.microsoft.com/office/drawing/2014/main" id="{72335A24-7C88-EAF0-0FCD-989715932086}"/>
-                </a:ext>
-              </a:extLst>
-            </p:cNvPr>
-            <p:cNvSpPr/>
-            <p:nvPr/>
-          </p:nvSpPr>
-          <p:spPr>
-            <a:xfrm>
-              <a:off x="14117997" y="4000653"/>
-              <a:ext cx="628650" cy="630000"/>
-            </a:xfrm>
-            <a:prstGeom prst="ellipse">
-              <a:avLst/>
-            </a:prstGeom>
-          </p:spPr>
-          <p:style>
-            <a:lnRef idx="2">
-              <a:schemeClr val="accent5">
-                <a:shade val="15000"/>
-              </a:schemeClr>
-            </a:lnRef>
-            <a:fillRef idx="1">
-              <a:schemeClr val="accent5"/>
-            </a:fillRef>
-            <a:effectRef idx="0">
-              <a:schemeClr val="accent5"/>
-            </a:effectRef>
-            <a:fontRef idx="minor">
-              <a:schemeClr val="lt1"/>
-            </a:fontRef>
-          </p:style>
-          <p:txBody>
-            <a:bodyPr rtlCol="0" anchor="ctr"/>
-            <a:lstStyle/>
-            <a:p>
-              <a:pPr algn="ctr"/>
-              <a:r>
-                <a:rPr lang="en-US" sz="600" dirty="0"/>
-                <a:t>RK</a:t>
-              </a:r>
-            </a:p>
-          </p:txBody>
-        </p:sp>
-        <p:cxnSp>
-          <p:nvCxnSpPr>
-            <p:cNvPr id="5" name="Connecteur droit 4">
-              <a:extLst>
-                <a:ext uri="{FF2B5EF4-FFF2-40B4-BE49-F238E27FC236}">
-                  <a16:creationId xmlns:a16="http://schemas.microsoft.com/office/drawing/2014/main" id="{02C6768E-5818-EB00-AD1B-EA3857F6C5E0}"/>
-                </a:ext>
-              </a:extLst>
-            </p:cNvPr>
-            <p:cNvCxnSpPr/>
-            <p:nvPr/>
-          </p:nvCxnSpPr>
-          <p:spPr>
-            <a:xfrm>
-              <a:off x="10275371" y="4000653"/>
-              <a:ext cx="0" cy="254625"/>
-            </a:xfrm>
-            <a:prstGeom prst="line">
-              <a:avLst/>
-            </a:prstGeom>
-            <a:ln w="57150"/>
-          </p:spPr>
-          <p:style>
-            <a:lnRef idx="2">
-              <a:schemeClr val="accent6"/>
-            </a:lnRef>
-            <a:fillRef idx="0">
-              <a:schemeClr val="accent6"/>
-            </a:fillRef>
-            <a:effectRef idx="1">
-              <a:schemeClr val="accent6"/>
-            </a:effectRef>
-            <a:fontRef idx="minor">
-              <a:schemeClr val="tx1"/>
-            </a:fontRef>
-          </p:style>
-        </p:cxnSp>
-        <p:cxnSp>
-          <p:nvCxnSpPr>
-            <p:cNvPr id="6" name="Connecteur droit 5">
-              <a:extLst>
-                <a:ext uri="{FF2B5EF4-FFF2-40B4-BE49-F238E27FC236}">
-                  <a16:creationId xmlns:a16="http://schemas.microsoft.com/office/drawing/2014/main" id="{A6D28C76-6CD1-FEFA-A5D9-0B3E43AACE09}"/>
-                </a:ext>
-              </a:extLst>
-            </p:cNvPr>
-            <p:cNvCxnSpPr/>
-            <p:nvPr/>
-          </p:nvCxnSpPr>
-          <p:spPr>
-            <a:xfrm>
-              <a:off x="10275371" y="4463709"/>
-              <a:ext cx="0" cy="254625"/>
-            </a:xfrm>
-            <a:prstGeom prst="line">
-              <a:avLst/>
-            </a:prstGeom>
-            <a:ln w="57150"/>
-          </p:spPr>
-          <p:style>
-            <a:lnRef idx="2">
-              <a:schemeClr val="accent6"/>
-            </a:lnRef>
-            <a:fillRef idx="0">
-              <a:schemeClr val="accent6"/>
-            </a:fillRef>
-            <a:effectRef idx="1">
-              <a:schemeClr val="accent6"/>
-            </a:effectRef>
-            <a:fontRef idx="minor">
-              <a:schemeClr val="tx1"/>
-            </a:fontRef>
-          </p:style>
-        </p:cxnSp>
-        <p:sp>
-          <p:nvSpPr>
-            <p:cNvPr id="7" name="Ellipse 6">
-              <a:extLst>
-                <a:ext uri="{FF2B5EF4-FFF2-40B4-BE49-F238E27FC236}">
-                  <a16:creationId xmlns:a16="http://schemas.microsoft.com/office/drawing/2014/main" id="{E771294D-3943-401E-3E6F-412C03DB6830}"/>
-                </a:ext>
-              </a:extLst>
-            </p:cNvPr>
-            <p:cNvSpPr/>
-            <p:nvPr/>
-          </p:nvSpPr>
-          <p:spPr>
-            <a:xfrm>
-              <a:off x="10566392" y="4023999"/>
-              <a:ext cx="628650" cy="630000"/>
-            </a:xfrm>
-            <a:prstGeom prst="ellipse">
-              <a:avLst/>
-            </a:prstGeom>
-          </p:spPr>
-          <p:style>
-            <a:lnRef idx="2">
-              <a:schemeClr val="accent5">
-                <a:shade val="15000"/>
-              </a:schemeClr>
-            </a:lnRef>
-            <a:fillRef idx="1">
-              <a:schemeClr val="accent5"/>
-            </a:fillRef>
-            <a:effectRef idx="0">
-              <a:schemeClr val="accent5"/>
-            </a:effectRef>
-            <a:fontRef idx="minor">
-              <a:schemeClr val="lt1"/>
-            </a:fontRef>
-          </p:style>
-          <p:txBody>
-            <a:bodyPr rtlCol="0" anchor="ctr"/>
-            <a:lstStyle/>
-            <a:p>
-              <a:pPr algn="ctr"/>
-              <a:r>
-                <a:rPr lang="en-US" sz="600" dirty="0"/>
-                <a:t>Pages</a:t>
-              </a:r>
             </a:p>
           </p:txBody>
         </p:sp>
@@ -12245,6 +11763,681 @@
           </a:p>
         </p:txBody>
       </p:sp>
+      <p:grpSp>
+        <p:nvGrpSpPr>
+          <p:cNvPr id="122" name="Groupe 121">
+            <a:extLst>
+              <a:ext uri="{FF2B5EF4-FFF2-40B4-BE49-F238E27FC236}">
+                <a16:creationId xmlns:a16="http://schemas.microsoft.com/office/drawing/2014/main" id="{C5889FC5-0FC8-AECC-7AB2-27EC56709A88}"/>
+              </a:ext>
+            </a:extLst>
+          </p:cNvPr>
+          <p:cNvGrpSpPr/>
+          <p:nvPr/>
+        </p:nvGrpSpPr>
+        <p:grpSpPr>
+          <a:xfrm>
+            <a:off x="9383807" y="3748851"/>
+            <a:ext cx="5724000" cy="1188000"/>
+            <a:chOff x="9232855" y="1863465"/>
+            <a:chExt cx="5724000" cy="1188000"/>
+          </a:xfrm>
+        </p:grpSpPr>
+        <p:sp>
+          <p:nvSpPr>
+            <p:cNvPr id="60" name="Rectangle 59">
+              <a:extLst>
+                <a:ext uri="{FF2B5EF4-FFF2-40B4-BE49-F238E27FC236}">
+                  <a16:creationId xmlns:a16="http://schemas.microsoft.com/office/drawing/2014/main" id="{FF1DC7E9-D532-5FBA-94F4-5A0BF794A6DA}"/>
+                </a:ext>
+              </a:extLst>
+            </p:cNvPr>
+            <p:cNvSpPr/>
+            <p:nvPr/>
+          </p:nvSpPr>
+          <p:spPr>
+            <a:xfrm>
+              <a:off x="9232855" y="1863465"/>
+              <a:ext cx="5724000" cy="1188000"/>
+            </a:xfrm>
+            <a:prstGeom prst="rect">
+              <a:avLst/>
+            </a:prstGeom>
+          </p:spPr>
+          <p:style>
+            <a:lnRef idx="2">
+              <a:schemeClr val="accent1">
+                <a:shade val="15000"/>
+              </a:schemeClr>
+            </a:lnRef>
+            <a:fillRef idx="1">
+              <a:schemeClr val="accent1"/>
+            </a:fillRef>
+            <a:effectRef idx="0">
+              <a:schemeClr val="accent1"/>
+            </a:effectRef>
+            <a:fontRef idx="minor">
+              <a:schemeClr val="lt1"/>
+            </a:fontRef>
+          </p:style>
+          <p:txBody>
+            <a:bodyPr rtlCol="0" anchor="ctr"/>
+            <a:lstStyle/>
+            <a:p>
+              <a:pPr algn="ctr"/>
+              <a:r>
+                <a:rPr lang="fr-FR" dirty="0"/>
+                <a:t>PDF/MFD multi</a:t>
+              </a:r>
+            </a:p>
+          </p:txBody>
+        </p:sp>
+        <p:sp>
+          <p:nvSpPr>
+            <p:cNvPr id="61" name="Rectangle 60">
+              <a:extLst>
+                <a:ext uri="{FF2B5EF4-FFF2-40B4-BE49-F238E27FC236}">
+                  <a16:creationId xmlns:a16="http://schemas.microsoft.com/office/drawing/2014/main" id="{4E82E41B-DADC-364D-860A-C69ADAEA136F}"/>
+                </a:ext>
+              </a:extLst>
+            </p:cNvPr>
+            <p:cNvSpPr/>
+            <p:nvPr/>
+          </p:nvSpPr>
+          <p:spPr>
+            <a:xfrm>
+              <a:off x="9781738" y="2123323"/>
+              <a:ext cx="360000" cy="252000"/>
+            </a:xfrm>
+            <a:prstGeom prst="rect">
+              <a:avLst/>
+            </a:prstGeom>
+          </p:spPr>
+          <p:style>
+            <a:lnRef idx="2">
+              <a:schemeClr val="accent5">
+                <a:shade val="15000"/>
+              </a:schemeClr>
+            </a:lnRef>
+            <a:fillRef idx="1">
+              <a:schemeClr val="accent5"/>
+            </a:fillRef>
+            <a:effectRef idx="0">
+              <a:schemeClr val="accent5"/>
+            </a:effectRef>
+            <a:fontRef idx="minor">
+              <a:schemeClr val="lt1"/>
+            </a:fontRef>
+          </p:style>
+          <p:txBody>
+            <a:bodyPr rtlCol="0" anchor="ctr"/>
+            <a:lstStyle/>
+            <a:p>
+              <a:pPr algn="ctr"/>
+              <a:r>
+                <a:rPr lang="fr-FR" sz="600" dirty="0"/>
+                <a:t>PFD</a:t>
+              </a:r>
+            </a:p>
+          </p:txBody>
+        </p:sp>
+        <p:sp>
+          <p:nvSpPr>
+            <p:cNvPr id="62" name="Rectangle 61">
+              <a:extLst>
+                <a:ext uri="{FF2B5EF4-FFF2-40B4-BE49-F238E27FC236}">
+                  <a16:creationId xmlns:a16="http://schemas.microsoft.com/office/drawing/2014/main" id="{B11B11E8-5849-61C2-6037-27E2F9C966A2}"/>
+                </a:ext>
+              </a:extLst>
+            </p:cNvPr>
+            <p:cNvSpPr/>
+            <p:nvPr/>
+          </p:nvSpPr>
+          <p:spPr>
+            <a:xfrm>
+              <a:off x="9781738" y="2583754"/>
+              <a:ext cx="360000" cy="252000"/>
+            </a:xfrm>
+            <a:prstGeom prst="rect">
+              <a:avLst/>
+            </a:prstGeom>
+          </p:spPr>
+          <p:style>
+            <a:lnRef idx="2">
+              <a:schemeClr val="accent5">
+                <a:shade val="15000"/>
+              </a:schemeClr>
+            </a:lnRef>
+            <a:fillRef idx="1">
+              <a:schemeClr val="accent5"/>
+            </a:fillRef>
+            <a:effectRef idx="0">
+              <a:schemeClr val="accent5"/>
+            </a:effectRef>
+            <a:fontRef idx="minor">
+              <a:schemeClr val="lt1"/>
+            </a:fontRef>
+          </p:style>
+          <p:txBody>
+            <a:bodyPr rtlCol="0" anchor="ctr"/>
+            <a:lstStyle/>
+            <a:p>
+              <a:pPr algn="ctr"/>
+              <a:r>
+                <a:rPr lang="fr-FR" sz="600" dirty="0"/>
+                <a:t>MFD</a:t>
+              </a:r>
+            </a:p>
+          </p:txBody>
+        </p:sp>
+        <p:sp>
+          <p:nvSpPr>
+            <p:cNvPr id="65" name="Rectangle 64">
+              <a:extLst>
+                <a:ext uri="{FF2B5EF4-FFF2-40B4-BE49-F238E27FC236}">
+                  <a16:creationId xmlns:a16="http://schemas.microsoft.com/office/drawing/2014/main" id="{F5210337-6EF7-E408-DBBB-7F15DC06EB01}"/>
+                </a:ext>
+              </a:extLst>
+            </p:cNvPr>
+            <p:cNvSpPr/>
+            <p:nvPr/>
+          </p:nvSpPr>
+          <p:spPr>
+            <a:xfrm>
+              <a:off x="13146272" y="2084144"/>
+              <a:ext cx="360000" cy="252000"/>
+            </a:xfrm>
+            <a:prstGeom prst="rect">
+              <a:avLst/>
+            </a:prstGeom>
+          </p:spPr>
+          <p:style>
+            <a:lnRef idx="2">
+              <a:schemeClr val="accent5">
+                <a:shade val="15000"/>
+              </a:schemeClr>
+            </a:lnRef>
+            <a:fillRef idx="1">
+              <a:schemeClr val="accent5"/>
+            </a:fillRef>
+            <a:effectRef idx="0">
+              <a:schemeClr val="accent5"/>
+            </a:effectRef>
+            <a:fontRef idx="minor">
+              <a:schemeClr val="lt1"/>
+            </a:fontRef>
+          </p:style>
+          <p:txBody>
+            <a:bodyPr rtlCol="0" anchor="ctr"/>
+            <a:lstStyle/>
+            <a:p>
+              <a:pPr algn="ctr"/>
+              <a:r>
+                <a:rPr lang="fr-FR" sz="600" dirty="0"/>
+                <a:t>CLR</a:t>
+              </a:r>
+            </a:p>
+          </p:txBody>
+        </p:sp>
+        <p:sp>
+          <p:nvSpPr>
+            <p:cNvPr id="66" name="Rectangle 65">
+              <a:extLst>
+                <a:ext uri="{FF2B5EF4-FFF2-40B4-BE49-F238E27FC236}">
+                  <a16:creationId xmlns:a16="http://schemas.microsoft.com/office/drawing/2014/main" id="{4750888D-C430-2F8D-CBF3-D4E6877D0AA1}"/>
+                </a:ext>
+              </a:extLst>
+            </p:cNvPr>
+            <p:cNvSpPr/>
+            <p:nvPr/>
+          </p:nvSpPr>
+          <p:spPr>
+            <a:xfrm>
+              <a:off x="13146272" y="2544575"/>
+              <a:ext cx="360000" cy="252000"/>
+            </a:xfrm>
+            <a:prstGeom prst="rect">
+              <a:avLst/>
+            </a:prstGeom>
+          </p:spPr>
+          <p:style>
+            <a:lnRef idx="2">
+              <a:schemeClr val="accent5">
+                <a:shade val="15000"/>
+              </a:schemeClr>
+            </a:lnRef>
+            <a:fillRef idx="1">
+              <a:schemeClr val="accent5"/>
+            </a:fillRef>
+            <a:effectRef idx="0">
+              <a:schemeClr val="accent5"/>
+            </a:effectRef>
+            <a:fontRef idx="minor">
+              <a:schemeClr val="lt1"/>
+            </a:fontRef>
+          </p:style>
+          <p:txBody>
+            <a:bodyPr rtlCol="0" anchor="ctr"/>
+            <a:lstStyle/>
+            <a:p>
+              <a:pPr algn="ctr"/>
+              <a:r>
+                <a:rPr lang="fr-FR" sz="600" dirty="0"/>
+                <a:t>ENTER</a:t>
+              </a:r>
+            </a:p>
+          </p:txBody>
+        </p:sp>
+        <p:sp>
+          <p:nvSpPr>
+            <p:cNvPr id="89" name="Rectangle 88">
+              <a:extLst>
+                <a:ext uri="{FF2B5EF4-FFF2-40B4-BE49-F238E27FC236}">
+                  <a16:creationId xmlns:a16="http://schemas.microsoft.com/office/drawing/2014/main" id="{0127C309-9F0D-065C-4FC5-1330310EB77D}"/>
+                </a:ext>
+              </a:extLst>
+            </p:cNvPr>
+            <p:cNvSpPr/>
+            <p:nvPr/>
+          </p:nvSpPr>
+          <p:spPr>
+            <a:xfrm>
+              <a:off x="12550351" y="2081837"/>
+              <a:ext cx="360000" cy="252000"/>
+            </a:xfrm>
+            <a:prstGeom prst="rect">
+              <a:avLst/>
+            </a:prstGeom>
+          </p:spPr>
+          <p:style>
+            <a:lnRef idx="2">
+              <a:schemeClr val="accent5">
+                <a:shade val="15000"/>
+              </a:schemeClr>
+            </a:lnRef>
+            <a:fillRef idx="1">
+              <a:schemeClr val="accent5"/>
+            </a:fillRef>
+            <a:effectRef idx="0">
+              <a:schemeClr val="accent5"/>
+            </a:effectRef>
+            <a:fontRef idx="minor">
+              <a:schemeClr val="lt1"/>
+            </a:fontRef>
+          </p:style>
+          <p:txBody>
+            <a:bodyPr rtlCol="0" anchor="ctr"/>
+            <a:lstStyle/>
+            <a:p>
+              <a:pPr algn="ctr"/>
+              <a:r>
+                <a:rPr lang="fr-FR" sz="600" dirty="0"/>
+                <a:t>FPL</a:t>
+              </a:r>
+            </a:p>
+          </p:txBody>
+        </p:sp>
+        <p:sp>
+          <p:nvSpPr>
+            <p:cNvPr id="90" name="Rectangle 89">
+              <a:extLst>
+                <a:ext uri="{FF2B5EF4-FFF2-40B4-BE49-F238E27FC236}">
+                  <a16:creationId xmlns:a16="http://schemas.microsoft.com/office/drawing/2014/main" id="{A7367640-1CEC-D729-DE9B-972A3A59B916}"/>
+                </a:ext>
+              </a:extLst>
+            </p:cNvPr>
+            <p:cNvSpPr/>
+            <p:nvPr/>
+          </p:nvSpPr>
+          <p:spPr>
+            <a:xfrm>
+              <a:off x="12550351" y="2542268"/>
+              <a:ext cx="360000" cy="252000"/>
+            </a:xfrm>
+            <a:prstGeom prst="rect">
+              <a:avLst/>
+            </a:prstGeom>
+          </p:spPr>
+          <p:style>
+            <a:lnRef idx="2">
+              <a:schemeClr val="accent5">
+                <a:shade val="15000"/>
+              </a:schemeClr>
+            </a:lnRef>
+            <a:fillRef idx="1">
+              <a:schemeClr val="accent5"/>
+            </a:fillRef>
+            <a:effectRef idx="0">
+              <a:schemeClr val="accent5"/>
+            </a:effectRef>
+            <a:fontRef idx="minor">
+              <a:schemeClr val="lt1"/>
+            </a:fontRef>
+          </p:style>
+          <p:txBody>
+            <a:bodyPr rtlCol="0" anchor="ctr"/>
+            <a:lstStyle/>
+            <a:p>
+              <a:pPr algn="ctr"/>
+              <a:r>
+                <a:rPr lang="fr-FR" sz="600" dirty="0"/>
+                <a:t>PROC</a:t>
+              </a:r>
+            </a:p>
+          </p:txBody>
+        </p:sp>
+        <p:sp>
+          <p:nvSpPr>
+            <p:cNvPr id="111" name="Rectangle 110">
+              <a:extLst>
+                <a:ext uri="{FF2B5EF4-FFF2-40B4-BE49-F238E27FC236}">
+                  <a16:creationId xmlns:a16="http://schemas.microsoft.com/office/drawing/2014/main" id="{B1538142-CE81-0DB2-CCFB-A8E837EA6E90}"/>
+                </a:ext>
+              </a:extLst>
+            </p:cNvPr>
+            <p:cNvSpPr/>
+            <p:nvPr/>
+          </p:nvSpPr>
+          <p:spPr>
+            <a:xfrm>
+              <a:off x="11966400" y="2081837"/>
+              <a:ext cx="360000" cy="252000"/>
+            </a:xfrm>
+            <a:prstGeom prst="rect">
+              <a:avLst/>
+            </a:prstGeom>
+          </p:spPr>
+          <p:style>
+            <a:lnRef idx="2">
+              <a:schemeClr val="accent5">
+                <a:shade val="15000"/>
+              </a:schemeClr>
+            </a:lnRef>
+            <a:fillRef idx="1">
+              <a:schemeClr val="accent5"/>
+            </a:fillRef>
+            <a:effectRef idx="0">
+              <a:schemeClr val="accent5"/>
+            </a:effectRef>
+            <a:fontRef idx="minor">
+              <a:schemeClr val="lt1"/>
+            </a:fontRef>
+          </p:style>
+          <p:txBody>
+            <a:bodyPr rtlCol="0" anchor="ctr"/>
+            <a:lstStyle/>
+            <a:p>
+              <a:pPr algn="ctr"/>
+              <a:r>
+                <a:rPr lang="fr-FR" sz="600" dirty="0"/>
+                <a:t>GOTO</a:t>
+              </a:r>
+            </a:p>
+          </p:txBody>
+        </p:sp>
+        <p:sp>
+          <p:nvSpPr>
+            <p:cNvPr id="115" name="Rectangle 114">
+              <a:extLst>
+                <a:ext uri="{FF2B5EF4-FFF2-40B4-BE49-F238E27FC236}">
+                  <a16:creationId xmlns:a16="http://schemas.microsoft.com/office/drawing/2014/main" id="{404D8712-9DBE-0CE8-F11C-E76F25410EFF}"/>
+                </a:ext>
+              </a:extLst>
+            </p:cNvPr>
+            <p:cNvSpPr/>
+            <p:nvPr/>
+          </p:nvSpPr>
+          <p:spPr>
+            <a:xfrm>
+              <a:off x="11966400" y="2542268"/>
+              <a:ext cx="360000" cy="252000"/>
+            </a:xfrm>
+            <a:prstGeom prst="rect">
+              <a:avLst/>
+            </a:prstGeom>
+          </p:spPr>
+          <p:style>
+            <a:lnRef idx="2">
+              <a:schemeClr val="accent5">
+                <a:shade val="15000"/>
+              </a:schemeClr>
+            </a:lnRef>
+            <a:fillRef idx="1">
+              <a:schemeClr val="accent5"/>
+            </a:fillRef>
+            <a:effectRef idx="0">
+              <a:schemeClr val="accent5"/>
+            </a:effectRef>
+            <a:fontRef idx="minor">
+              <a:schemeClr val="lt1"/>
+            </a:fontRef>
+          </p:style>
+          <p:txBody>
+            <a:bodyPr rtlCol="0" anchor="ctr"/>
+            <a:lstStyle/>
+            <a:p>
+              <a:pPr algn="ctr"/>
+              <a:r>
+                <a:rPr lang="fr-FR" sz="600" dirty="0"/>
+                <a:t>MENU</a:t>
+              </a:r>
+            </a:p>
+          </p:txBody>
+        </p:sp>
+        <p:sp>
+          <p:nvSpPr>
+            <p:cNvPr id="117" name="Ellipse 116">
+              <a:extLst>
+                <a:ext uri="{FF2B5EF4-FFF2-40B4-BE49-F238E27FC236}">
+                  <a16:creationId xmlns:a16="http://schemas.microsoft.com/office/drawing/2014/main" id="{3BD345E9-0F74-F03C-9F66-E46F3CA141FD}"/>
+                </a:ext>
+              </a:extLst>
+            </p:cNvPr>
+            <p:cNvSpPr/>
+            <p:nvPr/>
+          </p:nvSpPr>
+          <p:spPr>
+            <a:xfrm>
+              <a:off x="13766690" y="2120698"/>
+              <a:ext cx="628650" cy="630000"/>
+            </a:xfrm>
+            <a:prstGeom prst="ellipse">
+              <a:avLst/>
+            </a:prstGeom>
+          </p:spPr>
+          <p:style>
+            <a:lnRef idx="2">
+              <a:schemeClr val="accent5">
+                <a:shade val="15000"/>
+              </a:schemeClr>
+            </a:lnRef>
+            <a:fillRef idx="1">
+              <a:schemeClr val="accent5"/>
+            </a:fillRef>
+            <a:effectRef idx="0">
+              <a:schemeClr val="accent5"/>
+            </a:effectRef>
+            <a:fontRef idx="minor">
+              <a:schemeClr val="lt1"/>
+            </a:fontRef>
+          </p:style>
+          <p:txBody>
+            <a:bodyPr rtlCol="0" anchor="ctr"/>
+            <a:lstStyle/>
+            <a:p>
+              <a:pPr algn="ctr"/>
+              <a:r>
+                <a:rPr lang="en-US" sz="600" dirty="0"/>
+                <a:t>RK</a:t>
+              </a:r>
+            </a:p>
+          </p:txBody>
+        </p:sp>
+        <p:cxnSp>
+          <p:nvCxnSpPr>
+            <p:cNvPr id="118" name="Connecteur droit 117">
+              <a:extLst>
+                <a:ext uri="{FF2B5EF4-FFF2-40B4-BE49-F238E27FC236}">
+                  <a16:creationId xmlns:a16="http://schemas.microsoft.com/office/drawing/2014/main" id="{4B5DCBFE-87F6-B358-DEF6-C5A1E05AB762}"/>
+                </a:ext>
+              </a:extLst>
+            </p:cNvPr>
+            <p:cNvCxnSpPr/>
+            <p:nvPr/>
+          </p:nvCxnSpPr>
+          <p:spPr>
+            <a:xfrm>
+              <a:off x="10238395" y="2120698"/>
+              <a:ext cx="0" cy="254625"/>
+            </a:xfrm>
+            <a:prstGeom prst="line">
+              <a:avLst/>
+            </a:prstGeom>
+            <a:ln w="57150"/>
+          </p:spPr>
+          <p:style>
+            <a:lnRef idx="2">
+              <a:schemeClr val="accent6"/>
+            </a:lnRef>
+            <a:fillRef idx="0">
+              <a:schemeClr val="accent6"/>
+            </a:fillRef>
+            <a:effectRef idx="1">
+              <a:schemeClr val="accent6"/>
+            </a:effectRef>
+            <a:fontRef idx="minor">
+              <a:schemeClr val="tx1"/>
+            </a:fontRef>
+          </p:style>
+        </p:cxnSp>
+        <p:cxnSp>
+          <p:nvCxnSpPr>
+            <p:cNvPr id="119" name="Connecteur droit 118">
+              <a:extLst>
+                <a:ext uri="{FF2B5EF4-FFF2-40B4-BE49-F238E27FC236}">
+                  <a16:creationId xmlns:a16="http://schemas.microsoft.com/office/drawing/2014/main" id="{63885AB2-115B-B71B-1685-1779BB47604B}"/>
+                </a:ext>
+              </a:extLst>
+            </p:cNvPr>
+            <p:cNvCxnSpPr/>
+            <p:nvPr/>
+          </p:nvCxnSpPr>
+          <p:spPr>
+            <a:xfrm>
+              <a:off x="10238395" y="2583754"/>
+              <a:ext cx="0" cy="254625"/>
+            </a:xfrm>
+            <a:prstGeom prst="line">
+              <a:avLst/>
+            </a:prstGeom>
+            <a:ln w="57150"/>
+          </p:spPr>
+          <p:style>
+            <a:lnRef idx="2">
+              <a:schemeClr val="accent6"/>
+            </a:lnRef>
+            <a:fillRef idx="0">
+              <a:schemeClr val="accent6"/>
+            </a:fillRef>
+            <a:effectRef idx="1">
+              <a:schemeClr val="accent6"/>
+            </a:effectRef>
+            <a:fontRef idx="minor">
+              <a:schemeClr val="tx1"/>
+            </a:fontRef>
+          </p:style>
+        </p:cxnSp>
+        <p:sp>
+          <p:nvSpPr>
+            <p:cNvPr id="120" name="Ellipse 119">
+              <a:extLst>
+                <a:ext uri="{FF2B5EF4-FFF2-40B4-BE49-F238E27FC236}">
+                  <a16:creationId xmlns:a16="http://schemas.microsoft.com/office/drawing/2014/main" id="{D29D70A0-6C7C-E501-168D-098ED84B52E0}"/>
+                </a:ext>
+              </a:extLst>
+            </p:cNvPr>
+            <p:cNvSpPr/>
+            <p:nvPr/>
+          </p:nvSpPr>
+          <p:spPr>
+            <a:xfrm>
+              <a:off x="10815171" y="2144044"/>
+              <a:ext cx="628650" cy="630000"/>
+            </a:xfrm>
+            <a:prstGeom prst="ellipse">
+              <a:avLst/>
+            </a:prstGeom>
+          </p:spPr>
+          <p:style>
+            <a:lnRef idx="2">
+              <a:schemeClr val="accent5">
+                <a:shade val="15000"/>
+              </a:schemeClr>
+            </a:lnRef>
+            <a:fillRef idx="1">
+              <a:schemeClr val="accent5"/>
+            </a:fillRef>
+            <a:effectRef idx="0">
+              <a:schemeClr val="accent5"/>
+            </a:effectRef>
+            <a:fontRef idx="minor">
+              <a:schemeClr val="lt1"/>
+            </a:fontRef>
+          </p:style>
+          <p:txBody>
+            <a:bodyPr rtlCol="0" anchor="ctr"/>
+            <a:lstStyle/>
+            <a:p>
+              <a:pPr algn="ctr"/>
+              <a:r>
+                <a:rPr lang="en-US" sz="600" dirty="0"/>
+                <a:t>Pages</a:t>
+              </a:r>
+            </a:p>
+          </p:txBody>
+        </p:sp>
+      </p:grpSp>
+      <p:pic>
+        <p:nvPicPr>
+          <p:cNvPr id="126" name="Image 125">
+            <a:extLst>
+              <a:ext uri="{FF2B5EF4-FFF2-40B4-BE49-F238E27FC236}">
+                <a16:creationId xmlns:a16="http://schemas.microsoft.com/office/drawing/2014/main" id="{127D42B6-8F10-7F75-F6AB-E5090E3DCB81}"/>
+              </a:ext>
+            </a:extLst>
+          </p:cNvPr>
+          <p:cNvPicPr>
+            <a:picLocks noChangeAspect="1"/>
+          </p:cNvPicPr>
+          <p:nvPr/>
+        </p:nvPicPr>
+        <p:blipFill>
+          <a:blip r:embed="rId2">
+            <a:clrChange>
+              <a:clrFrom>
+                <a:srgbClr val="000000"/>
+              </a:clrFrom>
+              <a:clrTo>
+                <a:srgbClr val="000000">
+                  <a:alpha val="0"/>
+                </a:srgbClr>
+              </a:clrTo>
+            </a:clrChange>
+          </a:blip>
+          <a:stretch>
+            <a:fillRect/>
+          </a:stretch>
+        </p:blipFill>
+        <p:spPr>
+          <a:xfrm>
+            <a:off x="9480550" y="7668157"/>
+            <a:ext cx="5477748" cy="2672072"/>
+          </a:xfrm>
+          <a:prstGeom prst="rect">
+            <a:avLst/>
+          </a:prstGeom>
+        </p:spPr>
+      </p:pic>
     </p:spTree>
     <p:extLst>
       <p:ext uri="{BB962C8B-B14F-4D97-AF65-F5344CB8AC3E}">

--- a/Cockpit compact.pptx
+++ b/Cockpit compact.pptx
@@ -10,6 +10,7 @@
     <p:sldId id="258" r:id="rId4"/>
     <p:sldId id="260" r:id="rId5"/>
     <p:sldId id="257" r:id="rId6"/>
+    <p:sldId id="261" r:id="rId7"/>
   </p:sldIdLst>
   <p:sldSz cx="18961100" cy="16402050"/>
   <p:notesSz cx="6858000" cy="9144000"/>
@@ -3192,7 +3193,7 @@
           <a:p>
             <a:fld id="{318ABD3C-8DDC-4AEA-8392-893C5346DA59}" type="datetimeFigureOut">
               <a:rPr lang="fr-FR" smtClean="0"/>
-              <a:t>22/10/2024</a:t>
+              <a:t>03/03/2025</a:t>
             </a:fld>
             <a:endParaRPr lang="fr-FR"/>
           </a:p>
@@ -3362,7 +3363,7 @@
           <a:p>
             <a:fld id="{318ABD3C-8DDC-4AEA-8392-893C5346DA59}" type="datetimeFigureOut">
               <a:rPr lang="fr-FR" smtClean="0"/>
-              <a:t>22/10/2024</a:t>
+              <a:t>03/03/2025</a:t>
             </a:fld>
             <a:endParaRPr lang="fr-FR"/>
           </a:p>
@@ -3542,7 +3543,7 @@
           <a:p>
             <a:fld id="{318ABD3C-8DDC-4AEA-8392-893C5346DA59}" type="datetimeFigureOut">
               <a:rPr lang="fr-FR" smtClean="0"/>
-              <a:t>22/10/2024</a:t>
+              <a:t>03/03/2025</a:t>
             </a:fld>
             <a:endParaRPr lang="fr-FR"/>
           </a:p>
@@ -3712,7 +3713,7 @@
           <a:p>
             <a:fld id="{318ABD3C-8DDC-4AEA-8392-893C5346DA59}" type="datetimeFigureOut">
               <a:rPr lang="fr-FR" smtClean="0"/>
-              <a:t>22/10/2024</a:t>
+              <a:t>03/03/2025</a:t>
             </a:fld>
             <a:endParaRPr lang="fr-FR"/>
           </a:p>
@@ -3958,7 +3959,7 @@
           <a:p>
             <a:fld id="{318ABD3C-8DDC-4AEA-8392-893C5346DA59}" type="datetimeFigureOut">
               <a:rPr lang="fr-FR" smtClean="0"/>
-              <a:t>22/10/2024</a:t>
+              <a:t>03/03/2025</a:t>
             </a:fld>
             <a:endParaRPr lang="fr-FR"/>
           </a:p>
@@ -4190,7 +4191,7 @@
           <a:p>
             <a:fld id="{318ABD3C-8DDC-4AEA-8392-893C5346DA59}" type="datetimeFigureOut">
               <a:rPr lang="fr-FR" smtClean="0"/>
-              <a:t>22/10/2024</a:t>
+              <a:t>03/03/2025</a:t>
             </a:fld>
             <a:endParaRPr lang="fr-FR"/>
           </a:p>
@@ -4557,7 +4558,7 @@
           <a:p>
             <a:fld id="{318ABD3C-8DDC-4AEA-8392-893C5346DA59}" type="datetimeFigureOut">
               <a:rPr lang="fr-FR" smtClean="0"/>
-              <a:t>22/10/2024</a:t>
+              <a:t>03/03/2025</a:t>
             </a:fld>
             <a:endParaRPr lang="fr-FR"/>
           </a:p>
@@ -4675,7 +4676,7 @@
           <a:p>
             <a:fld id="{318ABD3C-8DDC-4AEA-8392-893C5346DA59}" type="datetimeFigureOut">
               <a:rPr lang="fr-FR" smtClean="0"/>
-              <a:t>22/10/2024</a:t>
+              <a:t>03/03/2025</a:t>
             </a:fld>
             <a:endParaRPr lang="fr-FR"/>
           </a:p>
@@ -4770,7 +4771,7 @@
           <a:p>
             <a:fld id="{318ABD3C-8DDC-4AEA-8392-893C5346DA59}" type="datetimeFigureOut">
               <a:rPr lang="fr-FR" smtClean="0"/>
-              <a:t>22/10/2024</a:t>
+              <a:t>03/03/2025</a:t>
             </a:fld>
             <a:endParaRPr lang="fr-FR"/>
           </a:p>
@@ -5047,7 +5048,7 @@
           <a:p>
             <a:fld id="{318ABD3C-8DDC-4AEA-8392-893C5346DA59}" type="datetimeFigureOut">
               <a:rPr lang="fr-FR" smtClean="0"/>
-              <a:t>22/10/2024</a:t>
+              <a:t>03/03/2025</a:t>
             </a:fld>
             <a:endParaRPr lang="fr-FR"/>
           </a:p>
@@ -5304,7 +5305,7 @@
           <a:p>
             <a:fld id="{318ABD3C-8DDC-4AEA-8392-893C5346DA59}" type="datetimeFigureOut">
               <a:rPr lang="fr-FR" smtClean="0"/>
-              <a:t>22/10/2024</a:t>
+              <a:t>03/03/2025</a:t>
             </a:fld>
             <a:endParaRPr lang="fr-FR"/>
           </a:p>
@@ -5517,7 +5518,7 @@
           <a:p>
             <a:fld id="{318ABD3C-8DDC-4AEA-8392-893C5346DA59}" type="datetimeFigureOut">
               <a:rPr lang="fr-FR" smtClean="0"/>
-              <a:t>22/10/2024</a:t>
+              <a:t>03/03/2025</a:t>
             </a:fld>
             <a:endParaRPr lang="fr-FR"/>
           </a:p>
@@ -12438,6 +12439,5404 @@
           </a:prstGeom>
         </p:spPr>
       </p:pic>
+      <p:sp>
+        <p:nvSpPr>
+          <p:cNvPr id="2" name="Rectangle 1">
+            <a:extLst>
+              <a:ext uri="{FF2B5EF4-FFF2-40B4-BE49-F238E27FC236}">
+                <a16:creationId xmlns:a16="http://schemas.microsoft.com/office/drawing/2014/main" id="{F5AC6E2D-484C-029E-7FAE-51EC02152E92}"/>
+              </a:ext>
+            </a:extLst>
+          </p:cNvPr>
+          <p:cNvSpPr/>
+          <p:nvPr/>
+        </p:nvSpPr>
+        <p:spPr>
+          <a:xfrm>
+            <a:off x="806604" y="3336392"/>
+            <a:ext cx="6410745" cy="7781551"/>
+          </a:xfrm>
+          <a:prstGeom prst="rect">
+            <a:avLst/>
+          </a:prstGeom>
+        </p:spPr>
+        <p:style>
+          <a:lnRef idx="2">
+            <a:schemeClr val="accent4">
+              <a:shade val="15000"/>
+            </a:schemeClr>
+          </a:lnRef>
+          <a:fillRef idx="1">
+            <a:schemeClr val="accent4"/>
+          </a:fillRef>
+          <a:effectRef idx="0">
+            <a:schemeClr val="accent4"/>
+          </a:effectRef>
+          <a:fontRef idx="minor">
+            <a:schemeClr val="lt1"/>
+          </a:fontRef>
+        </p:style>
+        <p:txBody>
+          <a:bodyPr rtlCol="0" anchor="ctr"/>
+          <a:lstStyle/>
+          <a:p>
+            <a:pPr algn="ctr"/>
+            <a:endParaRPr lang="fr-FR"/>
+          </a:p>
+        </p:txBody>
+      </p:sp>
+      <p:sp>
+        <p:nvSpPr>
+          <p:cNvPr id="4" name="Rectangle 3">
+            <a:extLst>
+              <a:ext uri="{FF2B5EF4-FFF2-40B4-BE49-F238E27FC236}">
+                <a16:creationId xmlns:a16="http://schemas.microsoft.com/office/drawing/2014/main" id="{9381C4BF-2F96-97E5-E92D-8D6A4F51ABA3}"/>
+              </a:ext>
+            </a:extLst>
+          </p:cNvPr>
+          <p:cNvSpPr/>
+          <p:nvPr/>
+        </p:nvSpPr>
+        <p:spPr>
+          <a:xfrm>
+            <a:off x="4114889" y="6592177"/>
+            <a:ext cx="360000" cy="252000"/>
+          </a:xfrm>
+          <a:prstGeom prst="rect">
+            <a:avLst/>
+          </a:prstGeom>
+        </p:spPr>
+        <p:style>
+          <a:lnRef idx="2">
+            <a:schemeClr val="accent5">
+              <a:shade val="15000"/>
+            </a:schemeClr>
+          </a:lnRef>
+          <a:fillRef idx="1">
+            <a:schemeClr val="accent5"/>
+          </a:fillRef>
+          <a:effectRef idx="0">
+            <a:schemeClr val="accent5"/>
+          </a:effectRef>
+          <a:fontRef idx="minor">
+            <a:schemeClr val="lt1"/>
+          </a:fontRef>
+        </p:style>
+        <p:txBody>
+          <a:bodyPr rtlCol="0" anchor="ctr"/>
+          <a:lstStyle/>
+          <a:p>
+            <a:pPr algn="ctr"/>
+            <a:r>
+              <a:rPr lang="fr-FR" sz="600" dirty="0"/>
+              <a:t>COM3</a:t>
+            </a:r>
+          </a:p>
+        </p:txBody>
+      </p:sp>
+      <p:sp>
+        <p:nvSpPr>
+          <p:cNvPr id="5" name="Rectangle 4">
+            <a:extLst>
+              <a:ext uri="{FF2B5EF4-FFF2-40B4-BE49-F238E27FC236}">
+                <a16:creationId xmlns:a16="http://schemas.microsoft.com/office/drawing/2014/main" id="{DB3BB533-9295-96F8-072D-74F8D8BB69DA}"/>
+              </a:ext>
+            </a:extLst>
+          </p:cNvPr>
+          <p:cNvSpPr/>
+          <p:nvPr/>
+        </p:nvSpPr>
+        <p:spPr>
+          <a:xfrm>
+            <a:off x="4114889" y="7052608"/>
+            <a:ext cx="360000" cy="252000"/>
+          </a:xfrm>
+          <a:prstGeom prst="rect">
+            <a:avLst/>
+          </a:prstGeom>
+        </p:spPr>
+        <p:style>
+          <a:lnRef idx="2">
+            <a:schemeClr val="accent5">
+              <a:shade val="15000"/>
+            </a:schemeClr>
+          </a:lnRef>
+          <a:fillRef idx="1">
+            <a:schemeClr val="accent5"/>
+          </a:fillRef>
+          <a:effectRef idx="0">
+            <a:schemeClr val="accent5"/>
+          </a:effectRef>
+          <a:fontRef idx="minor">
+            <a:schemeClr val="lt1"/>
+          </a:fontRef>
+        </p:style>
+        <p:txBody>
+          <a:bodyPr rtlCol="0" anchor="ctr"/>
+          <a:lstStyle/>
+          <a:p>
+            <a:pPr algn="ctr"/>
+            <a:r>
+              <a:rPr lang="fr-FR" sz="600" dirty="0"/>
+              <a:t>MIC3</a:t>
+            </a:r>
+          </a:p>
+        </p:txBody>
+      </p:sp>
+      <p:sp>
+        <p:nvSpPr>
+          <p:cNvPr id="6" name="Rectangle 5">
+            <a:extLst>
+              <a:ext uri="{FF2B5EF4-FFF2-40B4-BE49-F238E27FC236}">
+                <a16:creationId xmlns:a16="http://schemas.microsoft.com/office/drawing/2014/main" id="{3FDA6416-36BA-0A2A-D2EF-B46878F88201}"/>
+              </a:ext>
+            </a:extLst>
+          </p:cNvPr>
+          <p:cNvSpPr/>
+          <p:nvPr/>
+        </p:nvSpPr>
+        <p:spPr>
+          <a:xfrm>
+            <a:off x="3328454" y="6589870"/>
+            <a:ext cx="360000" cy="252000"/>
+          </a:xfrm>
+          <a:prstGeom prst="rect">
+            <a:avLst/>
+          </a:prstGeom>
+        </p:spPr>
+        <p:style>
+          <a:lnRef idx="2">
+            <a:schemeClr val="accent5">
+              <a:shade val="15000"/>
+            </a:schemeClr>
+          </a:lnRef>
+          <a:fillRef idx="1">
+            <a:schemeClr val="accent5"/>
+          </a:fillRef>
+          <a:effectRef idx="0">
+            <a:schemeClr val="accent5"/>
+          </a:effectRef>
+          <a:fontRef idx="minor">
+            <a:schemeClr val="lt1"/>
+          </a:fontRef>
+        </p:style>
+        <p:txBody>
+          <a:bodyPr rtlCol="0" anchor="ctr"/>
+          <a:lstStyle/>
+          <a:p>
+            <a:pPr algn="ctr"/>
+            <a:r>
+              <a:rPr lang="fr-FR" sz="600" dirty="0"/>
+              <a:t>COM2</a:t>
+            </a:r>
+          </a:p>
+        </p:txBody>
+      </p:sp>
+      <p:sp>
+        <p:nvSpPr>
+          <p:cNvPr id="7" name="Rectangle 6">
+            <a:extLst>
+              <a:ext uri="{FF2B5EF4-FFF2-40B4-BE49-F238E27FC236}">
+                <a16:creationId xmlns:a16="http://schemas.microsoft.com/office/drawing/2014/main" id="{E2D36B48-6437-FA75-E5B4-60D12C8D699D}"/>
+              </a:ext>
+            </a:extLst>
+          </p:cNvPr>
+          <p:cNvSpPr/>
+          <p:nvPr/>
+        </p:nvSpPr>
+        <p:spPr>
+          <a:xfrm>
+            <a:off x="3328454" y="7050301"/>
+            <a:ext cx="360000" cy="252000"/>
+          </a:xfrm>
+          <a:prstGeom prst="rect">
+            <a:avLst/>
+          </a:prstGeom>
+        </p:spPr>
+        <p:style>
+          <a:lnRef idx="2">
+            <a:schemeClr val="accent5">
+              <a:shade val="15000"/>
+            </a:schemeClr>
+          </a:lnRef>
+          <a:fillRef idx="1">
+            <a:schemeClr val="accent5"/>
+          </a:fillRef>
+          <a:effectRef idx="0">
+            <a:schemeClr val="accent5"/>
+          </a:effectRef>
+          <a:fontRef idx="minor">
+            <a:schemeClr val="lt1"/>
+          </a:fontRef>
+        </p:style>
+        <p:txBody>
+          <a:bodyPr rtlCol="0" anchor="ctr"/>
+          <a:lstStyle/>
+          <a:p>
+            <a:pPr algn="ctr"/>
+            <a:r>
+              <a:rPr lang="fr-FR" sz="600" dirty="0"/>
+              <a:t>MIC2</a:t>
+            </a:r>
+          </a:p>
+        </p:txBody>
+      </p:sp>
+      <p:sp>
+        <p:nvSpPr>
+          <p:cNvPr id="26" name="Rectangle 25">
+            <a:extLst>
+              <a:ext uri="{FF2B5EF4-FFF2-40B4-BE49-F238E27FC236}">
+                <a16:creationId xmlns:a16="http://schemas.microsoft.com/office/drawing/2014/main" id="{0AFAD008-BC8A-9620-6F91-C322922C310C}"/>
+              </a:ext>
+            </a:extLst>
+          </p:cNvPr>
+          <p:cNvSpPr/>
+          <p:nvPr/>
+        </p:nvSpPr>
+        <p:spPr>
+          <a:xfrm>
+            <a:off x="2558776" y="6589870"/>
+            <a:ext cx="360000" cy="252000"/>
+          </a:xfrm>
+          <a:prstGeom prst="rect">
+            <a:avLst/>
+          </a:prstGeom>
+        </p:spPr>
+        <p:style>
+          <a:lnRef idx="2">
+            <a:schemeClr val="accent5">
+              <a:shade val="15000"/>
+            </a:schemeClr>
+          </a:lnRef>
+          <a:fillRef idx="1">
+            <a:schemeClr val="accent5"/>
+          </a:fillRef>
+          <a:effectRef idx="0">
+            <a:schemeClr val="accent5"/>
+          </a:effectRef>
+          <a:fontRef idx="minor">
+            <a:schemeClr val="lt1"/>
+          </a:fontRef>
+        </p:style>
+        <p:txBody>
+          <a:bodyPr rtlCol="0" anchor="ctr"/>
+          <a:lstStyle/>
+          <a:p>
+            <a:pPr algn="ctr"/>
+            <a:r>
+              <a:rPr lang="fr-FR" sz="600" dirty="0"/>
+              <a:t>COM1</a:t>
+            </a:r>
+          </a:p>
+        </p:txBody>
+      </p:sp>
+      <p:sp>
+        <p:nvSpPr>
+          <p:cNvPr id="42" name="Rectangle 41">
+            <a:extLst>
+              <a:ext uri="{FF2B5EF4-FFF2-40B4-BE49-F238E27FC236}">
+                <a16:creationId xmlns:a16="http://schemas.microsoft.com/office/drawing/2014/main" id="{6A79EA59-A2F9-C287-0C3C-C124A1CC7EE4}"/>
+              </a:ext>
+            </a:extLst>
+          </p:cNvPr>
+          <p:cNvSpPr/>
+          <p:nvPr/>
+        </p:nvSpPr>
+        <p:spPr>
+          <a:xfrm>
+            <a:off x="2558776" y="7050301"/>
+            <a:ext cx="360000" cy="252000"/>
+          </a:xfrm>
+          <a:prstGeom prst="rect">
+            <a:avLst/>
+          </a:prstGeom>
+        </p:spPr>
+        <p:style>
+          <a:lnRef idx="2">
+            <a:schemeClr val="accent5">
+              <a:shade val="15000"/>
+            </a:schemeClr>
+          </a:lnRef>
+          <a:fillRef idx="1">
+            <a:schemeClr val="accent5"/>
+          </a:fillRef>
+          <a:effectRef idx="0">
+            <a:schemeClr val="accent5"/>
+          </a:effectRef>
+          <a:fontRef idx="minor">
+            <a:schemeClr val="lt1"/>
+          </a:fontRef>
+        </p:style>
+        <p:txBody>
+          <a:bodyPr rtlCol="0" anchor="ctr"/>
+          <a:lstStyle/>
+          <a:p>
+            <a:pPr algn="ctr"/>
+            <a:r>
+              <a:rPr lang="fr-FR" sz="600" dirty="0"/>
+              <a:t>MIC1</a:t>
+            </a:r>
+          </a:p>
+        </p:txBody>
+      </p:sp>
+      <p:sp>
+        <p:nvSpPr>
+          <p:cNvPr id="44" name="Rectangle 43">
+            <a:extLst>
+              <a:ext uri="{FF2B5EF4-FFF2-40B4-BE49-F238E27FC236}">
+                <a16:creationId xmlns:a16="http://schemas.microsoft.com/office/drawing/2014/main" id="{901768B3-2866-BC19-23D4-D5DE9C89DF5C}"/>
+              </a:ext>
+            </a:extLst>
+          </p:cNvPr>
+          <p:cNvSpPr/>
+          <p:nvPr/>
+        </p:nvSpPr>
+        <p:spPr>
+          <a:xfrm>
+            <a:off x="1959956" y="6580633"/>
+            <a:ext cx="360000" cy="252000"/>
+          </a:xfrm>
+          <a:prstGeom prst="rect">
+            <a:avLst/>
+          </a:prstGeom>
+        </p:spPr>
+        <p:style>
+          <a:lnRef idx="2">
+            <a:schemeClr val="accent5">
+              <a:shade val="15000"/>
+            </a:schemeClr>
+          </a:lnRef>
+          <a:fillRef idx="1">
+            <a:schemeClr val="accent5"/>
+          </a:fillRef>
+          <a:effectRef idx="0">
+            <a:schemeClr val="accent5"/>
+          </a:effectRef>
+          <a:fontRef idx="minor">
+            <a:schemeClr val="lt1"/>
+          </a:fontRef>
+        </p:style>
+        <p:txBody>
+          <a:bodyPr rtlCol="0" anchor="ctr"/>
+          <a:lstStyle/>
+          <a:p>
+            <a:pPr algn="ctr"/>
+            <a:r>
+              <a:rPr lang="fr-FR" sz="600" dirty="0"/>
+              <a:t>MRKR MUTE</a:t>
+            </a:r>
+          </a:p>
+        </p:txBody>
+      </p:sp>
+      <p:sp>
+        <p:nvSpPr>
+          <p:cNvPr id="75" name="Rectangle 74">
+            <a:extLst>
+              <a:ext uri="{FF2B5EF4-FFF2-40B4-BE49-F238E27FC236}">
+                <a16:creationId xmlns:a16="http://schemas.microsoft.com/office/drawing/2014/main" id="{154FC165-60A9-A215-4AAC-47926A53B762}"/>
+              </a:ext>
+            </a:extLst>
+          </p:cNvPr>
+          <p:cNvSpPr/>
+          <p:nvPr/>
+        </p:nvSpPr>
+        <p:spPr>
+          <a:xfrm>
+            <a:off x="1959956" y="7041064"/>
+            <a:ext cx="360000" cy="252000"/>
+          </a:xfrm>
+          <a:prstGeom prst="rect">
+            <a:avLst/>
+          </a:prstGeom>
+        </p:spPr>
+        <p:style>
+          <a:lnRef idx="2">
+            <a:schemeClr val="accent5">
+              <a:shade val="15000"/>
+            </a:schemeClr>
+          </a:lnRef>
+          <a:fillRef idx="1">
+            <a:schemeClr val="accent5"/>
+          </a:fillRef>
+          <a:effectRef idx="0">
+            <a:schemeClr val="accent5"/>
+          </a:effectRef>
+          <a:fontRef idx="minor">
+            <a:schemeClr val="lt1"/>
+          </a:fontRef>
+        </p:style>
+        <p:txBody>
+          <a:bodyPr rtlCol="0" anchor="ctr"/>
+          <a:lstStyle/>
+          <a:p>
+            <a:pPr algn="ctr"/>
+            <a:r>
+              <a:rPr lang="fr-FR" sz="600" dirty="0"/>
+              <a:t>SENS</a:t>
+            </a:r>
+          </a:p>
+        </p:txBody>
+      </p:sp>
+      <p:sp>
+        <p:nvSpPr>
+          <p:cNvPr id="76" name="Rectangle 75">
+            <a:extLst>
+              <a:ext uri="{FF2B5EF4-FFF2-40B4-BE49-F238E27FC236}">
+                <a16:creationId xmlns:a16="http://schemas.microsoft.com/office/drawing/2014/main" id="{13C7F67A-66FE-9585-C4E0-7D8C60E8ED17}"/>
+              </a:ext>
+            </a:extLst>
+          </p:cNvPr>
+          <p:cNvSpPr/>
+          <p:nvPr/>
+        </p:nvSpPr>
+        <p:spPr>
+          <a:xfrm>
+            <a:off x="5308040" y="6580633"/>
+            <a:ext cx="360000" cy="252000"/>
+          </a:xfrm>
+          <a:prstGeom prst="rect">
+            <a:avLst/>
+          </a:prstGeom>
+        </p:spPr>
+        <p:style>
+          <a:lnRef idx="2">
+            <a:schemeClr val="accent5">
+              <a:shade val="15000"/>
+            </a:schemeClr>
+          </a:lnRef>
+          <a:fillRef idx="1">
+            <a:schemeClr val="accent5"/>
+          </a:fillRef>
+          <a:effectRef idx="0">
+            <a:schemeClr val="accent5"/>
+          </a:effectRef>
+          <a:fontRef idx="minor">
+            <a:schemeClr val="lt1"/>
+          </a:fontRef>
+        </p:style>
+        <p:txBody>
+          <a:bodyPr rtlCol="0" anchor="ctr"/>
+          <a:lstStyle/>
+          <a:p>
+            <a:pPr algn="ctr"/>
+            <a:r>
+              <a:rPr lang="fr-FR" sz="600" dirty="0"/>
+              <a:t>NAV2</a:t>
+            </a:r>
+          </a:p>
+        </p:txBody>
+      </p:sp>
+      <p:sp>
+        <p:nvSpPr>
+          <p:cNvPr id="77" name="Rectangle 76">
+            <a:extLst>
+              <a:ext uri="{FF2B5EF4-FFF2-40B4-BE49-F238E27FC236}">
+                <a16:creationId xmlns:a16="http://schemas.microsoft.com/office/drawing/2014/main" id="{E6ABEB57-6D6B-BA2A-BB47-7F932159F3C7}"/>
+              </a:ext>
+            </a:extLst>
+          </p:cNvPr>
+          <p:cNvSpPr/>
+          <p:nvPr/>
+        </p:nvSpPr>
+        <p:spPr>
+          <a:xfrm>
+            <a:off x="5308040" y="7041064"/>
+            <a:ext cx="360000" cy="252000"/>
+          </a:xfrm>
+          <a:prstGeom prst="rect">
+            <a:avLst/>
+          </a:prstGeom>
+        </p:spPr>
+        <p:style>
+          <a:lnRef idx="2">
+            <a:schemeClr val="accent5">
+              <a:shade val="15000"/>
+            </a:schemeClr>
+          </a:lnRef>
+          <a:fillRef idx="1">
+            <a:schemeClr val="accent5"/>
+          </a:fillRef>
+          <a:effectRef idx="0">
+            <a:schemeClr val="accent5"/>
+          </a:effectRef>
+          <a:fontRef idx="minor">
+            <a:schemeClr val="lt1"/>
+          </a:fontRef>
+        </p:style>
+        <p:txBody>
+          <a:bodyPr rtlCol="0" anchor="ctr"/>
+          <a:lstStyle/>
+          <a:p>
+            <a:pPr algn="ctr"/>
+            <a:r>
+              <a:rPr lang="fr-FR" sz="600" dirty="0"/>
+              <a:t>ADF</a:t>
+            </a:r>
+          </a:p>
+        </p:txBody>
+      </p:sp>
+      <p:sp>
+        <p:nvSpPr>
+          <p:cNvPr id="78" name="Rectangle 77">
+            <a:extLst>
+              <a:ext uri="{FF2B5EF4-FFF2-40B4-BE49-F238E27FC236}">
+                <a16:creationId xmlns:a16="http://schemas.microsoft.com/office/drawing/2014/main" id="{ED98B2D6-7619-4B1F-2671-708D4CDB3460}"/>
+              </a:ext>
+            </a:extLst>
+          </p:cNvPr>
+          <p:cNvSpPr/>
+          <p:nvPr/>
+        </p:nvSpPr>
+        <p:spPr>
+          <a:xfrm>
+            <a:off x="4760950" y="6595408"/>
+            <a:ext cx="360000" cy="252000"/>
+          </a:xfrm>
+          <a:prstGeom prst="rect">
+            <a:avLst/>
+          </a:prstGeom>
+        </p:spPr>
+        <p:style>
+          <a:lnRef idx="2">
+            <a:schemeClr val="accent5">
+              <a:shade val="15000"/>
+            </a:schemeClr>
+          </a:lnRef>
+          <a:fillRef idx="1">
+            <a:schemeClr val="accent5"/>
+          </a:fillRef>
+          <a:effectRef idx="0">
+            <a:schemeClr val="accent5"/>
+          </a:effectRef>
+          <a:fontRef idx="minor">
+            <a:schemeClr val="lt1"/>
+          </a:fontRef>
+        </p:style>
+        <p:txBody>
+          <a:bodyPr rtlCol="0" anchor="ctr"/>
+          <a:lstStyle/>
+          <a:p>
+            <a:pPr algn="ctr"/>
+            <a:r>
+              <a:rPr lang="fr-FR" sz="600" dirty="0"/>
+              <a:t>NAV1</a:t>
+            </a:r>
+          </a:p>
+        </p:txBody>
+      </p:sp>
+      <p:sp>
+        <p:nvSpPr>
+          <p:cNvPr id="79" name="Rectangle 78">
+            <a:extLst>
+              <a:ext uri="{FF2B5EF4-FFF2-40B4-BE49-F238E27FC236}">
+                <a16:creationId xmlns:a16="http://schemas.microsoft.com/office/drawing/2014/main" id="{0544840F-2820-1E30-2258-F7B54A9623A0}"/>
+              </a:ext>
+            </a:extLst>
+          </p:cNvPr>
+          <p:cNvSpPr/>
+          <p:nvPr/>
+        </p:nvSpPr>
+        <p:spPr>
+          <a:xfrm>
+            <a:off x="4760950" y="7055839"/>
+            <a:ext cx="360000" cy="252000"/>
+          </a:xfrm>
+          <a:prstGeom prst="rect">
+            <a:avLst/>
+          </a:prstGeom>
+        </p:spPr>
+        <p:style>
+          <a:lnRef idx="2">
+            <a:schemeClr val="accent5">
+              <a:shade val="15000"/>
+            </a:schemeClr>
+          </a:lnRef>
+          <a:fillRef idx="1">
+            <a:schemeClr val="accent5"/>
+          </a:fillRef>
+          <a:effectRef idx="0">
+            <a:schemeClr val="accent5"/>
+          </a:effectRef>
+          <a:fontRef idx="minor">
+            <a:schemeClr val="lt1"/>
+          </a:fontRef>
+        </p:style>
+        <p:txBody>
+          <a:bodyPr rtlCol="0" anchor="ctr"/>
+          <a:lstStyle/>
+          <a:p>
+            <a:pPr algn="ctr"/>
+            <a:r>
+              <a:rPr lang="fr-FR" sz="600" dirty="0"/>
+              <a:t>DME</a:t>
+            </a:r>
+          </a:p>
+        </p:txBody>
+      </p:sp>
+      <p:sp>
+        <p:nvSpPr>
+          <p:cNvPr id="80" name="Ellipse 79">
+            <a:extLst>
+              <a:ext uri="{FF2B5EF4-FFF2-40B4-BE49-F238E27FC236}">
+                <a16:creationId xmlns:a16="http://schemas.microsoft.com/office/drawing/2014/main" id="{844530AF-3EDF-CC60-6F66-3434DB6AB376}"/>
+              </a:ext>
+            </a:extLst>
+          </p:cNvPr>
+          <p:cNvSpPr/>
+          <p:nvPr/>
+        </p:nvSpPr>
+        <p:spPr>
+          <a:xfrm>
+            <a:off x="5967469" y="6659009"/>
+            <a:ext cx="630000" cy="630000"/>
+          </a:xfrm>
+          <a:prstGeom prst="ellipse">
+            <a:avLst/>
+          </a:prstGeom>
+        </p:spPr>
+        <p:style>
+          <a:lnRef idx="2">
+            <a:schemeClr val="accent5">
+              <a:shade val="15000"/>
+            </a:schemeClr>
+          </a:lnRef>
+          <a:fillRef idx="1">
+            <a:schemeClr val="accent5"/>
+          </a:fillRef>
+          <a:effectRef idx="0">
+            <a:schemeClr val="accent5"/>
+          </a:effectRef>
+          <a:fontRef idx="minor">
+            <a:schemeClr val="lt1"/>
+          </a:fontRef>
+        </p:style>
+        <p:txBody>
+          <a:bodyPr rtlCol="0" anchor="ctr"/>
+          <a:lstStyle/>
+          <a:p>
+            <a:pPr algn="ctr"/>
+            <a:r>
+              <a:rPr lang="fr-FR" sz="600" dirty="0"/>
+              <a:t>VOLUME/SQ</a:t>
+            </a:r>
+          </a:p>
+        </p:txBody>
+      </p:sp>
+      <p:cxnSp>
+        <p:nvCxnSpPr>
+          <p:cNvPr id="189" name="Connecteur droit 188">
+            <a:extLst>
+              <a:ext uri="{FF2B5EF4-FFF2-40B4-BE49-F238E27FC236}">
+                <a16:creationId xmlns:a16="http://schemas.microsoft.com/office/drawing/2014/main" id="{5C807714-0D41-797A-150B-1C167A8A8BD0}"/>
+              </a:ext>
+            </a:extLst>
+          </p:cNvPr>
+          <p:cNvCxnSpPr/>
+          <p:nvPr/>
+        </p:nvCxnSpPr>
+        <p:spPr>
+          <a:xfrm>
+            <a:off x="3021193" y="6587245"/>
+            <a:ext cx="0" cy="254625"/>
+          </a:xfrm>
+          <a:prstGeom prst="line">
+            <a:avLst/>
+          </a:prstGeom>
+          <a:ln w="57150"/>
+        </p:spPr>
+        <p:style>
+          <a:lnRef idx="2">
+            <a:schemeClr val="accent6"/>
+          </a:lnRef>
+          <a:fillRef idx="0">
+            <a:schemeClr val="accent6"/>
+          </a:fillRef>
+          <a:effectRef idx="1">
+            <a:schemeClr val="accent6"/>
+          </a:effectRef>
+          <a:fontRef idx="minor">
+            <a:schemeClr val="tx1"/>
+          </a:fontRef>
+        </p:style>
+      </p:cxnSp>
+      <p:cxnSp>
+        <p:nvCxnSpPr>
+          <p:cNvPr id="190" name="Connecteur droit 189">
+            <a:extLst>
+              <a:ext uri="{FF2B5EF4-FFF2-40B4-BE49-F238E27FC236}">
+                <a16:creationId xmlns:a16="http://schemas.microsoft.com/office/drawing/2014/main" id="{24FF4B3D-AB50-97A4-D1EB-169FDB5A7B02}"/>
+              </a:ext>
+            </a:extLst>
+          </p:cNvPr>
+          <p:cNvCxnSpPr/>
+          <p:nvPr/>
+        </p:nvCxnSpPr>
+        <p:spPr>
+          <a:xfrm>
+            <a:off x="3021193" y="7047676"/>
+            <a:ext cx="0" cy="254625"/>
+          </a:xfrm>
+          <a:prstGeom prst="line">
+            <a:avLst/>
+          </a:prstGeom>
+          <a:ln w="57150"/>
+        </p:spPr>
+        <p:style>
+          <a:lnRef idx="2">
+            <a:schemeClr val="accent6"/>
+          </a:lnRef>
+          <a:fillRef idx="0">
+            <a:schemeClr val="accent6"/>
+          </a:fillRef>
+          <a:effectRef idx="1">
+            <a:schemeClr val="accent6"/>
+          </a:effectRef>
+          <a:fontRef idx="minor">
+            <a:schemeClr val="tx1"/>
+          </a:fontRef>
+        </p:style>
+      </p:cxnSp>
+      <p:cxnSp>
+        <p:nvCxnSpPr>
+          <p:cNvPr id="191" name="Connecteur droit 190">
+            <a:extLst>
+              <a:ext uri="{FF2B5EF4-FFF2-40B4-BE49-F238E27FC236}">
+                <a16:creationId xmlns:a16="http://schemas.microsoft.com/office/drawing/2014/main" id="{98BBB1EB-0557-463C-8CBE-AB00A409044E}"/>
+              </a:ext>
+            </a:extLst>
+          </p:cNvPr>
+          <p:cNvCxnSpPr/>
+          <p:nvPr/>
+        </p:nvCxnSpPr>
+        <p:spPr>
+          <a:xfrm>
+            <a:off x="3778526" y="6587245"/>
+            <a:ext cx="0" cy="254625"/>
+          </a:xfrm>
+          <a:prstGeom prst="line">
+            <a:avLst/>
+          </a:prstGeom>
+          <a:ln w="57150"/>
+        </p:spPr>
+        <p:style>
+          <a:lnRef idx="2">
+            <a:schemeClr val="accent6"/>
+          </a:lnRef>
+          <a:fillRef idx="0">
+            <a:schemeClr val="accent6"/>
+          </a:fillRef>
+          <a:effectRef idx="1">
+            <a:schemeClr val="accent6"/>
+          </a:effectRef>
+          <a:fontRef idx="minor">
+            <a:schemeClr val="tx1"/>
+          </a:fontRef>
+        </p:style>
+      </p:cxnSp>
+      <p:cxnSp>
+        <p:nvCxnSpPr>
+          <p:cNvPr id="192" name="Connecteur droit 191">
+            <a:extLst>
+              <a:ext uri="{FF2B5EF4-FFF2-40B4-BE49-F238E27FC236}">
+                <a16:creationId xmlns:a16="http://schemas.microsoft.com/office/drawing/2014/main" id="{CB0B04BB-A642-E1E7-CE51-8C35440C663B}"/>
+              </a:ext>
+            </a:extLst>
+          </p:cNvPr>
+          <p:cNvCxnSpPr/>
+          <p:nvPr/>
+        </p:nvCxnSpPr>
+        <p:spPr>
+          <a:xfrm>
+            <a:off x="3778526" y="7047676"/>
+            <a:ext cx="0" cy="254625"/>
+          </a:xfrm>
+          <a:prstGeom prst="line">
+            <a:avLst/>
+          </a:prstGeom>
+          <a:ln w="57150"/>
+        </p:spPr>
+        <p:style>
+          <a:lnRef idx="2">
+            <a:schemeClr val="accent6"/>
+          </a:lnRef>
+          <a:fillRef idx="0">
+            <a:schemeClr val="accent6"/>
+          </a:fillRef>
+          <a:effectRef idx="1">
+            <a:schemeClr val="accent6"/>
+          </a:effectRef>
+          <a:fontRef idx="minor">
+            <a:schemeClr val="tx1"/>
+          </a:fontRef>
+        </p:style>
+      </p:cxnSp>
+      <p:cxnSp>
+        <p:nvCxnSpPr>
+          <p:cNvPr id="193" name="Connecteur droit 192">
+            <a:extLst>
+              <a:ext uri="{FF2B5EF4-FFF2-40B4-BE49-F238E27FC236}">
+                <a16:creationId xmlns:a16="http://schemas.microsoft.com/office/drawing/2014/main" id="{DC3FAD56-07D8-D2CA-449F-681CA7524768}"/>
+              </a:ext>
+            </a:extLst>
+          </p:cNvPr>
+          <p:cNvCxnSpPr/>
+          <p:nvPr/>
+        </p:nvCxnSpPr>
+        <p:spPr>
+          <a:xfrm>
+            <a:off x="4570879" y="6587245"/>
+            <a:ext cx="0" cy="254625"/>
+          </a:xfrm>
+          <a:prstGeom prst="line">
+            <a:avLst/>
+          </a:prstGeom>
+          <a:ln w="57150"/>
+        </p:spPr>
+        <p:style>
+          <a:lnRef idx="2">
+            <a:schemeClr val="accent6"/>
+          </a:lnRef>
+          <a:fillRef idx="0">
+            <a:schemeClr val="accent6"/>
+          </a:fillRef>
+          <a:effectRef idx="1">
+            <a:schemeClr val="accent6"/>
+          </a:effectRef>
+          <a:fontRef idx="minor">
+            <a:schemeClr val="tx1"/>
+          </a:fontRef>
+        </p:style>
+      </p:cxnSp>
+      <p:cxnSp>
+        <p:nvCxnSpPr>
+          <p:cNvPr id="194" name="Connecteur droit 193">
+            <a:extLst>
+              <a:ext uri="{FF2B5EF4-FFF2-40B4-BE49-F238E27FC236}">
+                <a16:creationId xmlns:a16="http://schemas.microsoft.com/office/drawing/2014/main" id="{2C757E8F-3D9B-A1FC-1F65-72B12B92CB4D}"/>
+              </a:ext>
+            </a:extLst>
+          </p:cNvPr>
+          <p:cNvCxnSpPr/>
+          <p:nvPr/>
+        </p:nvCxnSpPr>
+        <p:spPr>
+          <a:xfrm>
+            <a:off x="4570879" y="7047676"/>
+            <a:ext cx="0" cy="254625"/>
+          </a:xfrm>
+          <a:prstGeom prst="line">
+            <a:avLst/>
+          </a:prstGeom>
+          <a:ln w="57150"/>
+        </p:spPr>
+        <p:style>
+          <a:lnRef idx="2">
+            <a:schemeClr val="accent6"/>
+          </a:lnRef>
+          <a:fillRef idx="0">
+            <a:schemeClr val="accent6"/>
+          </a:fillRef>
+          <a:effectRef idx="1">
+            <a:schemeClr val="accent6"/>
+          </a:effectRef>
+          <a:fontRef idx="minor">
+            <a:schemeClr val="tx1"/>
+          </a:fontRef>
+        </p:style>
+      </p:cxnSp>
+      <p:cxnSp>
+        <p:nvCxnSpPr>
+          <p:cNvPr id="195" name="Connecteur droit 194">
+            <a:extLst>
+              <a:ext uri="{FF2B5EF4-FFF2-40B4-BE49-F238E27FC236}">
+                <a16:creationId xmlns:a16="http://schemas.microsoft.com/office/drawing/2014/main" id="{34980252-5DB5-9A7B-6C27-849EDC30E8B0}"/>
+              </a:ext>
+            </a:extLst>
+          </p:cNvPr>
+          <p:cNvCxnSpPr/>
+          <p:nvPr/>
+        </p:nvCxnSpPr>
+        <p:spPr>
+          <a:xfrm>
+            <a:off x="5176872" y="6595408"/>
+            <a:ext cx="0" cy="254625"/>
+          </a:xfrm>
+          <a:prstGeom prst="line">
+            <a:avLst/>
+          </a:prstGeom>
+          <a:ln w="57150"/>
+        </p:spPr>
+        <p:style>
+          <a:lnRef idx="2">
+            <a:schemeClr val="accent6"/>
+          </a:lnRef>
+          <a:fillRef idx="0">
+            <a:schemeClr val="accent6"/>
+          </a:fillRef>
+          <a:effectRef idx="1">
+            <a:schemeClr val="accent6"/>
+          </a:effectRef>
+          <a:fontRef idx="minor">
+            <a:schemeClr val="tx1"/>
+          </a:fontRef>
+        </p:style>
+      </p:cxnSp>
+      <p:cxnSp>
+        <p:nvCxnSpPr>
+          <p:cNvPr id="196" name="Connecteur droit 195">
+            <a:extLst>
+              <a:ext uri="{FF2B5EF4-FFF2-40B4-BE49-F238E27FC236}">
+                <a16:creationId xmlns:a16="http://schemas.microsoft.com/office/drawing/2014/main" id="{A8D9A241-50FF-AC0E-F1CB-C5824C0CE2EA}"/>
+              </a:ext>
+            </a:extLst>
+          </p:cNvPr>
+          <p:cNvCxnSpPr/>
+          <p:nvPr/>
+        </p:nvCxnSpPr>
+        <p:spPr>
+          <a:xfrm>
+            <a:off x="5176872" y="7055839"/>
+            <a:ext cx="0" cy="254625"/>
+          </a:xfrm>
+          <a:prstGeom prst="line">
+            <a:avLst/>
+          </a:prstGeom>
+          <a:ln w="57150"/>
+        </p:spPr>
+        <p:style>
+          <a:lnRef idx="2">
+            <a:schemeClr val="accent6"/>
+          </a:lnRef>
+          <a:fillRef idx="0">
+            <a:schemeClr val="accent6"/>
+          </a:fillRef>
+          <a:effectRef idx="1">
+            <a:schemeClr val="accent6"/>
+          </a:effectRef>
+          <a:fontRef idx="minor">
+            <a:schemeClr val="tx1"/>
+          </a:fontRef>
+        </p:style>
+      </p:cxnSp>
+      <p:cxnSp>
+        <p:nvCxnSpPr>
+          <p:cNvPr id="197" name="Connecteur droit 196">
+            <a:extLst>
+              <a:ext uri="{FF2B5EF4-FFF2-40B4-BE49-F238E27FC236}">
+                <a16:creationId xmlns:a16="http://schemas.microsoft.com/office/drawing/2014/main" id="{2665DCB1-B18A-02E3-A138-D9CF435A6290}"/>
+              </a:ext>
+            </a:extLst>
+          </p:cNvPr>
+          <p:cNvCxnSpPr/>
+          <p:nvPr/>
+        </p:nvCxnSpPr>
+        <p:spPr>
+          <a:xfrm>
+            <a:off x="4551196" y="7960370"/>
+            <a:ext cx="0" cy="254625"/>
+          </a:xfrm>
+          <a:prstGeom prst="line">
+            <a:avLst/>
+          </a:prstGeom>
+          <a:ln w="57150"/>
+        </p:spPr>
+        <p:style>
+          <a:lnRef idx="2">
+            <a:schemeClr val="accent6"/>
+          </a:lnRef>
+          <a:fillRef idx="0">
+            <a:schemeClr val="accent6"/>
+          </a:fillRef>
+          <a:effectRef idx="1">
+            <a:schemeClr val="accent6"/>
+          </a:effectRef>
+          <a:fontRef idx="minor">
+            <a:schemeClr val="tx1"/>
+          </a:fontRef>
+        </p:style>
+      </p:cxnSp>
+      <p:cxnSp>
+        <p:nvCxnSpPr>
+          <p:cNvPr id="198" name="Connecteur droit 197">
+            <a:extLst>
+              <a:ext uri="{FF2B5EF4-FFF2-40B4-BE49-F238E27FC236}">
+                <a16:creationId xmlns:a16="http://schemas.microsoft.com/office/drawing/2014/main" id="{5EE87DDF-A559-2632-78C1-653576D9CEB8}"/>
+              </a:ext>
+            </a:extLst>
+          </p:cNvPr>
+          <p:cNvCxnSpPr/>
+          <p:nvPr/>
+        </p:nvCxnSpPr>
+        <p:spPr>
+          <a:xfrm>
+            <a:off x="5227928" y="7952610"/>
+            <a:ext cx="0" cy="254625"/>
+          </a:xfrm>
+          <a:prstGeom prst="line">
+            <a:avLst/>
+          </a:prstGeom>
+          <a:ln w="57150"/>
+        </p:spPr>
+        <p:style>
+          <a:lnRef idx="2">
+            <a:schemeClr val="accent6"/>
+          </a:lnRef>
+          <a:fillRef idx="0">
+            <a:schemeClr val="accent6"/>
+          </a:fillRef>
+          <a:effectRef idx="1">
+            <a:schemeClr val="accent6"/>
+          </a:effectRef>
+          <a:fontRef idx="minor">
+            <a:schemeClr val="tx1"/>
+          </a:fontRef>
+        </p:style>
+      </p:cxnSp>
+      <p:cxnSp>
+        <p:nvCxnSpPr>
+          <p:cNvPr id="199" name="Connecteur droit 198">
+            <a:extLst>
+              <a:ext uri="{FF2B5EF4-FFF2-40B4-BE49-F238E27FC236}">
+                <a16:creationId xmlns:a16="http://schemas.microsoft.com/office/drawing/2014/main" id="{FE9C227D-11F9-F787-69FC-2CEAE2D2B7D6}"/>
+              </a:ext>
+            </a:extLst>
+          </p:cNvPr>
+          <p:cNvCxnSpPr/>
+          <p:nvPr/>
+        </p:nvCxnSpPr>
+        <p:spPr>
+          <a:xfrm>
+            <a:off x="3345284" y="7938493"/>
+            <a:ext cx="0" cy="254625"/>
+          </a:xfrm>
+          <a:prstGeom prst="line">
+            <a:avLst/>
+          </a:prstGeom>
+          <a:ln w="57150"/>
+        </p:spPr>
+        <p:style>
+          <a:lnRef idx="2">
+            <a:schemeClr val="accent6"/>
+          </a:lnRef>
+          <a:fillRef idx="0">
+            <a:schemeClr val="accent6"/>
+          </a:fillRef>
+          <a:effectRef idx="1">
+            <a:schemeClr val="accent6"/>
+          </a:effectRef>
+          <a:fontRef idx="minor">
+            <a:schemeClr val="tx1"/>
+          </a:fontRef>
+        </p:style>
+      </p:cxnSp>
+      <p:cxnSp>
+        <p:nvCxnSpPr>
+          <p:cNvPr id="200" name="Connecteur droit 199">
+            <a:extLst>
+              <a:ext uri="{FF2B5EF4-FFF2-40B4-BE49-F238E27FC236}">
+                <a16:creationId xmlns:a16="http://schemas.microsoft.com/office/drawing/2014/main" id="{A5357857-9302-9F0C-21C9-B6D0216F645F}"/>
+              </a:ext>
+            </a:extLst>
+          </p:cNvPr>
+          <p:cNvCxnSpPr/>
+          <p:nvPr/>
+        </p:nvCxnSpPr>
+        <p:spPr>
+          <a:xfrm>
+            <a:off x="2007378" y="7938493"/>
+            <a:ext cx="0" cy="254625"/>
+          </a:xfrm>
+          <a:prstGeom prst="line">
+            <a:avLst/>
+          </a:prstGeom>
+          <a:ln w="57150"/>
+        </p:spPr>
+        <p:style>
+          <a:lnRef idx="2">
+            <a:schemeClr val="accent6"/>
+          </a:lnRef>
+          <a:fillRef idx="0">
+            <a:schemeClr val="accent6"/>
+          </a:fillRef>
+          <a:effectRef idx="1">
+            <a:schemeClr val="accent6"/>
+          </a:effectRef>
+          <a:fontRef idx="minor">
+            <a:schemeClr val="tx1"/>
+          </a:fontRef>
+        </p:style>
+      </p:cxnSp>
+      <p:cxnSp>
+        <p:nvCxnSpPr>
+          <p:cNvPr id="201" name="Connecteur droit 200">
+            <a:extLst>
+              <a:ext uri="{FF2B5EF4-FFF2-40B4-BE49-F238E27FC236}">
+                <a16:creationId xmlns:a16="http://schemas.microsoft.com/office/drawing/2014/main" id="{38B034C8-43D5-EC8F-DA06-29DAF56150EA}"/>
+              </a:ext>
+            </a:extLst>
+          </p:cNvPr>
+          <p:cNvCxnSpPr/>
+          <p:nvPr/>
+        </p:nvCxnSpPr>
+        <p:spPr>
+          <a:xfrm>
+            <a:off x="2781832" y="9696550"/>
+            <a:ext cx="0" cy="254625"/>
+          </a:xfrm>
+          <a:prstGeom prst="line">
+            <a:avLst/>
+          </a:prstGeom>
+          <a:ln w="57150"/>
+        </p:spPr>
+        <p:style>
+          <a:lnRef idx="2">
+            <a:schemeClr val="accent6"/>
+          </a:lnRef>
+          <a:fillRef idx="0">
+            <a:schemeClr val="accent6"/>
+          </a:fillRef>
+          <a:effectRef idx="1">
+            <a:schemeClr val="accent6"/>
+          </a:effectRef>
+          <a:fontRef idx="minor">
+            <a:schemeClr val="tx1"/>
+          </a:fontRef>
+        </p:style>
+      </p:cxnSp>
+      <p:cxnSp>
+        <p:nvCxnSpPr>
+          <p:cNvPr id="202" name="Connecteur droit 201">
+            <a:extLst>
+              <a:ext uri="{FF2B5EF4-FFF2-40B4-BE49-F238E27FC236}">
+                <a16:creationId xmlns:a16="http://schemas.microsoft.com/office/drawing/2014/main" id="{83988F18-02FF-5165-1C1F-651C250F0272}"/>
+              </a:ext>
+            </a:extLst>
+          </p:cNvPr>
+          <p:cNvCxnSpPr/>
+          <p:nvPr/>
+        </p:nvCxnSpPr>
+        <p:spPr>
+          <a:xfrm>
+            <a:off x="3678675" y="9586604"/>
+            <a:ext cx="0" cy="254625"/>
+          </a:xfrm>
+          <a:prstGeom prst="line">
+            <a:avLst/>
+          </a:prstGeom>
+          <a:ln w="57150"/>
+        </p:spPr>
+        <p:style>
+          <a:lnRef idx="2">
+            <a:schemeClr val="accent6"/>
+          </a:lnRef>
+          <a:fillRef idx="0">
+            <a:schemeClr val="accent6"/>
+          </a:fillRef>
+          <a:effectRef idx="1">
+            <a:schemeClr val="accent6"/>
+          </a:effectRef>
+          <a:fontRef idx="minor">
+            <a:schemeClr val="tx1"/>
+          </a:fontRef>
+        </p:style>
+      </p:cxnSp>
+      <p:cxnSp>
+        <p:nvCxnSpPr>
+          <p:cNvPr id="203" name="Connecteur droit 202">
+            <a:extLst>
+              <a:ext uri="{FF2B5EF4-FFF2-40B4-BE49-F238E27FC236}">
+                <a16:creationId xmlns:a16="http://schemas.microsoft.com/office/drawing/2014/main" id="{42975E13-8C83-0806-8963-8E8AE2693544}"/>
+              </a:ext>
+            </a:extLst>
+          </p:cNvPr>
+          <p:cNvCxnSpPr/>
+          <p:nvPr/>
+        </p:nvCxnSpPr>
+        <p:spPr>
+          <a:xfrm>
+            <a:off x="3678465" y="10008211"/>
+            <a:ext cx="0" cy="254625"/>
+          </a:xfrm>
+          <a:prstGeom prst="line">
+            <a:avLst/>
+          </a:prstGeom>
+          <a:ln w="57150"/>
+        </p:spPr>
+        <p:style>
+          <a:lnRef idx="2">
+            <a:schemeClr val="accent6"/>
+          </a:lnRef>
+          <a:fillRef idx="0">
+            <a:schemeClr val="accent6"/>
+          </a:fillRef>
+          <a:effectRef idx="1">
+            <a:schemeClr val="accent6"/>
+          </a:effectRef>
+          <a:fontRef idx="minor">
+            <a:schemeClr val="tx1"/>
+          </a:fontRef>
+        </p:style>
+      </p:cxnSp>
+      <p:cxnSp>
+        <p:nvCxnSpPr>
+          <p:cNvPr id="204" name="Connecteur droit 203">
+            <a:extLst>
+              <a:ext uri="{FF2B5EF4-FFF2-40B4-BE49-F238E27FC236}">
+                <a16:creationId xmlns:a16="http://schemas.microsoft.com/office/drawing/2014/main" id="{2AC99465-3D24-05BD-E02A-C30127DE2FF1}"/>
+              </a:ext>
+            </a:extLst>
+          </p:cNvPr>
+          <p:cNvCxnSpPr/>
+          <p:nvPr/>
+        </p:nvCxnSpPr>
+        <p:spPr>
+          <a:xfrm>
+            <a:off x="4919020" y="9758836"/>
+            <a:ext cx="0" cy="254625"/>
+          </a:xfrm>
+          <a:prstGeom prst="line">
+            <a:avLst/>
+          </a:prstGeom>
+          <a:ln w="57150"/>
+        </p:spPr>
+        <p:style>
+          <a:lnRef idx="2">
+            <a:schemeClr val="accent6"/>
+          </a:lnRef>
+          <a:fillRef idx="0">
+            <a:schemeClr val="accent6"/>
+          </a:fillRef>
+          <a:effectRef idx="1">
+            <a:schemeClr val="accent6"/>
+          </a:effectRef>
+          <a:fontRef idx="minor">
+            <a:schemeClr val="tx1"/>
+          </a:fontRef>
+        </p:style>
+      </p:cxnSp>
+      <p:cxnSp>
+        <p:nvCxnSpPr>
+          <p:cNvPr id="205" name="Connecteur droit 204">
+            <a:extLst>
+              <a:ext uri="{FF2B5EF4-FFF2-40B4-BE49-F238E27FC236}">
+                <a16:creationId xmlns:a16="http://schemas.microsoft.com/office/drawing/2014/main" id="{02F22A0D-8ED9-F699-512D-1308FFACF5E9}"/>
+              </a:ext>
+            </a:extLst>
+          </p:cNvPr>
+          <p:cNvCxnSpPr/>
+          <p:nvPr/>
+        </p:nvCxnSpPr>
+        <p:spPr>
+          <a:xfrm>
+            <a:off x="5244667" y="8595330"/>
+            <a:ext cx="0" cy="254625"/>
+          </a:xfrm>
+          <a:prstGeom prst="line">
+            <a:avLst/>
+          </a:prstGeom>
+          <a:ln w="57150"/>
+        </p:spPr>
+        <p:style>
+          <a:lnRef idx="2">
+            <a:schemeClr val="accent6"/>
+          </a:lnRef>
+          <a:fillRef idx="0">
+            <a:schemeClr val="accent6"/>
+          </a:fillRef>
+          <a:effectRef idx="1">
+            <a:schemeClr val="accent6"/>
+          </a:effectRef>
+          <a:fontRef idx="minor">
+            <a:schemeClr val="tx1"/>
+          </a:fontRef>
+        </p:style>
+      </p:cxnSp>
+      <p:cxnSp>
+        <p:nvCxnSpPr>
+          <p:cNvPr id="206" name="Connecteur droit 205">
+            <a:extLst>
+              <a:ext uri="{FF2B5EF4-FFF2-40B4-BE49-F238E27FC236}">
+                <a16:creationId xmlns:a16="http://schemas.microsoft.com/office/drawing/2014/main" id="{D4173877-B975-1E63-92DD-B46B5B3C6D76}"/>
+              </a:ext>
+            </a:extLst>
+          </p:cNvPr>
+          <p:cNvCxnSpPr/>
+          <p:nvPr/>
+        </p:nvCxnSpPr>
+        <p:spPr>
+          <a:xfrm>
+            <a:off x="6494819" y="7960370"/>
+            <a:ext cx="0" cy="254625"/>
+          </a:xfrm>
+          <a:prstGeom prst="line">
+            <a:avLst/>
+          </a:prstGeom>
+          <a:ln w="57150"/>
+        </p:spPr>
+        <p:style>
+          <a:lnRef idx="2">
+            <a:schemeClr val="accent6"/>
+          </a:lnRef>
+          <a:fillRef idx="0">
+            <a:schemeClr val="accent6"/>
+          </a:fillRef>
+          <a:effectRef idx="1">
+            <a:schemeClr val="accent6"/>
+          </a:effectRef>
+          <a:fontRef idx="minor">
+            <a:schemeClr val="tx1"/>
+          </a:fontRef>
+        </p:style>
+      </p:cxnSp>
+      <p:cxnSp>
+        <p:nvCxnSpPr>
+          <p:cNvPr id="207" name="Connecteur droit 206">
+            <a:extLst>
+              <a:ext uri="{FF2B5EF4-FFF2-40B4-BE49-F238E27FC236}">
+                <a16:creationId xmlns:a16="http://schemas.microsoft.com/office/drawing/2014/main" id="{539DC452-C3DE-8CE5-0123-8E062B1DA1E8}"/>
+              </a:ext>
+            </a:extLst>
+          </p:cNvPr>
+          <p:cNvCxnSpPr/>
+          <p:nvPr/>
+        </p:nvCxnSpPr>
+        <p:spPr>
+          <a:xfrm>
+            <a:off x="4533849" y="8612385"/>
+            <a:ext cx="0" cy="254625"/>
+          </a:xfrm>
+          <a:prstGeom prst="line">
+            <a:avLst/>
+          </a:prstGeom>
+          <a:ln w="57150"/>
+        </p:spPr>
+        <p:style>
+          <a:lnRef idx="2">
+            <a:schemeClr val="accent6"/>
+          </a:lnRef>
+          <a:fillRef idx="0">
+            <a:schemeClr val="accent6"/>
+          </a:fillRef>
+          <a:effectRef idx="1">
+            <a:schemeClr val="accent6"/>
+          </a:effectRef>
+          <a:fontRef idx="minor">
+            <a:schemeClr val="tx1"/>
+          </a:fontRef>
+        </p:style>
+      </p:cxnSp>
+      <p:cxnSp>
+        <p:nvCxnSpPr>
+          <p:cNvPr id="208" name="Connecteur droit 207">
+            <a:extLst>
+              <a:ext uri="{FF2B5EF4-FFF2-40B4-BE49-F238E27FC236}">
+                <a16:creationId xmlns:a16="http://schemas.microsoft.com/office/drawing/2014/main" id="{84D40967-D45F-7ABB-6A0C-5CBE555A588C}"/>
+              </a:ext>
+            </a:extLst>
+          </p:cNvPr>
+          <p:cNvCxnSpPr/>
+          <p:nvPr/>
+        </p:nvCxnSpPr>
+        <p:spPr>
+          <a:xfrm>
+            <a:off x="2707578" y="7921198"/>
+            <a:ext cx="0" cy="254625"/>
+          </a:xfrm>
+          <a:prstGeom prst="line">
+            <a:avLst/>
+          </a:prstGeom>
+          <a:ln w="57150"/>
+        </p:spPr>
+        <p:style>
+          <a:lnRef idx="2">
+            <a:schemeClr val="accent6"/>
+          </a:lnRef>
+          <a:fillRef idx="0">
+            <a:schemeClr val="accent6"/>
+          </a:fillRef>
+          <a:effectRef idx="1">
+            <a:schemeClr val="accent6"/>
+          </a:effectRef>
+          <a:fontRef idx="minor">
+            <a:schemeClr val="tx1"/>
+          </a:fontRef>
+        </p:style>
+      </p:cxnSp>
+      <p:cxnSp>
+        <p:nvCxnSpPr>
+          <p:cNvPr id="209" name="Connecteur droit 208">
+            <a:extLst>
+              <a:ext uri="{FF2B5EF4-FFF2-40B4-BE49-F238E27FC236}">
+                <a16:creationId xmlns:a16="http://schemas.microsoft.com/office/drawing/2014/main" id="{4D09BEFC-86D8-CB54-6A7B-71DDFF444F6E}"/>
+              </a:ext>
+            </a:extLst>
+          </p:cNvPr>
+          <p:cNvCxnSpPr/>
+          <p:nvPr/>
+        </p:nvCxnSpPr>
+        <p:spPr>
+          <a:xfrm>
+            <a:off x="2676988" y="8612385"/>
+            <a:ext cx="0" cy="254625"/>
+          </a:xfrm>
+          <a:prstGeom prst="line">
+            <a:avLst/>
+          </a:prstGeom>
+          <a:ln w="57150"/>
+        </p:spPr>
+        <p:style>
+          <a:lnRef idx="2">
+            <a:schemeClr val="accent6"/>
+          </a:lnRef>
+          <a:fillRef idx="0">
+            <a:schemeClr val="accent6"/>
+          </a:fillRef>
+          <a:effectRef idx="1">
+            <a:schemeClr val="accent6"/>
+          </a:effectRef>
+          <a:fontRef idx="minor">
+            <a:schemeClr val="tx1"/>
+          </a:fontRef>
+        </p:style>
+      </p:cxnSp>
+      <p:cxnSp>
+        <p:nvCxnSpPr>
+          <p:cNvPr id="210" name="Connecteur droit 209">
+            <a:extLst>
+              <a:ext uri="{FF2B5EF4-FFF2-40B4-BE49-F238E27FC236}">
+                <a16:creationId xmlns:a16="http://schemas.microsoft.com/office/drawing/2014/main" id="{D4B5EA3D-B1F1-4A91-7A19-4620EF83D22D}"/>
+              </a:ext>
+            </a:extLst>
+          </p:cNvPr>
+          <p:cNvCxnSpPr/>
+          <p:nvPr/>
+        </p:nvCxnSpPr>
+        <p:spPr>
+          <a:xfrm>
+            <a:off x="6375988" y="9711291"/>
+            <a:ext cx="0" cy="254625"/>
+          </a:xfrm>
+          <a:prstGeom prst="line">
+            <a:avLst/>
+          </a:prstGeom>
+          <a:ln w="57150"/>
+        </p:spPr>
+        <p:style>
+          <a:lnRef idx="2">
+            <a:schemeClr val="accent6"/>
+          </a:lnRef>
+          <a:fillRef idx="0">
+            <a:schemeClr val="accent6"/>
+          </a:fillRef>
+          <a:effectRef idx="1">
+            <a:schemeClr val="accent6"/>
+          </a:effectRef>
+          <a:fontRef idx="minor">
+            <a:schemeClr val="tx1"/>
+          </a:fontRef>
+        </p:style>
+      </p:cxnSp>
+      <p:sp>
+        <p:nvSpPr>
+          <p:cNvPr id="211" name="Rectangle 210">
+            <a:extLst>
+              <a:ext uri="{FF2B5EF4-FFF2-40B4-BE49-F238E27FC236}">
+                <a16:creationId xmlns:a16="http://schemas.microsoft.com/office/drawing/2014/main" id="{2895C0AF-4553-91D0-2384-6BD57E57B934}"/>
+              </a:ext>
+            </a:extLst>
+          </p:cNvPr>
+          <p:cNvSpPr/>
+          <p:nvPr/>
+        </p:nvSpPr>
+        <p:spPr>
+          <a:xfrm>
+            <a:off x="1443594" y="6541951"/>
+            <a:ext cx="360000" cy="252000"/>
+          </a:xfrm>
+          <a:prstGeom prst="rect">
+            <a:avLst/>
+          </a:prstGeom>
+        </p:spPr>
+        <p:style>
+          <a:lnRef idx="2">
+            <a:schemeClr val="dk1"/>
+          </a:lnRef>
+          <a:fillRef idx="1">
+            <a:schemeClr val="lt1"/>
+          </a:fillRef>
+          <a:effectRef idx="0">
+            <a:schemeClr val="dk1"/>
+          </a:effectRef>
+          <a:fontRef idx="minor">
+            <a:schemeClr val="dk1"/>
+          </a:fontRef>
+        </p:style>
+        <p:txBody>
+          <a:bodyPr rtlCol="0" anchor="ctr"/>
+          <a:lstStyle/>
+          <a:p>
+            <a:pPr algn="ctr"/>
+            <a:r>
+              <a:rPr lang="fr-FR" sz="600" dirty="0"/>
+              <a:t>A</a:t>
+            </a:r>
+          </a:p>
+        </p:txBody>
+      </p:sp>
+      <p:sp>
+        <p:nvSpPr>
+          <p:cNvPr id="212" name="Rectangle 211">
+            <a:extLst>
+              <a:ext uri="{FF2B5EF4-FFF2-40B4-BE49-F238E27FC236}">
+                <a16:creationId xmlns:a16="http://schemas.microsoft.com/office/drawing/2014/main" id="{51A737B7-B0AE-E808-B488-D233516155BB}"/>
+              </a:ext>
+            </a:extLst>
+          </p:cNvPr>
+          <p:cNvSpPr/>
+          <p:nvPr/>
+        </p:nvSpPr>
+        <p:spPr>
+          <a:xfrm>
+            <a:off x="1443594" y="6831705"/>
+            <a:ext cx="360000" cy="252000"/>
+          </a:xfrm>
+          <a:prstGeom prst="rect">
+            <a:avLst/>
+          </a:prstGeom>
+        </p:spPr>
+        <p:style>
+          <a:lnRef idx="2">
+            <a:schemeClr val="accent4">
+              <a:shade val="15000"/>
+            </a:schemeClr>
+          </a:lnRef>
+          <a:fillRef idx="1">
+            <a:schemeClr val="accent4"/>
+          </a:fillRef>
+          <a:effectRef idx="0">
+            <a:schemeClr val="accent4"/>
+          </a:effectRef>
+          <a:fontRef idx="minor">
+            <a:schemeClr val="lt1"/>
+          </a:fontRef>
+        </p:style>
+        <p:txBody>
+          <a:bodyPr rtlCol="0" anchor="ctr"/>
+          <a:lstStyle/>
+          <a:p>
+            <a:pPr algn="ctr"/>
+            <a:r>
+              <a:rPr lang="fr-FR" sz="600" dirty="0"/>
+              <a:t>O</a:t>
+            </a:r>
+          </a:p>
+        </p:txBody>
+      </p:sp>
+      <p:sp>
+        <p:nvSpPr>
+          <p:cNvPr id="213" name="Rectangle 212">
+            <a:extLst>
+              <a:ext uri="{FF2B5EF4-FFF2-40B4-BE49-F238E27FC236}">
+                <a16:creationId xmlns:a16="http://schemas.microsoft.com/office/drawing/2014/main" id="{52E670A5-2FF2-ED74-5380-574EC6D85166}"/>
+              </a:ext>
+            </a:extLst>
+          </p:cNvPr>
+          <p:cNvSpPr/>
+          <p:nvPr/>
+        </p:nvSpPr>
+        <p:spPr>
+          <a:xfrm>
+            <a:off x="1443594" y="7128255"/>
+            <a:ext cx="360000" cy="252000"/>
+          </a:xfrm>
+          <a:prstGeom prst="rect">
+            <a:avLst/>
+          </a:prstGeom>
+        </p:spPr>
+        <p:style>
+          <a:lnRef idx="2">
+            <a:schemeClr val="accent2">
+              <a:shade val="15000"/>
+            </a:schemeClr>
+          </a:lnRef>
+          <a:fillRef idx="1">
+            <a:schemeClr val="accent2"/>
+          </a:fillRef>
+          <a:effectRef idx="0">
+            <a:schemeClr val="accent2"/>
+          </a:effectRef>
+          <a:fontRef idx="minor">
+            <a:schemeClr val="lt1"/>
+          </a:fontRef>
+        </p:style>
+        <p:txBody>
+          <a:bodyPr rtlCol="0" anchor="ctr"/>
+          <a:lstStyle/>
+          <a:p>
+            <a:pPr algn="ctr"/>
+            <a:r>
+              <a:rPr lang="fr-FR" sz="600" dirty="0"/>
+              <a:t>M</a:t>
+            </a:r>
+          </a:p>
+        </p:txBody>
+      </p:sp>
+      <p:cxnSp>
+        <p:nvCxnSpPr>
+          <p:cNvPr id="214" name="Connecteur droit 213">
+            <a:extLst>
+              <a:ext uri="{FF2B5EF4-FFF2-40B4-BE49-F238E27FC236}">
+                <a16:creationId xmlns:a16="http://schemas.microsoft.com/office/drawing/2014/main" id="{81173C63-337D-EABB-54F9-13243F632D8C}"/>
+              </a:ext>
+            </a:extLst>
+          </p:cNvPr>
+          <p:cNvCxnSpPr/>
+          <p:nvPr/>
+        </p:nvCxnSpPr>
+        <p:spPr>
+          <a:xfrm>
+            <a:off x="2399512" y="6595408"/>
+            <a:ext cx="0" cy="254625"/>
+          </a:xfrm>
+          <a:prstGeom prst="line">
+            <a:avLst/>
+          </a:prstGeom>
+          <a:ln w="57150"/>
+        </p:spPr>
+        <p:style>
+          <a:lnRef idx="2">
+            <a:schemeClr val="accent6"/>
+          </a:lnRef>
+          <a:fillRef idx="0">
+            <a:schemeClr val="accent6"/>
+          </a:fillRef>
+          <a:effectRef idx="1">
+            <a:schemeClr val="accent6"/>
+          </a:effectRef>
+          <a:fontRef idx="minor">
+            <a:schemeClr val="tx1"/>
+          </a:fontRef>
+        </p:style>
+      </p:cxnSp>
+      <p:cxnSp>
+        <p:nvCxnSpPr>
+          <p:cNvPr id="215" name="Connecteur droit 214">
+            <a:extLst>
+              <a:ext uri="{FF2B5EF4-FFF2-40B4-BE49-F238E27FC236}">
+                <a16:creationId xmlns:a16="http://schemas.microsoft.com/office/drawing/2014/main" id="{190636C9-80DD-4C78-EF70-EBC5244D9A21}"/>
+              </a:ext>
+            </a:extLst>
+          </p:cNvPr>
+          <p:cNvCxnSpPr/>
+          <p:nvPr/>
+        </p:nvCxnSpPr>
+        <p:spPr>
+          <a:xfrm>
+            <a:off x="2399512" y="7055839"/>
+            <a:ext cx="0" cy="254625"/>
+          </a:xfrm>
+          <a:prstGeom prst="line">
+            <a:avLst/>
+          </a:prstGeom>
+          <a:ln w="57150"/>
+        </p:spPr>
+        <p:style>
+          <a:lnRef idx="2">
+            <a:schemeClr val="accent6"/>
+          </a:lnRef>
+          <a:fillRef idx="0">
+            <a:schemeClr val="accent6"/>
+          </a:fillRef>
+          <a:effectRef idx="1">
+            <a:schemeClr val="accent6"/>
+          </a:effectRef>
+          <a:fontRef idx="minor">
+            <a:schemeClr val="tx1"/>
+          </a:fontRef>
+        </p:style>
+      </p:cxnSp>
+      <p:cxnSp>
+        <p:nvCxnSpPr>
+          <p:cNvPr id="216" name="Connecteur droit 215">
+            <a:extLst>
+              <a:ext uri="{FF2B5EF4-FFF2-40B4-BE49-F238E27FC236}">
+                <a16:creationId xmlns:a16="http://schemas.microsoft.com/office/drawing/2014/main" id="{AE7C60D2-4BE7-3FC1-09F7-B5F110F9F37B}"/>
+              </a:ext>
+            </a:extLst>
+          </p:cNvPr>
+          <p:cNvCxnSpPr/>
+          <p:nvPr/>
+        </p:nvCxnSpPr>
+        <p:spPr>
+          <a:xfrm>
+            <a:off x="5801712" y="6587245"/>
+            <a:ext cx="0" cy="254625"/>
+          </a:xfrm>
+          <a:prstGeom prst="line">
+            <a:avLst/>
+          </a:prstGeom>
+          <a:ln w="57150"/>
+        </p:spPr>
+        <p:style>
+          <a:lnRef idx="2">
+            <a:schemeClr val="accent6"/>
+          </a:lnRef>
+          <a:fillRef idx="0">
+            <a:schemeClr val="accent6"/>
+          </a:fillRef>
+          <a:effectRef idx="1">
+            <a:schemeClr val="accent6"/>
+          </a:effectRef>
+          <a:fontRef idx="minor">
+            <a:schemeClr val="tx1"/>
+          </a:fontRef>
+        </p:style>
+      </p:cxnSp>
+      <p:cxnSp>
+        <p:nvCxnSpPr>
+          <p:cNvPr id="217" name="Connecteur droit 216">
+            <a:extLst>
+              <a:ext uri="{FF2B5EF4-FFF2-40B4-BE49-F238E27FC236}">
+                <a16:creationId xmlns:a16="http://schemas.microsoft.com/office/drawing/2014/main" id="{4BCCB01A-8F1D-BA71-A01C-D0EA9599BB58}"/>
+              </a:ext>
+            </a:extLst>
+          </p:cNvPr>
+          <p:cNvCxnSpPr/>
+          <p:nvPr/>
+        </p:nvCxnSpPr>
+        <p:spPr>
+          <a:xfrm>
+            <a:off x="5801712" y="7047676"/>
+            <a:ext cx="0" cy="254625"/>
+          </a:xfrm>
+          <a:prstGeom prst="line">
+            <a:avLst/>
+          </a:prstGeom>
+          <a:ln w="57150"/>
+        </p:spPr>
+        <p:style>
+          <a:lnRef idx="2">
+            <a:schemeClr val="accent6"/>
+          </a:lnRef>
+          <a:fillRef idx="0">
+            <a:schemeClr val="accent6"/>
+          </a:fillRef>
+          <a:effectRef idx="1">
+            <a:schemeClr val="accent6"/>
+          </a:effectRef>
+          <a:fontRef idx="minor">
+            <a:schemeClr val="tx1"/>
+          </a:fontRef>
+        </p:style>
+      </p:cxnSp>
+      <p:sp>
+        <p:nvSpPr>
+          <p:cNvPr id="218" name="Légende : encadrée 217">
+            <a:extLst>
+              <a:ext uri="{FF2B5EF4-FFF2-40B4-BE49-F238E27FC236}">
+                <a16:creationId xmlns:a16="http://schemas.microsoft.com/office/drawing/2014/main" id="{6A3956A8-D18C-1F94-C22F-F8397790C598}"/>
+              </a:ext>
+            </a:extLst>
+          </p:cNvPr>
+          <p:cNvSpPr/>
+          <p:nvPr/>
+        </p:nvSpPr>
+        <p:spPr>
+          <a:xfrm>
+            <a:off x="8412126" y="5832987"/>
+            <a:ext cx="1582582" cy="899652"/>
+          </a:xfrm>
+          <a:prstGeom prst="borderCallout1">
+            <a:avLst>
+              <a:gd name="adj1" fmla="val 18750"/>
+              <a:gd name="adj2" fmla="val -8333"/>
+              <a:gd name="adj3" fmla="val 2664"/>
+              <a:gd name="adj4" fmla="val -179519"/>
+            </a:avLst>
+          </a:prstGeom>
+        </p:spPr>
+        <p:style>
+          <a:lnRef idx="2">
+            <a:schemeClr val="accent1">
+              <a:shade val="15000"/>
+            </a:schemeClr>
+          </a:lnRef>
+          <a:fillRef idx="1">
+            <a:schemeClr val="accent1"/>
+          </a:fillRef>
+          <a:effectRef idx="0">
+            <a:schemeClr val="accent1"/>
+          </a:effectRef>
+          <a:fontRef idx="minor">
+            <a:schemeClr val="lt1"/>
+          </a:fontRef>
+        </p:style>
+        <p:txBody>
+          <a:bodyPr rtlCol="0" anchor="ctr"/>
+          <a:lstStyle/>
+          <a:p>
+            <a:pPr algn="ctr"/>
+            <a:r>
+              <a:rPr lang="en-US" dirty="0"/>
+              <a:t>COM3, ADF, DME…</a:t>
+            </a:r>
+          </a:p>
+        </p:txBody>
+      </p:sp>
+      <p:sp>
+        <p:nvSpPr>
+          <p:cNvPr id="3" name="Rectangle 2">
+            <a:extLst>
+              <a:ext uri="{FF2B5EF4-FFF2-40B4-BE49-F238E27FC236}">
+                <a16:creationId xmlns:a16="http://schemas.microsoft.com/office/drawing/2014/main" id="{C1459544-582F-5BBA-0EFB-2D16A3AFB913}"/>
+              </a:ext>
+            </a:extLst>
+          </p:cNvPr>
+          <p:cNvSpPr/>
+          <p:nvPr/>
+        </p:nvSpPr>
+        <p:spPr>
+          <a:xfrm>
+            <a:off x="1145329" y="6375784"/>
+            <a:ext cx="5724000" cy="1188000"/>
+          </a:xfrm>
+          <a:prstGeom prst="rect">
+            <a:avLst/>
+          </a:prstGeom>
+        </p:spPr>
+        <p:style>
+          <a:lnRef idx="2">
+            <a:schemeClr val="accent1">
+              <a:shade val="15000"/>
+            </a:schemeClr>
+          </a:lnRef>
+          <a:fillRef idx="1">
+            <a:schemeClr val="accent1"/>
+          </a:fillRef>
+          <a:effectRef idx="0">
+            <a:schemeClr val="accent1"/>
+          </a:effectRef>
+          <a:fontRef idx="minor">
+            <a:schemeClr val="lt1"/>
+          </a:fontRef>
+        </p:style>
+        <p:txBody>
+          <a:bodyPr rtlCol="0" anchor="ctr"/>
+          <a:lstStyle/>
+          <a:p>
+            <a:pPr algn="ctr"/>
+            <a:r>
+              <a:rPr lang="fr-FR"/>
+              <a:t>COM</a:t>
+            </a:r>
+            <a:endParaRPr lang="fr-FR" dirty="0"/>
+          </a:p>
+        </p:txBody>
+      </p:sp>
+      <p:grpSp>
+        <p:nvGrpSpPr>
+          <p:cNvPr id="153" name="Groupe 152">
+            <a:extLst>
+              <a:ext uri="{FF2B5EF4-FFF2-40B4-BE49-F238E27FC236}">
+                <a16:creationId xmlns:a16="http://schemas.microsoft.com/office/drawing/2014/main" id="{EC51E4A4-4A36-E9FC-655A-FE0775614943}"/>
+              </a:ext>
+            </a:extLst>
+          </p:cNvPr>
+          <p:cNvGrpSpPr/>
+          <p:nvPr/>
+        </p:nvGrpSpPr>
+        <p:grpSpPr>
+          <a:xfrm>
+            <a:off x="1145329" y="5059602"/>
+            <a:ext cx="5724000" cy="1188000"/>
+            <a:chOff x="9384132" y="5059602"/>
+            <a:chExt cx="5724000" cy="1188000"/>
+          </a:xfrm>
+        </p:grpSpPr>
+        <p:sp>
+          <p:nvSpPr>
+            <p:cNvPr id="154" name="Rectangle 153">
+              <a:extLst>
+                <a:ext uri="{FF2B5EF4-FFF2-40B4-BE49-F238E27FC236}">
+                  <a16:creationId xmlns:a16="http://schemas.microsoft.com/office/drawing/2014/main" id="{00787CE6-5B75-C7BC-B034-73A4F6CB0B3C}"/>
+                </a:ext>
+              </a:extLst>
+            </p:cNvPr>
+            <p:cNvSpPr/>
+            <p:nvPr/>
+          </p:nvSpPr>
+          <p:spPr>
+            <a:xfrm>
+              <a:off x="9384132" y="5059602"/>
+              <a:ext cx="5724000" cy="1188000"/>
+            </a:xfrm>
+            <a:prstGeom prst="rect">
+              <a:avLst/>
+            </a:prstGeom>
+          </p:spPr>
+          <p:style>
+            <a:lnRef idx="2">
+              <a:schemeClr val="accent1">
+                <a:shade val="15000"/>
+              </a:schemeClr>
+            </a:lnRef>
+            <a:fillRef idx="1">
+              <a:schemeClr val="accent1"/>
+            </a:fillRef>
+            <a:effectRef idx="0">
+              <a:schemeClr val="accent1"/>
+            </a:effectRef>
+            <a:fontRef idx="minor">
+              <a:schemeClr val="lt1"/>
+            </a:fontRef>
+          </p:style>
+          <p:txBody>
+            <a:bodyPr rtlCol="0" anchor="ctr"/>
+            <a:lstStyle/>
+            <a:p>
+              <a:pPr algn="ctr"/>
+              <a:r>
+                <a:rPr lang="fr-FR" dirty="0"/>
+                <a:t>RADIO</a:t>
+              </a:r>
+            </a:p>
+          </p:txBody>
+        </p:sp>
+        <p:sp>
+          <p:nvSpPr>
+            <p:cNvPr id="155" name="Ellipse 154">
+              <a:extLst>
+                <a:ext uri="{FF2B5EF4-FFF2-40B4-BE49-F238E27FC236}">
+                  <a16:creationId xmlns:a16="http://schemas.microsoft.com/office/drawing/2014/main" id="{82A2BAFA-5553-CB7C-3D07-251C4ECD532A}"/>
+                </a:ext>
+              </a:extLst>
+            </p:cNvPr>
+            <p:cNvSpPr/>
+            <p:nvPr/>
+          </p:nvSpPr>
+          <p:spPr>
+            <a:xfrm>
+              <a:off x="9547511" y="5301060"/>
+              <a:ext cx="630000" cy="630000"/>
+            </a:xfrm>
+            <a:prstGeom prst="ellipse">
+              <a:avLst/>
+            </a:prstGeom>
+          </p:spPr>
+          <p:style>
+            <a:lnRef idx="2">
+              <a:schemeClr val="accent5">
+                <a:shade val="15000"/>
+              </a:schemeClr>
+            </a:lnRef>
+            <a:fillRef idx="1">
+              <a:schemeClr val="accent5"/>
+            </a:fillRef>
+            <a:effectRef idx="0">
+              <a:schemeClr val="accent5"/>
+            </a:effectRef>
+            <a:fontRef idx="minor">
+              <a:schemeClr val="lt1"/>
+            </a:fontRef>
+          </p:style>
+          <p:txBody>
+            <a:bodyPr rtlCol="0" anchor="ctr"/>
+            <a:lstStyle/>
+            <a:p>
+              <a:pPr algn="ctr"/>
+              <a:r>
+                <a:rPr lang="fr-FR" sz="600" dirty="0"/>
+                <a:t>COM FREQ</a:t>
+              </a:r>
+            </a:p>
+          </p:txBody>
+        </p:sp>
+        <p:sp>
+          <p:nvSpPr>
+            <p:cNvPr id="156" name="Ellipse 155">
+              <a:extLst>
+                <a:ext uri="{FF2B5EF4-FFF2-40B4-BE49-F238E27FC236}">
+                  <a16:creationId xmlns:a16="http://schemas.microsoft.com/office/drawing/2014/main" id="{44FC0C3E-52B4-D535-6AF4-0B48B6F2D7B6}"/>
+                </a:ext>
+              </a:extLst>
+            </p:cNvPr>
+            <p:cNvSpPr/>
+            <p:nvPr/>
+          </p:nvSpPr>
+          <p:spPr>
+            <a:xfrm>
+              <a:off x="14168499" y="5297998"/>
+              <a:ext cx="630000" cy="630000"/>
+            </a:xfrm>
+            <a:prstGeom prst="ellipse">
+              <a:avLst/>
+            </a:prstGeom>
+          </p:spPr>
+          <p:style>
+            <a:lnRef idx="2">
+              <a:schemeClr val="accent5">
+                <a:shade val="15000"/>
+              </a:schemeClr>
+            </a:lnRef>
+            <a:fillRef idx="1">
+              <a:schemeClr val="accent5"/>
+            </a:fillRef>
+            <a:effectRef idx="0">
+              <a:schemeClr val="accent5"/>
+            </a:effectRef>
+            <a:fontRef idx="minor">
+              <a:schemeClr val="lt1"/>
+            </a:fontRef>
+          </p:style>
+          <p:txBody>
+            <a:bodyPr rtlCol="0" anchor="ctr"/>
+            <a:lstStyle/>
+            <a:p>
+              <a:pPr algn="ctr"/>
+              <a:r>
+                <a:rPr lang="fr-FR" sz="600" dirty="0"/>
+                <a:t>NAV FREQ</a:t>
+              </a:r>
+            </a:p>
+          </p:txBody>
+        </p:sp>
+        <p:sp>
+          <p:nvSpPr>
+            <p:cNvPr id="157" name="Rectangle 156">
+              <a:extLst>
+                <a:ext uri="{FF2B5EF4-FFF2-40B4-BE49-F238E27FC236}">
+                  <a16:creationId xmlns:a16="http://schemas.microsoft.com/office/drawing/2014/main" id="{1FD65BD8-2DA6-541E-D78C-CA0EA1560E57}"/>
+                </a:ext>
+              </a:extLst>
+            </p:cNvPr>
+            <p:cNvSpPr/>
+            <p:nvPr/>
+          </p:nvSpPr>
+          <p:spPr>
+            <a:xfrm>
+              <a:off x="13466731" y="5286655"/>
+              <a:ext cx="360000" cy="252000"/>
+            </a:xfrm>
+            <a:prstGeom prst="rect">
+              <a:avLst/>
+            </a:prstGeom>
+          </p:spPr>
+          <p:style>
+            <a:lnRef idx="2">
+              <a:schemeClr val="accent5">
+                <a:shade val="15000"/>
+              </a:schemeClr>
+            </a:lnRef>
+            <a:fillRef idx="1">
+              <a:schemeClr val="accent5"/>
+            </a:fillRef>
+            <a:effectRef idx="0">
+              <a:schemeClr val="accent5"/>
+            </a:effectRef>
+            <a:fontRef idx="minor">
+              <a:schemeClr val="lt1"/>
+            </a:fontRef>
+          </p:style>
+          <p:txBody>
+            <a:bodyPr rtlCol="0" anchor="ctr"/>
+            <a:lstStyle/>
+            <a:p>
+              <a:pPr algn="ctr"/>
+              <a:r>
+                <a:rPr lang="fr-FR" sz="600" dirty="0"/>
+                <a:t>SWAP</a:t>
+              </a:r>
+            </a:p>
+          </p:txBody>
+        </p:sp>
+        <p:sp>
+          <p:nvSpPr>
+            <p:cNvPr id="158" name="Rectangle 157">
+              <a:extLst>
+                <a:ext uri="{FF2B5EF4-FFF2-40B4-BE49-F238E27FC236}">
+                  <a16:creationId xmlns:a16="http://schemas.microsoft.com/office/drawing/2014/main" id="{47D358F8-0DBA-33A7-7084-1D5A83238C00}"/>
+                </a:ext>
+              </a:extLst>
+            </p:cNvPr>
+            <p:cNvSpPr/>
+            <p:nvPr/>
+          </p:nvSpPr>
+          <p:spPr>
+            <a:xfrm>
+              <a:off x="13466731" y="5747086"/>
+              <a:ext cx="360000" cy="252000"/>
+            </a:xfrm>
+            <a:prstGeom prst="rect">
+              <a:avLst/>
+            </a:prstGeom>
+          </p:spPr>
+          <p:style>
+            <a:lnRef idx="2">
+              <a:schemeClr val="accent5">
+                <a:shade val="15000"/>
+              </a:schemeClr>
+            </a:lnRef>
+            <a:fillRef idx="1">
+              <a:schemeClr val="accent5"/>
+            </a:fillRef>
+            <a:effectRef idx="0">
+              <a:schemeClr val="accent5"/>
+            </a:effectRef>
+            <a:fontRef idx="minor">
+              <a:schemeClr val="lt1"/>
+            </a:fontRef>
+          </p:style>
+          <p:txBody>
+            <a:bodyPr rtlCol="0" anchor="ctr"/>
+            <a:lstStyle/>
+            <a:p>
+              <a:pPr algn="ctr"/>
+              <a:r>
+                <a:rPr lang="fr-FR" sz="600" dirty="0"/>
+                <a:t>MODE</a:t>
+              </a:r>
+            </a:p>
+          </p:txBody>
+        </p:sp>
+        <p:sp>
+          <p:nvSpPr>
+            <p:cNvPr id="159" name="Rectangle 158">
+              <a:extLst>
+                <a:ext uri="{FF2B5EF4-FFF2-40B4-BE49-F238E27FC236}">
+                  <a16:creationId xmlns:a16="http://schemas.microsoft.com/office/drawing/2014/main" id="{A4736E17-F4A4-E8F8-EF61-2E5341A0BD29}"/>
+                </a:ext>
+              </a:extLst>
+            </p:cNvPr>
+            <p:cNvSpPr/>
+            <p:nvPr/>
+          </p:nvSpPr>
+          <p:spPr>
+            <a:xfrm>
+              <a:off x="10442836" y="5315797"/>
+              <a:ext cx="360000" cy="252000"/>
+            </a:xfrm>
+            <a:prstGeom prst="rect">
+              <a:avLst/>
+            </a:prstGeom>
+          </p:spPr>
+          <p:style>
+            <a:lnRef idx="2">
+              <a:schemeClr val="accent5">
+                <a:shade val="15000"/>
+              </a:schemeClr>
+            </a:lnRef>
+            <a:fillRef idx="1">
+              <a:schemeClr val="accent5"/>
+            </a:fillRef>
+            <a:effectRef idx="0">
+              <a:schemeClr val="accent5"/>
+            </a:effectRef>
+            <a:fontRef idx="minor">
+              <a:schemeClr val="lt1"/>
+            </a:fontRef>
+          </p:style>
+          <p:txBody>
+            <a:bodyPr rtlCol="0" anchor="ctr"/>
+            <a:lstStyle/>
+            <a:p>
+              <a:pPr algn="ctr"/>
+              <a:r>
+                <a:rPr lang="fr-FR" sz="600" dirty="0"/>
+                <a:t>SWAP</a:t>
+              </a:r>
+            </a:p>
+          </p:txBody>
+        </p:sp>
+        <p:sp>
+          <p:nvSpPr>
+            <p:cNvPr id="160" name="Rectangle 159">
+              <a:extLst>
+                <a:ext uri="{FF2B5EF4-FFF2-40B4-BE49-F238E27FC236}">
+                  <a16:creationId xmlns:a16="http://schemas.microsoft.com/office/drawing/2014/main" id="{A376DE38-59AE-9C4C-63FA-787C19814A81}"/>
+                </a:ext>
+              </a:extLst>
+            </p:cNvPr>
+            <p:cNvSpPr/>
+            <p:nvPr/>
+          </p:nvSpPr>
+          <p:spPr>
+            <a:xfrm>
+              <a:off x="10442836" y="5776228"/>
+              <a:ext cx="360000" cy="252000"/>
+            </a:xfrm>
+            <a:prstGeom prst="rect">
+              <a:avLst/>
+            </a:prstGeom>
+          </p:spPr>
+          <p:style>
+            <a:lnRef idx="2">
+              <a:schemeClr val="accent5">
+                <a:shade val="15000"/>
+              </a:schemeClr>
+            </a:lnRef>
+            <a:fillRef idx="1">
+              <a:schemeClr val="accent5"/>
+            </a:fillRef>
+            <a:effectRef idx="0">
+              <a:schemeClr val="accent5"/>
+            </a:effectRef>
+            <a:fontRef idx="minor">
+              <a:schemeClr val="lt1"/>
+            </a:fontRef>
+          </p:style>
+          <p:txBody>
+            <a:bodyPr rtlCol="0" anchor="ctr"/>
+            <a:lstStyle/>
+            <a:p>
+              <a:pPr algn="ctr"/>
+              <a:r>
+                <a:rPr lang="fr-FR" sz="600" dirty="0"/>
+                <a:t>MODE</a:t>
+              </a:r>
+            </a:p>
+          </p:txBody>
+        </p:sp>
+        <p:grpSp>
+          <p:nvGrpSpPr>
+            <p:cNvPr id="161" name="Groupe 160">
+              <a:extLst>
+                <a:ext uri="{FF2B5EF4-FFF2-40B4-BE49-F238E27FC236}">
+                  <a16:creationId xmlns:a16="http://schemas.microsoft.com/office/drawing/2014/main" id="{FB1A997F-4A6F-9659-A7C2-0A5B358E2F35}"/>
+                </a:ext>
+              </a:extLst>
+            </p:cNvPr>
+            <p:cNvGrpSpPr/>
+            <p:nvPr/>
+          </p:nvGrpSpPr>
+          <p:grpSpPr>
+            <a:xfrm>
+              <a:off x="11321823" y="5146452"/>
+              <a:ext cx="1836000" cy="972000"/>
+              <a:chOff x="13876338" y="10560281"/>
+              <a:chExt cx="1836000" cy="972000"/>
+            </a:xfrm>
+          </p:grpSpPr>
+          <p:sp>
+            <p:nvSpPr>
+              <p:cNvPr id="162" name="Rectangle 161">
+                <a:extLst>
+                  <a:ext uri="{FF2B5EF4-FFF2-40B4-BE49-F238E27FC236}">
+                    <a16:creationId xmlns:a16="http://schemas.microsoft.com/office/drawing/2014/main" id="{E2A2C428-B714-B1C7-974B-07BD865A3B9D}"/>
+                  </a:ext>
+                </a:extLst>
+              </p:cNvPr>
+              <p:cNvSpPr/>
+              <p:nvPr/>
+            </p:nvSpPr>
+            <p:spPr>
+              <a:xfrm>
+                <a:off x="13876338" y="10560281"/>
+                <a:ext cx="1836000" cy="972000"/>
+              </a:xfrm>
+              <a:prstGeom prst="rect">
+                <a:avLst/>
+              </a:prstGeom>
+            </p:spPr>
+            <p:style>
+              <a:lnRef idx="2">
+                <a:schemeClr val="accent5">
+                  <a:shade val="15000"/>
+                </a:schemeClr>
+              </a:lnRef>
+              <a:fillRef idx="1">
+                <a:schemeClr val="accent5"/>
+              </a:fillRef>
+              <a:effectRef idx="0">
+                <a:schemeClr val="accent5"/>
+              </a:effectRef>
+              <a:fontRef idx="minor">
+                <a:schemeClr val="lt1"/>
+              </a:fontRef>
+            </p:style>
+            <p:txBody>
+              <a:bodyPr rtlCol="0" anchor="ctr"/>
+              <a:lstStyle/>
+              <a:p>
+                <a:pPr algn="ctr"/>
+                <a:r>
+                  <a:rPr lang="fr-FR" sz="600" dirty="0"/>
+                  <a:t>Radio</a:t>
+                </a:r>
+              </a:p>
+            </p:txBody>
+          </p:sp>
+          <p:sp>
+            <p:nvSpPr>
+              <p:cNvPr id="163" name="Rectangle 162">
+                <a:extLst>
+                  <a:ext uri="{FF2B5EF4-FFF2-40B4-BE49-F238E27FC236}">
+                    <a16:creationId xmlns:a16="http://schemas.microsoft.com/office/drawing/2014/main" id="{6F7CC6D1-0DB8-4B64-95BF-ED21F7E00A28}"/>
+                  </a:ext>
+                </a:extLst>
+              </p:cNvPr>
+              <p:cNvSpPr/>
+              <p:nvPr/>
+            </p:nvSpPr>
+            <p:spPr>
+              <a:xfrm>
+                <a:off x="14025738" y="10653954"/>
+                <a:ext cx="1537200" cy="817200"/>
+              </a:xfrm>
+              <a:prstGeom prst="rect">
+                <a:avLst/>
+              </a:prstGeom>
+            </p:spPr>
+            <p:style>
+              <a:lnRef idx="2">
+                <a:schemeClr val="dk1">
+                  <a:shade val="15000"/>
+                </a:schemeClr>
+              </a:lnRef>
+              <a:fillRef idx="1">
+                <a:schemeClr val="dk1"/>
+              </a:fillRef>
+              <a:effectRef idx="0">
+                <a:schemeClr val="dk1"/>
+              </a:effectRef>
+              <a:fontRef idx="minor">
+                <a:schemeClr val="lt1"/>
+              </a:fontRef>
+            </p:style>
+            <p:txBody>
+              <a:bodyPr rtlCol="0" anchor="ctr"/>
+              <a:lstStyle/>
+              <a:p>
+                <a:pPr algn="ctr"/>
+                <a:r>
+                  <a:rPr lang="fr-FR" sz="600" dirty="0"/>
+                  <a:t>Radio</a:t>
+                </a:r>
+              </a:p>
+            </p:txBody>
+          </p:sp>
+        </p:grpSp>
+      </p:grpSp>
+      <p:grpSp>
+        <p:nvGrpSpPr>
+          <p:cNvPr id="164" name="Groupe 163">
+            <a:extLst>
+              <a:ext uri="{FF2B5EF4-FFF2-40B4-BE49-F238E27FC236}">
+                <a16:creationId xmlns:a16="http://schemas.microsoft.com/office/drawing/2014/main" id="{79CC800C-FBF8-A75F-8B73-1E432827FB71}"/>
+              </a:ext>
+            </a:extLst>
+          </p:cNvPr>
+          <p:cNvGrpSpPr/>
+          <p:nvPr/>
+        </p:nvGrpSpPr>
+        <p:grpSpPr>
+          <a:xfrm>
+            <a:off x="1148626" y="7655415"/>
+            <a:ext cx="5724000" cy="2952000"/>
+            <a:chOff x="6886818" y="11625096"/>
+            <a:chExt cx="5724000" cy="2952000"/>
+          </a:xfrm>
+        </p:grpSpPr>
+        <p:sp>
+          <p:nvSpPr>
+            <p:cNvPr id="165" name="Rectangle 164">
+              <a:extLst>
+                <a:ext uri="{FF2B5EF4-FFF2-40B4-BE49-F238E27FC236}">
+                  <a16:creationId xmlns:a16="http://schemas.microsoft.com/office/drawing/2014/main" id="{9087B5DB-D40B-40C0-B598-ABB65C7C0DE6}"/>
+                </a:ext>
+              </a:extLst>
+            </p:cNvPr>
+            <p:cNvSpPr/>
+            <p:nvPr/>
+          </p:nvSpPr>
+          <p:spPr>
+            <a:xfrm>
+              <a:off x="6886818" y="11625096"/>
+              <a:ext cx="5724000" cy="2952000"/>
+            </a:xfrm>
+            <a:prstGeom prst="rect">
+              <a:avLst/>
+            </a:prstGeom>
+          </p:spPr>
+          <p:style>
+            <a:lnRef idx="2">
+              <a:schemeClr val="accent1">
+                <a:shade val="15000"/>
+              </a:schemeClr>
+            </a:lnRef>
+            <a:fillRef idx="1">
+              <a:schemeClr val="accent1"/>
+            </a:fillRef>
+            <a:effectRef idx="0">
+              <a:schemeClr val="accent1"/>
+            </a:effectRef>
+            <a:fontRef idx="minor">
+              <a:schemeClr val="lt1"/>
+            </a:fontRef>
+          </p:style>
+          <p:txBody>
+            <a:bodyPr rtlCol="0" anchor="ctr"/>
+            <a:lstStyle/>
+            <a:p>
+              <a:pPr algn="ctr"/>
+              <a:r>
+                <a:rPr lang="fr-FR" dirty="0"/>
+                <a:t>AP</a:t>
+              </a:r>
+            </a:p>
+          </p:txBody>
+        </p:sp>
+        <p:sp>
+          <p:nvSpPr>
+            <p:cNvPr id="166" name="Rectangle 165">
+              <a:extLst>
+                <a:ext uri="{FF2B5EF4-FFF2-40B4-BE49-F238E27FC236}">
+                  <a16:creationId xmlns:a16="http://schemas.microsoft.com/office/drawing/2014/main" id="{895C8031-4DF2-8DAD-0933-CAC32948B8C3}"/>
+                </a:ext>
+              </a:extLst>
+            </p:cNvPr>
+            <p:cNvSpPr/>
+            <p:nvPr/>
+          </p:nvSpPr>
+          <p:spPr>
+            <a:xfrm>
+              <a:off x="7277331" y="11893504"/>
+              <a:ext cx="360000" cy="252000"/>
+            </a:xfrm>
+            <a:prstGeom prst="rect">
+              <a:avLst/>
+            </a:prstGeom>
+          </p:spPr>
+          <p:style>
+            <a:lnRef idx="2">
+              <a:schemeClr val="accent5">
+                <a:shade val="15000"/>
+              </a:schemeClr>
+            </a:lnRef>
+            <a:fillRef idx="1">
+              <a:schemeClr val="accent5"/>
+            </a:fillRef>
+            <a:effectRef idx="0">
+              <a:schemeClr val="accent5"/>
+            </a:effectRef>
+            <a:fontRef idx="minor">
+              <a:schemeClr val="lt1"/>
+            </a:fontRef>
+          </p:style>
+          <p:txBody>
+            <a:bodyPr rtlCol="0" anchor="ctr"/>
+            <a:lstStyle/>
+            <a:p>
+              <a:pPr algn="ctr"/>
+              <a:r>
+                <a:rPr lang="fr-FR" sz="600" dirty="0"/>
+                <a:t>HDG</a:t>
+              </a:r>
+            </a:p>
+          </p:txBody>
+        </p:sp>
+        <p:sp>
+          <p:nvSpPr>
+            <p:cNvPr id="167" name="Rectangle 166">
+              <a:extLst>
+                <a:ext uri="{FF2B5EF4-FFF2-40B4-BE49-F238E27FC236}">
+                  <a16:creationId xmlns:a16="http://schemas.microsoft.com/office/drawing/2014/main" id="{79BB60A8-C1E9-AD03-1D67-E519C28C95AC}"/>
+                </a:ext>
+              </a:extLst>
+            </p:cNvPr>
+            <p:cNvSpPr/>
+            <p:nvPr/>
+          </p:nvSpPr>
+          <p:spPr>
+            <a:xfrm>
+              <a:off x="7967149" y="11893504"/>
+              <a:ext cx="360000" cy="252000"/>
+            </a:xfrm>
+            <a:prstGeom prst="rect">
+              <a:avLst/>
+            </a:prstGeom>
+          </p:spPr>
+          <p:style>
+            <a:lnRef idx="2">
+              <a:schemeClr val="accent5">
+                <a:shade val="15000"/>
+              </a:schemeClr>
+            </a:lnRef>
+            <a:fillRef idx="1">
+              <a:schemeClr val="accent5"/>
+            </a:fillRef>
+            <a:effectRef idx="0">
+              <a:schemeClr val="accent5"/>
+            </a:effectRef>
+            <a:fontRef idx="minor">
+              <a:schemeClr val="lt1"/>
+            </a:fontRef>
+          </p:style>
+          <p:txBody>
+            <a:bodyPr rtlCol="0" anchor="ctr"/>
+            <a:lstStyle/>
+            <a:p>
+              <a:pPr algn="ctr"/>
+              <a:r>
+                <a:rPr lang="fr-FR" sz="600" dirty="0"/>
+                <a:t>APR</a:t>
+              </a:r>
+            </a:p>
+          </p:txBody>
+        </p:sp>
+        <p:sp>
+          <p:nvSpPr>
+            <p:cNvPr id="168" name="Rectangle 167">
+              <a:extLst>
+                <a:ext uri="{FF2B5EF4-FFF2-40B4-BE49-F238E27FC236}">
+                  <a16:creationId xmlns:a16="http://schemas.microsoft.com/office/drawing/2014/main" id="{58385FD9-8938-544A-E257-EE97DE00B001}"/>
+                </a:ext>
+              </a:extLst>
+            </p:cNvPr>
+            <p:cNvSpPr/>
+            <p:nvPr/>
+          </p:nvSpPr>
+          <p:spPr>
+            <a:xfrm>
+              <a:off x="8656968" y="11922291"/>
+              <a:ext cx="360000" cy="252000"/>
+            </a:xfrm>
+            <a:prstGeom prst="rect">
+              <a:avLst/>
+            </a:prstGeom>
+          </p:spPr>
+          <p:style>
+            <a:lnRef idx="2">
+              <a:schemeClr val="accent5">
+                <a:shade val="15000"/>
+              </a:schemeClr>
+            </a:lnRef>
+            <a:fillRef idx="1">
+              <a:schemeClr val="accent5"/>
+            </a:fillRef>
+            <a:effectRef idx="0">
+              <a:schemeClr val="accent5"/>
+            </a:effectRef>
+            <a:fontRef idx="minor">
+              <a:schemeClr val="lt1"/>
+            </a:fontRef>
+          </p:style>
+          <p:txBody>
+            <a:bodyPr rtlCol="0" anchor="ctr"/>
+            <a:lstStyle/>
+            <a:p>
+              <a:pPr algn="ctr"/>
+              <a:r>
+                <a:rPr lang="fr-FR" sz="600" dirty="0"/>
+                <a:t>NAV</a:t>
+              </a:r>
+            </a:p>
+          </p:txBody>
+        </p:sp>
+        <p:sp>
+          <p:nvSpPr>
+            <p:cNvPr id="169" name="Ellipse 168">
+              <a:extLst>
+                <a:ext uri="{FF2B5EF4-FFF2-40B4-BE49-F238E27FC236}">
+                  <a16:creationId xmlns:a16="http://schemas.microsoft.com/office/drawing/2014/main" id="{A85736E5-53C6-37FD-ACE0-3BDAECD62764}"/>
+                </a:ext>
+              </a:extLst>
+            </p:cNvPr>
+            <p:cNvSpPr/>
+            <p:nvPr/>
+          </p:nvSpPr>
+          <p:spPr>
+            <a:xfrm>
+              <a:off x="7144844" y="12323748"/>
+              <a:ext cx="628650" cy="630000"/>
+            </a:xfrm>
+            <a:prstGeom prst="ellipse">
+              <a:avLst/>
+            </a:prstGeom>
+          </p:spPr>
+          <p:style>
+            <a:lnRef idx="2">
+              <a:schemeClr val="accent5">
+                <a:shade val="15000"/>
+              </a:schemeClr>
+            </a:lnRef>
+            <a:fillRef idx="1">
+              <a:schemeClr val="accent5"/>
+            </a:fillRef>
+            <a:effectRef idx="0">
+              <a:schemeClr val="accent5"/>
+            </a:effectRef>
+            <a:fontRef idx="minor">
+              <a:schemeClr val="lt1"/>
+            </a:fontRef>
+          </p:style>
+          <p:txBody>
+            <a:bodyPr rtlCol="0" anchor="ctr"/>
+            <a:lstStyle/>
+            <a:p>
+              <a:pPr algn="ctr"/>
+              <a:r>
+                <a:rPr lang="en-US" sz="600" dirty="0"/>
+                <a:t>HDG</a:t>
+              </a:r>
+            </a:p>
+          </p:txBody>
+        </p:sp>
+        <p:sp>
+          <p:nvSpPr>
+            <p:cNvPr id="170" name="Ellipse 169">
+              <a:extLst>
+                <a:ext uri="{FF2B5EF4-FFF2-40B4-BE49-F238E27FC236}">
+                  <a16:creationId xmlns:a16="http://schemas.microsoft.com/office/drawing/2014/main" id="{AA81D2F2-8EC7-7511-33AD-6C8D6C6E9483}"/>
+                </a:ext>
+              </a:extLst>
+            </p:cNvPr>
+            <p:cNvSpPr/>
+            <p:nvPr/>
+          </p:nvSpPr>
+          <p:spPr>
+            <a:xfrm>
+              <a:off x="8520024" y="12315799"/>
+              <a:ext cx="628650" cy="630000"/>
+            </a:xfrm>
+            <a:prstGeom prst="ellipse">
+              <a:avLst/>
+            </a:prstGeom>
+          </p:spPr>
+          <p:style>
+            <a:lnRef idx="2">
+              <a:schemeClr val="accent5">
+                <a:shade val="15000"/>
+              </a:schemeClr>
+            </a:lnRef>
+            <a:fillRef idx="1">
+              <a:schemeClr val="accent5"/>
+            </a:fillRef>
+            <a:effectRef idx="0">
+              <a:schemeClr val="accent5"/>
+            </a:effectRef>
+            <a:fontRef idx="minor">
+              <a:schemeClr val="lt1"/>
+            </a:fontRef>
+          </p:style>
+          <p:txBody>
+            <a:bodyPr rtlCol="0" anchor="ctr"/>
+            <a:lstStyle/>
+            <a:p>
+              <a:pPr algn="ctr"/>
+              <a:r>
+                <a:rPr lang="en-US" sz="600" dirty="0"/>
+                <a:t>CRS1</a:t>
+              </a:r>
+            </a:p>
+          </p:txBody>
+        </p:sp>
+        <p:sp>
+          <p:nvSpPr>
+            <p:cNvPr id="171" name="Ellipse 170">
+              <a:extLst>
+                <a:ext uri="{FF2B5EF4-FFF2-40B4-BE49-F238E27FC236}">
+                  <a16:creationId xmlns:a16="http://schemas.microsoft.com/office/drawing/2014/main" id="{724AB344-3117-E57A-215E-147872A33556}"/>
+                </a:ext>
+              </a:extLst>
+            </p:cNvPr>
+            <p:cNvSpPr/>
+            <p:nvPr/>
+          </p:nvSpPr>
+          <p:spPr>
+            <a:xfrm>
+              <a:off x="11604361" y="12315799"/>
+              <a:ext cx="628650" cy="630000"/>
+            </a:xfrm>
+            <a:prstGeom prst="ellipse">
+              <a:avLst/>
+            </a:prstGeom>
+          </p:spPr>
+          <p:style>
+            <a:lnRef idx="2">
+              <a:schemeClr val="accent5">
+                <a:shade val="15000"/>
+              </a:schemeClr>
+            </a:lnRef>
+            <a:fillRef idx="1">
+              <a:schemeClr val="accent5"/>
+            </a:fillRef>
+            <a:effectRef idx="0">
+              <a:schemeClr val="accent5"/>
+            </a:effectRef>
+            <a:fontRef idx="minor">
+              <a:schemeClr val="lt1"/>
+            </a:fontRef>
+          </p:style>
+          <p:txBody>
+            <a:bodyPr rtlCol="0" anchor="ctr"/>
+            <a:lstStyle/>
+            <a:p>
+              <a:pPr algn="ctr"/>
+              <a:r>
+                <a:rPr lang="en-US" sz="600" dirty="0"/>
+                <a:t>CRS2/ BARO</a:t>
+              </a:r>
+            </a:p>
+          </p:txBody>
+        </p:sp>
+        <p:sp>
+          <p:nvSpPr>
+            <p:cNvPr id="172" name="Rectangle 171">
+              <a:extLst>
+                <a:ext uri="{FF2B5EF4-FFF2-40B4-BE49-F238E27FC236}">
+                  <a16:creationId xmlns:a16="http://schemas.microsoft.com/office/drawing/2014/main" id="{13A8CF55-001B-924B-76FC-E1508598AF9C}"/>
+                </a:ext>
+              </a:extLst>
+            </p:cNvPr>
+            <p:cNvSpPr/>
+            <p:nvPr/>
+          </p:nvSpPr>
+          <p:spPr>
+            <a:xfrm>
+              <a:off x="9604189" y="13439655"/>
+              <a:ext cx="228390" cy="982980"/>
+            </a:xfrm>
+            <a:prstGeom prst="rect">
+              <a:avLst/>
+            </a:prstGeom>
+          </p:spPr>
+          <p:style>
+            <a:lnRef idx="2">
+              <a:schemeClr val="accent5">
+                <a:shade val="15000"/>
+              </a:schemeClr>
+            </a:lnRef>
+            <a:fillRef idx="1">
+              <a:schemeClr val="accent5"/>
+            </a:fillRef>
+            <a:effectRef idx="0">
+              <a:schemeClr val="accent5"/>
+            </a:effectRef>
+            <a:fontRef idx="minor">
+              <a:schemeClr val="lt1"/>
+            </a:fontRef>
+          </p:style>
+          <p:txBody>
+            <a:bodyPr rtlCol="0" anchor="ctr"/>
+            <a:lstStyle/>
+            <a:p>
+              <a:pPr algn="ctr"/>
+              <a:endParaRPr lang="en-US"/>
+            </a:p>
+          </p:txBody>
+        </p:sp>
+        <p:sp>
+          <p:nvSpPr>
+            <p:cNvPr id="173" name="Rectangle 172">
+              <a:extLst>
+                <a:ext uri="{FF2B5EF4-FFF2-40B4-BE49-F238E27FC236}">
+                  <a16:creationId xmlns:a16="http://schemas.microsoft.com/office/drawing/2014/main" id="{AA6C4B09-4C33-57B4-F70B-5A7464CD9BFD}"/>
+                </a:ext>
+              </a:extLst>
+            </p:cNvPr>
+            <p:cNvSpPr/>
+            <p:nvPr/>
+          </p:nvSpPr>
+          <p:spPr>
+            <a:xfrm>
+              <a:off x="9819245" y="11922291"/>
+              <a:ext cx="360000" cy="252000"/>
+            </a:xfrm>
+            <a:prstGeom prst="rect">
+              <a:avLst/>
+            </a:prstGeom>
+          </p:spPr>
+          <p:style>
+            <a:lnRef idx="2">
+              <a:schemeClr val="accent5">
+                <a:shade val="15000"/>
+              </a:schemeClr>
+            </a:lnRef>
+            <a:fillRef idx="1">
+              <a:schemeClr val="accent5"/>
+            </a:fillRef>
+            <a:effectRef idx="0">
+              <a:schemeClr val="accent5"/>
+            </a:effectRef>
+            <a:fontRef idx="minor">
+              <a:schemeClr val="lt1"/>
+            </a:fontRef>
+          </p:style>
+          <p:txBody>
+            <a:bodyPr rtlCol="0" anchor="ctr"/>
+            <a:lstStyle/>
+            <a:p>
+              <a:pPr algn="ctr"/>
+              <a:r>
+                <a:rPr lang="fr-FR" sz="600" dirty="0"/>
+                <a:t>AP</a:t>
+              </a:r>
+            </a:p>
+          </p:txBody>
+        </p:sp>
+        <p:sp>
+          <p:nvSpPr>
+            <p:cNvPr id="174" name="Rectangle 173">
+              <a:extLst>
+                <a:ext uri="{FF2B5EF4-FFF2-40B4-BE49-F238E27FC236}">
+                  <a16:creationId xmlns:a16="http://schemas.microsoft.com/office/drawing/2014/main" id="{DC90C8FC-C860-DB84-B64D-5933F3059487}"/>
+                </a:ext>
+              </a:extLst>
+            </p:cNvPr>
+            <p:cNvSpPr/>
+            <p:nvPr/>
+          </p:nvSpPr>
+          <p:spPr>
+            <a:xfrm>
+              <a:off x="10509064" y="11922291"/>
+              <a:ext cx="360000" cy="252000"/>
+            </a:xfrm>
+            <a:prstGeom prst="rect">
+              <a:avLst/>
+            </a:prstGeom>
+          </p:spPr>
+          <p:style>
+            <a:lnRef idx="2">
+              <a:schemeClr val="accent5">
+                <a:shade val="15000"/>
+              </a:schemeClr>
+            </a:lnRef>
+            <a:fillRef idx="1">
+              <a:schemeClr val="accent5"/>
+            </a:fillRef>
+            <a:effectRef idx="0">
+              <a:schemeClr val="accent5"/>
+            </a:effectRef>
+            <a:fontRef idx="minor">
+              <a:schemeClr val="lt1"/>
+            </a:fontRef>
+          </p:style>
+          <p:txBody>
+            <a:bodyPr rtlCol="0" anchor="ctr"/>
+            <a:lstStyle/>
+            <a:p>
+              <a:pPr algn="ctr"/>
+              <a:r>
+                <a:rPr lang="fr-FR" sz="600" dirty="0"/>
+                <a:t>FD</a:t>
+              </a:r>
+            </a:p>
+          </p:txBody>
+        </p:sp>
+        <p:cxnSp>
+          <p:nvCxnSpPr>
+            <p:cNvPr id="175" name="Connecteur droit 174">
+              <a:extLst>
+                <a:ext uri="{FF2B5EF4-FFF2-40B4-BE49-F238E27FC236}">
+                  <a16:creationId xmlns:a16="http://schemas.microsoft.com/office/drawing/2014/main" id="{C2948F37-F4C0-20B9-CEAB-FBECA886EE41}"/>
+                </a:ext>
+              </a:extLst>
+            </p:cNvPr>
+            <p:cNvCxnSpPr>
+              <a:cxnSpLocks/>
+            </p:cNvCxnSpPr>
+            <p:nvPr/>
+          </p:nvCxnSpPr>
+          <p:spPr>
+            <a:xfrm>
+              <a:off x="9316557" y="11922291"/>
+              <a:ext cx="0" cy="914400"/>
+            </a:xfrm>
+            <a:prstGeom prst="line">
+              <a:avLst/>
+            </a:prstGeom>
+          </p:spPr>
+          <p:style>
+            <a:lnRef idx="2">
+              <a:schemeClr val="accent5"/>
+            </a:lnRef>
+            <a:fillRef idx="0">
+              <a:schemeClr val="accent5"/>
+            </a:fillRef>
+            <a:effectRef idx="1">
+              <a:schemeClr val="accent5"/>
+            </a:effectRef>
+            <a:fontRef idx="minor">
+              <a:schemeClr val="tx1"/>
+            </a:fontRef>
+          </p:style>
+        </p:cxnSp>
+        <p:cxnSp>
+          <p:nvCxnSpPr>
+            <p:cNvPr id="176" name="Connecteur droit 175">
+              <a:extLst>
+                <a:ext uri="{FF2B5EF4-FFF2-40B4-BE49-F238E27FC236}">
+                  <a16:creationId xmlns:a16="http://schemas.microsoft.com/office/drawing/2014/main" id="{4A5650C0-3C1C-595C-8612-41EBC1200CFA}"/>
+                </a:ext>
+              </a:extLst>
+            </p:cNvPr>
+            <p:cNvCxnSpPr>
+              <a:cxnSpLocks/>
+            </p:cNvCxnSpPr>
+            <p:nvPr/>
+          </p:nvCxnSpPr>
+          <p:spPr>
+            <a:xfrm>
+              <a:off x="11201978" y="11930051"/>
+              <a:ext cx="0" cy="914400"/>
+            </a:xfrm>
+            <a:prstGeom prst="line">
+              <a:avLst/>
+            </a:prstGeom>
+          </p:spPr>
+          <p:style>
+            <a:lnRef idx="2">
+              <a:schemeClr val="accent5"/>
+            </a:lnRef>
+            <a:fillRef idx="0">
+              <a:schemeClr val="accent5"/>
+            </a:fillRef>
+            <a:effectRef idx="1">
+              <a:schemeClr val="accent5"/>
+            </a:effectRef>
+            <a:fontRef idx="minor">
+              <a:schemeClr val="tx1"/>
+            </a:fontRef>
+          </p:style>
+        </p:cxnSp>
+        <p:sp>
+          <p:nvSpPr>
+            <p:cNvPr id="177" name="Rectangle 176">
+              <a:extLst>
+                <a:ext uri="{FF2B5EF4-FFF2-40B4-BE49-F238E27FC236}">
+                  <a16:creationId xmlns:a16="http://schemas.microsoft.com/office/drawing/2014/main" id="{A85C5A7F-EE16-AB30-FEA1-4EC748602C2B}"/>
+                </a:ext>
+              </a:extLst>
+            </p:cNvPr>
+            <p:cNvSpPr/>
+            <p:nvPr/>
+          </p:nvSpPr>
+          <p:spPr>
+            <a:xfrm>
+              <a:off x="11754180" y="11910799"/>
+              <a:ext cx="360000" cy="252000"/>
+            </a:xfrm>
+            <a:prstGeom prst="rect">
+              <a:avLst/>
+            </a:prstGeom>
+          </p:spPr>
+          <p:style>
+            <a:lnRef idx="2">
+              <a:schemeClr val="accent5">
+                <a:shade val="15000"/>
+              </a:schemeClr>
+            </a:lnRef>
+            <a:fillRef idx="1">
+              <a:schemeClr val="accent5"/>
+            </a:fillRef>
+            <a:effectRef idx="0">
+              <a:schemeClr val="accent5"/>
+            </a:effectRef>
+            <a:fontRef idx="minor">
+              <a:schemeClr val="lt1"/>
+            </a:fontRef>
+          </p:style>
+          <p:txBody>
+            <a:bodyPr rtlCol="0" anchor="ctr"/>
+            <a:lstStyle/>
+            <a:p>
+              <a:pPr algn="ctr"/>
+              <a:r>
+                <a:rPr lang="fr-FR" sz="600" dirty="0"/>
+                <a:t>YD</a:t>
+              </a:r>
+            </a:p>
+          </p:txBody>
+        </p:sp>
+        <p:sp>
+          <p:nvSpPr>
+            <p:cNvPr id="178" name="Rectangle 177">
+              <a:extLst>
+                <a:ext uri="{FF2B5EF4-FFF2-40B4-BE49-F238E27FC236}">
+                  <a16:creationId xmlns:a16="http://schemas.microsoft.com/office/drawing/2014/main" id="{EE9C00BF-4485-3A14-CE5C-3ACBBF418BBA}"/>
+                </a:ext>
+              </a:extLst>
+            </p:cNvPr>
+            <p:cNvSpPr/>
+            <p:nvPr/>
+          </p:nvSpPr>
+          <p:spPr>
+            <a:xfrm>
+              <a:off x="10497558" y="12567636"/>
+              <a:ext cx="360000" cy="252000"/>
+            </a:xfrm>
+            <a:prstGeom prst="rect">
+              <a:avLst/>
+            </a:prstGeom>
+          </p:spPr>
+          <p:style>
+            <a:lnRef idx="2">
+              <a:schemeClr val="accent5">
+                <a:shade val="15000"/>
+              </a:schemeClr>
+            </a:lnRef>
+            <a:fillRef idx="1">
+              <a:schemeClr val="accent5"/>
+            </a:fillRef>
+            <a:effectRef idx="0">
+              <a:schemeClr val="accent5"/>
+            </a:effectRef>
+            <a:fontRef idx="minor">
+              <a:schemeClr val="lt1"/>
+            </a:fontRef>
+          </p:style>
+          <p:txBody>
+            <a:bodyPr rtlCol="0" anchor="ctr"/>
+            <a:lstStyle/>
+            <a:p>
+              <a:pPr algn="ctr"/>
+              <a:r>
+                <a:rPr lang="fr-FR" sz="600" dirty="0"/>
+                <a:t>AT ?</a:t>
+              </a:r>
+            </a:p>
+          </p:txBody>
+        </p:sp>
+        <p:cxnSp>
+          <p:nvCxnSpPr>
+            <p:cNvPr id="179" name="Connecteur droit 178">
+              <a:extLst>
+                <a:ext uri="{FF2B5EF4-FFF2-40B4-BE49-F238E27FC236}">
+                  <a16:creationId xmlns:a16="http://schemas.microsoft.com/office/drawing/2014/main" id="{F76132C7-951D-B7D3-B352-ABBEB7C609AD}"/>
+                </a:ext>
+              </a:extLst>
+            </p:cNvPr>
+            <p:cNvCxnSpPr>
+              <a:cxnSpLocks/>
+            </p:cNvCxnSpPr>
+            <p:nvPr/>
+          </p:nvCxnSpPr>
+          <p:spPr>
+            <a:xfrm>
+              <a:off x="7128591" y="13082128"/>
+              <a:ext cx="5329096" cy="27134"/>
+            </a:xfrm>
+            <a:prstGeom prst="line">
+              <a:avLst/>
+            </a:prstGeom>
+          </p:spPr>
+          <p:style>
+            <a:lnRef idx="2">
+              <a:schemeClr val="accent5"/>
+            </a:lnRef>
+            <a:fillRef idx="0">
+              <a:schemeClr val="accent5"/>
+            </a:fillRef>
+            <a:effectRef idx="1">
+              <a:schemeClr val="accent5"/>
+            </a:effectRef>
+            <a:fontRef idx="minor">
+              <a:schemeClr val="tx1"/>
+            </a:fontRef>
+          </p:style>
+        </p:cxnSp>
+        <p:sp>
+          <p:nvSpPr>
+            <p:cNvPr id="180" name="Ellipse 179">
+              <a:extLst>
+                <a:ext uri="{FF2B5EF4-FFF2-40B4-BE49-F238E27FC236}">
+                  <a16:creationId xmlns:a16="http://schemas.microsoft.com/office/drawing/2014/main" id="{0A4F630D-C332-B086-84A1-6ED4DB890D76}"/>
+                </a:ext>
+              </a:extLst>
+            </p:cNvPr>
+            <p:cNvSpPr/>
+            <p:nvPr/>
+          </p:nvSpPr>
+          <p:spPr>
+            <a:xfrm>
+              <a:off x="7135037" y="13491439"/>
+              <a:ext cx="628650" cy="630000"/>
+            </a:xfrm>
+            <a:prstGeom prst="ellipse">
+              <a:avLst/>
+            </a:prstGeom>
+          </p:spPr>
+          <p:style>
+            <a:lnRef idx="2">
+              <a:schemeClr val="accent5">
+                <a:shade val="15000"/>
+              </a:schemeClr>
+            </a:lnRef>
+            <a:fillRef idx="1">
+              <a:schemeClr val="accent5"/>
+            </a:fillRef>
+            <a:effectRef idx="0">
+              <a:schemeClr val="accent5"/>
+            </a:effectRef>
+            <a:fontRef idx="minor">
+              <a:schemeClr val="lt1"/>
+            </a:fontRef>
+          </p:style>
+          <p:txBody>
+            <a:bodyPr rtlCol="0" anchor="ctr"/>
+            <a:lstStyle/>
+            <a:p>
+              <a:pPr algn="ctr"/>
+              <a:r>
+                <a:rPr lang="en-US" sz="600" dirty="0"/>
+                <a:t>ALT</a:t>
+              </a:r>
+            </a:p>
+          </p:txBody>
+        </p:sp>
+        <p:sp>
+          <p:nvSpPr>
+            <p:cNvPr id="181" name="Rectangle 180">
+              <a:extLst>
+                <a:ext uri="{FF2B5EF4-FFF2-40B4-BE49-F238E27FC236}">
+                  <a16:creationId xmlns:a16="http://schemas.microsoft.com/office/drawing/2014/main" id="{C603EB8A-8775-687B-4057-2F1A25EE9796}"/>
+                </a:ext>
+              </a:extLst>
+            </p:cNvPr>
+            <p:cNvSpPr/>
+            <p:nvPr/>
+          </p:nvSpPr>
+          <p:spPr>
+            <a:xfrm>
+              <a:off x="8074233" y="13655513"/>
+              <a:ext cx="360000" cy="265343"/>
+            </a:xfrm>
+            <a:prstGeom prst="rect">
+              <a:avLst/>
+            </a:prstGeom>
+          </p:spPr>
+          <p:style>
+            <a:lnRef idx="2">
+              <a:schemeClr val="accent5">
+                <a:shade val="15000"/>
+              </a:schemeClr>
+            </a:lnRef>
+            <a:fillRef idx="1">
+              <a:schemeClr val="accent5"/>
+            </a:fillRef>
+            <a:effectRef idx="0">
+              <a:schemeClr val="accent5"/>
+            </a:effectRef>
+            <a:fontRef idx="minor">
+              <a:schemeClr val="lt1"/>
+            </a:fontRef>
+          </p:style>
+          <p:txBody>
+            <a:bodyPr rtlCol="0" anchor="ctr"/>
+            <a:lstStyle/>
+            <a:p>
+              <a:pPr algn="ctr"/>
+              <a:r>
+                <a:rPr lang="fr-FR" sz="600" dirty="0"/>
+                <a:t>ALT</a:t>
+              </a:r>
+            </a:p>
+          </p:txBody>
+        </p:sp>
+        <p:sp>
+          <p:nvSpPr>
+            <p:cNvPr id="182" name="Rectangle 181">
+              <a:extLst>
+                <a:ext uri="{FF2B5EF4-FFF2-40B4-BE49-F238E27FC236}">
+                  <a16:creationId xmlns:a16="http://schemas.microsoft.com/office/drawing/2014/main" id="{A5D52A1E-085D-784A-B2E9-6095978B8C7B}"/>
+                </a:ext>
+              </a:extLst>
+            </p:cNvPr>
+            <p:cNvSpPr/>
+            <p:nvPr/>
+          </p:nvSpPr>
+          <p:spPr>
+            <a:xfrm>
+              <a:off x="8994830" y="13556285"/>
+              <a:ext cx="360000" cy="252000"/>
+            </a:xfrm>
+            <a:prstGeom prst="rect">
+              <a:avLst/>
+            </a:prstGeom>
+          </p:spPr>
+          <p:style>
+            <a:lnRef idx="2">
+              <a:schemeClr val="accent5">
+                <a:shade val="15000"/>
+              </a:schemeClr>
+            </a:lnRef>
+            <a:fillRef idx="1">
+              <a:schemeClr val="accent5"/>
+            </a:fillRef>
+            <a:effectRef idx="0">
+              <a:schemeClr val="accent5"/>
+            </a:effectRef>
+            <a:fontRef idx="minor">
+              <a:schemeClr val="lt1"/>
+            </a:fontRef>
+          </p:style>
+          <p:txBody>
+            <a:bodyPr rtlCol="0" anchor="ctr"/>
+            <a:lstStyle/>
+            <a:p>
+              <a:pPr algn="ctr"/>
+              <a:r>
+                <a:rPr lang="fr-FR" sz="600" dirty="0"/>
+                <a:t>VS</a:t>
+              </a:r>
+            </a:p>
+          </p:txBody>
+        </p:sp>
+        <p:sp>
+          <p:nvSpPr>
+            <p:cNvPr id="183" name="Rectangle 182">
+              <a:extLst>
+                <a:ext uri="{FF2B5EF4-FFF2-40B4-BE49-F238E27FC236}">
+                  <a16:creationId xmlns:a16="http://schemas.microsoft.com/office/drawing/2014/main" id="{725020EC-0CB7-63F9-B844-C2E3BECE8CC9}"/>
+                </a:ext>
+              </a:extLst>
+            </p:cNvPr>
+            <p:cNvSpPr/>
+            <p:nvPr/>
+          </p:nvSpPr>
+          <p:spPr>
+            <a:xfrm>
+              <a:off x="8994830" y="13980517"/>
+              <a:ext cx="360000" cy="252000"/>
+            </a:xfrm>
+            <a:prstGeom prst="rect">
+              <a:avLst/>
+            </a:prstGeom>
+          </p:spPr>
+          <p:style>
+            <a:lnRef idx="2">
+              <a:schemeClr val="accent5">
+                <a:shade val="15000"/>
+              </a:schemeClr>
+            </a:lnRef>
+            <a:fillRef idx="1">
+              <a:schemeClr val="accent5"/>
+            </a:fillRef>
+            <a:effectRef idx="0">
+              <a:schemeClr val="accent5"/>
+            </a:effectRef>
+            <a:fontRef idx="minor">
+              <a:schemeClr val="lt1"/>
+            </a:fontRef>
+          </p:style>
+          <p:txBody>
+            <a:bodyPr rtlCol="0" anchor="ctr"/>
+            <a:lstStyle/>
+            <a:p>
+              <a:pPr algn="ctr"/>
+              <a:r>
+                <a:rPr lang="fr-FR" sz="600" dirty="0"/>
+                <a:t>VNV</a:t>
+              </a:r>
+            </a:p>
+          </p:txBody>
+        </p:sp>
+        <p:sp>
+          <p:nvSpPr>
+            <p:cNvPr id="184" name="Rectangle 183">
+              <a:extLst>
+                <a:ext uri="{FF2B5EF4-FFF2-40B4-BE49-F238E27FC236}">
+                  <a16:creationId xmlns:a16="http://schemas.microsoft.com/office/drawing/2014/main" id="{2DBF6493-2DB5-4602-88EE-B238ED327438}"/>
+                </a:ext>
+              </a:extLst>
+            </p:cNvPr>
+            <p:cNvSpPr/>
+            <p:nvPr/>
+          </p:nvSpPr>
+          <p:spPr>
+            <a:xfrm>
+              <a:off x="10176562" y="13728517"/>
+              <a:ext cx="360000" cy="252000"/>
+            </a:xfrm>
+            <a:prstGeom prst="rect">
+              <a:avLst/>
+            </a:prstGeom>
+          </p:spPr>
+          <p:style>
+            <a:lnRef idx="2">
+              <a:schemeClr val="accent5">
+                <a:shade val="15000"/>
+              </a:schemeClr>
+            </a:lnRef>
+            <a:fillRef idx="1">
+              <a:schemeClr val="accent5"/>
+            </a:fillRef>
+            <a:effectRef idx="0">
+              <a:schemeClr val="accent5"/>
+            </a:effectRef>
+            <a:fontRef idx="minor">
+              <a:schemeClr val="lt1"/>
+            </a:fontRef>
+          </p:style>
+          <p:txBody>
+            <a:bodyPr rtlCol="0" anchor="ctr"/>
+            <a:lstStyle/>
+            <a:p>
+              <a:pPr algn="ctr"/>
+              <a:r>
+                <a:rPr lang="fr-FR" sz="600" dirty="0"/>
+                <a:t>FLC</a:t>
+              </a:r>
+            </a:p>
+          </p:txBody>
+        </p:sp>
+        <p:sp>
+          <p:nvSpPr>
+            <p:cNvPr id="185" name="Ellipse 184">
+              <a:extLst>
+                <a:ext uri="{FF2B5EF4-FFF2-40B4-BE49-F238E27FC236}">
+                  <a16:creationId xmlns:a16="http://schemas.microsoft.com/office/drawing/2014/main" id="{2A92D93C-B71D-6C16-FFD4-5440D5BE83EB}"/>
+                </a:ext>
+              </a:extLst>
+            </p:cNvPr>
+            <p:cNvSpPr/>
+            <p:nvPr/>
+          </p:nvSpPr>
+          <p:spPr>
+            <a:xfrm>
+              <a:off x="10806432" y="13528179"/>
+              <a:ext cx="628650" cy="630000"/>
+            </a:xfrm>
+            <a:prstGeom prst="ellipse">
+              <a:avLst/>
+            </a:prstGeom>
+          </p:spPr>
+          <p:style>
+            <a:lnRef idx="2">
+              <a:schemeClr val="accent5">
+                <a:shade val="15000"/>
+              </a:schemeClr>
+            </a:lnRef>
+            <a:fillRef idx="1">
+              <a:schemeClr val="accent5"/>
+            </a:fillRef>
+            <a:effectRef idx="0">
+              <a:schemeClr val="accent5"/>
+            </a:effectRef>
+            <a:fontRef idx="minor">
+              <a:schemeClr val="lt1"/>
+            </a:fontRef>
+          </p:style>
+          <p:txBody>
+            <a:bodyPr rtlCol="0" anchor="ctr"/>
+            <a:lstStyle/>
+            <a:p>
+              <a:pPr algn="ctr"/>
+              <a:r>
+                <a:rPr lang="en-US" sz="600" dirty="0"/>
+                <a:t>SPD</a:t>
+              </a:r>
+            </a:p>
+          </p:txBody>
+        </p:sp>
+        <p:sp>
+          <p:nvSpPr>
+            <p:cNvPr id="186" name="Rectangle 185">
+              <a:extLst>
+                <a:ext uri="{FF2B5EF4-FFF2-40B4-BE49-F238E27FC236}">
+                  <a16:creationId xmlns:a16="http://schemas.microsoft.com/office/drawing/2014/main" id="{148F712C-648B-EBA7-D62D-11FC20796509}"/>
+                </a:ext>
+              </a:extLst>
+            </p:cNvPr>
+            <p:cNvSpPr/>
+            <p:nvPr/>
+          </p:nvSpPr>
+          <p:spPr>
+            <a:xfrm>
+              <a:off x="11679752" y="13702362"/>
+              <a:ext cx="360000" cy="252000"/>
+            </a:xfrm>
+            <a:prstGeom prst="rect">
+              <a:avLst/>
+            </a:prstGeom>
+          </p:spPr>
+          <p:style>
+            <a:lnRef idx="2">
+              <a:schemeClr val="accent5">
+                <a:shade val="15000"/>
+              </a:schemeClr>
+            </a:lnRef>
+            <a:fillRef idx="1">
+              <a:schemeClr val="accent5"/>
+            </a:fillRef>
+            <a:effectRef idx="0">
+              <a:schemeClr val="accent5"/>
+            </a:effectRef>
+            <a:fontRef idx="minor">
+              <a:schemeClr val="lt1"/>
+            </a:fontRef>
+          </p:style>
+          <p:txBody>
+            <a:bodyPr rtlCol="0" anchor="ctr"/>
+            <a:lstStyle/>
+            <a:p>
+              <a:pPr algn="ctr"/>
+              <a:r>
+                <a:rPr lang="fr-FR" sz="600" dirty="0"/>
+                <a:t>IAS</a:t>
+              </a:r>
+            </a:p>
+          </p:txBody>
+        </p:sp>
+        <p:sp>
+          <p:nvSpPr>
+            <p:cNvPr id="187" name="Rectangle 186">
+              <a:extLst>
+                <a:ext uri="{FF2B5EF4-FFF2-40B4-BE49-F238E27FC236}">
+                  <a16:creationId xmlns:a16="http://schemas.microsoft.com/office/drawing/2014/main" id="{432FEC0E-B665-BB95-5409-64F6A6F0F628}"/>
+                </a:ext>
+              </a:extLst>
+            </p:cNvPr>
+            <p:cNvSpPr/>
+            <p:nvPr/>
+          </p:nvSpPr>
+          <p:spPr>
+            <a:xfrm>
+              <a:off x="9793139" y="12570530"/>
+              <a:ext cx="360000" cy="252000"/>
+            </a:xfrm>
+            <a:prstGeom prst="rect">
+              <a:avLst/>
+            </a:prstGeom>
+          </p:spPr>
+          <p:style>
+            <a:lnRef idx="2">
+              <a:schemeClr val="accent5">
+                <a:shade val="15000"/>
+              </a:schemeClr>
+            </a:lnRef>
+            <a:fillRef idx="1">
+              <a:schemeClr val="accent5"/>
+            </a:fillRef>
+            <a:effectRef idx="0">
+              <a:schemeClr val="accent5"/>
+            </a:effectRef>
+            <a:fontRef idx="minor">
+              <a:schemeClr val="lt1"/>
+            </a:fontRef>
+          </p:style>
+          <p:txBody>
+            <a:bodyPr rtlCol="0" anchor="ctr"/>
+            <a:lstStyle/>
+            <a:p>
+              <a:pPr algn="ctr"/>
+              <a:r>
+                <a:rPr lang="fr-FR" sz="600" dirty="0"/>
+                <a:t>BANK</a:t>
+              </a:r>
+            </a:p>
+          </p:txBody>
+        </p:sp>
+        <p:sp>
+          <p:nvSpPr>
+            <p:cNvPr id="188" name="Rectangle 187">
+              <a:extLst>
+                <a:ext uri="{FF2B5EF4-FFF2-40B4-BE49-F238E27FC236}">
+                  <a16:creationId xmlns:a16="http://schemas.microsoft.com/office/drawing/2014/main" id="{D8FCC4B4-675E-102C-7F59-52B07CDF9B82}"/>
+                </a:ext>
+              </a:extLst>
+            </p:cNvPr>
+            <p:cNvSpPr/>
+            <p:nvPr/>
+          </p:nvSpPr>
+          <p:spPr>
+            <a:xfrm>
+              <a:off x="7957704" y="12570530"/>
+              <a:ext cx="360000" cy="252000"/>
+            </a:xfrm>
+            <a:prstGeom prst="rect">
+              <a:avLst/>
+            </a:prstGeom>
+          </p:spPr>
+          <p:style>
+            <a:lnRef idx="2">
+              <a:schemeClr val="accent5">
+                <a:shade val="15000"/>
+              </a:schemeClr>
+            </a:lnRef>
+            <a:fillRef idx="1">
+              <a:schemeClr val="accent5"/>
+            </a:fillRef>
+            <a:effectRef idx="0">
+              <a:schemeClr val="accent5"/>
+            </a:effectRef>
+            <a:fontRef idx="minor">
+              <a:schemeClr val="lt1"/>
+            </a:fontRef>
+          </p:style>
+          <p:txBody>
+            <a:bodyPr rtlCol="0" anchor="ctr"/>
+            <a:lstStyle/>
+            <a:p>
+              <a:pPr algn="ctr"/>
+              <a:r>
+                <a:rPr lang="fr-FR" sz="600" dirty="0"/>
+                <a:t>BC</a:t>
+              </a:r>
+            </a:p>
+          </p:txBody>
+        </p:sp>
+      </p:grpSp>
+      <p:grpSp>
+        <p:nvGrpSpPr>
+          <p:cNvPr id="219" name="Groupe 218">
+            <a:extLst>
+              <a:ext uri="{FF2B5EF4-FFF2-40B4-BE49-F238E27FC236}">
+                <a16:creationId xmlns:a16="http://schemas.microsoft.com/office/drawing/2014/main" id="{86765995-4A2E-422D-85B6-0FCF5F86EFCC}"/>
+              </a:ext>
+            </a:extLst>
+          </p:cNvPr>
+          <p:cNvGrpSpPr/>
+          <p:nvPr/>
+        </p:nvGrpSpPr>
+        <p:grpSpPr>
+          <a:xfrm>
+            <a:off x="1145004" y="3748851"/>
+            <a:ext cx="5724000" cy="1188000"/>
+            <a:chOff x="9232855" y="1863465"/>
+            <a:chExt cx="5724000" cy="1188000"/>
+          </a:xfrm>
+        </p:grpSpPr>
+        <p:sp>
+          <p:nvSpPr>
+            <p:cNvPr id="220" name="Rectangle 219">
+              <a:extLst>
+                <a:ext uri="{FF2B5EF4-FFF2-40B4-BE49-F238E27FC236}">
+                  <a16:creationId xmlns:a16="http://schemas.microsoft.com/office/drawing/2014/main" id="{FCF0B376-8F99-C9EC-76EC-7615E3723933}"/>
+                </a:ext>
+              </a:extLst>
+            </p:cNvPr>
+            <p:cNvSpPr/>
+            <p:nvPr/>
+          </p:nvSpPr>
+          <p:spPr>
+            <a:xfrm>
+              <a:off x="9232855" y="1863465"/>
+              <a:ext cx="5724000" cy="1188000"/>
+            </a:xfrm>
+            <a:prstGeom prst="rect">
+              <a:avLst/>
+            </a:prstGeom>
+          </p:spPr>
+          <p:style>
+            <a:lnRef idx="2">
+              <a:schemeClr val="accent1">
+                <a:shade val="15000"/>
+              </a:schemeClr>
+            </a:lnRef>
+            <a:fillRef idx="1">
+              <a:schemeClr val="accent1"/>
+            </a:fillRef>
+            <a:effectRef idx="0">
+              <a:schemeClr val="accent1"/>
+            </a:effectRef>
+            <a:fontRef idx="minor">
+              <a:schemeClr val="lt1"/>
+            </a:fontRef>
+          </p:style>
+          <p:txBody>
+            <a:bodyPr rtlCol="0" anchor="ctr"/>
+            <a:lstStyle/>
+            <a:p>
+              <a:pPr algn="ctr"/>
+              <a:r>
+                <a:rPr lang="fr-FR" dirty="0"/>
+                <a:t>PDF/MFD multi</a:t>
+              </a:r>
+            </a:p>
+          </p:txBody>
+        </p:sp>
+        <p:sp>
+          <p:nvSpPr>
+            <p:cNvPr id="221" name="Rectangle 220">
+              <a:extLst>
+                <a:ext uri="{FF2B5EF4-FFF2-40B4-BE49-F238E27FC236}">
+                  <a16:creationId xmlns:a16="http://schemas.microsoft.com/office/drawing/2014/main" id="{8B0E57C0-8256-CF37-FC90-0AF7783BAEC7}"/>
+                </a:ext>
+              </a:extLst>
+            </p:cNvPr>
+            <p:cNvSpPr/>
+            <p:nvPr/>
+          </p:nvSpPr>
+          <p:spPr>
+            <a:xfrm>
+              <a:off x="9781738" y="2123323"/>
+              <a:ext cx="360000" cy="252000"/>
+            </a:xfrm>
+            <a:prstGeom prst="rect">
+              <a:avLst/>
+            </a:prstGeom>
+          </p:spPr>
+          <p:style>
+            <a:lnRef idx="2">
+              <a:schemeClr val="accent5">
+                <a:shade val="15000"/>
+              </a:schemeClr>
+            </a:lnRef>
+            <a:fillRef idx="1">
+              <a:schemeClr val="accent5"/>
+            </a:fillRef>
+            <a:effectRef idx="0">
+              <a:schemeClr val="accent5"/>
+            </a:effectRef>
+            <a:fontRef idx="minor">
+              <a:schemeClr val="lt1"/>
+            </a:fontRef>
+          </p:style>
+          <p:txBody>
+            <a:bodyPr rtlCol="0" anchor="ctr"/>
+            <a:lstStyle/>
+            <a:p>
+              <a:pPr algn="ctr"/>
+              <a:r>
+                <a:rPr lang="fr-FR" sz="600" dirty="0"/>
+                <a:t>PFD</a:t>
+              </a:r>
+            </a:p>
+          </p:txBody>
+        </p:sp>
+        <p:sp>
+          <p:nvSpPr>
+            <p:cNvPr id="222" name="Rectangle 221">
+              <a:extLst>
+                <a:ext uri="{FF2B5EF4-FFF2-40B4-BE49-F238E27FC236}">
+                  <a16:creationId xmlns:a16="http://schemas.microsoft.com/office/drawing/2014/main" id="{E610F53B-CBBA-0D84-9F6E-523D59F727A6}"/>
+                </a:ext>
+              </a:extLst>
+            </p:cNvPr>
+            <p:cNvSpPr/>
+            <p:nvPr/>
+          </p:nvSpPr>
+          <p:spPr>
+            <a:xfrm>
+              <a:off x="9781738" y="2583754"/>
+              <a:ext cx="360000" cy="252000"/>
+            </a:xfrm>
+            <a:prstGeom prst="rect">
+              <a:avLst/>
+            </a:prstGeom>
+          </p:spPr>
+          <p:style>
+            <a:lnRef idx="2">
+              <a:schemeClr val="accent5">
+                <a:shade val="15000"/>
+              </a:schemeClr>
+            </a:lnRef>
+            <a:fillRef idx="1">
+              <a:schemeClr val="accent5"/>
+            </a:fillRef>
+            <a:effectRef idx="0">
+              <a:schemeClr val="accent5"/>
+            </a:effectRef>
+            <a:fontRef idx="minor">
+              <a:schemeClr val="lt1"/>
+            </a:fontRef>
+          </p:style>
+          <p:txBody>
+            <a:bodyPr rtlCol="0" anchor="ctr"/>
+            <a:lstStyle/>
+            <a:p>
+              <a:pPr algn="ctr"/>
+              <a:r>
+                <a:rPr lang="fr-FR" sz="600" dirty="0"/>
+                <a:t>MFD</a:t>
+              </a:r>
+            </a:p>
+          </p:txBody>
+        </p:sp>
+        <p:sp>
+          <p:nvSpPr>
+            <p:cNvPr id="223" name="Rectangle 222">
+              <a:extLst>
+                <a:ext uri="{FF2B5EF4-FFF2-40B4-BE49-F238E27FC236}">
+                  <a16:creationId xmlns:a16="http://schemas.microsoft.com/office/drawing/2014/main" id="{200D4E5F-386D-4709-2FEF-626F014D5272}"/>
+                </a:ext>
+              </a:extLst>
+            </p:cNvPr>
+            <p:cNvSpPr/>
+            <p:nvPr/>
+          </p:nvSpPr>
+          <p:spPr>
+            <a:xfrm>
+              <a:off x="13146272" y="2084144"/>
+              <a:ext cx="360000" cy="252000"/>
+            </a:xfrm>
+            <a:prstGeom prst="rect">
+              <a:avLst/>
+            </a:prstGeom>
+          </p:spPr>
+          <p:style>
+            <a:lnRef idx="2">
+              <a:schemeClr val="accent5">
+                <a:shade val="15000"/>
+              </a:schemeClr>
+            </a:lnRef>
+            <a:fillRef idx="1">
+              <a:schemeClr val="accent5"/>
+            </a:fillRef>
+            <a:effectRef idx="0">
+              <a:schemeClr val="accent5"/>
+            </a:effectRef>
+            <a:fontRef idx="minor">
+              <a:schemeClr val="lt1"/>
+            </a:fontRef>
+          </p:style>
+          <p:txBody>
+            <a:bodyPr rtlCol="0" anchor="ctr"/>
+            <a:lstStyle/>
+            <a:p>
+              <a:pPr algn="ctr"/>
+              <a:r>
+                <a:rPr lang="fr-FR" sz="600" dirty="0"/>
+                <a:t>CLR</a:t>
+              </a:r>
+            </a:p>
+          </p:txBody>
+        </p:sp>
+        <p:sp>
+          <p:nvSpPr>
+            <p:cNvPr id="224" name="Rectangle 223">
+              <a:extLst>
+                <a:ext uri="{FF2B5EF4-FFF2-40B4-BE49-F238E27FC236}">
+                  <a16:creationId xmlns:a16="http://schemas.microsoft.com/office/drawing/2014/main" id="{D5B37399-EC5F-7464-463C-AE90F7E57DC6}"/>
+                </a:ext>
+              </a:extLst>
+            </p:cNvPr>
+            <p:cNvSpPr/>
+            <p:nvPr/>
+          </p:nvSpPr>
+          <p:spPr>
+            <a:xfrm>
+              <a:off x="13146272" y="2544575"/>
+              <a:ext cx="360000" cy="252000"/>
+            </a:xfrm>
+            <a:prstGeom prst="rect">
+              <a:avLst/>
+            </a:prstGeom>
+          </p:spPr>
+          <p:style>
+            <a:lnRef idx="2">
+              <a:schemeClr val="accent5">
+                <a:shade val="15000"/>
+              </a:schemeClr>
+            </a:lnRef>
+            <a:fillRef idx="1">
+              <a:schemeClr val="accent5"/>
+            </a:fillRef>
+            <a:effectRef idx="0">
+              <a:schemeClr val="accent5"/>
+            </a:effectRef>
+            <a:fontRef idx="minor">
+              <a:schemeClr val="lt1"/>
+            </a:fontRef>
+          </p:style>
+          <p:txBody>
+            <a:bodyPr rtlCol="0" anchor="ctr"/>
+            <a:lstStyle/>
+            <a:p>
+              <a:pPr algn="ctr"/>
+              <a:r>
+                <a:rPr lang="fr-FR" sz="600" dirty="0"/>
+                <a:t>ENTER</a:t>
+              </a:r>
+            </a:p>
+          </p:txBody>
+        </p:sp>
+        <p:sp>
+          <p:nvSpPr>
+            <p:cNvPr id="225" name="Rectangle 224">
+              <a:extLst>
+                <a:ext uri="{FF2B5EF4-FFF2-40B4-BE49-F238E27FC236}">
+                  <a16:creationId xmlns:a16="http://schemas.microsoft.com/office/drawing/2014/main" id="{B30C0D37-1DD5-A2E4-DC8E-3761F0BF73E6}"/>
+                </a:ext>
+              </a:extLst>
+            </p:cNvPr>
+            <p:cNvSpPr/>
+            <p:nvPr/>
+          </p:nvSpPr>
+          <p:spPr>
+            <a:xfrm>
+              <a:off x="12550351" y="2081837"/>
+              <a:ext cx="360000" cy="252000"/>
+            </a:xfrm>
+            <a:prstGeom prst="rect">
+              <a:avLst/>
+            </a:prstGeom>
+          </p:spPr>
+          <p:style>
+            <a:lnRef idx="2">
+              <a:schemeClr val="accent5">
+                <a:shade val="15000"/>
+              </a:schemeClr>
+            </a:lnRef>
+            <a:fillRef idx="1">
+              <a:schemeClr val="accent5"/>
+            </a:fillRef>
+            <a:effectRef idx="0">
+              <a:schemeClr val="accent5"/>
+            </a:effectRef>
+            <a:fontRef idx="minor">
+              <a:schemeClr val="lt1"/>
+            </a:fontRef>
+          </p:style>
+          <p:txBody>
+            <a:bodyPr rtlCol="0" anchor="ctr"/>
+            <a:lstStyle/>
+            <a:p>
+              <a:pPr algn="ctr"/>
+              <a:r>
+                <a:rPr lang="fr-FR" sz="600" dirty="0"/>
+                <a:t>FPL</a:t>
+              </a:r>
+            </a:p>
+          </p:txBody>
+        </p:sp>
+        <p:sp>
+          <p:nvSpPr>
+            <p:cNvPr id="226" name="Rectangle 225">
+              <a:extLst>
+                <a:ext uri="{FF2B5EF4-FFF2-40B4-BE49-F238E27FC236}">
+                  <a16:creationId xmlns:a16="http://schemas.microsoft.com/office/drawing/2014/main" id="{43F0D7D8-DD39-3A9C-33CD-24FE84A5FF28}"/>
+                </a:ext>
+              </a:extLst>
+            </p:cNvPr>
+            <p:cNvSpPr/>
+            <p:nvPr/>
+          </p:nvSpPr>
+          <p:spPr>
+            <a:xfrm>
+              <a:off x="12550351" y="2542268"/>
+              <a:ext cx="360000" cy="252000"/>
+            </a:xfrm>
+            <a:prstGeom prst="rect">
+              <a:avLst/>
+            </a:prstGeom>
+          </p:spPr>
+          <p:style>
+            <a:lnRef idx="2">
+              <a:schemeClr val="accent5">
+                <a:shade val="15000"/>
+              </a:schemeClr>
+            </a:lnRef>
+            <a:fillRef idx="1">
+              <a:schemeClr val="accent5"/>
+            </a:fillRef>
+            <a:effectRef idx="0">
+              <a:schemeClr val="accent5"/>
+            </a:effectRef>
+            <a:fontRef idx="minor">
+              <a:schemeClr val="lt1"/>
+            </a:fontRef>
+          </p:style>
+          <p:txBody>
+            <a:bodyPr rtlCol="0" anchor="ctr"/>
+            <a:lstStyle/>
+            <a:p>
+              <a:pPr algn="ctr"/>
+              <a:r>
+                <a:rPr lang="fr-FR" sz="600" dirty="0"/>
+                <a:t>PROC</a:t>
+              </a:r>
+            </a:p>
+          </p:txBody>
+        </p:sp>
+        <p:sp>
+          <p:nvSpPr>
+            <p:cNvPr id="227" name="Rectangle 226">
+              <a:extLst>
+                <a:ext uri="{FF2B5EF4-FFF2-40B4-BE49-F238E27FC236}">
+                  <a16:creationId xmlns:a16="http://schemas.microsoft.com/office/drawing/2014/main" id="{6DB87A85-EBF4-B4B7-70CE-1FA827C05017}"/>
+                </a:ext>
+              </a:extLst>
+            </p:cNvPr>
+            <p:cNvSpPr/>
+            <p:nvPr/>
+          </p:nvSpPr>
+          <p:spPr>
+            <a:xfrm>
+              <a:off x="11966400" y="2081837"/>
+              <a:ext cx="360000" cy="252000"/>
+            </a:xfrm>
+            <a:prstGeom prst="rect">
+              <a:avLst/>
+            </a:prstGeom>
+          </p:spPr>
+          <p:style>
+            <a:lnRef idx="2">
+              <a:schemeClr val="accent5">
+                <a:shade val="15000"/>
+              </a:schemeClr>
+            </a:lnRef>
+            <a:fillRef idx="1">
+              <a:schemeClr val="accent5"/>
+            </a:fillRef>
+            <a:effectRef idx="0">
+              <a:schemeClr val="accent5"/>
+            </a:effectRef>
+            <a:fontRef idx="minor">
+              <a:schemeClr val="lt1"/>
+            </a:fontRef>
+          </p:style>
+          <p:txBody>
+            <a:bodyPr rtlCol="0" anchor="ctr"/>
+            <a:lstStyle/>
+            <a:p>
+              <a:pPr algn="ctr"/>
+              <a:r>
+                <a:rPr lang="fr-FR" sz="600" dirty="0"/>
+                <a:t>GOTO</a:t>
+              </a:r>
+            </a:p>
+          </p:txBody>
+        </p:sp>
+        <p:sp>
+          <p:nvSpPr>
+            <p:cNvPr id="228" name="Rectangle 227">
+              <a:extLst>
+                <a:ext uri="{FF2B5EF4-FFF2-40B4-BE49-F238E27FC236}">
+                  <a16:creationId xmlns:a16="http://schemas.microsoft.com/office/drawing/2014/main" id="{95016125-9EA5-5B19-4B14-A661C261F548}"/>
+                </a:ext>
+              </a:extLst>
+            </p:cNvPr>
+            <p:cNvSpPr/>
+            <p:nvPr/>
+          </p:nvSpPr>
+          <p:spPr>
+            <a:xfrm>
+              <a:off x="11966400" y="2542268"/>
+              <a:ext cx="360000" cy="252000"/>
+            </a:xfrm>
+            <a:prstGeom prst="rect">
+              <a:avLst/>
+            </a:prstGeom>
+          </p:spPr>
+          <p:style>
+            <a:lnRef idx="2">
+              <a:schemeClr val="accent5">
+                <a:shade val="15000"/>
+              </a:schemeClr>
+            </a:lnRef>
+            <a:fillRef idx="1">
+              <a:schemeClr val="accent5"/>
+            </a:fillRef>
+            <a:effectRef idx="0">
+              <a:schemeClr val="accent5"/>
+            </a:effectRef>
+            <a:fontRef idx="minor">
+              <a:schemeClr val="lt1"/>
+            </a:fontRef>
+          </p:style>
+          <p:txBody>
+            <a:bodyPr rtlCol="0" anchor="ctr"/>
+            <a:lstStyle/>
+            <a:p>
+              <a:pPr algn="ctr"/>
+              <a:r>
+                <a:rPr lang="fr-FR" sz="600" dirty="0"/>
+                <a:t>MENU</a:t>
+              </a:r>
+            </a:p>
+          </p:txBody>
+        </p:sp>
+        <p:sp>
+          <p:nvSpPr>
+            <p:cNvPr id="229" name="Ellipse 228">
+              <a:extLst>
+                <a:ext uri="{FF2B5EF4-FFF2-40B4-BE49-F238E27FC236}">
+                  <a16:creationId xmlns:a16="http://schemas.microsoft.com/office/drawing/2014/main" id="{51B825D3-3597-9685-D878-D6AF231985DB}"/>
+                </a:ext>
+              </a:extLst>
+            </p:cNvPr>
+            <p:cNvSpPr/>
+            <p:nvPr/>
+          </p:nvSpPr>
+          <p:spPr>
+            <a:xfrm>
+              <a:off x="13766690" y="2120698"/>
+              <a:ext cx="628650" cy="630000"/>
+            </a:xfrm>
+            <a:prstGeom prst="ellipse">
+              <a:avLst/>
+            </a:prstGeom>
+          </p:spPr>
+          <p:style>
+            <a:lnRef idx="2">
+              <a:schemeClr val="accent5">
+                <a:shade val="15000"/>
+              </a:schemeClr>
+            </a:lnRef>
+            <a:fillRef idx="1">
+              <a:schemeClr val="accent5"/>
+            </a:fillRef>
+            <a:effectRef idx="0">
+              <a:schemeClr val="accent5"/>
+            </a:effectRef>
+            <a:fontRef idx="minor">
+              <a:schemeClr val="lt1"/>
+            </a:fontRef>
+          </p:style>
+          <p:txBody>
+            <a:bodyPr rtlCol="0" anchor="ctr"/>
+            <a:lstStyle/>
+            <a:p>
+              <a:pPr algn="ctr"/>
+              <a:r>
+                <a:rPr lang="en-US" sz="600" dirty="0"/>
+                <a:t>RK</a:t>
+              </a:r>
+            </a:p>
+          </p:txBody>
+        </p:sp>
+        <p:cxnSp>
+          <p:nvCxnSpPr>
+            <p:cNvPr id="230" name="Connecteur droit 229">
+              <a:extLst>
+                <a:ext uri="{FF2B5EF4-FFF2-40B4-BE49-F238E27FC236}">
+                  <a16:creationId xmlns:a16="http://schemas.microsoft.com/office/drawing/2014/main" id="{7C52125D-DF21-8548-8AC7-51B1DD05EB2C}"/>
+                </a:ext>
+              </a:extLst>
+            </p:cNvPr>
+            <p:cNvCxnSpPr/>
+            <p:nvPr/>
+          </p:nvCxnSpPr>
+          <p:spPr>
+            <a:xfrm>
+              <a:off x="10238395" y="2120698"/>
+              <a:ext cx="0" cy="254625"/>
+            </a:xfrm>
+            <a:prstGeom prst="line">
+              <a:avLst/>
+            </a:prstGeom>
+            <a:ln w="57150"/>
+          </p:spPr>
+          <p:style>
+            <a:lnRef idx="2">
+              <a:schemeClr val="accent6"/>
+            </a:lnRef>
+            <a:fillRef idx="0">
+              <a:schemeClr val="accent6"/>
+            </a:fillRef>
+            <a:effectRef idx="1">
+              <a:schemeClr val="accent6"/>
+            </a:effectRef>
+            <a:fontRef idx="minor">
+              <a:schemeClr val="tx1"/>
+            </a:fontRef>
+          </p:style>
+        </p:cxnSp>
+        <p:cxnSp>
+          <p:nvCxnSpPr>
+            <p:cNvPr id="231" name="Connecteur droit 230">
+              <a:extLst>
+                <a:ext uri="{FF2B5EF4-FFF2-40B4-BE49-F238E27FC236}">
+                  <a16:creationId xmlns:a16="http://schemas.microsoft.com/office/drawing/2014/main" id="{F0C32B71-8220-81BF-6A60-EED395164CFB}"/>
+                </a:ext>
+              </a:extLst>
+            </p:cNvPr>
+            <p:cNvCxnSpPr/>
+            <p:nvPr/>
+          </p:nvCxnSpPr>
+          <p:spPr>
+            <a:xfrm>
+              <a:off x="10238395" y="2583754"/>
+              <a:ext cx="0" cy="254625"/>
+            </a:xfrm>
+            <a:prstGeom prst="line">
+              <a:avLst/>
+            </a:prstGeom>
+            <a:ln w="57150"/>
+          </p:spPr>
+          <p:style>
+            <a:lnRef idx="2">
+              <a:schemeClr val="accent6"/>
+            </a:lnRef>
+            <a:fillRef idx="0">
+              <a:schemeClr val="accent6"/>
+            </a:fillRef>
+            <a:effectRef idx="1">
+              <a:schemeClr val="accent6"/>
+            </a:effectRef>
+            <a:fontRef idx="minor">
+              <a:schemeClr val="tx1"/>
+            </a:fontRef>
+          </p:style>
+        </p:cxnSp>
+        <p:sp>
+          <p:nvSpPr>
+            <p:cNvPr id="232" name="Ellipse 231">
+              <a:extLst>
+                <a:ext uri="{FF2B5EF4-FFF2-40B4-BE49-F238E27FC236}">
+                  <a16:creationId xmlns:a16="http://schemas.microsoft.com/office/drawing/2014/main" id="{3E351E69-0F95-E762-E63A-22762C667361}"/>
+                </a:ext>
+              </a:extLst>
+            </p:cNvPr>
+            <p:cNvSpPr/>
+            <p:nvPr/>
+          </p:nvSpPr>
+          <p:spPr>
+            <a:xfrm>
+              <a:off x="10815171" y="2144044"/>
+              <a:ext cx="628650" cy="630000"/>
+            </a:xfrm>
+            <a:prstGeom prst="ellipse">
+              <a:avLst/>
+            </a:prstGeom>
+          </p:spPr>
+          <p:style>
+            <a:lnRef idx="2">
+              <a:schemeClr val="accent5">
+                <a:shade val="15000"/>
+              </a:schemeClr>
+            </a:lnRef>
+            <a:fillRef idx="1">
+              <a:schemeClr val="accent5"/>
+            </a:fillRef>
+            <a:effectRef idx="0">
+              <a:schemeClr val="accent5"/>
+            </a:effectRef>
+            <a:fontRef idx="minor">
+              <a:schemeClr val="lt1"/>
+            </a:fontRef>
+          </p:style>
+          <p:txBody>
+            <a:bodyPr rtlCol="0" anchor="ctr"/>
+            <a:lstStyle/>
+            <a:p>
+              <a:pPr algn="ctr"/>
+              <a:r>
+                <a:rPr lang="en-US" sz="600" dirty="0"/>
+                <a:t>Pages</a:t>
+              </a:r>
+            </a:p>
+          </p:txBody>
+        </p:sp>
+      </p:grpSp>
+      <p:sp>
+        <p:nvSpPr>
+          <p:cNvPr id="235" name="Rectangle 234">
+            <a:extLst>
+              <a:ext uri="{FF2B5EF4-FFF2-40B4-BE49-F238E27FC236}">
+                <a16:creationId xmlns:a16="http://schemas.microsoft.com/office/drawing/2014/main" id="{91C58EF0-2DBD-323A-996B-BDC449B1A736}"/>
+              </a:ext>
+            </a:extLst>
+          </p:cNvPr>
+          <p:cNvSpPr/>
+          <p:nvPr/>
+        </p:nvSpPr>
+        <p:spPr>
+          <a:xfrm>
+            <a:off x="4019136" y="6552203"/>
+            <a:ext cx="360000" cy="252000"/>
+          </a:xfrm>
+          <a:prstGeom prst="rect">
+            <a:avLst/>
+          </a:prstGeom>
+        </p:spPr>
+        <p:style>
+          <a:lnRef idx="2">
+            <a:schemeClr val="accent5">
+              <a:shade val="15000"/>
+            </a:schemeClr>
+          </a:lnRef>
+          <a:fillRef idx="1">
+            <a:schemeClr val="accent5"/>
+          </a:fillRef>
+          <a:effectRef idx="0">
+            <a:schemeClr val="accent5"/>
+          </a:effectRef>
+          <a:fontRef idx="minor">
+            <a:schemeClr val="lt1"/>
+          </a:fontRef>
+        </p:style>
+        <p:txBody>
+          <a:bodyPr rtlCol="0" anchor="ctr"/>
+          <a:lstStyle/>
+          <a:p>
+            <a:pPr algn="ctr"/>
+            <a:r>
+              <a:rPr lang="fr-FR" sz="600" dirty="0"/>
+              <a:t>COM3</a:t>
+            </a:r>
+          </a:p>
+        </p:txBody>
+      </p:sp>
+      <p:sp>
+        <p:nvSpPr>
+          <p:cNvPr id="236" name="Rectangle 235">
+            <a:extLst>
+              <a:ext uri="{FF2B5EF4-FFF2-40B4-BE49-F238E27FC236}">
+                <a16:creationId xmlns:a16="http://schemas.microsoft.com/office/drawing/2014/main" id="{7A40C803-7AA2-6E55-A18F-3C969A59BF56}"/>
+              </a:ext>
+            </a:extLst>
+          </p:cNvPr>
+          <p:cNvSpPr/>
+          <p:nvPr/>
+        </p:nvSpPr>
+        <p:spPr>
+          <a:xfrm>
+            <a:off x="4019136" y="7012634"/>
+            <a:ext cx="360000" cy="252000"/>
+          </a:xfrm>
+          <a:prstGeom prst="rect">
+            <a:avLst/>
+          </a:prstGeom>
+        </p:spPr>
+        <p:style>
+          <a:lnRef idx="2">
+            <a:schemeClr val="accent5">
+              <a:shade val="15000"/>
+            </a:schemeClr>
+          </a:lnRef>
+          <a:fillRef idx="1">
+            <a:schemeClr val="accent5"/>
+          </a:fillRef>
+          <a:effectRef idx="0">
+            <a:schemeClr val="accent5"/>
+          </a:effectRef>
+          <a:fontRef idx="minor">
+            <a:schemeClr val="lt1"/>
+          </a:fontRef>
+        </p:style>
+        <p:txBody>
+          <a:bodyPr rtlCol="0" anchor="ctr"/>
+          <a:lstStyle/>
+          <a:p>
+            <a:pPr algn="ctr"/>
+            <a:r>
+              <a:rPr lang="fr-FR" sz="600" dirty="0"/>
+              <a:t>MIC3</a:t>
+            </a:r>
+          </a:p>
+        </p:txBody>
+      </p:sp>
+      <p:sp>
+        <p:nvSpPr>
+          <p:cNvPr id="237" name="Rectangle 236">
+            <a:extLst>
+              <a:ext uri="{FF2B5EF4-FFF2-40B4-BE49-F238E27FC236}">
+                <a16:creationId xmlns:a16="http://schemas.microsoft.com/office/drawing/2014/main" id="{FE09CF9A-D918-C3A5-6ECE-D5BC23C153CB}"/>
+              </a:ext>
+            </a:extLst>
+          </p:cNvPr>
+          <p:cNvSpPr/>
+          <p:nvPr/>
+        </p:nvSpPr>
+        <p:spPr>
+          <a:xfrm>
+            <a:off x="3232701" y="6549896"/>
+            <a:ext cx="360000" cy="252000"/>
+          </a:xfrm>
+          <a:prstGeom prst="rect">
+            <a:avLst/>
+          </a:prstGeom>
+        </p:spPr>
+        <p:style>
+          <a:lnRef idx="2">
+            <a:schemeClr val="accent5">
+              <a:shade val="15000"/>
+            </a:schemeClr>
+          </a:lnRef>
+          <a:fillRef idx="1">
+            <a:schemeClr val="accent5"/>
+          </a:fillRef>
+          <a:effectRef idx="0">
+            <a:schemeClr val="accent5"/>
+          </a:effectRef>
+          <a:fontRef idx="minor">
+            <a:schemeClr val="lt1"/>
+          </a:fontRef>
+        </p:style>
+        <p:txBody>
+          <a:bodyPr rtlCol="0" anchor="ctr"/>
+          <a:lstStyle/>
+          <a:p>
+            <a:pPr algn="ctr"/>
+            <a:r>
+              <a:rPr lang="fr-FR" sz="600" dirty="0"/>
+              <a:t>COM2</a:t>
+            </a:r>
+          </a:p>
+        </p:txBody>
+      </p:sp>
+      <p:sp>
+        <p:nvSpPr>
+          <p:cNvPr id="238" name="Rectangle 237">
+            <a:extLst>
+              <a:ext uri="{FF2B5EF4-FFF2-40B4-BE49-F238E27FC236}">
+                <a16:creationId xmlns:a16="http://schemas.microsoft.com/office/drawing/2014/main" id="{01DD999D-D01E-E314-98B3-4A8402932930}"/>
+              </a:ext>
+            </a:extLst>
+          </p:cNvPr>
+          <p:cNvSpPr/>
+          <p:nvPr/>
+        </p:nvSpPr>
+        <p:spPr>
+          <a:xfrm>
+            <a:off x="3232701" y="7010327"/>
+            <a:ext cx="360000" cy="252000"/>
+          </a:xfrm>
+          <a:prstGeom prst="rect">
+            <a:avLst/>
+          </a:prstGeom>
+        </p:spPr>
+        <p:style>
+          <a:lnRef idx="2">
+            <a:schemeClr val="accent5">
+              <a:shade val="15000"/>
+            </a:schemeClr>
+          </a:lnRef>
+          <a:fillRef idx="1">
+            <a:schemeClr val="accent5"/>
+          </a:fillRef>
+          <a:effectRef idx="0">
+            <a:schemeClr val="accent5"/>
+          </a:effectRef>
+          <a:fontRef idx="minor">
+            <a:schemeClr val="lt1"/>
+          </a:fontRef>
+        </p:style>
+        <p:txBody>
+          <a:bodyPr rtlCol="0" anchor="ctr"/>
+          <a:lstStyle/>
+          <a:p>
+            <a:pPr algn="ctr"/>
+            <a:r>
+              <a:rPr lang="fr-FR" sz="600" dirty="0"/>
+              <a:t>MIC2</a:t>
+            </a:r>
+          </a:p>
+        </p:txBody>
+      </p:sp>
+      <p:sp>
+        <p:nvSpPr>
+          <p:cNvPr id="239" name="Rectangle 238">
+            <a:extLst>
+              <a:ext uri="{FF2B5EF4-FFF2-40B4-BE49-F238E27FC236}">
+                <a16:creationId xmlns:a16="http://schemas.microsoft.com/office/drawing/2014/main" id="{FEDD09C7-679C-C724-0708-72E2ABC4327B}"/>
+              </a:ext>
+            </a:extLst>
+          </p:cNvPr>
+          <p:cNvSpPr/>
+          <p:nvPr/>
+        </p:nvSpPr>
+        <p:spPr>
+          <a:xfrm>
+            <a:off x="2463023" y="6549896"/>
+            <a:ext cx="360000" cy="252000"/>
+          </a:xfrm>
+          <a:prstGeom prst="rect">
+            <a:avLst/>
+          </a:prstGeom>
+        </p:spPr>
+        <p:style>
+          <a:lnRef idx="2">
+            <a:schemeClr val="accent5">
+              <a:shade val="15000"/>
+            </a:schemeClr>
+          </a:lnRef>
+          <a:fillRef idx="1">
+            <a:schemeClr val="accent5"/>
+          </a:fillRef>
+          <a:effectRef idx="0">
+            <a:schemeClr val="accent5"/>
+          </a:effectRef>
+          <a:fontRef idx="minor">
+            <a:schemeClr val="lt1"/>
+          </a:fontRef>
+        </p:style>
+        <p:txBody>
+          <a:bodyPr rtlCol="0" anchor="ctr"/>
+          <a:lstStyle/>
+          <a:p>
+            <a:pPr algn="ctr"/>
+            <a:r>
+              <a:rPr lang="fr-FR" sz="600" dirty="0"/>
+              <a:t>COM1</a:t>
+            </a:r>
+          </a:p>
+        </p:txBody>
+      </p:sp>
+      <p:sp>
+        <p:nvSpPr>
+          <p:cNvPr id="240" name="Rectangle 239">
+            <a:extLst>
+              <a:ext uri="{FF2B5EF4-FFF2-40B4-BE49-F238E27FC236}">
+                <a16:creationId xmlns:a16="http://schemas.microsoft.com/office/drawing/2014/main" id="{10CD7607-0D08-3EF6-9330-3C73328066B0}"/>
+              </a:ext>
+            </a:extLst>
+          </p:cNvPr>
+          <p:cNvSpPr/>
+          <p:nvPr/>
+        </p:nvSpPr>
+        <p:spPr>
+          <a:xfrm>
+            <a:off x="2463023" y="7010327"/>
+            <a:ext cx="360000" cy="252000"/>
+          </a:xfrm>
+          <a:prstGeom prst="rect">
+            <a:avLst/>
+          </a:prstGeom>
+        </p:spPr>
+        <p:style>
+          <a:lnRef idx="2">
+            <a:schemeClr val="accent5">
+              <a:shade val="15000"/>
+            </a:schemeClr>
+          </a:lnRef>
+          <a:fillRef idx="1">
+            <a:schemeClr val="accent5"/>
+          </a:fillRef>
+          <a:effectRef idx="0">
+            <a:schemeClr val="accent5"/>
+          </a:effectRef>
+          <a:fontRef idx="minor">
+            <a:schemeClr val="lt1"/>
+          </a:fontRef>
+        </p:style>
+        <p:txBody>
+          <a:bodyPr rtlCol="0" anchor="ctr"/>
+          <a:lstStyle/>
+          <a:p>
+            <a:pPr algn="ctr"/>
+            <a:r>
+              <a:rPr lang="fr-FR" sz="600" dirty="0"/>
+              <a:t>MIC1</a:t>
+            </a:r>
+          </a:p>
+        </p:txBody>
+      </p:sp>
+      <p:sp>
+        <p:nvSpPr>
+          <p:cNvPr id="241" name="Rectangle 240">
+            <a:extLst>
+              <a:ext uri="{FF2B5EF4-FFF2-40B4-BE49-F238E27FC236}">
+                <a16:creationId xmlns:a16="http://schemas.microsoft.com/office/drawing/2014/main" id="{B433E133-5978-A983-7BE1-02A10FCFA882}"/>
+              </a:ext>
+            </a:extLst>
+          </p:cNvPr>
+          <p:cNvSpPr/>
+          <p:nvPr/>
+        </p:nvSpPr>
+        <p:spPr>
+          <a:xfrm>
+            <a:off x="1864203" y="6540659"/>
+            <a:ext cx="360000" cy="252000"/>
+          </a:xfrm>
+          <a:prstGeom prst="rect">
+            <a:avLst/>
+          </a:prstGeom>
+        </p:spPr>
+        <p:style>
+          <a:lnRef idx="2">
+            <a:schemeClr val="accent5">
+              <a:shade val="15000"/>
+            </a:schemeClr>
+          </a:lnRef>
+          <a:fillRef idx="1">
+            <a:schemeClr val="accent5"/>
+          </a:fillRef>
+          <a:effectRef idx="0">
+            <a:schemeClr val="accent5"/>
+          </a:effectRef>
+          <a:fontRef idx="minor">
+            <a:schemeClr val="lt1"/>
+          </a:fontRef>
+        </p:style>
+        <p:txBody>
+          <a:bodyPr rtlCol="0" anchor="ctr"/>
+          <a:lstStyle/>
+          <a:p>
+            <a:pPr algn="ctr"/>
+            <a:r>
+              <a:rPr lang="fr-FR" sz="600" dirty="0"/>
+              <a:t>MRKR MUTE</a:t>
+            </a:r>
+          </a:p>
+        </p:txBody>
+      </p:sp>
+      <p:sp>
+        <p:nvSpPr>
+          <p:cNvPr id="242" name="Rectangle 241">
+            <a:extLst>
+              <a:ext uri="{FF2B5EF4-FFF2-40B4-BE49-F238E27FC236}">
+                <a16:creationId xmlns:a16="http://schemas.microsoft.com/office/drawing/2014/main" id="{17F8C197-AE13-D68A-0F20-E40B8F599604}"/>
+              </a:ext>
+            </a:extLst>
+          </p:cNvPr>
+          <p:cNvSpPr/>
+          <p:nvPr/>
+        </p:nvSpPr>
+        <p:spPr>
+          <a:xfrm>
+            <a:off x="1864203" y="7001090"/>
+            <a:ext cx="360000" cy="252000"/>
+          </a:xfrm>
+          <a:prstGeom prst="rect">
+            <a:avLst/>
+          </a:prstGeom>
+        </p:spPr>
+        <p:style>
+          <a:lnRef idx="2">
+            <a:schemeClr val="accent5">
+              <a:shade val="15000"/>
+            </a:schemeClr>
+          </a:lnRef>
+          <a:fillRef idx="1">
+            <a:schemeClr val="accent5"/>
+          </a:fillRef>
+          <a:effectRef idx="0">
+            <a:schemeClr val="accent5"/>
+          </a:effectRef>
+          <a:fontRef idx="minor">
+            <a:schemeClr val="lt1"/>
+          </a:fontRef>
+        </p:style>
+        <p:txBody>
+          <a:bodyPr rtlCol="0" anchor="ctr"/>
+          <a:lstStyle/>
+          <a:p>
+            <a:pPr algn="ctr"/>
+            <a:r>
+              <a:rPr lang="fr-FR" sz="600" dirty="0"/>
+              <a:t>SENS</a:t>
+            </a:r>
+          </a:p>
+        </p:txBody>
+      </p:sp>
+      <p:sp>
+        <p:nvSpPr>
+          <p:cNvPr id="243" name="Rectangle 242">
+            <a:extLst>
+              <a:ext uri="{FF2B5EF4-FFF2-40B4-BE49-F238E27FC236}">
+                <a16:creationId xmlns:a16="http://schemas.microsoft.com/office/drawing/2014/main" id="{7539D152-BD1B-BE96-5737-9BE46FC1DE0A}"/>
+              </a:ext>
+            </a:extLst>
+          </p:cNvPr>
+          <p:cNvSpPr/>
+          <p:nvPr/>
+        </p:nvSpPr>
+        <p:spPr>
+          <a:xfrm>
+            <a:off x="5212287" y="6540659"/>
+            <a:ext cx="360000" cy="252000"/>
+          </a:xfrm>
+          <a:prstGeom prst="rect">
+            <a:avLst/>
+          </a:prstGeom>
+        </p:spPr>
+        <p:style>
+          <a:lnRef idx="2">
+            <a:schemeClr val="accent5">
+              <a:shade val="15000"/>
+            </a:schemeClr>
+          </a:lnRef>
+          <a:fillRef idx="1">
+            <a:schemeClr val="accent5"/>
+          </a:fillRef>
+          <a:effectRef idx="0">
+            <a:schemeClr val="accent5"/>
+          </a:effectRef>
+          <a:fontRef idx="minor">
+            <a:schemeClr val="lt1"/>
+          </a:fontRef>
+        </p:style>
+        <p:txBody>
+          <a:bodyPr rtlCol="0" anchor="ctr"/>
+          <a:lstStyle/>
+          <a:p>
+            <a:pPr algn="ctr"/>
+            <a:r>
+              <a:rPr lang="fr-FR" sz="600" dirty="0"/>
+              <a:t>NAV2</a:t>
+            </a:r>
+          </a:p>
+        </p:txBody>
+      </p:sp>
+      <p:sp>
+        <p:nvSpPr>
+          <p:cNvPr id="244" name="Rectangle 243">
+            <a:extLst>
+              <a:ext uri="{FF2B5EF4-FFF2-40B4-BE49-F238E27FC236}">
+                <a16:creationId xmlns:a16="http://schemas.microsoft.com/office/drawing/2014/main" id="{AFD2984F-878D-6405-AFDE-3064F0083193}"/>
+              </a:ext>
+            </a:extLst>
+          </p:cNvPr>
+          <p:cNvSpPr/>
+          <p:nvPr/>
+        </p:nvSpPr>
+        <p:spPr>
+          <a:xfrm>
+            <a:off x="5212287" y="7001090"/>
+            <a:ext cx="360000" cy="252000"/>
+          </a:xfrm>
+          <a:prstGeom prst="rect">
+            <a:avLst/>
+          </a:prstGeom>
+        </p:spPr>
+        <p:style>
+          <a:lnRef idx="2">
+            <a:schemeClr val="accent5">
+              <a:shade val="15000"/>
+            </a:schemeClr>
+          </a:lnRef>
+          <a:fillRef idx="1">
+            <a:schemeClr val="accent5"/>
+          </a:fillRef>
+          <a:effectRef idx="0">
+            <a:schemeClr val="accent5"/>
+          </a:effectRef>
+          <a:fontRef idx="minor">
+            <a:schemeClr val="lt1"/>
+          </a:fontRef>
+        </p:style>
+        <p:txBody>
+          <a:bodyPr rtlCol="0" anchor="ctr"/>
+          <a:lstStyle/>
+          <a:p>
+            <a:pPr algn="ctr"/>
+            <a:r>
+              <a:rPr lang="fr-FR" sz="600" dirty="0"/>
+              <a:t>ADF</a:t>
+            </a:r>
+          </a:p>
+        </p:txBody>
+      </p:sp>
+      <p:sp>
+        <p:nvSpPr>
+          <p:cNvPr id="245" name="Rectangle 244">
+            <a:extLst>
+              <a:ext uri="{FF2B5EF4-FFF2-40B4-BE49-F238E27FC236}">
+                <a16:creationId xmlns:a16="http://schemas.microsoft.com/office/drawing/2014/main" id="{C0FB80D2-1333-10F2-BAF5-2E6021F86C14}"/>
+              </a:ext>
+            </a:extLst>
+          </p:cNvPr>
+          <p:cNvSpPr/>
+          <p:nvPr/>
+        </p:nvSpPr>
+        <p:spPr>
+          <a:xfrm>
+            <a:off x="4665197" y="6555434"/>
+            <a:ext cx="360000" cy="252000"/>
+          </a:xfrm>
+          <a:prstGeom prst="rect">
+            <a:avLst/>
+          </a:prstGeom>
+        </p:spPr>
+        <p:style>
+          <a:lnRef idx="2">
+            <a:schemeClr val="accent5">
+              <a:shade val="15000"/>
+            </a:schemeClr>
+          </a:lnRef>
+          <a:fillRef idx="1">
+            <a:schemeClr val="accent5"/>
+          </a:fillRef>
+          <a:effectRef idx="0">
+            <a:schemeClr val="accent5"/>
+          </a:effectRef>
+          <a:fontRef idx="minor">
+            <a:schemeClr val="lt1"/>
+          </a:fontRef>
+        </p:style>
+        <p:txBody>
+          <a:bodyPr rtlCol="0" anchor="ctr"/>
+          <a:lstStyle/>
+          <a:p>
+            <a:pPr algn="ctr"/>
+            <a:r>
+              <a:rPr lang="fr-FR" sz="600" dirty="0"/>
+              <a:t>NAV1</a:t>
+            </a:r>
+          </a:p>
+        </p:txBody>
+      </p:sp>
+      <p:sp>
+        <p:nvSpPr>
+          <p:cNvPr id="246" name="Rectangle 245">
+            <a:extLst>
+              <a:ext uri="{FF2B5EF4-FFF2-40B4-BE49-F238E27FC236}">
+                <a16:creationId xmlns:a16="http://schemas.microsoft.com/office/drawing/2014/main" id="{12D8A76C-A3E9-73EE-E723-4B15C5195B08}"/>
+              </a:ext>
+            </a:extLst>
+          </p:cNvPr>
+          <p:cNvSpPr/>
+          <p:nvPr/>
+        </p:nvSpPr>
+        <p:spPr>
+          <a:xfrm>
+            <a:off x="4665197" y="7015865"/>
+            <a:ext cx="360000" cy="252000"/>
+          </a:xfrm>
+          <a:prstGeom prst="rect">
+            <a:avLst/>
+          </a:prstGeom>
+        </p:spPr>
+        <p:style>
+          <a:lnRef idx="2">
+            <a:schemeClr val="accent5">
+              <a:shade val="15000"/>
+            </a:schemeClr>
+          </a:lnRef>
+          <a:fillRef idx="1">
+            <a:schemeClr val="accent5"/>
+          </a:fillRef>
+          <a:effectRef idx="0">
+            <a:schemeClr val="accent5"/>
+          </a:effectRef>
+          <a:fontRef idx="minor">
+            <a:schemeClr val="lt1"/>
+          </a:fontRef>
+        </p:style>
+        <p:txBody>
+          <a:bodyPr rtlCol="0" anchor="ctr"/>
+          <a:lstStyle/>
+          <a:p>
+            <a:pPr algn="ctr"/>
+            <a:r>
+              <a:rPr lang="fr-FR" sz="600" dirty="0"/>
+              <a:t>DME</a:t>
+            </a:r>
+          </a:p>
+        </p:txBody>
+      </p:sp>
+      <p:sp>
+        <p:nvSpPr>
+          <p:cNvPr id="247" name="Ellipse 246">
+            <a:extLst>
+              <a:ext uri="{FF2B5EF4-FFF2-40B4-BE49-F238E27FC236}">
+                <a16:creationId xmlns:a16="http://schemas.microsoft.com/office/drawing/2014/main" id="{B1E88387-AE79-C298-AE95-F2E7871D9A4D}"/>
+              </a:ext>
+            </a:extLst>
+          </p:cNvPr>
+          <p:cNvSpPr/>
+          <p:nvPr/>
+        </p:nvSpPr>
+        <p:spPr>
+          <a:xfrm>
+            <a:off x="5871716" y="6619035"/>
+            <a:ext cx="630000" cy="630000"/>
+          </a:xfrm>
+          <a:prstGeom prst="ellipse">
+            <a:avLst/>
+          </a:prstGeom>
+        </p:spPr>
+        <p:style>
+          <a:lnRef idx="2">
+            <a:schemeClr val="accent5">
+              <a:shade val="15000"/>
+            </a:schemeClr>
+          </a:lnRef>
+          <a:fillRef idx="1">
+            <a:schemeClr val="accent5"/>
+          </a:fillRef>
+          <a:effectRef idx="0">
+            <a:schemeClr val="accent5"/>
+          </a:effectRef>
+          <a:fontRef idx="minor">
+            <a:schemeClr val="lt1"/>
+          </a:fontRef>
+        </p:style>
+        <p:txBody>
+          <a:bodyPr rtlCol="0" anchor="ctr"/>
+          <a:lstStyle/>
+          <a:p>
+            <a:pPr algn="ctr"/>
+            <a:r>
+              <a:rPr lang="fr-FR" sz="600" dirty="0"/>
+              <a:t>VOLUME/SQ</a:t>
+            </a:r>
+          </a:p>
+        </p:txBody>
+      </p:sp>
+      <p:cxnSp>
+        <p:nvCxnSpPr>
+          <p:cNvPr id="248" name="Connecteur droit 247">
+            <a:extLst>
+              <a:ext uri="{FF2B5EF4-FFF2-40B4-BE49-F238E27FC236}">
+                <a16:creationId xmlns:a16="http://schemas.microsoft.com/office/drawing/2014/main" id="{D4D26149-611F-B8BD-1E76-AE66C3D570AD}"/>
+              </a:ext>
+            </a:extLst>
+          </p:cNvPr>
+          <p:cNvCxnSpPr/>
+          <p:nvPr/>
+        </p:nvCxnSpPr>
+        <p:spPr>
+          <a:xfrm>
+            <a:off x="2925440" y="6547271"/>
+            <a:ext cx="0" cy="254625"/>
+          </a:xfrm>
+          <a:prstGeom prst="line">
+            <a:avLst/>
+          </a:prstGeom>
+          <a:ln w="57150"/>
+        </p:spPr>
+        <p:style>
+          <a:lnRef idx="2">
+            <a:schemeClr val="accent6"/>
+          </a:lnRef>
+          <a:fillRef idx="0">
+            <a:schemeClr val="accent6"/>
+          </a:fillRef>
+          <a:effectRef idx="1">
+            <a:schemeClr val="accent6"/>
+          </a:effectRef>
+          <a:fontRef idx="minor">
+            <a:schemeClr val="tx1"/>
+          </a:fontRef>
+        </p:style>
+      </p:cxnSp>
+      <p:cxnSp>
+        <p:nvCxnSpPr>
+          <p:cNvPr id="249" name="Connecteur droit 248">
+            <a:extLst>
+              <a:ext uri="{FF2B5EF4-FFF2-40B4-BE49-F238E27FC236}">
+                <a16:creationId xmlns:a16="http://schemas.microsoft.com/office/drawing/2014/main" id="{F879CA0C-C445-E923-FE3D-E407D6580FAF}"/>
+              </a:ext>
+            </a:extLst>
+          </p:cNvPr>
+          <p:cNvCxnSpPr/>
+          <p:nvPr/>
+        </p:nvCxnSpPr>
+        <p:spPr>
+          <a:xfrm>
+            <a:off x="2925440" y="7007702"/>
+            <a:ext cx="0" cy="254625"/>
+          </a:xfrm>
+          <a:prstGeom prst="line">
+            <a:avLst/>
+          </a:prstGeom>
+          <a:ln w="57150"/>
+        </p:spPr>
+        <p:style>
+          <a:lnRef idx="2">
+            <a:schemeClr val="accent6"/>
+          </a:lnRef>
+          <a:fillRef idx="0">
+            <a:schemeClr val="accent6"/>
+          </a:fillRef>
+          <a:effectRef idx="1">
+            <a:schemeClr val="accent6"/>
+          </a:effectRef>
+          <a:fontRef idx="minor">
+            <a:schemeClr val="tx1"/>
+          </a:fontRef>
+        </p:style>
+      </p:cxnSp>
+      <p:cxnSp>
+        <p:nvCxnSpPr>
+          <p:cNvPr id="250" name="Connecteur droit 249">
+            <a:extLst>
+              <a:ext uri="{FF2B5EF4-FFF2-40B4-BE49-F238E27FC236}">
+                <a16:creationId xmlns:a16="http://schemas.microsoft.com/office/drawing/2014/main" id="{65E364A4-D70D-E117-10CC-9B2AA835C6C0}"/>
+              </a:ext>
+            </a:extLst>
+          </p:cNvPr>
+          <p:cNvCxnSpPr/>
+          <p:nvPr/>
+        </p:nvCxnSpPr>
+        <p:spPr>
+          <a:xfrm>
+            <a:off x="3682773" y="6547271"/>
+            <a:ext cx="0" cy="254625"/>
+          </a:xfrm>
+          <a:prstGeom prst="line">
+            <a:avLst/>
+          </a:prstGeom>
+          <a:ln w="57150"/>
+        </p:spPr>
+        <p:style>
+          <a:lnRef idx="2">
+            <a:schemeClr val="accent6"/>
+          </a:lnRef>
+          <a:fillRef idx="0">
+            <a:schemeClr val="accent6"/>
+          </a:fillRef>
+          <a:effectRef idx="1">
+            <a:schemeClr val="accent6"/>
+          </a:effectRef>
+          <a:fontRef idx="minor">
+            <a:schemeClr val="tx1"/>
+          </a:fontRef>
+        </p:style>
+      </p:cxnSp>
+      <p:cxnSp>
+        <p:nvCxnSpPr>
+          <p:cNvPr id="251" name="Connecteur droit 250">
+            <a:extLst>
+              <a:ext uri="{FF2B5EF4-FFF2-40B4-BE49-F238E27FC236}">
+                <a16:creationId xmlns:a16="http://schemas.microsoft.com/office/drawing/2014/main" id="{32571C4C-C66C-275D-7FAC-B86AAB986BFA}"/>
+              </a:ext>
+            </a:extLst>
+          </p:cNvPr>
+          <p:cNvCxnSpPr/>
+          <p:nvPr/>
+        </p:nvCxnSpPr>
+        <p:spPr>
+          <a:xfrm>
+            <a:off x="3682773" y="7007702"/>
+            <a:ext cx="0" cy="254625"/>
+          </a:xfrm>
+          <a:prstGeom prst="line">
+            <a:avLst/>
+          </a:prstGeom>
+          <a:ln w="57150"/>
+        </p:spPr>
+        <p:style>
+          <a:lnRef idx="2">
+            <a:schemeClr val="accent6"/>
+          </a:lnRef>
+          <a:fillRef idx="0">
+            <a:schemeClr val="accent6"/>
+          </a:fillRef>
+          <a:effectRef idx="1">
+            <a:schemeClr val="accent6"/>
+          </a:effectRef>
+          <a:fontRef idx="minor">
+            <a:schemeClr val="tx1"/>
+          </a:fontRef>
+        </p:style>
+      </p:cxnSp>
+      <p:cxnSp>
+        <p:nvCxnSpPr>
+          <p:cNvPr id="252" name="Connecteur droit 251">
+            <a:extLst>
+              <a:ext uri="{FF2B5EF4-FFF2-40B4-BE49-F238E27FC236}">
+                <a16:creationId xmlns:a16="http://schemas.microsoft.com/office/drawing/2014/main" id="{8BAEE96D-4B40-D662-57BB-721ADC6144C1}"/>
+              </a:ext>
+            </a:extLst>
+          </p:cNvPr>
+          <p:cNvCxnSpPr/>
+          <p:nvPr/>
+        </p:nvCxnSpPr>
+        <p:spPr>
+          <a:xfrm>
+            <a:off x="4475126" y="6547271"/>
+            <a:ext cx="0" cy="254625"/>
+          </a:xfrm>
+          <a:prstGeom prst="line">
+            <a:avLst/>
+          </a:prstGeom>
+          <a:ln w="57150"/>
+        </p:spPr>
+        <p:style>
+          <a:lnRef idx="2">
+            <a:schemeClr val="accent6"/>
+          </a:lnRef>
+          <a:fillRef idx="0">
+            <a:schemeClr val="accent6"/>
+          </a:fillRef>
+          <a:effectRef idx="1">
+            <a:schemeClr val="accent6"/>
+          </a:effectRef>
+          <a:fontRef idx="minor">
+            <a:schemeClr val="tx1"/>
+          </a:fontRef>
+        </p:style>
+      </p:cxnSp>
+      <p:cxnSp>
+        <p:nvCxnSpPr>
+          <p:cNvPr id="253" name="Connecteur droit 252">
+            <a:extLst>
+              <a:ext uri="{FF2B5EF4-FFF2-40B4-BE49-F238E27FC236}">
+                <a16:creationId xmlns:a16="http://schemas.microsoft.com/office/drawing/2014/main" id="{28FD8FB8-816B-C634-ACBD-2624D7798DBD}"/>
+              </a:ext>
+            </a:extLst>
+          </p:cNvPr>
+          <p:cNvCxnSpPr/>
+          <p:nvPr/>
+        </p:nvCxnSpPr>
+        <p:spPr>
+          <a:xfrm>
+            <a:off x="4475126" y="7007702"/>
+            <a:ext cx="0" cy="254625"/>
+          </a:xfrm>
+          <a:prstGeom prst="line">
+            <a:avLst/>
+          </a:prstGeom>
+          <a:ln w="57150"/>
+        </p:spPr>
+        <p:style>
+          <a:lnRef idx="2">
+            <a:schemeClr val="accent6"/>
+          </a:lnRef>
+          <a:fillRef idx="0">
+            <a:schemeClr val="accent6"/>
+          </a:fillRef>
+          <a:effectRef idx="1">
+            <a:schemeClr val="accent6"/>
+          </a:effectRef>
+          <a:fontRef idx="minor">
+            <a:schemeClr val="tx1"/>
+          </a:fontRef>
+        </p:style>
+      </p:cxnSp>
+      <p:cxnSp>
+        <p:nvCxnSpPr>
+          <p:cNvPr id="254" name="Connecteur droit 253">
+            <a:extLst>
+              <a:ext uri="{FF2B5EF4-FFF2-40B4-BE49-F238E27FC236}">
+                <a16:creationId xmlns:a16="http://schemas.microsoft.com/office/drawing/2014/main" id="{E7D1BA17-3538-EAB7-A32C-9B766AB17A8C}"/>
+              </a:ext>
+            </a:extLst>
+          </p:cNvPr>
+          <p:cNvCxnSpPr/>
+          <p:nvPr/>
+        </p:nvCxnSpPr>
+        <p:spPr>
+          <a:xfrm>
+            <a:off x="5081119" y="6555434"/>
+            <a:ext cx="0" cy="254625"/>
+          </a:xfrm>
+          <a:prstGeom prst="line">
+            <a:avLst/>
+          </a:prstGeom>
+          <a:ln w="57150"/>
+        </p:spPr>
+        <p:style>
+          <a:lnRef idx="2">
+            <a:schemeClr val="accent6"/>
+          </a:lnRef>
+          <a:fillRef idx="0">
+            <a:schemeClr val="accent6"/>
+          </a:fillRef>
+          <a:effectRef idx="1">
+            <a:schemeClr val="accent6"/>
+          </a:effectRef>
+          <a:fontRef idx="minor">
+            <a:schemeClr val="tx1"/>
+          </a:fontRef>
+        </p:style>
+      </p:cxnSp>
+      <p:cxnSp>
+        <p:nvCxnSpPr>
+          <p:cNvPr id="255" name="Connecteur droit 254">
+            <a:extLst>
+              <a:ext uri="{FF2B5EF4-FFF2-40B4-BE49-F238E27FC236}">
+                <a16:creationId xmlns:a16="http://schemas.microsoft.com/office/drawing/2014/main" id="{3BC1BD44-F84A-0AF4-84C3-F65CD868F62B}"/>
+              </a:ext>
+            </a:extLst>
+          </p:cNvPr>
+          <p:cNvCxnSpPr/>
+          <p:nvPr/>
+        </p:nvCxnSpPr>
+        <p:spPr>
+          <a:xfrm>
+            <a:off x="5081119" y="7015865"/>
+            <a:ext cx="0" cy="254625"/>
+          </a:xfrm>
+          <a:prstGeom prst="line">
+            <a:avLst/>
+          </a:prstGeom>
+          <a:ln w="57150"/>
+        </p:spPr>
+        <p:style>
+          <a:lnRef idx="2">
+            <a:schemeClr val="accent6"/>
+          </a:lnRef>
+          <a:fillRef idx="0">
+            <a:schemeClr val="accent6"/>
+          </a:fillRef>
+          <a:effectRef idx="1">
+            <a:schemeClr val="accent6"/>
+          </a:effectRef>
+          <a:fontRef idx="minor">
+            <a:schemeClr val="tx1"/>
+          </a:fontRef>
+        </p:style>
+      </p:cxnSp>
+      <p:sp>
+        <p:nvSpPr>
+          <p:cNvPr id="256" name="Rectangle 255">
+            <a:extLst>
+              <a:ext uri="{FF2B5EF4-FFF2-40B4-BE49-F238E27FC236}">
+                <a16:creationId xmlns:a16="http://schemas.microsoft.com/office/drawing/2014/main" id="{B4E5FF7B-CC8A-DABA-253F-B74C1B2F269A}"/>
+              </a:ext>
+            </a:extLst>
+          </p:cNvPr>
+          <p:cNvSpPr/>
+          <p:nvPr/>
+        </p:nvSpPr>
+        <p:spPr>
+          <a:xfrm>
+            <a:off x="1347841" y="6501977"/>
+            <a:ext cx="360000" cy="252000"/>
+          </a:xfrm>
+          <a:prstGeom prst="rect">
+            <a:avLst/>
+          </a:prstGeom>
+        </p:spPr>
+        <p:style>
+          <a:lnRef idx="2">
+            <a:schemeClr val="dk1"/>
+          </a:lnRef>
+          <a:fillRef idx="1">
+            <a:schemeClr val="lt1"/>
+          </a:fillRef>
+          <a:effectRef idx="0">
+            <a:schemeClr val="dk1"/>
+          </a:effectRef>
+          <a:fontRef idx="minor">
+            <a:schemeClr val="dk1"/>
+          </a:fontRef>
+        </p:style>
+        <p:txBody>
+          <a:bodyPr rtlCol="0" anchor="ctr"/>
+          <a:lstStyle/>
+          <a:p>
+            <a:pPr algn="ctr"/>
+            <a:r>
+              <a:rPr lang="fr-FR" sz="600" dirty="0"/>
+              <a:t>A</a:t>
+            </a:r>
+          </a:p>
+        </p:txBody>
+      </p:sp>
+      <p:sp>
+        <p:nvSpPr>
+          <p:cNvPr id="257" name="Rectangle 256">
+            <a:extLst>
+              <a:ext uri="{FF2B5EF4-FFF2-40B4-BE49-F238E27FC236}">
+                <a16:creationId xmlns:a16="http://schemas.microsoft.com/office/drawing/2014/main" id="{9F168C4C-B065-C22A-D4D4-D1CE416533D9}"/>
+              </a:ext>
+            </a:extLst>
+          </p:cNvPr>
+          <p:cNvSpPr/>
+          <p:nvPr/>
+        </p:nvSpPr>
+        <p:spPr>
+          <a:xfrm>
+            <a:off x="1347841" y="6791731"/>
+            <a:ext cx="360000" cy="252000"/>
+          </a:xfrm>
+          <a:prstGeom prst="rect">
+            <a:avLst/>
+          </a:prstGeom>
+        </p:spPr>
+        <p:style>
+          <a:lnRef idx="2">
+            <a:schemeClr val="accent4">
+              <a:shade val="15000"/>
+            </a:schemeClr>
+          </a:lnRef>
+          <a:fillRef idx="1">
+            <a:schemeClr val="accent4"/>
+          </a:fillRef>
+          <a:effectRef idx="0">
+            <a:schemeClr val="accent4"/>
+          </a:effectRef>
+          <a:fontRef idx="minor">
+            <a:schemeClr val="lt1"/>
+          </a:fontRef>
+        </p:style>
+        <p:txBody>
+          <a:bodyPr rtlCol="0" anchor="ctr"/>
+          <a:lstStyle/>
+          <a:p>
+            <a:pPr algn="ctr"/>
+            <a:r>
+              <a:rPr lang="fr-FR" sz="600" dirty="0"/>
+              <a:t>O</a:t>
+            </a:r>
+          </a:p>
+        </p:txBody>
+      </p:sp>
+      <p:sp>
+        <p:nvSpPr>
+          <p:cNvPr id="258" name="Rectangle 257">
+            <a:extLst>
+              <a:ext uri="{FF2B5EF4-FFF2-40B4-BE49-F238E27FC236}">
+                <a16:creationId xmlns:a16="http://schemas.microsoft.com/office/drawing/2014/main" id="{A2500818-FCA6-A513-2BA0-12192CC990BC}"/>
+              </a:ext>
+            </a:extLst>
+          </p:cNvPr>
+          <p:cNvSpPr/>
+          <p:nvPr/>
+        </p:nvSpPr>
+        <p:spPr>
+          <a:xfrm>
+            <a:off x="1347841" y="7088281"/>
+            <a:ext cx="360000" cy="252000"/>
+          </a:xfrm>
+          <a:prstGeom prst="rect">
+            <a:avLst/>
+          </a:prstGeom>
+        </p:spPr>
+        <p:style>
+          <a:lnRef idx="2">
+            <a:schemeClr val="accent2">
+              <a:shade val="15000"/>
+            </a:schemeClr>
+          </a:lnRef>
+          <a:fillRef idx="1">
+            <a:schemeClr val="accent2"/>
+          </a:fillRef>
+          <a:effectRef idx="0">
+            <a:schemeClr val="accent2"/>
+          </a:effectRef>
+          <a:fontRef idx="minor">
+            <a:schemeClr val="lt1"/>
+          </a:fontRef>
+        </p:style>
+        <p:txBody>
+          <a:bodyPr rtlCol="0" anchor="ctr"/>
+          <a:lstStyle/>
+          <a:p>
+            <a:pPr algn="ctr"/>
+            <a:r>
+              <a:rPr lang="fr-FR" sz="600" dirty="0"/>
+              <a:t>M</a:t>
+            </a:r>
+          </a:p>
+        </p:txBody>
+      </p:sp>
+      <p:cxnSp>
+        <p:nvCxnSpPr>
+          <p:cNvPr id="259" name="Connecteur droit 258">
+            <a:extLst>
+              <a:ext uri="{FF2B5EF4-FFF2-40B4-BE49-F238E27FC236}">
+                <a16:creationId xmlns:a16="http://schemas.microsoft.com/office/drawing/2014/main" id="{2B03C153-7CED-B87D-500F-5166B39E593A}"/>
+              </a:ext>
+            </a:extLst>
+          </p:cNvPr>
+          <p:cNvCxnSpPr/>
+          <p:nvPr/>
+        </p:nvCxnSpPr>
+        <p:spPr>
+          <a:xfrm>
+            <a:off x="2303759" y="6555434"/>
+            <a:ext cx="0" cy="254625"/>
+          </a:xfrm>
+          <a:prstGeom prst="line">
+            <a:avLst/>
+          </a:prstGeom>
+          <a:ln w="57150"/>
+        </p:spPr>
+        <p:style>
+          <a:lnRef idx="2">
+            <a:schemeClr val="accent6"/>
+          </a:lnRef>
+          <a:fillRef idx="0">
+            <a:schemeClr val="accent6"/>
+          </a:fillRef>
+          <a:effectRef idx="1">
+            <a:schemeClr val="accent6"/>
+          </a:effectRef>
+          <a:fontRef idx="minor">
+            <a:schemeClr val="tx1"/>
+          </a:fontRef>
+        </p:style>
+      </p:cxnSp>
+      <p:cxnSp>
+        <p:nvCxnSpPr>
+          <p:cNvPr id="260" name="Connecteur droit 259">
+            <a:extLst>
+              <a:ext uri="{FF2B5EF4-FFF2-40B4-BE49-F238E27FC236}">
+                <a16:creationId xmlns:a16="http://schemas.microsoft.com/office/drawing/2014/main" id="{D4442D67-E39B-4CE7-65AE-C084DEF3272D}"/>
+              </a:ext>
+            </a:extLst>
+          </p:cNvPr>
+          <p:cNvCxnSpPr/>
+          <p:nvPr/>
+        </p:nvCxnSpPr>
+        <p:spPr>
+          <a:xfrm>
+            <a:off x="2303759" y="7015865"/>
+            <a:ext cx="0" cy="254625"/>
+          </a:xfrm>
+          <a:prstGeom prst="line">
+            <a:avLst/>
+          </a:prstGeom>
+          <a:ln w="57150"/>
+        </p:spPr>
+        <p:style>
+          <a:lnRef idx="2">
+            <a:schemeClr val="accent6"/>
+          </a:lnRef>
+          <a:fillRef idx="0">
+            <a:schemeClr val="accent6"/>
+          </a:fillRef>
+          <a:effectRef idx="1">
+            <a:schemeClr val="accent6"/>
+          </a:effectRef>
+          <a:fontRef idx="minor">
+            <a:schemeClr val="tx1"/>
+          </a:fontRef>
+        </p:style>
+      </p:cxnSp>
+      <p:cxnSp>
+        <p:nvCxnSpPr>
+          <p:cNvPr id="261" name="Connecteur droit 260">
+            <a:extLst>
+              <a:ext uri="{FF2B5EF4-FFF2-40B4-BE49-F238E27FC236}">
+                <a16:creationId xmlns:a16="http://schemas.microsoft.com/office/drawing/2014/main" id="{FC3A898F-9A46-D413-5399-511086447098}"/>
+              </a:ext>
+            </a:extLst>
+          </p:cNvPr>
+          <p:cNvCxnSpPr/>
+          <p:nvPr/>
+        </p:nvCxnSpPr>
+        <p:spPr>
+          <a:xfrm>
+            <a:off x="5705959" y="6547271"/>
+            <a:ext cx="0" cy="254625"/>
+          </a:xfrm>
+          <a:prstGeom prst="line">
+            <a:avLst/>
+          </a:prstGeom>
+          <a:ln w="57150"/>
+        </p:spPr>
+        <p:style>
+          <a:lnRef idx="2">
+            <a:schemeClr val="accent6"/>
+          </a:lnRef>
+          <a:fillRef idx="0">
+            <a:schemeClr val="accent6"/>
+          </a:fillRef>
+          <a:effectRef idx="1">
+            <a:schemeClr val="accent6"/>
+          </a:effectRef>
+          <a:fontRef idx="minor">
+            <a:schemeClr val="tx1"/>
+          </a:fontRef>
+        </p:style>
+      </p:cxnSp>
+      <p:cxnSp>
+        <p:nvCxnSpPr>
+          <p:cNvPr id="262" name="Connecteur droit 261">
+            <a:extLst>
+              <a:ext uri="{FF2B5EF4-FFF2-40B4-BE49-F238E27FC236}">
+                <a16:creationId xmlns:a16="http://schemas.microsoft.com/office/drawing/2014/main" id="{C299999E-C496-CCFB-2E8B-938C92BDCBE3}"/>
+              </a:ext>
+            </a:extLst>
+          </p:cNvPr>
+          <p:cNvCxnSpPr/>
+          <p:nvPr/>
+        </p:nvCxnSpPr>
+        <p:spPr>
+          <a:xfrm>
+            <a:off x="5705959" y="7007702"/>
+            <a:ext cx="0" cy="254625"/>
+          </a:xfrm>
+          <a:prstGeom prst="line">
+            <a:avLst/>
+          </a:prstGeom>
+          <a:ln w="57150"/>
+        </p:spPr>
+        <p:style>
+          <a:lnRef idx="2">
+            <a:schemeClr val="accent6"/>
+          </a:lnRef>
+          <a:fillRef idx="0">
+            <a:schemeClr val="accent6"/>
+          </a:fillRef>
+          <a:effectRef idx="1">
+            <a:schemeClr val="accent6"/>
+          </a:effectRef>
+          <a:fontRef idx="minor">
+            <a:schemeClr val="tx1"/>
+          </a:fontRef>
+        </p:style>
+      </p:cxnSp>
     </p:spTree>
     <p:extLst>
       <p:ext uri="{BB962C8B-B14F-4D97-AF65-F5344CB8AC3E}">
@@ -17359,6 +22758,120 @@
     <p:extLst>
       <p:ext uri="{BB962C8B-B14F-4D97-AF65-F5344CB8AC3E}">
         <p14:creationId xmlns:p14="http://schemas.microsoft.com/office/powerpoint/2010/main" val="3015913602"/>
+      </p:ext>
+    </p:extLst>
+  </p:cSld>
+  <p:clrMapOvr>
+    <a:masterClrMapping/>
+  </p:clrMapOvr>
+</p:sld>
+</file>
+
+<file path=ppt/slides/slide6.xml><?xml version="1.0" encoding="utf-8"?>
+<p:sld xmlns:a="http://schemas.openxmlformats.org/drawingml/2006/main" xmlns:r="http://schemas.openxmlformats.org/officeDocument/2006/relationships" xmlns:p="http://schemas.openxmlformats.org/presentationml/2006/main">
+  <p:cSld>
+    <p:spTree>
+      <p:nvGrpSpPr>
+        <p:cNvPr id="1" name=""/>
+        <p:cNvGrpSpPr/>
+        <p:nvPr/>
+      </p:nvGrpSpPr>
+      <p:grpSpPr>
+        <a:xfrm>
+          <a:off x="0" y="0"/>
+          <a:ext cx="0" cy="0"/>
+          <a:chOff x="0" y="0"/>
+          <a:chExt cx="0" cy="0"/>
+        </a:xfrm>
+      </p:grpSpPr>
+      <p:sp>
+        <p:nvSpPr>
+          <p:cNvPr id="2" name="Titre 1">
+            <a:extLst>
+              <a:ext uri="{FF2B5EF4-FFF2-40B4-BE49-F238E27FC236}">
+                <a16:creationId xmlns:a16="http://schemas.microsoft.com/office/drawing/2014/main" id="{39E04CF2-2BBF-C09B-FBC6-2E0A62C32FB5}"/>
+              </a:ext>
+            </a:extLst>
+          </p:cNvPr>
+          <p:cNvSpPr>
+            <a:spLocks noGrp="1"/>
+          </p:cNvSpPr>
+          <p:nvPr>
+            <p:ph type="title"/>
+          </p:nvPr>
+        </p:nvSpPr>
+        <p:spPr/>
+        <p:txBody>
+          <a:bodyPr/>
+          <a:lstStyle/>
+          <a:p>
+            <a:r>
+              <a:rPr lang="fr-FR" dirty="0"/>
+              <a:t>F-18 DDI</a:t>
+            </a:r>
+          </a:p>
+        </p:txBody>
+      </p:sp>
+      <p:sp>
+        <p:nvSpPr>
+          <p:cNvPr id="3" name="Espace réservé du contenu 2">
+            <a:extLst>
+              <a:ext uri="{FF2B5EF4-FFF2-40B4-BE49-F238E27FC236}">
+                <a16:creationId xmlns:a16="http://schemas.microsoft.com/office/drawing/2014/main" id="{BC4FA253-193F-A985-104D-1B715FEBC67D}"/>
+              </a:ext>
+            </a:extLst>
+          </p:cNvPr>
+          <p:cNvSpPr>
+            <a:spLocks noGrp="1"/>
+          </p:cNvSpPr>
+          <p:nvPr>
+            <p:ph idx="1"/>
+          </p:nvPr>
+        </p:nvSpPr>
+        <p:spPr/>
+        <p:txBody>
+          <a:bodyPr/>
+          <a:lstStyle/>
+          <a:p>
+            <a:r>
+              <a:rPr lang="fr-FR" dirty="0"/>
+              <a:t>TLA 180 60 Vert</a:t>
+            </a:r>
+          </a:p>
+          <a:p>
+            <a:pPr lvl="1"/>
+            <a:r>
+              <a:rPr lang="fr-FR" dirty="0"/>
+              <a:t>3,4V max</a:t>
+            </a:r>
+          </a:p>
+          <a:p>
+            <a:pPr lvl="1"/>
+            <a:r>
+              <a:rPr lang="fr-FR" dirty="0"/>
+              <a:t>30 mA (100mA </a:t>
+            </a:r>
+            <a:r>
+              <a:rPr lang="fr-FR" dirty="0" err="1"/>
+              <a:t>peak</a:t>
+            </a:r>
+            <a:r>
+              <a:rPr lang="fr-FR" dirty="0"/>
+              <a:t>)</a:t>
+            </a:r>
+          </a:p>
+          <a:p>
+            <a:r>
+              <a:rPr lang="fr-FR" dirty="0"/>
+              <a:t>Arduino Nano</a:t>
+            </a:r>
+          </a:p>
+        </p:txBody>
+      </p:sp>
+    </p:spTree>
+    <p:extLst>
+      <p:ext uri="{BB962C8B-B14F-4D97-AF65-F5344CB8AC3E}">
+        <p14:creationId xmlns:p14="http://schemas.microsoft.com/office/powerpoint/2010/main" val="298589580"/>
       </p:ext>
     </p:extLst>
   </p:cSld>
